--- a/pics/2020-11-17-four_fundamental_subspaces/pics.pptx
+++ b/pics/2020-11-17-four_fundamental_subspaces/pics.pptx
@@ -4,6 +4,10 @@
   <p:sldMasterIdLst>
     <p:sldMasterId id="2147483648" r:id="rId1"/>
   </p:sldMasterIdLst>
+  <p:sldIdLst>
+    <p:sldId id="256" r:id="rId2"/>
+    <p:sldId id="257" r:id="rId3"/>
+  </p:sldIdLst>
   <p:sldSz cx="9144000" cy="6858000" type="screen4x3"/>
   <p:notesSz cx="6858000" cy="9144000"/>
   <p:defaultTextStyle>
@@ -285,7 +289,7 @@
           <a:p>
             <a:fld id="{FB30EDBD-1C2D-4C1E-B459-B60219FAB484}" type="datetimeFigureOut">
               <a:rPr lang="ko-KR" altLang="en-US" smtClean="0"/>
-              <a:t>2006-10-04</a:t>
+              <a:t>2020-11-18</a:t>
             </a:fld>
             <a:endParaRPr lang="ko-KR" altLang="en-US"/>
           </a:p>
@@ -450,7 +454,7 @@
           <a:p>
             <a:fld id="{FB30EDBD-1C2D-4C1E-B459-B60219FAB484}" type="datetimeFigureOut">
               <a:rPr lang="ko-KR" altLang="en-US" smtClean="0"/>
-              <a:t>2006-10-04</a:t>
+              <a:t>2020-11-18</a:t>
             </a:fld>
             <a:endParaRPr lang="ko-KR" altLang="en-US"/>
           </a:p>
@@ -625,7 +629,7 @@
           <a:p>
             <a:fld id="{FB30EDBD-1C2D-4C1E-B459-B60219FAB484}" type="datetimeFigureOut">
               <a:rPr lang="ko-KR" altLang="en-US" smtClean="0"/>
-              <a:t>2006-10-04</a:t>
+              <a:t>2020-11-18</a:t>
             </a:fld>
             <a:endParaRPr lang="ko-KR" altLang="en-US"/>
           </a:p>
@@ -790,7 +794,7 @@
           <a:p>
             <a:fld id="{FB30EDBD-1C2D-4C1E-B459-B60219FAB484}" type="datetimeFigureOut">
               <a:rPr lang="ko-KR" altLang="en-US" smtClean="0"/>
-              <a:t>2006-10-04</a:t>
+              <a:t>2020-11-18</a:t>
             </a:fld>
             <a:endParaRPr lang="ko-KR" altLang="en-US"/>
           </a:p>
@@ -1031,7 +1035,7 @@
           <a:p>
             <a:fld id="{FB30EDBD-1C2D-4C1E-B459-B60219FAB484}" type="datetimeFigureOut">
               <a:rPr lang="ko-KR" altLang="en-US" smtClean="0"/>
-              <a:t>2006-10-04</a:t>
+              <a:t>2020-11-18</a:t>
             </a:fld>
             <a:endParaRPr lang="ko-KR" altLang="en-US"/>
           </a:p>
@@ -1314,7 +1318,7 @@
           <a:p>
             <a:fld id="{FB30EDBD-1C2D-4C1E-B459-B60219FAB484}" type="datetimeFigureOut">
               <a:rPr lang="ko-KR" altLang="en-US" smtClean="0"/>
-              <a:t>2006-10-04</a:t>
+              <a:t>2020-11-18</a:t>
             </a:fld>
             <a:endParaRPr lang="ko-KR" altLang="en-US"/>
           </a:p>
@@ -1731,7 +1735,7 @@
           <a:p>
             <a:fld id="{FB30EDBD-1C2D-4C1E-B459-B60219FAB484}" type="datetimeFigureOut">
               <a:rPr lang="ko-KR" altLang="en-US" smtClean="0"/>
-              <a:t>2006-10-04</a:t>
+              <a:t>2020-11-18</a:t>
             </a:fld>
             <a:endParaRPr lang="ko-KR" altLang="en-US"/>
           </a:p>
@@ -1844,7 +1848,7 @@
           <a:p>
             <a:fld id="{FB30EDBD-1C2D-4C1E-B459-B60219FAB484}" type="datetimeFigureOut">
               <a:rPr lang="ko-KR" altLang="en-US" smtClean="0"/>
-              <a:t>2006-10-04</a:t>
+              <a:t>2020-11-18</a:t>
             </a:fld>
             <a:endParaRPr lang="ko-KR" altLang="en-US"/>
           </a:p>
@@ -1934,7 +1938,7 @@
           <a:p>
             <a:fld id="{FB30EDBD-1C2D-4C1E-B459-B60219FAB484}" type="datetimeFigureOut">
               <a:rPr lang="ko-KR" altLang="en-US" smtClean="0"/>
-              <a:t>2006-10-04</a:t>
+              <a:t>2020-11-18</a:t>
             </a:fld>
             <a:endParaRPr lang="ko-KR" altLang="en-US"/>
           </a:p>
@@ -2206,7 +2210,7 @@
           <a:p>
             <a:fld id="{FB30EDBD-1C2D-4C1E-B459-B60219FAB484}" type="datetimeFigureOut">
               <a:rPr lang="ko-KR" altLang="en-US" smtClean="0"/>
-              <a:t>2006-10-04</a:t>
+              <a:t>2020-11-18</a:t>
             </a:fld>
             <a:endParaRPr lang="ko-KR" altLang="en-US"/>
           </a:p>
@@ -2454,7 +2458,7 @@
           <a:p>
             <a:fld id="{FB30EDBD-1C2D-4C1E-B459-B60219FAB484}" type="datetimeFigureOut">
               <a:rPr lang="ko-KR" altLang="en-US" smtClean="0"/>
-              <a:t>2006-10-04</a:t>
+              <a:t>2020-11-18</a:t>
             </a:fld>
             <a:endParaRPr lang="ko-KR" altLang="en-US"/>
           </a:p>
@@ -2662,7 +2666,7 @@
           <a:p>
             <a:fld id="{FB30EDBD-1C2D-4C1E-B459-B60219FAB484}" type="datetimeFigureOut">
               <a:rPr lang="ko-KR" altLang="en-US" smtClean="0"/>
-              <a:t>2006-10-04</a:t>
+              <a:t>2020-11-18</a:t>
             </a:fld>
             <a:endParaRPr lang="ko-KR" altLang="en-US"/>
           </a:p>
@@ -3013,6 +3017,1268 @@
     </p:otherStyle>
   </p:txStyles>
 </p:sldMaster>
+</file>
+
+<file path=ppt/slides/slide1.xml><?xml version="1.0" encoding="utf-8"?>
+<p:sld xmlns:a="http://schemas.openxmlformats.org/drawingml/2006/main" xmlns:r="http://schemas.openxmlformats.org/officeDocument/2006/relationships" xmlns:p="http://schemas.openxmlformats.org/presentationml/2006/main">
+  <p:cSld>
+    <p:spTree>
+      <p:nvGrpSpPr>
+        <p:cNvPr id="1" name=""/>
+        <p:cNvGrpSpPr/>
+        <p:nvPr/>
+      </p:nvGrpSpPr>
+      <p:grpSpPr>
+        <a:xfrm>
+          <a:off x="0" y="0"/>
+          <a:ext cx="0" cy="0"/>
+          <a:chOff x="0" y="0"/>
+          <a:chExt cx="0" cy="0"/>
+        </a:xfrm>
+      </p:grpSpPr>
+      <p:pic>
+        <p:nvPicPr>
+          <p:cNvPr id="14" name="Picture 3"/>
+          <p:cNvPicPr>
+            <a:picLocks noChangeAspect="1" noChangeArrowheads="1"/>
+          </p:cNvPicPr>
+          <p:nvPr/>
+        </p:nvPicPr>
+        <p:blipFill>
+          <a:blip r:embed="rId2">
+            <a:extLst>
+              <a:ext uri="{28A0092B-C50C-407E-A947-70E740481C1C}">
+                <a14:useLocalDpi xmlns:a14="http://schemas.microsoft.com/office/drawing/2010/main" val="0"/>
+              </a:ext>
+            </a:extLst>
+          </a:blip>
+          <a:srcRect/>
+          <a:stretch>
+            <a:fillRect/>
+          </a:stretch>
+        </p:blipFill>
+        <p:spPr bwMode="auto">
+          <a:xfrm>
+            <a:off x="2290763" y="1147763"/>
+            <a:ext cx="4562475" cy="4562475"/>
+          </a:xfrm>
+          <a:prstGeom prst="rect">
+            <a:avLst/>
+          </a:prstGeom>
+          <a:noFill/>
+          <a:ln>
+            <a:noFill/>
+          </a:ln>
+          <a:effectLst/>
+          <a:extLst>
+            <a:ext uri="{909E8E84-426E-40DD-AFC4-6F175D3DCCD1}">
+              <a14:hiddenFill xmlns:a14="http://schemas.microsoft.com/office/drawing/2010/main">
+                <a:solidFill>
+                  <a:schemeClr val="accent1"/>
+                </a:solidFill>
+              </a14:hiddenFill>
+            </a:ext>
+            <a:ext uri="{91240B29-F687-4F45-9708-019B960494DF}">
+              <a14:hiddenLine xmlns:a14="http://schemas.microsoft.com/office/drawing/2010/main" w="9525">
+                <a:solidFill>
+                  <a:schemeClr val="tx1"/>
+                </a:solidFill>
+                <a:miter lim="800000"/>
+                <a:headEnd/>
+                <a:tailEnd/>
+              </a14:hiddenLine>
+            </a:ext>
+            <a:ext uri="{AF507438-7753-43E0-B8FC-AC1667EBCBE1}">
+              <a14:hiddenEffects xmlns:a14="http://schemas.microsoft.com/office/drawing/2010/main">
+                <a:effectLst>
+                  <a:outerShdw dist="35921" dir="2700000" algn="ctr" rotWithShape="0">
+                    <a:schemeClr val="bg2"/>
+                  </a:outerShdw>
+                </a:effectLst>
+              </a14:hiddenEffects>
+            </a:ext>
+          </a:extLst>
+        </p:spPr>
+      </p:pic>
+      <mc:AlternateContent xmlns:mc="http://schemas.openxmlformats.org/markup-compatibility/2006">
+        <mc:Choice xmlns:a14="http://schemas.microsoft.com/office/drawing/2010/main" Requires="a14">
+          <p:sp>
+            <p:nvSpPr>
+              <p:cNvPr id="4" name="TextBox 3"/>
+              <p:cNvSpPr txBox="1"/>
+              <p:nvPr/>
+            </p:nvSpPr>
+            <p:spPr>
+              <a:xfrm>
+                <a:off x="5188985" y="2996953"/>
+                <a:ext cx="751168" cy="307777"/>
+              </a:xfrm>
+              <a:prstGeom prst="rect">
+                <a:avLst/>
+              </a:prstGeom>
+              <a:noFill/>
+            </p:spPr>
+            <p:txBody>
+              <a:bodyPr wrap="none" rtlCol="0">
+                <a:spAutoFit/>
+              </a:bodyPr>
+              <a:lstStyle/>
+              <a:p>
+                <a14:m>
+                  <m:oMathPara xmlns:m="http://schemas.openxmlformats.org/officeDocument/2006/math">
+                    <m:oMathParaPr>
+                      <m:jc m:val="centerGroup"/>
+                    </m:oMathParaPr>
+                    <m:oMath xmlns:m="http://schemas.openxmlformats.org/officeDocument/2006/math">
+                      <m:d>
+                        <m:dPr>
+                          <m:begChr m:val="["/>
+                          <m:endChr m:val="]"/>
+                          <m:ctrlPr>
+                            <a:rPr lang="en-US" altLang="ko-KR" sz="1400" i="1" smtClean="0">
+                              <a:latin typeface="Cambria Math"/>
+                            </a:rPr>
+                          </m:ctrlPr>
+                        </m:dPr>
+                        <m:e>
+                          <m:m>
+                            <m:mPr>
+                              <m:mcs>
+                                <m:mc>
+                                  <m:mcPr>
+                                    <m:count m:val="2"/>
+                                    <m:mcJc m:val="center"/>
+                                  </m:mcPr>
+                                </m:mc>
+                              </m:mcs>
+                              <m:ctrlPr>
+                                <a:rPr lang="en-US" altLang="ko-KR" sz="1400" i="1" smtClean="0">
+                                  <a:latin typeface="Cambria Math"/>
+                                </a:rPr>
+                              </m:ctrlPr>
+                            </m:mPr>
+                            <m:mr>
+                              <m:e>
+                                <m:r>
+                                  <m:rPr>
+                                    <m:brk m:alnAt="7"/>
+                                  </m:rPr>
+                                  <a:rPr lang="en-US" altLang="ko-KR" sz="1400" b="0" i="1" smtClean="0">
+                                    <a:latin typeface="Cambria Math"/>
+                                  </a:rPr>
+                                  <m:t>2</m:t>
+                                </m:r>
+                              </m:e>
+                              <m:e>
+                                <m:r>
+                                  <a:rPr lang="en-US" altLang="ko-KR" sz="1400" b="0" i="1" smtClean="0">
+                                    <a:latin typeface="Cambria Math"/>
+                                  </a:rPr>
+                                  <m:t>1</m:t>
+                                </m:r>
+                              </m:e>
+                            </m:mr>
+                          </m:m>
+                        </m:e>
+                      </m:d>
+                    </m:oMath>
+                  </m:oMathPara>
+                </a14:m>
+                <a:endParaRPr lang="ko-KR" altLang="en-US" sz="1400" dirty="0"/>
+              </a:p>
+            </p:txBody>
+          </p:sp>
+        </mc:Choice>
+        <mc:Fallback>
+          <p:sp>
+            <p:nvSpPr>
+              <p:cNvPr id="4" name="TextBox 3"/>
+              <p:cNvSpPr txBox="1">
+                <a:spLocks noRot="1" noChangeAspect="1" noMove="1" noResize="1" noEditPoints="1" noAdjustHandles="1" noChangeArrowheads="1" noChangeShapeType="1" noTextEdit="1"/>
+              </p:cNvSpPr>
+              <p:nvPr/>
+            </p:nvSpPr>
+            <p:spPr>
+              <a:xfrm>
+                <a:off x="5188985" y="2996953"/>
+                <a:ext cx="751168" cy="307777"/>
+              </a:xfrm>
+              <a:prstGeom prst="rect">
+                <a:avLst/>
+              </a:prstGeom>
+              <a:blipFill rotWithShape="1">
+                <a:blip r:embed="rId3"/>
+                <a:stretch>
+                  <a:fillRect/>
+                </a:stretch>
+              </a:blipFill>
+            </p:spPr>
+            <p:txBody>
+              <a:bodyPr/>
+              <a:lstStyle/>
+              <a:p>
+                <a:r>
+                  <a:rPr lang="ko-KR" altLang="en-US">
+                    <a:noFill/>
+                  </a:rPr>
+                  <a:t> </a:t>
+                </a:r>
+              </a:p>
+            </p:txBody>
+          </p:sp>
+        </mc:Fallback>
+      </mc:AlternateContent>
+      <mc:AlternateContent xmlns:mc="http://schemas.openxmlformats.org/markup-compatibility/2006">
+        <mc:Choice xmlns:a14="http://schemas.microsoft.com/office/drawing/2010/main" Requires="a14">
+          <p:sp>
+            <p:nvSpPr>
+              <p:cNvPr id="6" name="TextBox 5"/>
+              <p:cNvSpPr txBox="1"/>
+              <p:nvPr/>
+            </p:nvSpPr>
+            <p:spPr>
+              <a:xfrm>
+                <a:off x="5436097" y="2218620"/>
+                <a:ext cx="751167" cy="307777"/>
+              </a:xfrm>
+              <a:prstGeom prst="rect">
+                <a:avLst/>
+              </a:prstGeom>
+              <a:noFill/>
+            </p:spPr>
+            <p:txBody>
+              <a:bodyPr wrap="none" rtlCol="0">
+                <a:spAutoFit/>
+              </a:bodyPr>
+              <a:lstStyle/>
+              <a:p>
+                <a14:m>
+                  <m:oMathPara xmlns:m="http://schemas.openxmlformats.org/officeDocument/2006/math">
+                    <m:oMathParaPr>
+                      <m:jc m:val="centerGroup"/>
+                    </m:oMathParaPr>
+                    <m:oMath xmlns:m="http://schemas.openxmlformats.org/officeDocument/2006/math">
+                      <m:d>
+                        <m:dPr>
+                          <m:begChr m:val="["/>
+                          <m:endChr m:val="]"/>
+                          <m:ctrlPr>
+                            <a:rPr lang="en-US" altLang="ko-KR" sz="1400" i="1" smtClean="0">
+                              <a:latin typeface="Cambria Math"/>
+                            </a:rPr>
+                          </m:ctrlPr>
+                        </m:dPr>
+                        <m:e>
+                          <m:m>
+                            <m:mPr>
+                              <m:mcs>
+                                <m:mc>
+                                  <m:mcPr>
+                                    <m:count m:val="2"/>
+                                    <m:mcJc m:val="center"/>
+                                  </m:mcPr>
+                                </m:mc>
+                              </m:mcs>
+                              <m:ctrlPr>
+                                <a:rPr lang="en-US" altLang="ko-KR" sz="1400" i="1" smtClean="0">
+                                  <a:latin typeface="Cambria Math"/>
+                                </a:rPr>
+                              </m:ctrlPr>
+                            </m:mPr>
+                            <m:mr>
+                              <m:e>
+                                <m:r>
+                                  <m:rPr>
+                                    <m:brk m:alnAt="7"/>
+                                  </m:rPr>
+                                  <a:rPr lang="en-US" altLang="ko-KR" sz="1400" b="0" i="1" smtClean="0">
+                                    <a:latin typeface="Cambria Math"/>
+                                  </a:rPr>
+                                  <m:t>4</m:t>
+                                </m:r>
+                              </m:e>
+                              <m:e>
+                                <m:r>
+                                  <a:rPr lang="en-US" altLang="ko-KR" sz="1400" b="0" i="1" smtClean="0">
+                                    <a:latin typeface="Cambria Math"/>
+                                  </a:rPr>
+                                  <m:t>2</m:t>
+                                </m:r>
+                              </m:e>
+                            </m:mr>
+                          </m:m>
+                        </m:e>
+                      </m:d>
+                    </m:oMath>
+                  </m:oMathPara>
+                </a14:m>
+                <a:endParaRPr lang="ko-KR" altLang="en-US" sz="1400" dirty="0"/>
+              </a:p>
+            </p:txBody>
+          </p:sp>
+        </mc:Choice>
+        <mc:Fallback>
+          <p:sp>
+            <p:nvSpPr>
+              <p:cNvPr id="6" name="TextBox 5"/>
+              <p:cNvSpPr txBox="1">
+                <a:spLocks noRot="1" noChangeAspect="1" noMove="1" noResize="1" noEditPoints="1" noAdjustHandles="1" noChangeArrowheads="1" noChangeShapeType="1" noTextEdit="1"/>
+              </p:cNvSpPr>
+              <p:nvPr/>
+            </p:nvSpPr>
+            <p:spPr>
+              <a:xfrm>
+                <a:off x="5436097" y="2218620"/>
+                <a:ext cx="751167" cy="307777"/>
+              </a:xfrm>
+              <a:prstGeom prst="rect">
+                <a:avLst/>
+              </a:prstGeom>
+              <a:blipFill rotWithShape="1">
+                <a:blip r:embed="rId4"/>
+                <a:stretch>
+                  <a:fillRect/>
+                </a:stretch>
+              </a:blipFill>
+            </p:spPr>
+            <p:txBody>
+              <a:bodyPr/>
+              <a:lstStyle/>
+              <a:p>
+                <a:r>
+                  <a:rPr lang="ko-KR" altLang="en-US">
+                    <a:noFill/>
+                  </a:rPr>
+                  <a:t> </a:t>
+                </a:r>
+              </a:p>
+            </p:txBody>
+          </p:sp>
+        </mc:Fallback>
+      </mc:AlternateContent>
+      <mc:AlternateContent xmlns:mc="http://schemas.openxmlformats.org/markup-compatibility/2006">
+        <mc:Choice xmlns:a14="http://schemas.microsoft.com/office/drawing/2010/main" Requires="a14">
+          <p:sp>
+            <p:nvSpPr>
+              <p:cNvPr id="7" name="TextBox 6"/>
+              <p:cNvSpPr txBox="1"/>
+              <p:nvPr/>
+            </p:nvSpPr>
+            <p:spPr>
+              <a:xfrm>
+                <a:off x="2699793" y="1967942"/>
+                <a:ext cx="1284134" cy="501356"/>
+              </a:xfrm>
+              <a:prstGeom prst="rect">
+                <a:avLst/>
+              </a:prstGeom>
+              <a:noFill/>
+            </p:spPr>
+            <p:txBody>
+              <a:bodyPr wrap="none" rtlCol="0">
+                <a:spAutoFit/>
+              </a:bodyPr>
+              <a:lstStyle/>
+              <a:p>
+                <a14:m>
+                  <m:oMathPara xmlns:m="http://schemas.openxmlformats.org/officeDocument/2006/math">
+                    <m:oMathParaPr>
+                      <m:jc m:val="centerGroup"/>
+                    </m:oMathParaPr>
+                    <m:oMath xmlns:m="http://schemas.openxmlformats.org/officeDocument/2006/math">
+                      <m:r>
+                        <a:rPr lang="en-US" altLang="ko-KR" sz="1600" b="0" i="1" smtClean="0">
+                          <a:latin typeface="Cambria Math"/>
+                        </a:rPr>
+                        <m:t>𝐴</m:t>
+                      </m:r>
+                      <m:r>
+                        <a:rPr lang="en-US" altLang="ko-KR" sz="1600" b="0" i="1" smtClean="0">
+                          <a:latin typeface="Cambria Math"/>
+                        </a:rPr>
+                        <m:t>= </m:t>
+                      </m:r>
+                      <m:d>
+                        <m:dPr>
+                          <m:begChr m:val="["/>
+                          <m:endChr m:val="]"/>
+                          <m:ctrlPr>
+                            <a:rPr lang="en-US" altLang="ko-KR" sz="1600" b="0" i="1" smtClean="0">
+                              <a:latin typeface="Cambria Math"/>
+                            </a:rPr>
+                          </m:ctrlPr>
+                        </m:dPr>
+                        <m:e>
+                          <m:m>
+                            <m:mPr>
+                              <m:mcs>
+                                <m:mc>
+                                  <m:mcPr>
+                                    <m:count m:val="2"/>
+                                    <m:mcJc m:val="center"/>
+                                  </m:mcPr>
+                                </m:mc>
+                              </m:mcs>
+                              <m:ctrlPr>
+                                <a:rPr lang="en-US" altLang="ko-KR" sz="1600" b="0" i="1" smtClean="0">
+                                  <a:latin typeface="Cambria Math"/>
+                                </a:rPr>
+                              </m:ctrlPr>
+                            </m:mPr>
+                            <m:mr>
+                              <m:e>
+                                <m:r>
+                                  <m:rPr>
+                                    <m:brk m:alnAt="7"/>
+                                  </m:rPr>
+                                  <a:rPr lang="en-US" altLang="ko-KR" sz="1600" b="0" i="1" smtClean="0">
+                                    <a:latin typeface="Cambria Math"/>
+                                  </a:rPr>
+                                  <m:t>2</m:t>
+                                </m:r>
+                              </m:e>
+                              <m:e>
+                                <m:r>
+                                  <a:rPr lang="en-US" altLang="ko-KR" sz="1600" b="0" i="1" smtClean="0">
+                                    <a:latin typeface="Cambria Math"/>
+                                  </a:rPr>
+                                  <m:t>1</m:t>
+                                </m:r>
+                              </m:e>
+                            </m:mr>
+                            <m:mr>
+                              <m:e>
+                                <m:r>
+                                  <a:rPr lang="en-US" altLang="ko-KR" sz="1600" b="0" i="1" smtClean="0">
+                                    <a:latin typeface="Cambria Math"/>
+                                  </a:rPr>
+                                  <m:t>4</m:t>
+                                </m:r>
+                              </m:e>
+                              <m:e>
+                                <m:r>
+                                  <a:rPr lang="en-US" altLang="ko-KR" sz="1600" b="0" i="1" smtClean="0">
+                                    <a:latin typeface="Cambria Math"/>
+                                  </a:rPr>
+                                  <m:t>2</m:t>
+                                </m:r>
+                              </m:e>
+                            </m:mr>
+                          </m:m>
+                        </m:e>
+                      </m:d>
+                    </m:oMath>
+                  </m:oMathPara>
+                </a14:m>
+                <a:endParaRPr lang="ko-KR" altLang="en-US" sz="1600" dirty="0"/>
+              </a:p>
+            </p:txBody>
+          </p:sp>
+        </mc:Choice>
+        <mc:Fallback>
+          <p:sp>
+            <p:nvSpPr>
+              <p:cNvPr id="7" name="TextBox 6"/>
+              <p:cNvSpPr txBox="1">
+                <a:spLocks noRot="1" noChangeAspect="1" noMove="1" noResize="1" noEditPoints="1" noAdjustHandles="1" noChangeArrowheads="1" noChangeShapeType="1" noTextEdit="1"/>
+              </p:cNvSpPr>
+              <p:nvPr/>
+            </p:nvSpPr>
+            <p:spPr>
+              <a:xfrm>
+                <a:off x="2699793" y="1967942"/>
+                <a:ext cx="1284134" cy="501356"/>
+              </a:xfrm>
+              <a:prstGeom prst="rect">
+                <a:avLst/>
+              </a:prstGeom>
+              <a:blipFill rotWithShape="1">
+                <a:blip r:embed="rId5"/>
+                <a:stretch>
+                  <a:fillRect b="-3659"/>
+                </a:stretch>
+              </a:blipFill>
+            </p:spPr>
+            <p:txBody>
+              <a:bodyPr/>
+              <a:lstStyle/>
+              <a:p>
+                <a:r>
+                  <a:rPr lang="ko-KR" altLang="en-US">
+                    <a:noFill/>
+                  </a:rPr>
+                  <a:t> </a:t>
+                </a:r>
+              </a:p>
+            </p:txBody>
+          </p:sp>
+        </mc:Fallback>
+      </mc:AlternateContent>
+      <mc:AlternateContent xmlns:mc="http://schemas.openxmlformats.org/markup-compatibility/2006">
+        <mc:Choice xmlns:a14="http://schemas.microsoft.com/office/drawing/2010/main" Requires="a14">
+          <p:sp>
+            <p:nvSpPr>
+              <p:cNvPr id="5" name="TextBox 4"/>
+              <p:cNvSpPr txBox="1"/>
+              <p:nvPr/>
+            </p:nvSpPr>
+            <p:spPr>
+              <a:xfrm>
+                <a:off x="2401218" y="4653137"/>
+                <a:ext cx="1881284" cy="369332"/>
+              </a:xfrm>
+              <a:prstGeom prst="rect">
+                <a:avLst/>
+              </a:prstGeom>
+              <a:noFill/>
+            </p:spPr>
+            <p:txBody>
+              <a:bodyPr wrap="none" rtlCol="0">
+                <a:spAutoFit/>
+              </a:bodyPr>
+              <a:lstStyle/>
+              <a:p>
+                <a:r>
+                  <a:rPr lang="ko-KR" altLang="en-US" dirty="0" smtClean="0"/>
+                  <a:t>행렬 </a:t>
+                </a:r>
+                <a14:m>
+                  <m:oMath xmlns:m="http://schemas.openxmlformats.org/officeDocument/2006/math">
+                    <m:r>
+                      <a:rPr lang="en-US" altLang="ko-KR" b="0" i="1" smtClean="0">
+                        <a:latin typeface="Cambria Math"/>
+                      </a:rPr>
+                      <m:t>𝐴</m:t>
+                    </m:r>
+                  </m:oMath>
+                </a14:m>
+                <a:r>
+                  <a:rPr lang="ko-KR" altLang="en-US" dirty="0" smtClean="0"/>
+                  <a:t>의 행공간</a:t>
+                </a:r>
+                <a:endParaRPr lang="ko-KR" altLang="en-US" dirty="0"/>
+              </a:p>
+            </p:txBody>
+          </p:sp>
+        </mc:Choice>
+        <mc:Fallback>
+          <p:sp>
+            <p:nvSpPr>
+              <p:cNvPr id="5" name="TextBox 4"/>
+              <p:cNvSpPr txBox="1">
+                <a:spLocks noRot="1" noChangeAspect="1" noMove="1" noResize="1" noEditPoints="1" noAdjustHandles="1" noChangeArrowheads="1" noChangeShapeType="1" noTextEdit="1"/>
+              </p:cNvSpPr>
+              <p:nvPr/>
+            </p:nvSpPr>
+            <p:spPr>
+              <a:xfrm>
+                <a:off x="2401218" y="4653137"/>
+                <a:ext cx="1881284" cy="369332"/>
+              </a:xfrm>
+              <a:prstGeom prst="rect">
+                <a:avLst/>
+              </a:prstGeom>
+              <a:blipFill rotWithShape="1">
+                <a:blip r:embed="rId6"/>
+                <a:stretch>
+                  <a:fillRect l="-2913" t="-8197" r="-1942" b="-24590"/>
+                </a:stretch>
+              </a:blipFill>
+            </p:spPr>
+            <p:txBody>
+              <a:bodyPr/>
+              <a:lstStyle/>
+              <a:p>
+                <a:r>
+                  <a:rPr lang="ko-KR" altLang="en-US">
+                    <a:noFill/>
+                  </a:rPr>
+                  <a:t> </a:t>
+                </a:r>
+              </a:p>
+            </p:txBody>
+          </p:sp>
+        </mc:Fallback>
+      </mc:AlternateContent>
+      <p:cxnSp>
+        <p:nvCxnSpPr>
+          <p:cNvPr id="11" name="직선 화살표 연결선 10"/>
+          <p:cNvCxnSpPr/>
+          <p:nvPr/>
+        </p:nvCxnSpPr>
+        <p:spPr>
+          <a:xfrm flipV="1">
+            <a:off x="3341860" y="3933057"/>
+            <a:ext cx="222029" cy="720080"/>
+          </a:xfrm>
+          <a:prstGeom prst="straightConnector1">
+            <a:avLst/>
+          </a:prstGeom>
+          <a:ln>
+            <a:prstDash val="dash"/>
+            <a:tailEnd type="arrow"/>
+          </a:ln>
+        </p:spPr>
+        <p:style>
+          <a:lnRef idx="1">
+            <a:schemeClr val="accent1"/>
+          </a:lnRef>
+          <a:fillRef idx="0">
+            <a:schemeClr val="accent1"/>
+          </a:fillRef>
+          <a:effectRef idx="0">
+            <a:schemeClr val="accent1"/>
+          </a:effectRef>
+          <a:fontRef idx="minor">
+            <a:schemeClr val="tx1"/>
+          </a:fontRef>
+        </p:style>
+      </p:cxnSp>
+    </p:spTree>
+    <p:extLst>
+      <p:ext uri="{BB962C8B-B14F-4D97-AF65-F5344CB8AC3E}">
+        <p14:creationId xmlns:p14="http://schemas.microsoft.com/office/powerpoint/2010/main" val="1140256575"/>
+      </p:ext>
+    </p:extLst>
+  </p:cSld>
+  <p:clrMapOvr>
+    <a:masterClrMapping/>
+  </p:clrMapOvr>
+</p:sld>
+</file>
+
+<file path=ppt/slides/slide2.xml><?xml version="1.0" encoding="utf-8"?>
+<p:sld xmlns:a="http://schemas.openxmlformats.org/drawingml/2006/main" xmlns:r="http://schemas.openxmlformats.org/officeDocument/2006/relationships" xmlns:p="http://schemas.openxmlformats.org/presentationml/2006/main">
+  <p:cSld>
+    <p:spTree>
+      <p:nvGrpSpPr>
+        <p:cNvPr id="1" name=""/>
+        <p:cNvGrpSpPr/>
+        <p:nvPr/>
+      </p:nvGrpSpPr>
+      <p:grpSpPr>
+        <a:xfrm>
+          <a:off x="0" y="0"/>
+          <a:ext cx="0" cy="0"/>
+          <a:chOff x="0" y="0"/>
+          <a:chExt cx="0" cy="0"/>
+        </a:xfrm>
+      </p:grpSpPr>
+      <p:pic>
+        <p:nvPicPr>
+          <p:cNvPr id="2050" name="Picture 2"/>
+          <p:cNvPicPr>
+            <a:picLocks noChangeAspect="1" noChangeArrowheads="1"/>
+          </p:cNvPicPr>
+          <p:nvPr/>
+        </p:nvPicPr>
+        <p:blipFill>
+          <a:blip r:embed="rId2">
+            <a:extLst>
+              <a:ext uri="{28A0092B-C50C-407E-A947-70E740481C1C}">
+                <a14:useLocalDpi xmlns:a14="http://schemas.microsoft.com/office/drawing/2010/main" val="0"/>
+              </a:ext>
+            </a:extLst>
+          </a:blip>
+          <a:srcRect/>
+          <a:stretch>
+            <a:fillRect/>
+          </a:stretch>
+        </p:blipFill>
+        <p:spPr bwMode="auto">
+          <a:xfrm>
+            <a:off x="2290763" y="1147763"/>
+            <a:ext cx="4562475" cy="4562475"/>
+          </a:xfrm>
+          <a:prstGeom prst="rect">
+            <a:avLst/>
+          </a:prstGeom>
+          <a:noFill/>
+          <a:ln>
+            <a:noFill/>
+          </a:ln>
+          <a:effectLst/>
+          <a:extLst>
+            <a:ext uri="{909E8E84-426E-40DD-AFC4-6F175D3DCCD1}">
+              <a14:hiddenFill xmlns:a14="http://schemas.microsoft.com/office/drawing/2010/main">
+                <a:solidFill>
+                  <a:schemeClr val="accent1"/>
+                </a:solidFill>
+              </a14:hiddenFill>
+            </a:ext>
+            <a:ext uri="{91240B29-F687-4F45-9708-019B960494DF}">
+              <a14:hiddenLine xmlns:a14="http://schemas.microsoft.com/office/drawing/2010/main" w="9525">
+                <a:solidFill>
+                  <a:schemeClr val="tx1"/>
+                </a:solidFill>
+                <a:miter lim="800000"/>
+                <a:headEnd/>
+                <a:tailEnd/>
+              </a14:hiddenLine>
+            </a:ext>
+            <a:ext uri="{AF507438-7753-43E0-B8FC-AC1667EBCBE1}">
+              <a14:hiddenEffects xmlns:a14="http://schemas.microsoft.com/office/drawing/2010/main">
+                <a:effectLst>
+                  <a:outerShdw dist="35921" dir="2700000" algn="ctr" rotWithShape="0">
+                    <a:schemeClr val="bg2"/>
+                  </a:outerShdw>
+                </a:effectLst>
+              </a14:hiddenEffects>
+            </a:ext>
+          </a:extLst>
+        </p:spPr>
+      </p:pic>
+      <mc:AlternateContent xmlns:mc="http://schemas.openxmlformats.org/markup-compatibility/2006">
+        <mc:Choice xmlns:a14="http://schemas.microsoft.com/office/drawing/2010/main" Requires="a14">
+          <p:sp>
+            <p:nvSpPr>
+              <p:cNvPr id="5" name="TextBox 4"/>
+              <p:cNvSpPr txBox="1"/>
+              <p:nvPr/>
+            </p:nvSpPr>
+            <p:spPr>
+              <a:xfrm>
+                <a:off x="5292080" y="1735331"/>
+                <a:ext cx="477758" cy="450188"/>
+              </a:xfrm>
+              <a:prstGeom prst="rect">
+                <a:avLst/>
+              </a:prstGeom>
+              <a:noFill/>
+            </p:spPr>
+            <p:txBody>
+              <a:bodyPr wrap="none" rtlCol="0">
+                <a:spAutoFit/>
+              </a:bodyPr>
+              <a:lstStyle/>
+              <a:p>
+                <a14:m>
+                  <m:oMathPara xmlns:m="http://schemas.openxmlformats.org/officeDocument/2006/math">
+                    <m:oMathParaPr>
+                      <m:jc m:val="centerGroup"/>
+                    </m:oMathParaPr>
+                    <m:oMath xmlns:m="http://schemas.openxmlformats.org/officeDocument/2006/math">
+                      <m:d>
+                        <m:dPr>
+                          <m:begChr m:val="["/>
+                          <m:endChr m:val="]"/>
+                          <m:ctrlPr>
+                            <a:rPr lang="en-US" altLang="ko-KR" sz="1400" i="1" smtClean="0">
+                              <a:latin typeface="Cambria Math"/>
+                            </a:rPr>
+                          </m:ctrlPr>
+                        </m:dPr>
+                        <m:e>
+                          <m:m>
+                            <m:mPr>
+                              <m:mcs>
+                                <m:mc>
+                                  <m:mcPr>
+                                    <m:count m:val="1"/>
+                                    <m:mcJc m:val="center"/>
+                                  </m:mcPr>
+                                </m:mc>
+                              </m:mcs>
+                              <m:ctrlPr>
+                                <a:rPr lang="en-US" altLang="ko-KR" sz="1400" i="1" smtClean="0">
+                                  <a:latin typeface="Cambria Math"/>
+                                </a:rPr>
+                              </m:ctrlPr>
+                            </m:mPr>
+                            <m:mr>
+                              <m:e>
+                                <m:r>
+                                  <m:rPr>
+                                    <m:brk m:alnAt="7"/>
+                                  </m:rPr>
+                                  <a:rPr lang="en-US" altLang="ko-KR" sz="1400" b="0" i="1" smtClean="0">
+                                    <a:latin typeface="Cambria Math"/>
+                                  </a:rPr>
+                                  <m:t>2</m:t>
+                                </m:r>
+                              </m:e>
+                            </m:mr>
+                            <m:mr>
+                              <m:e>
+                                <m:r>
+                                  <a:rPr lang="en-US" altLang="ko-KR" sz="1400" b="0" i="1" smtClean="0">
+                                    <a:latin typeface="Cambria Math"/>
+                                  </a:rPr>
+                                  <m:t>4</m:t>
+                                </m:r>
+                              </m:e>
+                            </m:mr>
+                          </m:m>
+                        </m:e>
+                      </m:d>
+                    </m:oMath>
+                  </m:oMathPara>
+                </a14:m>
+                <a:endParaRPr lang="ko-KR" altLang="en-US" sz="1400" dirty="0"/>
+              </a:p>
+            </p:txBody>
+          </p:sp>
+        </mc:Choice>
+        <mc:Fallback>
+          <p:sp>
+            <p:nvSpPr>
+              <p:cNvPr id="5" name="TextBox 4"/>
+              <p:cNvSpPr txBox="1">
+                <a:spLocks noRot="1" noChangeAspect="1" noMove="1" noResize="1" noEditPoints="1" noAdjustHandles="1" noChangeArrowheads="1" noChangeShapeType="1" noTextEdit="1"/>
+              </p:cNvSpPr>
+              <p:nvPr/>
+            </p:nvSpPr>
+            <p:spPr>
+              <a:xfrm>
+                <a:off x="5292080" y="1735331"/>
+                <a:ext cx="477758" cy="450188"/>
+              </a:xfrm>
+              <a:prstGeom prst="rect">
+                <a:avLst/>
+              </a:prstGeom>
+              <a:blipFill rotWithShape="1">
+                <a:blip r:embed="rId3"/>
+                <a:stretch>
+                  <a:fillRect b="-2703"/>
+                </a:stretch>
+              </a:blipFill>
+            </p:spPr>
+            <p:txBody>
+              <a:bodyPr/>
+              <a:lstStyle/>
+              <a:p>
+                <a:r>
+                  <a:rPr lang="ko-KR" altLang="en-US">
+                    <a:noFill/>
+                  </a:rPr>
+                  <a:t> </a:t>
+                </a:r>
+              </a:p>
+            </p:txBody>
+          </p:sp>
+        </mc:Fallback>
+      </mc:AlternateContent>
+      <mc:AlternateContent xmlns:mc="http://schemas.openxmlformats.org/markup-compatibility/2006">
+        <mc:Choice xmlns:a14="http://schemas.microsoft.com/office/drawing/2010/main" Requires="a14">
+          <p:sp>
+            <p:nvSpPr>
+              <p:cNvPr id="7" name="TextBox 6"/>
+              <p:cNvSpPr txBox="1"/>
+              <p:nvPr/>
+            </p:nvSpPr>
+            <p:spPr>
+              <a:xfrm>
+                <a:off x="2699793" y="1967942"/>
+                <a:ext cx="1284134" cy="501356"/>
+              </a:xfrm>
+              <a:prstGeom prst="rect">
+                <a:avLst/>
+              </a:prstGeom>
+              <a:noFill/>
+            </p:spPr>
+            <p:txBody>
+              <a:bodyPr wrap="none" rtlCol="0">
+                <a:spAutoFit/>
+              </a:bodyPr>
+              <a:lstStyle/>
+              <a:p>
+                <a14:m>
+                  <m:oMathPara xmlns:m="http://schemas.openxmlformats.org/officeDocument/2006/math">
+                    <m:oMathParaPr>
+                      <m:jc m:val="centerGroup"/>
+                    </m:oMathParaPr>
+                    <m:oMath xmlns:m="http://schemas.openxmlformats.org/officeDocument/2006/math">
+                      <m:r>
+                        <a:rPr lang="en-US" altLang="ko-KR" sz="1600" b="0" i="1" smtClean="0">
+                          <a:latin typeface="Cambria Math"/>
+                        </a:rPr>
+                        <m:t>𝐴</m:t>
+                      </m:r>
+                      <m:r>
+                        <a:rPr lang="en-US" altLang="ko-KR" sz="1600" b="0" i="1" smtClean="0">
+                          <a:latin typeface="Cambria Math"/>
+                        </a:rPr>
+                        <m:t>= </m:t>
+                      </m:r>
+                      <m:d>
+                        <m:dPr>
+                          <m:begChr m:val="["/>
+                          <m:endChr m:val="]"/>
+                          <m:ctrlPr>
+                            <a:rPr lang="en-US" altLang="ko-KR" sz="1600" b="0" i="1" smtClean="0">
+                              <a:latin typeface="Cambria Math"/>
+                            </a:rPr>
+                          </m:ctrlPr>
+                        </m:dPr>
+                        <m:e>
+                          <m:m>
+                            <m:mPr>
+                              <m:mcs>
+                                <m:mc>
+                                  <m:mcPr>
+                                    <m:count m:val="2"/>
+                                    <m:mcJc m:val="center"/>
+                                  </m:mcPr>
+                                </m:mc>
+                              </m:mcs>
+                              <m:ctrlPr>
+                                <a:rPr lang="en-US" altLang="ko-KR" sz="1600" b="0" i="1" smtClean="0">
+                                  <a:latin typeface="Cambria Math"/>
+                                </a:rPr>
+                              </m:ctrlPr>
+                            </m:mPr>
+                            <m:mr>
+                              <m:e>
+                                <m:r>
+                                  <m:rPr>
+                                    <m:brk m:alnAt="7"/>
+                                  </m:rPr>
+                                  <a:rPr lang="en-US" altLang="ko-KR" sz="1600" b="0" i="1" smtClean="0">
+                                    <a:latin typeface="Cambria Math"/>
+                                  </a:rPr>
+                                  <m:t>2</m:t>
+                                </m:r>
+                              </m:e>
+                              <m:e>
+                                <m:r>
+                                  <a:rPr lang="en-US" altLang="ko-KR" sz="1600" b="0" i="1" smtClean="0">
+                                    <a:latin typeface="Cambria Math"/>
+                                  </a:rPr>
+                                  <m:t>1</m:t>
+                                </m:r>
+                              </m:e>
+                            </m:mr>
+                            <m:mr>
+                              <m:e>
+                                <m:r>
+                                  <a:rPr lang="en-US" altLang="ko-KR" sz="1600" b="0" i="1" smtClean="0">
+                                    <a:latin typeface="Cambria Math"/>
+                                  </a:rPr>
+                                  <m:t>4</m:t>
+                                </m:r>
+                              </m:e>
+                              <m:e>
+                                <m:r>
+                                  <a:rPr lang="en-US" altLang="ko-KR" sz="1600" b="0" i="1" smtClean="0">
+                                    <a:latin typeface="Cambria Math"/>
+                                  </a:rPr>
+                                  <m:t>2</m:t>
+                                </m:r>
+                              </m:e>
+                            </m:mr>
+                          </m:m>
+                        </m:e>
+                      </m:d>
+                    </m:oMath>
+                  </m:oMathPara>
+                </a14:m>
+                <a:endParaRPr lang="ko-KR" altLang="en-US" sz="1600" dirty="0"/>
+              </a:p>
+            </p:txBody>
+          </p:sp>
+        </mc:Choice>
+        <mc:Fallback>
+          <p:sp>
+            <p:nvSpPr>
+              <p:cNvPr id="7" name="TextBox 6"/>
+              <p:cNvSpPr txBox="1">
+                <a:spLocks noRot="1" noChangeAspect="1" noMove="1" noResize="1" noEditPoints="1" noAdjustHandles="1" noChangeArrowheads="1" noChangeShapeType="1" noTextEdit="1"/>
+              </p:cNvSpPr>
+              <p:nvPr/>
+            </p:nvSpPr>
+            <p:spPr>
+              <a:xfrm>
+                <a:off x="2699793" y="1967942"/>
+                <a:ext cx="1284134" cy="501356"/>
+              </a:xfrm>
+              <a:prstGeom prst="rect">
+                <a:avLst/>
+              </a:prstGeom>
+              <a:blipFill rotWithShape="1">
+                <a:blip r:embed="rId4"/>
+                <a:stretch>
+                  <a:fillRect b="-3659"/>
+                </a:stretch>
+              </a:blipFill>
+            </p:spPr>
+            <p:txBody>
+              <a:bodyPr/>
+              <a:lstStyle/>
+              <a:p>
+                <a:r>
+                  <a:rPr lang="ko-KR" altLang="en-US">
+                    <a:noFill/>
+                  </a:rPr>
+                  <a:t> </a:t>
+                </a:r>
+              </a:p>
+            </p:txBody>
+          </p:sp>
+        </mc:Fallback>
+      </mc:AlternateContent>
+      <mc:AlternateContent xmlns:mc="http://schemas.openxmlformats.org/markup-compatibility/2006">
+        <mc:Choice xmlns:a14="http://schemas.microsoft.com/office/drawing/2010/main" Requires="a14">
+          <p:sp>
+            <p:nvSpPr>
+              <p:cNvPr id="8" name="TextBox 7"/>
+              <p:cNvSpPr txBox="1"/>
+              <p:nvPr/>
+            </p:nvSpPr>
+            <p:spPr>
+              <a:xfrm>
+                <a:off x="2290763" y="3735665"/>
+                <a:ext cx="1881284" cy="369332"/>
+              </a:xfrm>
+              <a:prstGeom prst="rect">
+                <a:avLst/>
+              </a:prstGeom>
+              <a:noFill/>
+            </p:spPr>
+            <p:txBody>
+              <a:bodyPr wrap="none" rtlCol="0">
+                <a:spAutoFit/>
+              </a:bodyPr>
+              <a:lstStyle/>
+              <a:p>
+                <a:r>
+                  <a:rPr lang="ko-KR" altLang="en-US" dirty="0" smtClean="0"/>
+                  <a:t>행렬 </a:t>
+                </a:r>
+                <a14:m>
+                  <m:oMath xmlns:m="http://schemas.openxmlformats.org/officeDocument/2006/math">
+                    <m:r>
+                      <a:rPr lang="en-US" altLang="ko-KR" b="0" i="1" smtClean="0">
+                        <a:latin typeface="Cambria Math"/>
+                      </a:rPr>
+                      <m:t>𝐴</m:t>
+                    </m:r>
+                  </m:oMath>
+                </a14:m>
+                <a:r>
+                  <a:rPr lang="ko-KR" altLang="en-US" dirty="0" smtClean="0"/>
+                  <a:t>의 열공간</a:t>
+                </a:r>
+                <a:endParaRPr lang="ko-KR" altLang="en-US" dirty="0"/>
+              </a:p>
+            </p:txBody>
+          </p:sp>
+        </mc:Choice>
+        <mc:Fallback>
+          <p:sp>
+            <p:nvSpPr>
+              <p:cNvPr id="8" name="TextBox 7"/>
+              <p:cNvSpPr txBox="1">
+                <a:spLocks noRot="1" noChangeAspect="1" noMove="1" noResize="1" noEditPoints="1" noAdjustHandles="1" noChangeArrowheads="1" noChangeShapeType="1" noTextEdit="1"/>
+              </p:cNvSpPr>
+              <p:nvPr/>
+            </p:nvSpPr>
+            <p:spPr>
+              <a:xfrm>
+                <a:off x="2290763" y="3735665"/>
+                <a:ext cx="1881284" cy="369332"/>
+              </a:xfrm>
+              <a:prstGeom prst="rect">
+                <a:avLst/>
+              </a:prstGeom>
+              <a:blipFill rotWithShape="1">
+                <a:blip r:embed="rId5"/>
+                <a:stretch>
+                  <a:fillRect l="-2922" t="-8333" r="-2273" b="-26667"/>
+                </a:stretch>
+              </a:blipFill>
+            </p:spPr>
+            <p:txBody>
+              <a:bodyPr/>
+              <a:lstStyle/>
+              <a:p>
+                <a:r>
+                  <a:rPr lang="ko-KR" altLang="en-US">
+                    <a:noFill/>
+                  </a:rPr>
+                  <a:t> </a:t>
+                </a:r>
+              </a:p>
+            </p:txBody>
+          </p:sp>
+        </mc:Fallback>
+      </mc:AlternateContent>
+      <p:cxnSp>
+        <p:nvCxnSpPr>
+          <p:cNvPr id="9" name="직선 화살표 연결선 8"/>
+          <p:cNvCxnSpPr>
+            <a:stCxn id="8" idx="2"/>
+          </p:cNvCxnSpPr>
+          <p:nvPr/>
+        </p:nvCxnSpPr>
+        <p:spPr>
+          <a:xfrm>
+            <a:off x="3231405" y="4104997"/>
+            <a:ext cx="752522" cy="535413"/>
+          </a:xfrm>
+          <a:prstGeom prst="straightConnector1">
+            <a:avLst/>
+          </a:prstGeom>
+          <a:ln>
+            <a:prstDash val="dash"/>
+            <a:tailEnd type="arrow"/>
+          </a:ln>
+        </p:spPr>
+        <p:style>
+          <a:lnRef idx="1">
+            <a:schemeClr val="accent1"/>
+          </a:lnRef>
+          <a:fillRef idx="0">
+            <a:schemeClr val="accent1"/>
+          </a:fillRef>
+          <a:effectRef idx="0">
+            <a:schemeClr val="accent1"/>
+          </a:effectRef>
+          <a:fontRef idx="minor">
+            <a:schemeClr val="tx1"/>
+          </a:fontRef>
+        </p:style>
+      </p:cxnSp>
+      <mc:AlternateContent xmlns:mc="http://schemas.openxmlformats.org/markup-compatibility/2006">
+        <mc:Choice xmlns:a14="http://schemas.microsoft.com/office/drawing/2010/main" Requires="a14">
+          <p:sp>
+            <p:nvSpPr>
+              <p:cNvPr id="10" name="TextBox 9"/>
+              <p:cNvSpPr txBox="1"/>
+              <p:nvPr/>
+            </p:nvSpPr>
+            <p:spPr>
+              <a:xfrm>
+                <a:off x="4958338" y="2564904"/>
+                <a:ext cx="477758" cy="450188"/>
+              </a:xfrm>
+              <a:prstGeom prst="rect">
+                <a:avLst/>
+              </a:prstGeom>
+              <a:noFill/>
+            </p:spPr>
+            <p:txBody>
+              <a:bodyPr wrap="none" rtlCol="0">
+                <a:spAutoFit/>
+              </a:bodyPr>
+              <a:lstStyle/>
+              <a:p>
+                <a14:m>
+                  <m:oMathPara xmlns:m="http://schemas.openxmlformats.org/officeDocument/2006/math">
+                    <m:oMathParaPr>
+                      <m:jc m:val="centerGroup"/>
+                    </m:oMathParaPr>
+                    <m:oMath xmlns:m="http://schemas.openxmlformats.org/officeDocument/2006/math">
+                      <m:d>
+                        <m:dPr>
+                          <m:begChr m:val="["/>
+                          <m:endChr m:val="]"/>
+                          <m:ctrlPr>
+                            <a:rPr lang="en-US" altLang="ko-KR" sz="1400" i="1" smtClean="0">
+                              <a:latin typeface="Cambria Math"/>
+                            </a:rPr>
+                          </m:ctrlPr>
+                        </m:dPr>
+                        <m:e>
+                          <m:m>
+                            <m:mPr>
+                              <m:mcs>
+                                <m:mc>
+                                  <m:mcPr>
+                                    <m:count m:val="1"/>
+                                    <m:mcJc m:val="center"/>
+                                  </m:mcPr>
+                                </m:mc>
+                              </m:mcs>
+                              <m:ctrlPr>
+                                <a:rPr lang="en-US" altLang="ko-KR" sz="1400" i="1" smtClean="0">
+                                  <a:latin typeface="Cambria Math"/>
+                                </a:rPr>
+                              </m:ctrlPr>
+                            </m:mPr>
+                            <m:mr>
+                              <m:e>
+                                <m:r>
+                                  <m:rPr>
+                                    <m:brk m:alnAt="7"/>
+                                  </m:rPr>
+                                  <a:rPr lang="en-US" altLang="ko-KR" sz="1400" b="0" i="1" smtClean="0">
+                                    <a:latin typeface="Cambria Math"/>
+                                  </a:rPr>
+                                  <m:t>1</m:t>
+                                </m:r>
+                              </m:e>
+                            </m:mr>
+                            <m:mr>
+                              <m:e>
+                                <m:r>
+                                  <a:rPr lang="en-US" altLang="ko-KR" sz="1400" b="0" i="1" smtClean="0">
+                                    <a:latin typeface="Cambria Math"/>
+                                  </a:rPr>
+                                  <m:t>2</m:t>
+                                </m:r>
+                              </m:e>
+                            </m:mr>
+                          </m:m>
+                        </m:e>
+                      </m:d>
+                    </m:oMath>
+                  </m:oMathPara>
+                </a14:m>
+                <a:endParaRPr lang="ko-KR" altLang="en-US" sz="1400" dirty="0"/>
+              </a:p>
+            </p:txBody>
+          </p:sp>
+        </mc:Choice>
+        <mc:Fallback>
+          <p:sp>
+            <p:nvSpPr>
+              <p:cNvPr id="10" name="TextBox 9"/>
+              <p:cNvSpPr txBox="1">
+                <a:spLocks noRot="1" noChangeAspect="1" noMove="1" noResize="1" noEditPoints="1" noAdjustHandles="1" noChangeArrowheads="1" noChangeShapeType="1" noTextEdit="1"/>
+              </p:cNvSpPr>
+              <p:nvPr/>
+            </p:nvSpPr>
+            <p:spPr>
+              <a:xfrm>
+                <a:off x="4958338" y="2564904"/>
+                <a:ext cx="477758" cy="450188"/>
+              </a:xfrm>
+              <a:prstGeom prst="rect">
+                <a:avLst/>
+              </a:prstGeom>
+              <a:blipFill rotWithShape="1">
+                <a:blip r:embed="rId6"/>
+                <a:stretch>
+                  <a:fillRect b="-2703"/>
+                </a:stretch>
+              </a:blipFill>
+            </p:spPr>
+            <p:txBody>
+              <a:bodyPr/>
+              <a:lstStyle/>
+              <a:p>
+                <a:r>
+                  <a:rPr lang="ko-KR" altLang="en-US">
+                    <a:noFill/>
+                  </a:rPr>
+                  <a:t> </a:t>
+                </a:r>
+              </a:p>
+            </p:txBody>
+          </p:sp>
+        </mc:Fallback>
+      </mc:AlternateContent>
+    </p:spTree>
+    <p:extLst>
+      <p:ext uri="{BB962C8B-B14F-4D97-AF65-F5344CB8AC3E}">
+        <p14:creationId xmlns:p14="http://schemas.microsoft.com/office/powerpoint/2010/main" val="1518737048"/>
+      </p:ext>
+    </p:extLst>
+  </p:cSld>
+  <p:clrMapOvr>
+    <a:masterClrMapping/>
+  </p:clrMapOvr>
+</p:sld>
 </file>
 
 <file path=ppt/theme/theme1.xml><?xml version="1.0" encoding="utf-8"?>

--- a/pics/2020-11-17-four_fundamental_subspaces/pics.pptx
+++ b/pics/2020-11-17-four_fundamental_subspaces/pics.pptx
@@ -5,8 +5,9 @@
     <p:sldMasterId id="2147483648" r:id="rId1"/>
   </p:sldMasterIdLst>
   <p:sldIdLst>
-    <p:sldId id="256" r:id="rId2"/>
-    <p:sldId id="257" r:id="rId3"/>
+    <p:sldId id="258" r:id="rId2"/>
+    <p:sldId id="256" r:id="rId3"/>
+    <p:sldId id="257" r:id="rId4"/>
   </p:sldIdLst>
   <p:sldSz cx="9144000" cy="6858000" type="screen4x3"/>
   <p:notesSz cx="6858000" cy="9144000"/>
@@ -3020,6 +3021,510 @@
 </file>
 
 <file path=ppt/slides/slide1.xml><?xml version="1.0" encoding="utf-8"?>
+<p:sld xmlns:a="http://schemas.openxmlformats.org/drawingml/2006/main" xmlns:r="http://schemas.openxmlformats.org/officeDocument/2006/relationships" xmlns:p="http://schemas.openxmlformats.org/presentationml/2006/main">
+  <p:cSld>
+    <p:spTree>
+      <p:nvGrpSpPr>
+        <p:cNvPr id="1" name=""/>
+        <p:cNvGrpSpPr/>
+        <p:nvPr/>
+      </p:nvGrpSpPr>
+      <p:grpSpPr>
+        <a:xfrm>
+          <a:off x="0" y="0"/>
+          <a:ext cx="0" cy="0"/>
+          <a:chOff x="0" y="0"/>
+          <a:chExt cx="0" cy="0"/>
+        </a:xfrm>
+      </p:grpSpPr>
+      <p:pic>
+        <p:nvPicPr>
+          <p:cNvPr id="3075" name="Picture 3"/>
+          <p:cNvPicPr>
+            <a:picLocks noChangeAspect="1" noChangeArrowheads="1"/>
+          </p:cNvPicPr>
+          <p:nvPr/>
+        </p:nvPicPr>
+        <p:blipFill>
+          <a:blip r:embed="rId2">
+            <a:extLst>
+              <a:ext uri="{28A0092B-C50C-407E-A947-70E740481C1C}">
+                <a14:useLocalDpi xmlns:a14="http://schemas.microsoft.com/office/drawing/2010/main" val="0"/>
+              </a:ext>
+            </a:extLst>
+          </a:blip>
+          <a:srcRect/>
+          <a:stretch>
+            <a:fillRect/>
+          </a:stretch>
+        </p:blipFill>
+        <p:spPr bwMode="auto">
+          <a:xfrm>
+            <a:off x="719572" y="1052736"/>
+            <a:ext cx="3852428" cy="3852428"/>
+          </a:xfrm>
+          <a:prstGeom prst="rect">
+            <a:avLst/>
+          </a:prstGeom>
+          <a:noFill/>
+          <a:ln>
+            <a:noFill/>
+          </a:ln>
+          <a:effectLst/>
+          <a:extLst>
+            <a:ext uri="{909E8E84-426E-40DD-AFC4-6F175D3DCCD1}">
+              <a14:hiddenFill xmlns:a14="http://schemas.microsoft.com/office/drawing/2010/main">
+                <a:solidFill>
+                  <a:schemeClr val="accent1"/>
+                </a:solidFill>
+              </a14:hiddenFill>
+            </a:ext>
+            <a:ext uri="{91240B29-F687-4F45-9708-019B960494DF}">
+              <a14:hiddenLine xmlns:a14="http://schemas.microsoft.com/office/drawing/2010/main" w="9525">
+                <a:solidFill>
+                  <a:schemeClr val="tx1"/>
+                </a:solidFill>
+                <a:miter lim="800000"/>
+                <a:headEnd/>
+                <a:tailEnd/>
+              </a14:hiddenLine>
+            </a:ext>
+            <a:ext uri="{AF507438-7753-43E0-B8FC-AC1667EBCBE1}">
+              <a14:hiddenEffects xmlns:a14="http://schemas.microsoft.com/office/drawing/2010/main">
+                <a:effectLst>
+                  <a:outerShdw dist="35921" dir="2700000" algn="ctr" rotWithShape="0">
+                    <a:schemeClr val="bg2"/>
+                  </a:outerShdw>
+                </a:effectLst>
+              </a14:hiddenEffects>
+            </a:ext>
+          </a:extLst>
+        </p:spPr>
+      </p:pic>
+      <p:pic>
+        <p:nvPicPr>
+          <p:cNvPr id="3076" name="Picture 4"/>
+          <p:cNvPicPr>
+            <a:picLocks noChangeAspect="1" noChangeArrowheads="1"/>
+          </p:cNvPicPr>
+          <p:nvPr/>
+        </p:nvPicPr>
+        <p:blipFill>
+          <a:blip r:embed="rId3">
+            <a:extLst>
+              <a:ext uri="{28A0092B-C50C-407E-A947-70E740481C1C}">
+                <a14:useLocalDpi xmlns:a14="http://schemas.microsoft.com/office/drawing/2010/main" val="0"/>
+              </a:ext>
+            </a:extLst>
+          </a:blip>
+          <a:srcRect/>
+          <a:stretch>
+            <a:fillRect/>
+          </a:stretch>
+        </p:blipFill>
+        <p:spPr bwMode="auto">
+          <a:xfrm>
+            <a:off x="4572000" y="1052736"/>
+            <a:ext cx="3852428" cy="3852428"/>
+          </a:xfrm>
+          <a:prstGeom prst="rect">
+            <a:avLst/>
+          </a:prstGeom>
+          <a:noFill/>
+          <a:ln>
+            <a:noFill/>
+          </a:ln>
+          <a:effectLst/>
+          <a:extLst>
+            <a:ext uri="{909E8E84-426E-40DD-AFC4-6F175D3DCCD1}">
+              <a14:hiddenFill xmlns:a14="http://schemas.microsoft.com/office/drawing/2010/main">
+                <a:solidFill>
+                  <a:schemeClr val="accent1"/>
+                </a:solidFill>
+              </a14:hiddenFill>
+            </a:ext>
+            <a:ext uri="{91240B29-F687-4F45-9708-019B960494DF}">
+              <a14:hiddenLine xmlns:a14="http://schemas.microsoft.com/office/drawing/2010/main" w="9525">
+                <a:solidFill>
+                  <a:schemeClr val="tx1"/>
+                </a:solidFill>
+                <a:miter lim="800000"/>
+                <a:headEnd/>
+                <a:tailEnd/>
+              </a14:hiddenLine>
+            </a:ext>
+            <a:ext uri="{AF507438-7753-43E0-B8FC-AC1667EBCBE1}">
+              <a14:hiddenEffects xmlns:a14="http://schemas.microsoft.com/office/drawing/2010/main">
+                <a:effectLst>
+                  <a:outerShdw dist="35921" dir="2700000" algn="ctr" rotWithShape="0">
+                    <a:schemeClr val="bg2"/>
+                  </a:outerShdw>
+                </a:effectLst>
+              </a14:hiddenEffects>
+            </a:ext>
+          </a:extLst>
+        </p:spPr>
+      </p:pic>
+      <mc:AlternateContent xmlns:mc="http://schemas.openxmlformats.org/markup-compatibility/2006">
+        <mc:Choice xmlns:a14="http://schemas.microsoft.com/office/drawing/2010/main" Requires="a14">
+          <p:sp>
+            <p:nvSpPr>
+              <p:cNvPr id="13" name="TextBox 12"/>
+              <p:cNvSpPr txBox="1"/>
+              <p:nvPr/>
+            </p:nvSpPr>
+            <p:spPr>
+              <a:xfrm>
+                <a:off x="1049836" y="4766499"/>
+                <a:ext cx="3191899" cy="1200329"/>
+              </a:xfrm>
+              <a:prstGeom prst="rect">
+                <a:avLst/>
+              </a:prstGeom>
+              <a:noFill/>
+            </p:spPr>
+            <p:txBody>
+              <a:bodyPr wrap="none" rtlCol="0">
+                <a:spAutoFit/>
+              </a:bodyPr>
+              <a:lstStyle/>
+              <a:p>
+                <a:pPr algn="ctr"/>
+                <a:r>
+                  <a:rPr lang="ko-KR" altLang="en-US" u="sng" dirty="0" smtClean="0">
+                    <a:latin typeface="제주고딕" pitchFamily="2" charset="-127"/>
+                    <a:ea typeface="제주고딕" pitchFamily="2" charset="-127"/>
+                  </a:rPr>
+                  <a:t>원점을 지나는 직선</a:t>
+                </a:r>
+                <a:endParaRPr lang="en-US" altLang="ko-KR" u="sng" dirty="0" smtClean="0">
+                  <a:latin typeface="제주고딕" pitchFamily="2" charset="-127"/>
+                  <a:ea typeface="제주고딕" pitchFamily="2" charset="-127"/>
+                </a:endParaRPr>
+              </a:p>
+              <a:p>
+                <a:pPr algn="ctr"/>
+                <a:r>
+                  <a:rPr lang="ko-KR" altLang="en-US" dirty="0" smtClean="0">
+                    <a:latin typeface="제주고딕" pitchFamily="2" charset="-127"/>
+                    <a:ea typeface="제주고딕" pitchFamily="2" charset="-127"/>
+                  </a:rPr>
+                  <a:t>두 벡터의 덧셈 및 스칼라곱셈이</a:t>
+                </a:r>
+                <a:endParaRPr lang="en-US" altLang="ko-KR" dirty="0" smtClean="0">
+                  <a:latin typeface="제주고딕" pitchFamily="2" charset="-127"/>
+                  <a:ea typeface="제주고딕" pitchFamily="2" charset="-127"/>
+                </a:endParaRPr>
+              </a:p>
+              <a:p>
+                <a:pPr algn="ctr"/>
+                <a:r>
+                  <a:rPr lang="ko-KR" altLang="en-US" dirty="0" smtClean="0">
+                    <a:latin typeface="제주고딕" pitchFamily="2" charset="-127"/>
+                    <a:ea typeface="제주고딕" pitchFamily="2" charset="-127"/>
+                  </a:rPr>
+                  <a:t>직선 내에 닫혀 있음</a:t>
+                </a:r>
+                <a:endParaRPr lang="en-US" altLang="ko-KR" dirty="0" smtClean="0">
+                  <a:latin typeface="제주고딕" pitchFamily="2" charset="-127"/>
+                  <a:ea typeface="제주고딕" pitchFamily="2" charset="-127"/>
+                </a:endParaRPr>
+              </a:p>
+              <a:p>
+                <a:pPr algn="ctr"/>
+                <a:r>
+                  <a:rPr lang="en-US" altLang="ko-KR" dirty="0" smtClean="0">
+                    <a:latin typeface="제주고딕" pitchFamily="2" charset="-127"/>
+                    <a:ea typeface="제주고딕" pitchFamily="2" charset="-127"/>
+                    <a:sym typeface="Wingdings" pitchFamily="2" charset="2"/>
+                  </a:rPr>
+                  <a:t> </a:t>
+                </a:r>
+                <a:r>
+                  <a:rPr lang="ko-KR" altLang="en-US" dirty="0" smtClean="0">
+                    <a:latin typeface="제주고딕" pitchFamily="2" charset="-127"/>
+                    <a:ea typeface="제주고딕" pitchFamily="2" charset="-127"/>
+                    <a:sym typeface="Wingdings" pitchFamily="2" charset="2"/>
+                  </a:rPr>
+                  <a:t>벡터 공간 </a:t>
+                </a:r>
+                <a14:m>
+                  <m:oMath xmlns:m="http://schemas.openxmlformats.org/officeDocument/2006/math">
+                    <m:sSup>
+                      <m:sSupPr>
+                        <m:ctrlPr>
+                          <a:rPr lang="en-US" altLang="ko-KR" b="0" i="1" smtClean="0">
+                            <a:latin typeface="Cambria Math"/>
+                            <a:ea typeface="Cambria Math"/>
+                            <a:sym typeface="Wingdings" pitchFamily="2" charset="2"/>
+                          </a:rPr>
+                        </m:ctrlPr>
+                      </m:sSupPr>
+                      <m:e>
+                        <m:r>
+                          <a:rPr lang="en-US" altLang="ko-KR" i="1" smtClean="0">
+                            <a:latin typeface="Cambria Math"/>
+                            <a:ea typeface="Cambria Math"/>
+                            <a:sym typeface="Wingdings" pitchFamily="2" charset="2"/>
+                          </a:rPr>
+                          <m:t>ℝ</m:t>
+                        </m:r>
+                      </m:e>
+                      <m:sup>
+                        <m:r>
+                          <a:rPr lang="en-US" altLang="ko-KR" b="0" i="1" smtClean="0">
+                            <a:latin typeface="Cambria Math"/>
+                            <a:ea typeface="Cambria Math"/>
+                            <a:sym typeface="Wingdings" pitchFamily="2" charset="2"/>
+                          </a:rPr>
+                          <m:t>2</m:t>
+                        </m:r>
+                      </m:sup>
+                    </m:sSup>
+                  </m:oMath>
+                </a14:m>
+                <a:r>
+                  <a:rPr lang="ko-KR" altLang="en-US" dirty="0" smtClean="0">
+                    <a:latin typeface="제주고딕" pitchFamily="2" charset="-127"/>
+                    <a:ea typeface="제주고딕" pitchFamily="2" charset="-127"/>
+                  </a:rPr>
+                  <a:t>의 부분 공간</a:t>
+                </a:r>
+                <a:endParaRPr lang="ko-KR" altLang="en-US" dirty="0">
+                  <a:latin typeface="제주고딕" pitchFamily="2" charset="-127"/>
+                  <a:ea typeface="제주고딕" pitchFamily="2" charset="-127"/>
+                </a:endParaRPr>
+              </a:p>
+            </p:txBody>
+          </p:sp>
+        </mc:Choice>
+        <mc:Fallback>
+          <p:sp>
+            <p:nvSpPr>
+              <p:cNvPr id="13" name="TextBox 12"/>
+              <p:cNvSpPr txBox="1">
+                <a:spLocks noRot="1" noChangeAspect="1" noMove="1" noResize="1" noEditPoints="1" noAdjustHandles="1" noChangeArrowheads="1" noChangeShapeType="1" noTextEdit="1"/>
+              </p:cNvSpPr>
+              <p:nvPr/>
+            </p:nvSpPr>
+            <p:spPr>
+              <a:xfrm>
+                <a:off x="1049836" y="4766499"/>
+                <a:ext cx="3191899" cy="1200329"/>
+              </a:xfrm>
+              <a:prstGeom prst="rect">
+                <a:avLst/>
+              </a:prstGeom>
+              <a:blipFill rotWithShape="1">
+                <a:blip r:embed="rId4"/>
+                <a:stretch>
+                  <a:fillRect l="-1336" t="-2030" r="-1527" b="-7614"/>
+                </a:stretch>
+              </a:blipFill>
+            </p:spPr>
+            <p:txBody>
+              <a:bodyPr/>
+              <a:lstStyle/>
+              <a:p>
+                <a:r>
+                  <a:rPr lang="ko-KR" altLang="en-US">
+                    <a:noFill/>
+                  </a:rPr>
+                  <a:t> </a:t>
+                </a:r>
+              </a:p>
+            </p:txBody>
+          </p:sp>
+        </mc:Fallback>
+      </mc:AlternateContent>
+      <mc:AlternateContent xmlns:mc="http://schemas.openxmlformats.org/markup-compatibility/2006">
+        <mc:Choice xmlns:a14="http://schemas.microsoft.com/office/drawing/2010/main" Requires="a14">
+          <p:sp>
+            <p:nvSpPr>
+              <p:cNvPr id="17" name="TextBox 16"/>
+              <p:cNvSpPr txBox="1"/>
+              <p:nvPr/>
+            </p:nvSpPr>
+            <p:spPr>
+              <a:xfrm>
+                <a:off x="4681081" y="4766499"/>
+                <a:ext cx="3634265" cy="1200329"/>
+              </a:xfrm>
+              <a:prstGeom prst="rect">
+                <a:avLst/>
+              </a:prstGeom>
+              <a:noFill/>
+            </p:spPr>
+            <p:txBody>
+              <a:bodyPr wrap="none" rtlCol="0">
+                <a:spAutoFit/>
+              </a:bodyPr>
+              <a:lstStyle/>
+              <a:p>
+                <a:pPr algn="ctr"/>
+                <a:r>
+                  <a:rPr lang="ko-KR" altLang="en-US" u="sng" dirty="0" smtClean="0">
+                    <a:latin typeface="제주고딕" pitchFamily="2" charset="-127"/>
+                    <a:ea typeface="제주고딕" pitchFamily="2" charset="-127"/>
+                  </a:rPr>
+                  <a:t>원점을 지나지 않는 직선</a:t>
+                </a:r>
+                <a:endParaRPr lang="en-US" altLang="ko-KR" u="sng" dirty="0" smtClean="0">
+                  <a:latin typeface="제주고딕" pitchFamily="2" charset="-127"/>
+                  <a:ea typeface="제주고딕" pitchFamily="2" charset="-127"/>
+                </a:endParaRPr>
+              </a:p>
+              <a:p>
+                <a:pPr algn="ctr"/>
+                <a:r>
+                  <a:rPr lang="ko-KR" altLang="en-US" dirty="0" smtClean="0">
+                    <a:latin typeface="제주고딕" pitchFamily="2" charset="-127"/>
+                    <a:ea typeface="제주고딕" pitchFamily="2" charset="-127"/>
+                  </a:rPr>
+                  <a:t>두 벡터의 덧셈 및 스칼라 곱셈이</a:t>
+                </a:r>
+                <a:endParaRPr lang="en-US" altLang="ko-KR" dirty="0" smtClean="0">
+                  <a:latin typeface="제주고딕" pitchFamily="2" charset="-127"/>
+                  <a:ea typeface="제주고딕" pitchFamily="2" charset="-127"/>
+                </a:endParaRPr>
+              </a:p>
+              <a:p>
+                <a:pPr algn="ctr"/>
+                <a:r>
+                  <a:rPr lang="ko-KR" altLang="en-US" dirty="0" smtClean="0">
+                    <a:latin typeface="제주고딕" pitchFamily="2" charset="-127"/>
+                    <a:ea typeface="제주고딕" pitchFamily="2" charset="-127"/>
+                    <a:sym typeface="Wingdings" pitchFamily="2" charset="2"/>
+                  </a:rPr>
+                  <a:t>직선 밖에 존재하게 됨</a:t>
+                </a:r>
+                <a:endParaRPr lang="en-US" altLang="ko-KR" dirty="0" smtClean="0">
+                  <a:latin typeface="제주고딕" pitchFamily="2" charset="-127"/>
+                  <a:ea typeface="제주고딕" pitchFamily="2" charset="-127"/>
+                  <a:sym typeface="Wingdings" pitchFamily="2" charset="2"/>
+                </a:endParaRPr>
+              </a:p>
+              <a:p>
+                <a:pPr algn="ctr"/>
+                <a:r>
+                  <a:rPr lang="en-US" altLang="ko-KR" dirty="0" smtClean="0">
+                    <a:latin typeface="제주고딕" pitchFamily="2" charset="-127"/>
+                    <a:ea typeface="제주고딕" pitchFamily="2" charset="-127"/>
+                    <a:sym typeface="Wingdings" pitchFamily="2" charset="2"/>
+                  </a:rPr>
+                  <a:t> </a:t>
+                </a:r>
+                <a:r>
+                  <a:rPr lang="ko-KR" altLang="en-US" dirty="0" smtClean="0">
+                    <a:latin typeface="제주고딕" pitchFamily="2" charset="-127"/>
+                    <a:ea typeface="제주고딕" pitchFamily="2" charset="-127"/>
+                    <a:sym typeface="Wingdings" pitchFamily="2" charset="2"/>
+                  </a:rPr>
+                  <a:t>벡터 공간 </a:t>
+                </a:r>
+                <a14:m>
+                  <m:oMath xmlns:m="http://schemas.openxmlformats.org/officeDocument/2006/math">
+                    <m:sSup>
+                      <m:sSupPr>
+                        <m:ctrlPr>
+                          <a:rPr lang="en-US" altLang="ko-KR" b="0" i="1" smtClean="0">
+                            <a:latin typeface="Cambria Math"/>
+                            <a:ea typeface="Cambria Math"/>
+                            <a:sym typeface="Wingdings" pitchFamily="2" charset="2"/>
+                          </a:rPr>
+                        </m:ctrlPr>
+                      </m:sSupPr>
+                      <m:e>
+                        <m:r>
+                          <a:rPr lang="en-US" altLang="ko-KR" i="1" smtClean="0">
+                            <a:latin typeface="Cambria Math"/>
+                            <a:ea typeface="Cambria Math"/>
+                            <a:sym typeface="Wingdings" pitchFamily="2" charset="2"/>
+                          </a:rPr>
+                          <m:t>ℝ</m:t>
+                        </m:r>
+                      </m:e>
+                      <m:sup>
+                        <m:r>
+                          <a:rPr lang="en-US" altLang="ko-KR" b="0" i="1" smtClean="0">
+                            <a:latin typeface="Cambria Math"/>
+                            <a:ea typeface="Cambria Math"/>
+                            <a:sym typeface="Wingdings" pitchFamily="2" charset="2"/>
+                          </a:rPr>
+                          <m:t>2</m:t>
+                        </m:r>
+                      </m:sup>
+                    </m:sSup>
+                  </m:oMath>
+                </a14:m>
+                <a:r>
+                  <a:rPr lang="ko-KR" altLang="en-US" dirty="0" smtClean="0">
+                    <a:latin typeface="제주고딕" pitchFamily="2" charset="-127"/>
+                    <a:ea typeface="제주고딕" pitchFamily="2" charset="-127"/>
+                  </a:rPr>
+                  <a:t>의 부분 공간이 아님</a:t>
+                </a:r>
+                <a:endParaRPr lang="ko-KR" altLang="en-US" dirty="0">
+                  <a:latin typeface="제주고딕" pitchFamily="2" charset="-127"/>
+                  <a:ea typeface="제주고딕" pitchFamily="2" charset="-127"/>
+                </a:endParaRPr>
+              </a:p>
+            </p:txBody>
+          </p:sp>
+        </mc:Choice>
+        <mc:Fallback>
+          <p:sp>
+            <p:nvSpPr>
+              <p:cNvPr id="17" name="TextBox 16"/>
+              <p:cNvSpPr txBox="1">
+                <a:spLocks noRot="1" noChangeAspect="1" noMove="1" noResize="1" noEditPoints="1" noAdjustHandles="1" noChangeArrowheads="1" noChangeShapeType="1" noTextEdit="1"/>
+              </p:cNvSpPr>
+              <p:nvPr/>
+            </p:nvSpPr>
+            <p:spPr>
+              <a:xfrm>
+                <a:off x="4681081" y="4766499"/>
+                <a:ext cx="3634265" cy="1200329"/>
+              </a:xfrm>
+              <a:prstGeom prst="rect">
+                <a:avLst/>
+              </a:prstGeom>
+              <a:blipFill rotWithShape="1">
+                <a:blip r:embed="rId5"/>
+                <a:stretch>
+                  <a:fillRect l="-1174" t="-2030" r="-839" b="-7614"/>
+                </a:stretch>
+              </a:blipFill>
+            </p:spPr>
+            <p:txBody>
+              <a:bodyPr/>
+              <a:lstStyle/>
+              <a:p>
+                <a:r>
+                  <a:rPr lang="ko-KR" altLang="en-US">
+                    <a:noFill/>
+                  </a:rPr>
+                  <a:t> </a:t>
+                </a:r>
+              </a:p>
+            </p:txBody>
+          </p:sp>
+        </mc:Fallback>
+      </mc:AlternateContent>
+    </p:spTree>
+    <p:extLst>
+      <p:ext uri="{BB962C8B-B14F-4D97-AF65-F5344CB8AC3E}">
+        <p14:creationId xmlns:p14="http://schemas.microsoft.com/office/powerpoint/2010/main" val="1875721379"/>
+      </p:ext>
+    </p:extLst>
+  </p:cSld>
+  <p:clrMapOvr>
+    <a:masterClrMapping/>
+  </p:clrMapOvr>
+</p:sld>
+</file>
+
+<file path=ppt/slides/slide2.xml><?xml version="1.0" encoding="utf-8"?>
 <p:sld xmlns:a="http://schemas.openxmlformats.org/drawingml/2006/main" xmlns:r="http://schemas.openxmlformats.org/officeDocument/2006/relationships" xmlns:p="http://schemas.openxmlformats.org/presentationml/2006/main">
   <p:cSld>
     <p:spTree>
@@ -3647,7 +4152,7 @@
 </p:sld>
 </file>
 
-<file path=ppt/slides/slide2.xml><?xml version="1.0" encoding="utf-8"?>
+<file path=ppt/slides/slide3.xml><?xml version="1.0" encoding="utf-8"?>
 <p:sld xmlns:a="http://schemas.openxmlformats.org/drawingml/2006/main" xmlns:r="http://schemas.openxmlformats.org/officeDocument/2006/relationships" xmlns:p="http://schemas.openxmlformats.org/presentationml/2006/main">
   <p:cSld>
     <p:spTree>

--- a/pics/2020-11-17-four_fundamental_subspaces/pics.pptx
+++ b/pics/2020-11-17-four_fundamental_subspaces/pics.pptx
@@ -8,6 +8,7 @@
     <p:sldId id="258" r:id="rId2"/>
     <p:sldId id="256" r:id="rId3"/>
     <p:sldId id="257" r:id="rId4"/>
+    <p:sldId id="259" r:id="rId5"/>
   </p:sldIdLst>
   <p:sldSz cx="9144000" cy="6858000" type="screen4x3"/>
   <p:notesSz cx="6858000" cy="9144000"/>
@@ -3165,8 +3166,8 @@
           </a:extLst>
         </p:spPr>
       </p:pic>
-      <mc:AlternateContent xmlns:mc="http://schemas.openxmlformats.org/markup-compatibility/2006">
-        <mc:Choice xmlns:a14="http://schemas.microsoft.com/office/drawing/2010/main" Requires="a14">
+      <mc:AlternateContent xmlns:mc="http://schemas.openxmlformats.org/markup-compatibility/2006" xmlns:a14="http://schemas.microsoft.com/office/drawing/2010/main">
+        <mc:Choice Requires="a14">
           <p:sp>
             <p:nvSpPr>
               <p:cNvPr id="13" name="TextBox 12"/>
@@ -3298,7 +3299,7 @@
             </p:txBody>
           </p:sp>
         </mc:Choice>
-        <mc:Fallback>
+        <mc:Fallback xmlns="">
           <p:sp>
             <p:nvSpPr>
               <p:cNvPr id="13" name="TextBox 12"/>
@@ -3337,8 +3338,8 @@
           </p:sp>
         </mc:Fallback>
       </mc:AlternateContent>
-      <mc:AlternateContent xmlns:mc="http://schemas.openxmlformats.org/markup-compatibility/2006">
-        <mc:Choice xmlns:a14="http://schemas.microsoft.com/office/drawing/2010/main" Requires="a14">
+      <mc:AlternateContent xmlns:mc="http://schemas.openxmlformats.org/markup-compatibility/2006" xmlns:a14="http://schemas.microsoft.com/office/drawing/2010/main">
+        <mc:Choice Requires="a14">
           <p:sp>
             <p:nvSpPr>
               <p:cNvPr id="17" name="TextBox 16"/>
@@ -3472,7 +3473,7 @@
             </p:txBody>
           </p:sp>
         </mc:Choice>
-        <mc:Fallback>
+        <mc:Fallback xmlns="">
           <p:sp>
             <p:nvSpPr>
               <p:cNvPr id="17" name="TextBox 16"/>
@@ -3605,8 +3606,8 @@
           </a:extLst>
         </p:spPr>
       </p:pic>
-      <mc:AlternateContent xmlns:mc="http://schemas.openxmlformats.org/markup-compatibility/2006">
-        <mc:Choice xmlns:a14="http://schemas.microsoft.com/office/drawing/2010/main" Requires="a14">
+      <mc:AlternateContent xmlns:mc="http://schemas.openxmlformats.org/markup-compatibility/2006" xmlns:a14="http://schemas.microsoft.com/office/drawing/2010/main">
+        <mc:Choice Requires="a14">
           <p:sp>
             <p:nvSpPr>
               <p:cNvPr id="4" name="TextBox 3"/>
@@ -3629,6 +3630,7 @@
               </a:bodyPr>
               <a:lstStyle/>
               <a:p>
+                <a:pPr/>
                 <a14:m>
                   <m:oMathPara xmlns:m="http://schemas.openxmlformats.org/officeDocument/2006/math">
                     <m:oMathParaPr>
@@ -3694,7 +3696,7 @@
             </p:txBody>
           </p:sp>
         </mc:Choice>
-        <mc:Fallback>
+        <mc:Fallback xmlns="">
           <p:sp>
             <p:nvSpPr>
               <p:cNvPr id="4" name="TextBox 3"/>
@@ -3733,8 +3735,8 @@
           </p:sp>
         </mc:Fallback>
       </mc:AlternateContent>
-      <mc:AlternateContent xmlns:mc="http://schemas.openxmlformats.org/markup-compatibility/2006">
-        <mc:Choice xmlns:a14="http://schemas.microsoft.com/office/drawing/2010/main" Requires="a14">
+      <mc:AlternateContent xmlns:mc="http://schemas.openxmlformats.org/markup-compatibility/2006" xmlns:a14="http://schemas.microsoft.com/office/drawing/2010/main">
+        <mc:Choice Requires="a14">
           <p:sp>
             <p:nvSpPr>
               <p:cNvPr id="6" name="TextBox 5"/>
@@ -3757,6 +3759,7 @@
               </a:bodyPr>
               <a:lstStyle/>
               <a:p>
+                <a:pPr/>
                 <a14:m>
                   <m:oMathPara xmlns:m="http://schemas.openxmlformats.org/officeDocument/2006/math">
                     <m:oMathParaPr>
@@ -3822,7 +3825,7 @@
             </p:txBody>
           </p:sp>
         </mc:Choice>
-        <mc:Fallback>
+        <mc:Fallback xmlns="">
           <p:sp>
             <p:nvSpPr>
               <p:cNvPr id="6" name="TextBox 5"/>
@@ -3861,8 +3864,8 @@
           </p:sp>
         </mc:Fallback>
       </mc:AlternateContent>
-      <mc:AlternateContent xmlns:mc="http://schemas.openxmlformats.org/markup-compatibility/2006">
-        <mc:Choice xmlns:a14="http://schemas.microsoft.com/office/drawing/2010/main" Requires="a14">
+      <mc:AlternateContent xmlns:mc="http://schemas.openxmlformats.org/markup-compatibility/2006" xmlns:a14="http://schemas.microsoft.com/office/drawing/2010/main">
+        <mc:Choice Requires="a14">
           <p:sp>
             <p:nvSpPr>
               <p:cNvPr id="7" name="TextBox 6"/>
@@ -3885,6 +3888,7 @@
               </a:bodyPr>
               <a:lstStyle/>
               <a:p>
+                <a:pPr/>
                 <a14:m>
                   <m:oMathPara xmlns:m="http://schemas.openxmlformats.org/officeDocument/2006/math">
                     <m:oMathParaPr>
@@ -3980,7 +3984,7 @@
             </p:txBody>
           </p:sp>
         </mc:Choice>
-        <mc:Fallback>
+        <mc:Fallback xmlns="">
           <p:sp>
             <p:nvSpPr>
               <p:cNvPr id="7" name="TextBox 6"/>
@@ -4019,8 +4023,8 @@
           </p:sp>
         </mc:Fallback>
       </mc:AlternateContent>
-      <mc:AlternateContent xmlns:mc="http://schemas.openxmlformats.org/markup-compatibility/2006">
-        <mc:Choice xmlns:a14="http://schemas.microsoft.com/office/drawing/2010/main" Requires="a14">
+      <mc:AlternateContent xmlns:mc="http://schemas.openxmlformats.org/markup-compatibility/2006" xmlns:a14="http://schemas.microsoft.com/office/drawing/2010/main">
+        <mc:Choice Requires="a14">
           <p:sp>
             <p:nvSpPr>
               <p:cNvPr id="5" name="TextBox 4"/>
@@ -4066,7 +4070,7 @@
             </p:txBody>
           </p:sp>
         </mc:Choice>
-        <mc:Fallback>
+        <mc:Fallback xmlns="">
           <p:sp>
             <p:nvSpPr>
               <p:cNvPr id="5" name="TextBox 4"/>
@@ -4233,8 +4237,8 @@
           </a:extLst>
         </p:spPr>
       </p:pic>
-      <mc:AlternateContent xmlns:mc="http://schemas.openxmlformats.org/markup-compatibility/2006">
-        <mc:Choice xmlns:a14="http://schemas.microsoft.com/office/drawing/2010/main" Requires="a14">
+      <mc:AlternateContent xmlns:mc="http://schemas.openxmlformats.org/markup-compatibility/2006" xmlns:a14="http://schemas.microsoft.com/office/drawing/2010/main">
+        <mc:Choice Requires="a14">
           <p:sp>
             <p:nvSpPr>
               <p:cNvPr id="5" name="TextBox 4"/>
@@ -4257,6 +4261,7 @@
               </a:bodyPr>
               <a:lstStyle/>
               <a:p>
+                <a:pPr/>
                 <a14:m>
                   <m:oMathPara xmlns:m="http://schemas.openxmlformats.org/officeDocument/2006/math">
                     <m:oMathParaPr>
@@ -4324,7 +4329,7 @@
             </p:txBody>
           </p:sp>
         </mc:Choice>
-        <mc:Fallback>
+        <mc:Fallback xmlns="">
           <p:sp>
             <p:nvSpPr>
               <p:cNvPr id="5" name="TextBox 4"/>
@@ -4345,6 +4350,770 @@
                 <a:blip r:embed="rId3"/>
                 <a:stretch>
                   <a:fillRect b="-2703"/>
+                </a:stretch>
+              </a:blipFill>
+            </p:spPr>
+            <p:txBody>
+              <a:bodyPr/>
+              <a:lstStyle/>
+              <a:p>
+                <a:r>
+                  <a:rPr lang="ko-KR" altLang="en-US">
+                    <a:noFill/>
+                  </a:rPr>
+                  <a:t> </a:t>
+                </a:r>
+              </a:p>
+            </p:txBody>
+          </p:sp>
+        </mc:Fallback>
+      </mc:AlternateContent>
+      <mc:AlternateContent xmlns:mc="http://schemas.openxmlformats.org/markup-compatibility/2006" xmlns:a14="http://schemas.microsoft.com/office/drawing/2010/main">
+        <mc:Choice Requires="a14">
+          <p:sp>
+            <p:nvSpPr>
+              <p:cNvPr id="7" name="TextBox 6"/>
+              <p:cNvSpPr txBox="1"/>
+              <p:nvPr/>
+            </p:nvSpPr>
+            <p:spPr>
+              <a:xfrm>
+                <a:off x="2699793" y="1967942"/>
+                <a:ext cx="1284134" cy="501356"/>
+              </a:xfrm>
+              <a:prstGeom prst="rect">
+                <a:avLst/>
+              </a:prstGeom>
+              <a:noFill/>
+            </p:spPr>
+            <p:txBody>
+              <a:bodyPr wrap="none" rtlCol="0">
+                <a:spAutoFit/>
+              </a:bodyPr>
+              <a:lstStyle/>
+              <a:p>
+                <a:pPr/>
+                <a14:m>
+                  <m:oMathPara xmlns:m="http://schemas.openxmlformats.org/officeDocument/2006/math">
+                    <m:oMathParaPr>
+                      <m:jc m:val="centerGroup"/>
+                    </m:oMathParaPr>
+                    <m:oMath xmlns:m="http://schemas.openxmlformats.org/officeDocument/2006/math">
+                      <m:r>
+                        <a:rPr lang="en-US" altLang="ko-KR" sz="1600" b="0" i="1" smtClean="0">
+                          <a:latin typeface="Cambria Math"/>
+                        </a:rPr>
+                        <m:t>𝐴</m:t>
+                      </m:r>
+                      <m:r>
+                        <a:rPr lang="en-US" altLang="ko-KR" sz="1600" b="0" i="1" smtClean="0">
+                          <a:latin typeface="Cambria Math"/>
+                        </a:rPr>
+                        <m:t>= </m:t>
+                      </m:r>
+                      <m:d>
+                        <m:dPr>
+                          <m:begChr m:val="["/>
+                          <m:endChr m:val="]"/>
+                          <m:ctrlPr>
+                            <a:rPr lang="en-US" altLang="ko-KR" sz="1600" b="0" i="1" smtClean="0">
+                              <a:latin typeface="Cambria Math"/>
+                            </a:rPr>
+                          </m:ctrlPr>
+                        </m:dPr>
+                        <m:e>
+                          <m:m>
+                            <m:mPr>
+                              <m:mcs>
+                                <m:mc>
+                                  <m:mcPr>
+                                    <m:count m:val="2"/>
+                                    <m:mcJc m:val="center"/>
+                                  </m:mcPr>
+                                </m:mc>
+                              </m:mcs>
+                              <m:ctrlPr>
+                                <a:rPr lang="en-US" altLang="ko-KR" sz="1600" b="0" i="1" smtClean="0">
+                                  <a:latin typeface="Cambria Math"/>
+                                </a:rPr>
+                              </m:ctrlPr>
+                            </m:mPr>
+                            <m:mr>
+                              <m:e>
+                                <m:r>
+                                  <m:rPr>
+                                    <m:brk m:alnAt="7"/>
+                                  </m:rPr>
+                                  <a:rPr lang="en-US" altLang="ko-KR" sz="1600" b="0" i="1" smtClean="0">
+                                    <a:latin typeface="Cambria Math"/>
+                                  </a:rPr>
+                                  <m:t>2</m:t>
+                                </m:r>
+                              </m:e>
+                              <m:e>
+                                <m:r>
+                                  <a:rPr lang="en-US" altLang="ko-KR" sz="1600" b="0" i="1" smtClean="0">
+                                    <a:latin typeface="Cambria Math"/>
+                                  </a:rPr>
+                                  <m:t>1</m:t>
+                                </m:r>
+                              </m:e>
+                            </m:mr>
+                            <m:mr>
+                              <m:e>
+                                <m:r>
+                                  <a:rPr lang="en-US" altLang="ko-KR" sz="1600" b="0" i="1" smtClean="0">
+                                    <a:latin typeface="Cambria Math"/>
+                                  </a:rPr>
+                                  <m:t>4</m:t>
+                                </m:r>
+                              </m:e>
+                              <m:e>
+                                <m:r>
+                                  <a:rPr lang="en-US" altLang="ko-KR" sz="1600" b="0" i="1" smtClean="0">
+                                    <a:latin typeface="Cambria Math"/>
+                                  </a:rPr>
+                                  <m:t>2</m:t>
+                                </m:r>
+                              </m:e>
+                            </m:mr>
+                          </m:m>
+                        </m:e>
+                      </m:d>
+                    </m:oMath>
+                  </m:oMathPara>
+                </a14:m>
+                <a:endParaRPr lang="ko-KR" altLang="en-US" sz="1600" dirty="0"/>
+              </a:p>
+            </p:txBody>
+          </p:sp>
+        </mc:Choice>
+        <mc:Fallback xmlns="">
+          <p:sp>
+            <p:nvSpPr>
+              <p:cNvPr id="7" name="TextBox 6"/>
+              <p:cNvSpPr txBox="1">
+                <a:spLocks noRot="1" noChangeAspect="1" noMove="1" noResize="1" noEditPoints="1" noAdjustHandles="1" noChangeArrowheads="1" noChangeShapeType="1" noTextEdit="1"/>
+              </p:cNvSpPr>
+              <p:nvPr/>
+            </p:nvSpPr>
+            <p:spPr>
+              <a:xfrm>
+                <a:off x="2699793" y="1967942"/>
+                <a:ext cx="1284134" cy="501356"/>
+              </a:xfrm>
+              <a:prstGeom prst="rect">
+                <a:avLst/>
+              </a:prstGeom>
+              <a:blipFill rotWithShape="1">
+                <a:blip r:embed="rId4"/>
+                <a:stretch>
+                  <a:fillRect b="-3659"/>
+                </a:stretch>
+              </a:blipFill>
+            </p:spPr>
+            <p:txBody>
+              <a:bodyPr/>
+              <a:lstStyle/>
+              <a:p>
+                <a:r>
+                  <a:rPr lang="ko-KR" altLang="en-US">
+                    <a:noFill/>
+                  </a:rPr>
+                  <a:t> </a:t>
+                </a:r>
+              </a:p>
+            </p:txBody>
+          </p:sp>
+        </mc:Fallback>
+      </mc:AlternateContent>
+      <mc:AlternateContent xmlns:mc="http://schemas.openxmlformats.org/markup-compatibility/2006" xmlns:a14="http://schemas.microsoft.com/office/drawing/2010/main">
+        <mc:Choice Requires="a14">
+          <p:sp>
+            <p:nvSpPr>
+              <p:cNvPr id="8" name="TextBox 7"/>
+              <p:cNvSpPr txBox="1"/>
+              <p:nvPr/>
+            </p:nvSpPr>
+            <p:spPr>
+              <a:xfrm>
+                <a:off x="2290763" y="3735665"/>
+                <a:ext cx="1881284" cy="369332"/>
+              </a:xfrm>
+              <a:prstGeom prst="rect">
+                <a:avLst/>
+              </a:prstGeom>
+              <a:noFill/>
+            </p:spPr>
+            <p:txBody>
+              <a:bodyPr wrap="none" rtlCol="0">
+                <a:spAutoFit/>
+              </a:bodyPr>
+              <a:lstStyle/>
+              <a:p>
+                <a:r>
+                  <a:rPr lang="ko-KR" altLang="en-US" dirty="0" smtClean="0"/>
+                  <a:t>행렬 </a:t>
+                </a:r>
+                <a14:m>
+                  <m:oMath xmlns:m="http://schemas.openxmlformats.org/officeDocument/2006/math">
+                    <m:r>
+                      <a:rPr lang="en-US" altLang="ko-KR" b="0" i="1" smtClean="0">
+                        <a:latin typeface="Cambria Math"/>
+                      </a:rPr>
+                      <m:t>𝐴</m:t>
+                    </m:r>
+                  </m:oMath>
+                </a14:m>
+                <a:r>
+                  <a:rPr lang="ko-KR" altLang="en-US" dirty="0" smtClean="0"/>
+                  <a:t>의 열공간</a:t>
+                </a:r>
+                <a:endParaRPr lang="ko-KR" altLang="en-US" dirty="0"/>
+              </a:p>
+            </p:txBody>
+          </p:sp>
+        </mc:Choice>
+        <mc:Fallback xmlns="">
+          <p:sp>
+            <p:nvSpPr>
+              <p:cNvPr id="8" name="TextBox 7"/>
+              <p:cNvSpPr txBox="1">
+                <a:spLocks noRot="1" noChangeAspect="1" noMove="1" noResize="1" noEditPoints="1" noAdjustHandles="1" noChangeArrowheads="1" noChangeShapeType="1" noTextEdit="1"/>
+              </p:cNvSpPr>
+              <p:nvPr/>
+            </p:nvSpPr>
+            <p:spPr>
+              <a:xfrm>
+                <a:off x="2290763" y="3735665"/>
+                <a:ext cx="1881284" cy="369332"/>
+              </a:xfrm>
+              <a:prstGeom prst="rect">
+                <a:avLst/>
+              </a:prstGeom>
+              <a:blipFill rotWithShape="1">
+                <a:blip r:embed="rId5"/>
+                <a:stretch>
+                  <a:fillRect l="-2922" t="-8333" r="-2273" b="-26667"/>
+                </a:stretch>
+              </a:blipFill>
+            </p:spPr>
+            <p:txBody>
+              <a:bodyPr/>
+              <a:lstStyle/>
+              <a:p>
+                <a:r>
+                  <a:rPr lang="ko-KR" altLang="en-US">
+                    <a:noFill/>
+                  </a:rPr>
+                  <a:t> </a:t>
+                </a:r>
+              </a:p>
+            </p:txBody>
+          </p:sp>
+        </mc:Fallback>
+      </mc:AlternateContent>
+      <p:cxnSp>
+        <p:nvCxnSpPr>
+          <p:cNvPr id="9" name="직선 화살표 연결선 8"/>
+          <p:cNvCxnSpPr>
+            <a:stCxn id="8" idx="2"/>
+          </p:cNvCxnSpPr>
+          <p:nvPr/>
+        </p:nvCxnSpPr>
+        <p:spPr>
+          <a:xfrm>
+            <a:off x="3231405" y="4104997"/>
+            <a:ext cx="752522" cy="535413"/>
+          </a:xfrm>
+          <a:prstGeom prst="straightConnector1">
+            <a:avLst/>
+          </a:prstGeom>
+          <a:ln>
+            <a:prstDash val="dash"/>
+            <a:tailEnd type="arrow"/>
+          </a:ln>
+        </p:spPr>
+        <p:style>
+          <a:lnRef idx="1">
+            <a:schemeClr val="accent1"/>
+          </a:lnRef>
+          <a:fillRef idx="0">
+            <a:schemeClr val="accent1"/>
+          </a:fillRef>
+          <a:effectRef idx="0">
+            <a:schemeClr val="accent1"/>
+          </a:effectRef>
+          <a:fontRef idx="minor">
+            <a:schemeClr val="tx1"/>
+          </a:fontRef>
+        </p:style>
+      </p:cxnSp>
+      <mc:AlternateContent xmlns:mc="http://schemas.openxmlformats.org/markup-compatibility/2006" xmlns:a14="http://schemas.microsoft.com/office/drawing/2010/main">
+        <mc:Choice Requires="a14">
+          <p:sp>
+            <p:nvSpPr>
+              <p:cNvPr id="10" name="TextBox 9"/>
+              <p:cNvSpPr txBox="1"/>
+              <p:nvPr/>
+            </p:nvSpPr>
+            <p:spPr>
+              <a:xfrm>
+                <a:off x="4958338" y="2564904"/>
+                <a:ext cx="477758" cy="450188"/>
+              </a:xfrm>
+              <a:prstGeom prst="rect">
+                <a:avLst/>
+              </a:prstGeom>
+              <a:noFill/>
+            </p:spPr>
+            <p:txBody>
+              <a:bodyPr wrap="none" rtlCol="0">
+                <a:spAutoFit/>
+              </a:bodyPr>
+              <a:lstStyle/>
+              <a:p>
+                <a:pPr/>
+                <a14:m>
+                  <m:oMathPara xmlns:m="http://schemas.openxmlformats.org/officeDocument/2006/math">
+                    <m:oMathParaPr>
+                      <m:jc m:val="centerGroup"/>
+                    </m:oMathParaPr>
+                    <m:oMath xmlns:m="http://schemas.openxmlformats.org/officeDocument/2006/math">
+                      <m:d>
+                        <m:dPr>
+                          <m:begChr m:val="["/>
+                          <m:endChr m:val="]"/>
+                          <m:ctrlPr>
+                            <a:rPr lang="en-US" altLang="ko-KR" sz="1400" i="1" smtClean="0">
+                              <a:latin typeface="Cambria Math"/>
+                            </a:rPr>
+                          </m:ctrlPr>
+                        </m:dPr>
+                        <m:e>
+                          <m:m>
+                            <m:mPr>
+                              <m:mcs>
+                                <m:mc>
+                                  <m:mcPr>
+                                    <m:count m:val="1"/>
+                                    <m:mcJc m:val="center"/>
+                                  </m:mcPr>
+                                </m:mc>
+                              </m:mcs>
+                              <m:ctrlPr>
+                                <a:rPr lang="en-US" altLang="ko-KR" sz="1400" i="1" smtClean="0">
+                                  <a:latin typeface="Cambria Math"/>
+                                </a:rPr>
+                              </m:ctrlPr>
+                            </m:mPr>
+                            <m:mr>
+                              <m:e>
+                                <m:r>
+                                  <m:rPr>
+                                    <m:brk m:alnAt="7"/>
+                                  </m:rPr>
+                                  <a:rPr lang="en-US" altLang="ko-KR" sz="1400" b="0" i="1" smtClean="0">
+                                    <a:latin typeface="Cambria Math"/>
+                                  </a:rPr>
+                                  <m:t>1</m:t>
+                                </m:r>
+                              </m:e>
+                            </m:mr>
+                            <m:mr>
+                              <m:e>
+                                <m:r>
+                                  <a:rPr lang="en-US" altLang="ko-KR" sz="1400" b="0" i="1" smtClean="0">
+                                    <a:latin typeface="Cambria Math"/>
+                                  </a:rPr>
+                                  <m:t>2</m:t>
+                                </m:r>
+                              </m:e>
+                            </m:mr>
+                          </m:m>
+                        </m:e>
+                      </m:d>
+                    </m:oMath>
+                  </m:oMathPara>
+                </a14:m>
+                <a:endParaRPr lang="ko-KR" altLang="en-US" sz="1400" dirty="0"/>
+              </a:p>
+            </p:txBody>
+          </p:sp>
+        </mc:Choice>
+        <mc:Fallback xmlns="">
+          <p:sp>
+            <p:nvSpPr>
+              <p:cNvPr id="10" name="TextBox 9"/>
+              <p:cNvSpPr txBox="1">
+                <a:spLocks noRot="1" noChangeAspect="1" noMove="1" noResize="1" noEditPoints="1" noAdjustHandles="1" noChangeArrowheads="1" noChangeShapeType="1" noTextEdit="1"/>
+              </p:cNvSpPr>
+              <p:nvPr/>
+            </p:nvSpPr>
+            <p:spPr>
+              <a:xfrm>
+                <a:off x="4958338" y="2564904"/>
+                <a:ext cx="477758" cy="450188"/>
+              </a:xfrm>
+              <a:prstGeom prst="rect">
+                <a:avLst/>
+              </a:prstGeom>
+              <a:blipFill rotWithShape="1">
+                <a:blip r:embed="rId6"/>
+                <a:stretch>
+                  <a:fillRect b="-2703"/>
+                </a:stretch>
+              </a:blipFill>
+            </p:spPr>
+            <p:txBody>
+              <a:bodyPr/>
+              <a:lstStyle/>
+              <a:p>
+                <a:r>
+                  <a:rPr lang="ko-KR" altLang="en-US">
+                    <a:noFill/>
+                  </a:rPr>
+                  <a:t> </a:t>
+                </a:r>
+              </a:p>
+            </p:txBody>
+          </p:sp>
+        </mc:Fallback>
+      </mc:AlternateContent>
+    </p:spTree>
+    <p:extLst>
+      <p:ext uri="{BB962C8B-B14F-4D97-AF65-F5344CB8AC3E}">
+        <p14:creationId xmlns:p14="http://schemas.microsoft.com/office/powerpoint/2010/main" val="1518737048"/>
+      </p:ext>
+    </p:extLst>
+  </p:cSld>
+  <p:clrMapOvr>
+    <a:masterClrMapping/>
+  </p:clrMapOvr>
+</p:sld>
+</file>
+
+<file path=ppt/slides/slide4.xml><?xml version="1.0" encoding="utf-8"?>
+<p:sld xmlns:a="http://schemas.openxmlformats.org/drawingml/2006/main" xmlns:r="http://schemas.openxmlformats.org/officeDocument/2006/relationships" xmlns:p="http://schemas.openxmlformats.org/presentationml/2006/main">
+  <p:cSld>
+    <p:spTree>
+      <p:nvGrpSpPr>
+        <p:cNvPr id="1" name=""/>
+        <p:cNvGrpSpPr/>
+        <p:nvPr/>
+      </p:nvGrpSpPr>
+      <p:grpSpPr>
+        <a:xfrm>
+          <a:off x="0" y="0"/>
+          <a:ext cx="0" cy="0"/>
+          <a:chOff x="0" y="0"/>
+          <a:chExt cx="0" cy="0"/>
+        </a:xfrm>
+      </p:grpSpPr>
+      <p:pic>
+        <p:nvPicPr>
+          <p:cNvPr id="1026" name="Picture 2"/>
+          <p:cNvPicPr>
+            <a:picLocks noChangeAspect="1" noChangeArrowheads="1"/>
+          </p:cNvPicPr>
+          <p:nvPr/>
+        </p:nvPicPr>
+        <p:blipFill>
+          <a:blip r:embed="rId2">
+            <a:extLst>
+              <a:ext uri="{28A0092B-C50C-407E-A947-70E740481C1C}">
+                <a14:useLocalDpi xmlns:a14="http://schemas.microsoft.com/office/drawing/2010/main" val="0"/>
+              </a:ext>
+            </a:extLst>
+          </a:blip>
+          <a:srcRect/>
+          <a:stretch>
+            <a:fillRect/>
+          </a:stretch>
+        </p:blipFill>
+        <p:spPr bwMode="auto">
+          <a:xfrm>
+            <a:off x="2290763" y="1147763"/>
+            <a:ext cx="4562475" cy="4562475"/>
+          </a:xfrm>
+          <a:prstGeom prst="rect">
+            <a:avLst/>
+          </a:prstGeom>
+          <a:noFill/>
+          <a:ln>
+            <a:noFill/>
+          </a:ln>
+          <a:effectLst/>
+          <a:extLst>
+            <a:ext uri="{909E8E84-426E-40DD-AFC4-6F175D3DCCD1}">
+              <a14:hiddenFill xmlns:a14="http://schemas.microsoft.com/office/drawing/2010/main">
+                <a:solidFill>
+                  <a:schemeClr val="accent1"/>
+                </a:solidFill>
+              </a14:hiddenFill>
+            </a:ext>
+            <a:ext uri="{91240B29-F687-4F45-9708-019B960494DF}">
+              <a14:hiddenLine xmlns:a14="http://schemas.microsoft.com/office/drawing/2010/main" w="9525">
+                <a:solidFill>
+                  <a:schemeClr val="tx1"/>
+                </a:solidFill>
+                <a:miter lim="800000"/>
+                <a:headEnd/>
+                <a:tailEnd/>
+              </a14:hiddenLine>
+            </a:ext>
+            <a:ext uri="{AF507438-7753-43E0-B8FC-AC1667EBCBE1}">
+              <a14:hiddenEffects xmlns:a14="http://schemas.microsoft.com/office/drawing/2010/main">
+                <a:effectLst>
+                  <a:outerShdw dist="35921" dir="2700000" algn="ctr" rotWithShape="0">
+                    <a:schemeClr val="bg2"/>
+                  </a:outerShdw>
+                </a:effectLst>
+              </a14:hiddenEffects>
+            </a:ext>
+          </a:extLst>
+        </p:spPr>
+      </p:pic>
+      <mc:AlternateContent xmlns:mc="http://schemas.openxmlformats.org/markup-compatibility/2006">
+        <mc:Choice xmlns:a14="http://schemas.microsoft.com/office/drawing/2010/main" Requires="a14">
+          <p:sp>
+            <p:nvSpPr>
+              <p:cNvPr id="5" name="TextBox 4"/>
+              <p:cNvSpPr txBox="1"/>
+              <p:nvPr/>
+            </p:nvSpPr>
+            <p:spPr>
+              <a:xfrm>
+                <a:off x="5188985" y="2996953"/>
+                <a:ext cx="751168" cy="307777"/>
+              </a:xfrm>
+              <a:prstGeom prst="rect">
+                <a:avLst/>
+              </a:prstGeom>
+              <a:noFill/>
+            </p:spPr>
+            <p:txBody>
+              <a:bodyPr wrap="none" rtlCol="0">
+                <a:spAutoFit/>
+              </a:bodyPr>
+              <a:lstStyle/>
+              <a:p>
+                <a:pPr/>
+                <a14:m>
+                  <m:oMathPara xmlns:m="http://schemas.openxmlformats.org/officeDocument/2006/math">
+                    <m:oMathParaPr>
+                      <m:jc m:val="centerGroup"/>
+                    </m:oMathParaPr>
+                    <m:oMath xmlns:m="http://schemas.openxmlformats.org/officeDocument/2006/math">
+                      <m:d>
+                        <m:dPr>
+                          <m:begChr m:val="["/>
+                          <m:endChr m:val="]"/>
+                          <m:ctrlPr>
+                            <a:rPr lang="en-US" altLang="ko-KR" sz="1400" i="1" smtClean="0">
+                              <a:latin typeface="Cambria Math"/>
+                            </a:rPr>
+                          </m:ctrlPr>
+                        </m:dPr>
+                        <m:e>
+                          <m:m>
+                            <m:mPr>
+                              <m:mcs>
+                                <m:mc>
+                                  <m:mcPr>
+                                    <m:count m:val="2"/>
+                                    <m:mcJc m:val="center"/>
+                                  </m:mcPr>
+                                </m:mc>
+                              </m:mcs>
+                              <m:ctrlPr>
+                                <a:rPr lang="en-US" altLang="ko-KR" sz="1400" i="1" smtClean="0">
+                                  <a:latin typeface="Cambria Math"/>
+                                </a:rPr>
+                              </m:ctrlPr>
+                            </m:mPr>
+                            <m:mr>
+                              <m:e>
+                                <m:r>
+                                  <m:rPr>
+                                    <m:brk m:alnAt="7"/>
+                                  </m:rPr>
+                                  <a:rPr lang="en-US" altLang="ko-KR" sz="1400" b="0" i="1" smtClean="0">
+                                    <a:latin typeface="Cambria Math"/>
+                                  </a:rPr>
+                                  <m:t>2</m:t>
+                                </m:r>
+                              </m:e>
+                              <m:e>
+                                <m:r>
+                                  <a:rPr lang="en-US" altLang="ko-KR" sz="1400" b="0" i="1" smtClean="0">
+                                    <a:latin typeface="Cambria Math"/>
+                                  </a:rPr>
+                                  <m:t>1</m:t>
+                                </m:r>
+                              </m:e>
+                            </m:mr>
+                          </m:m>
+                        </m:e>
+                      </m:d>
+                    </m:oMath>
+                  </m:oMathPara>
+                </a14:m>
+                <a:endParaRPr lang="ko-KR" altLang="en-US" sz="1400" dirty="0"/>
+              </a:p>
+            </p:txBody>
+          </p:sp>
+        </mc:Choice>
+        <mc:Fallback>
+          <p:sp>
+            <p:nvSpPr>
+              <p:cNvPr id="5" name="TextBox 4"/>
+              <p:cNvSpPr txBox="1">
+                <a:spLocks noRot="1" noChangeAspect="1" noMove="1" noResize="1" noEditPoints="1" noAdjustHandles="1" noChangeArrowheads="1" noChangeShapeType="1" noTextEdit="1"/>
+              </p:cNvSpPr>
+              <p:nvPr/>
+            </p:nvSpPr>
+            <p:spPr>
+              <a:xfrm>
+                <a:off x="5188985" y="2996953"/>
+                <a:ext cx="751168" cy="307777"/>
+              </a:xfrm>
+              <a:prstGeom prst="rect">
+                <a:avLst/>
+              </a:prstGeom>
+              <a:blipFill rotWithShape="1">
+                <a:blip r:embed="rId3"/>
+                <a:stretch>
+                  <a:fillRect/>
+                </a:stretch>
+              </a:blipFill>
+            </p:spPr>
+            <p:txBody>
+              <a:bodyPr/>
+              <a:lstStyle/>
+              <a:p>
+                <a:r>
+                  <a:rPr lang="ko-KR" altLang="en-US">
+                    <a:noFill/>
+                  </a:rPr>
+                  <a:t> </a:t>
+                </a:r>
+              </a:p>
+            </p:txBody>
+          </p:sp>
+        </mc:Fallback>
+      </mc:AlternateContent>
+      <mc:AlternateContent xmlns:mc="http://schemas.openxmlformats.org/markup-compatibility/2006">
+        <mc:Choice xmlns:a14="http://schemas.microsoft.com/office/drawing/2010/main" Requires="a14">
+          <p:sp>
+            <p:nvSpPr>
+              <p:cNvPr id="6" name="TextBox 5"/>
+              <p:cNvSpPr txBox="1"/>
+              <p:nvPr/>
+            </p:nvSpPr>
+            <p:spPr>
+              <a:xfrm>
+                <a:off x="5436097" y="2218620"/>
+                <a:ext cx="751167" cy="307777"/>
+              </a:xfrm>
+              <a:prstGeom prst="rect">
+                <a:avLst/>
+              </a:prstGeom>
+              <a:noFill/>
+            </p:spPr>
+            <p:txBody>
+              <a:bodyPr wrap="none" rtlCol="0">
+                <a:spAutoFit/>
+              </a:bodyPr>
+              <a:lstStyle/>
+              <a:p>
+                <a:pPr/>
+                <a14:m>
+                  <m:oMathPara xmlns:m="http://schemas.openxmlformats.org/officeDocument/2006/math">
+                    <m:oMathParaPr>
+                      <m:jc m:val="centerGroup"/>
+                    </m:oMathParaPr>
+                    <m:oMath xmlns:m="http://schemas.openxmlformats.org/officeDocument/2006/math">
+                      <m:d>
+                        <m:dPr>
+                          <m:begChr m:val="["/>
+                          <m:endChr m:val="]"/>
+                          <m:ctrlPr>
+                            <a:rPr lang="en-US" altLang="ko-KR" sz="1400" i="1" smtClean="0">
+                              <a:latin typeface="Cambria Math"/>
+                            </a:rPr>
+                          </m:ctrlPr>
+                        </m:dPr>
+                        <m:e>
+                          <m:m>
+                            <m:mPr>
+                              <m:mcs>
+                                <m:mc>
+                                  <m:mcPr>
+                                    <m:count m:val="2"/>
+                                    <m:mcJc m:val="center"/>
+                                  </m:mcPr>
+                                </m:mc>
+                              </m:mcs>
+                              <m:ctrlPr>
+                                <a:rPr lang="en-US" altLang="ko-KR" sz="1400" i="1" smtClean="0">
+                                  <a:latin typeface="Cambria Math"/>
+                                </a:rPr>
+                              </m:ctrlPr>
+                            </m:mPr>
+                            <m:mr>
+                              <m:e>
+                                <m:r>
+                                  <m:rPr>
+                                    <m:brk m:alnAt="7"/>
+                                  </m:rPr>
+                                  <a:rPr lang="en-US" altLang="ko-KR" sz="1400" b="0" i="1" smtClean="0">
+                                    <a:latin typeface="Cambria Math"/>
+                                  </a:rPr>
+                                  <m:t>4</m:t>
+                                </m:r>
+                              </m:e>
+                              <m:e>
+                                <m:r>
+                                  <a:rPr lang="en-US" altLang="ko-KR" sz="1400" b="0" i="1" smtClean="0">
+                                    <a:latin typeface="Cambria Math"/>
+                                  </a:rPr>
+                                  <m:t>2</m:t>
+                                </m:r>
+                              </m:e>
+                            </m:mr>
+                          </m:m>
+                        </m:e>
+                      </m:d>
+                    </m:oMath>
+                  </m:oMathPara>
+                </a14:m>
+                <a:endParaRPr lang="ko-KR" altLang="en-US" sz="1400" dirty="0"/>
+              </a:p>
+            </p:txBody>
+          </p:sp>
+        </mc:Choice>
+        <mc:Fallback>
+          <p:sp>
+            <p:nvSpPr>
+              <p:cNvPr id="6" name="TextBox 5"/>
+              <p:cNvSpPr txBox="1">
+                <a:spLocks noRot="1" noChangeAspect="1" noMove="1" noResize="1" noEditPoints="1" noAdjustHandles="1" noChangeArrowheads="1" noChangeShapeType="1" noTextEdit="1"/>
+              </p:cNvSpPr>
+              <p:nvPr/>
+            </p:nvSpPr>
+            <p:spPr>
+              <a:xfrm>
+                <a:off x="5436097" y="2218620"/>
+                <a:ext cx="751167" cy="307777"/>
+              </a:xfrm>
+              <a:prstGeom prst="rect">
+                <a:avLst/>
+              </a:prstGeom>
+              <a:blipFill rotWithShape="1">
+                <a:blip r:embed="rId4"/>
+                <a:stretch>
+                  <a:fillRect/>
                 </a:stretch>
               </a:blipFill>
             </p:spPr>
@@ -4387,6 +5156,7 @@
               </a:bodyPr>
               <a:lstStyle/>
               <a:p>
+                <a:pPr/>
                 <a14:m>
                   <m:oMathPara xmlns:m="http://schemas.openxmlformats.org/officeDocument/2006/math">
                     <m:oMathParaPr>
@@ -4500,7 +5270,7 @@
                 <a:avLst/>
               </a:prstGeom>
               <a:blipFill rotWithShape="1">
-                <a:blip r:embed="rId4"/>
+                <a:blip r:embed="rId5"/>
                 <a:stretch>
                   <a:fillRect b="-3659"/>
                 </a:stretch>
@@ -4531,7 +5301,7 @@
             </p:nvSpPr>
             <p:spPr>
               <a:xfrm>
-                <a:off x="2290763" y="3735665"/>
+                <a:off x="2401218" y="4653137"/>
                 <a:ext cx="1881284" cy="369332"/>
               </a:xfrm>
               <a:prstGeom prst="rect">
@@ -4561,7 +5331,7 @@
                 </a14:m>
                 <a:r>
                   <a:rPr lang="ko-KR" altLang="en-US" dirty="0" smtClean="0"/>
-                  <a:t>의 열공간</a:t>
+                  <a:t>의 행공간</a:t>
                 </a:r>
                 <a:endParaRPr lang="ko-KR" altLang="en-US" dirty="0"/>
               </a:p>
@@ -4579,16 +5349,16 @@
             </p:nvSpPr>
             <p:spPr>
               <a:xfrm>
-                <a:off x="2290763" y="3735665"/>
+                <a:off x="2401218" y="4653137"/>
                 <a:ext cx="1881284" cy="369332"/>
               </a:xfrm>
               <a:prstGeom prst="rect">
                 <a:avLst/>
               </a:prstGeom>
               <a:blipFill rotWithShape="1">
-                <a:blip r:embed="rId5"/>
+                <a:blip r:embed="rId6"/>
                 <a:stretch>
-                  <a:fillRect l="-2922" t="-8333" r="-2273" b="-26667"/>
+                  <a:fillRect l="-2913" t="-8197" r="-1942" b="-24590"/>
                 </a:stretch>
               </a:blipFill>
             </p:spPr>
@@ -4610,15 +5380,13 @@
       <p:cxnSp>
         <p:nvCxnSpPr>
           <p:cNvPr id="9" name="직선 화살표 연결선 8"/>
-          <p:cNvCxnSpPr>
-            <a:stCxn id="8" idx="2"/>
-          </p:cNvCxnSpPr>
+          <p:cNvCxnSpPr/>
           <p:nvPr/>
         </p:nvCxnSpPr>
         <p:spPr>
-          <a:xfrm>
-            <a:off x="3231405" y="4104997"/>
-            <a:ext cx="752522" cy="535413"/>
+          <a:xfrm flipV="1">
+            <a:off x="3341860" y="3933057"/>
+            <a:ext cx="222029" cy="720080"/>
           </a:xfrm>
           <a:prstGeom prst="straightConnector1">
             <a:avLst/>
@@ -4653,8 +5421,8 @@
             </p:nvSpPr>
             <p:spPr>
               <a:xfrm>
-                <a:off x="4958338" y="2564904"/>
-                <a:ext cx="477758" cy="450188"/>
+                <a:off x="5724128" y="3923765"/>
+                <a:ext cx="1881284" cy="369332"/>
               </a:xfrm>
               <a:prstGeom prst="rect">
                 <a:avLst/>
@@ -4667,69 +5435,33 @@
               </a:bodyPr>
               <a:lstStyle/>
               <a:p>
+                <a:r>
+                  <a:rPr lang="ko-KR" altLang="en-US" dirty="0" smtClean="0"/>
+                  <a:t>행렬 </a:t>
+                </a:r>
                 <a14:m>
-                  <m:oMathPara xmlns:m="http://schemas.openxmlformats.org/officeDocument/2006/math">
-                    <m:oMathParaPr>
-                      <m:jc m:val="centerGroup"/>
-                    </m:oMathParaPr>
-                    <m:oMath xmlns:m="http://schemas.openxmlformats.org/officeDocument/2006/math">
-                      <m:d>
-                        <m:dPr>
-                          <m:begChr m:val="["/>
-                          <m:endChr m:val="]"/>
-                          <m:ctrlPr>
-                            <a:rPr lang="en-US" altLang="ko-KR" sz="1400" i="1" smtClean="0">
-                              <a:latin typeface="Cambria Math"/>
-                            </a:rPr>
-                          </m:ctrlPr>
-                        </m:dPr>
-                        <m:e>
-                          <m:m>
-                            <m:mPr>
-                              <m:mcs>
-                                <m:mc>
-                                  <m:mcPr>
-                                    <m:count m:val="1"/>
-                                    <m:mcJc m:val="center"/>
-                                  </m:mcPr>
-                                </m:mc>
-                              </m:mcs>
-                              <m:ctrlPr>
-                                <a:rPr lang="en-US" altLang="ko-KR" sz="1400" i="1" smtClean="0">
-                                  <a:latin typeface="Cambria Math"/>
-                                </a:rPr>
-                              </m:ctrlPr>
-                            </m:mPr>
-                            <m:mr>
-                              <m:e>
-                                <m:r>
-                                  <m:rPr>
-                                    <m:brk m:alnAt="7"/>
-                                  </m:rPr>
-                                  <a:rPr lang="en-US" altLang="ko-KR" sz="1400" b="0" i="1" smtClean="0">
-                                    <a:latin typeface="Cambria Math"/>
-                                  </a:rPr>
-                                  <m:t>1</m:t>
-                                </m:r>
-                              </m:e>
-                            </m:mr>
-                            <m:mr>
-                              <m:e>
-                                <m:r>
-                                  <a:rPr lang="en-US" altLang="ko-KR" sz="1400" b="0" i="1" smtClean="0">
-                                    <a:latin typeface="Cambria Math"/>
-                                  </a:rPr>
-                                  <m:t>2</m:t>
-                                </m:r>
-                              </m:e>
-                            </m:mr>
-                          </m:m>
-                        </m:e>
-                      </m:d>
-                    </m:oMath>
-                  </m:oMathPara>
+                  <m:oMath xmlns:m="http://schemas.openxmlformats.org/officeDocument/2006/math">
+                    <m:r>
+                      <a:rPr lang="en-US" altLang="ko-KR" b="0" i="1" smtClean="0">
+                        <a:latin typeface="Cambria Math"/>
+                      </a:rPr>
+                      <m:t>𝐴</m:t>
+                    </m:r>
+                  </m:oMath>
                 </a14:m>
-                <a:endParaRPr lang="ko-KR" altLang="en-US" sz="1400" dirty="0"/>
+                <a:r>
+                  <a:rPr lang="ko-KR" altLang="en-US" dirty="0" smtClean="0"/>
+                  <a:t>의 </a:t>
+                </a:r>
+                <a:r>
+                  <a:rPr lang="ko-KR" altLang="en-US" dirty="0"/>
+                  <a:t>영</a:t>
+                </a:r>
+                <a:r>
+                  <a:rPr lang="ko-KR" altLang="en-US" dirty="0" smtClean="0"/>
+                  <a:t>공간</a:t>
+                </a:r>
+                <a:endParaRPr lang="ko-KR" altLang="en-US" dirty="0"/>
               </a:p>
             </p:txBody>
           </p:sp>
@@ -4745,16 +5477,16 @@
             </p:nvSpPr>
             <p:spPr>
               <a:xfrm>
-                <a:off x="4958338" y="2564904"/>
-                <a:ext cx="477758" cy="450188"/>
+                <a:off x="5724128" y="3923765"/>
+                <a:ext cx="1881284" cy="369332"/>
               </a:xfrm>
               <a:prstGeom prst="rect">
                 <a:avLst/>
               </a:prstGeom>
               <a:blipFill rotWithShape="1">
-                <a:blip r:embed="rId6"/>
+                <a:blip r:embed="rId7"/>
                 <a:stretch>
-                  <a:fillRect b="-2703"/>
+                  <a:fillRect l="-2913" t="-8333" r="-1942" b="-26667"/>
                 </a:stretch>
               </a:blipFill>
             </p:spPr>
@@ -4773,10 +5505,44 @@
           </p:sp>
         </mc:Fallback>
       </mc:AlternateContent>
+      <p:cxnSp>
+        <p:nvCxnSpPr>
+          <p:cNvPr id="11" name="직선 화살표 연결선 10"/>
+          <p:cNvCxnSpPr/>
+          <p:nvPr/>
+        </p:nvCxnSpPr>
+        <p:spPr>
+          <a:xfrm flipH="1">
+            <a:off x="5076056" y="4108431"/>
+            <a:ext cx="648072" cy="112657"/>
+          </a:xfrm>
+          <a:prstGeom prst="straightConnector1">
+            <a:avLst/>
+          </a:prstGeom>
+          <a:ln>
+            <a:prstDash val="dash"/>
+            <a:tailEnd type="arrow"/>
+          </a:ln>
+        </p:spPr>
+        <p:style>
+          <a:lnRef idx="1">
+            <a:schemeClr val="accent1"/>
+          </a:lnRef>
+          <a:fillRef idx="0">
+            <a:schemeClr val="accent1"/>
+          </a:fillRef>
+          <a:effectRef idx="0">
+            <a:schemeClr val="accent1"/>
+          </a:effectRef>
+          <a:fontRef idx="minor">
+            <a:schemeClr val="tx1"/>
+          </a:fontRef>
+        </p:style>
+      </p:cxnSp>
     </p:spTree>
     <p:extLst>
       <p:ext uri="{BB962C8B-B14F-4D97-AF65-F5344CB8AC3E}">
-        <p14:creationId xmlns:p14="http://schemas.microsoft.com/office/powerpoint/2010/main" val="1518737048"/>
+        <p14:creationId xmlns:p14="http://schemas.microsoft.com/office/powerpoint/2010/main" val="1402832797"/>
       </p:ext>
     </p:extLst>
   </p:cSld>

--- a/pics/2020-11-17-four_fundamental_subspaces/pics.pptx
+++ b/pics/2020-11-17-four_fundamental_subspaces/pics.pptx
@@ -9,6 +9,8 @@
     <p:sldId id="256" r:id="rId3"/>
     <p:sldId id="257" r:id="rId4"/>
     <p:sldId id="259" r:id="rId5"/>
+    <p:sldId id="260" r:id="rId6"/>
+    <p:sldId id="261" r:id="rId7"/>
   </p:sldIdLst>
   <p:sldSz cx="9144000" cy="6858000" type="screen4x3"/>
   <p:notesSz cx="6858000" cy="9144000"/>
@@ -4874,8 +4876,8 @@
           </a:extLst>
         </p:spPr>
       </p:pic>
-      <mc:AlternateContent xmlns:mc="http://schemas.openxmlformats.org/markup-compatibility/2006">
-        <mc:Choice xmlns:a14="http://schemas.microsoft.com/office/drawing/2010/main" Requires="a14">
+      <mc:AlternateContent xmlns:mc="http://schemas.openxmlformats.org/markup-compatibility/2006" xmlns:a14="http://schemas.microsoft.com/office/drawing/2010/main">
+        <mc:Choice Requires="a14">
           <p:sp>
             <p:nvSpPr>
               <p:cNvPr id="5" name="TextBox 4"/>
@@ -4964,7 +4966,7 @@
             </p:txBody>
           </p:sp>
         </mc:Choice>
-        <mc:Fallback>
+        <mc:Fallback xmlns="">
           <p:sp>
             <p:nvSpPr>
               <p:cNvPr id="5" name="TextBox 4"/>
@@ -5003,8 +5005,8 @@
           </p:sp>
         </mc:Fallback>
       </mc:AlternateContent>
-      <mc:AlternateContent xmlns:mc="http://schemas.openxmlformats.org/markup-compatibility/2006">
-        <mc:Choice xmlns:a14="http://schemas.microsoft.com/office/drawing/2010/main" Requires="a14">
+      <mc:AlternateContent xmlns:mc="http://schemas.openxmlformats.org/markup-compatibility/2006" xmlns:a14="http://schemas.microsoft.com/office/drawing/2010/main">
+        <mc:Choice Requires="a14">
           <p:sp>
             <p:nvSpPr>
               <p:cNvPr id="6" name="TextBox 5"/>
@@ -5093,7 +5095,7 @@
             </p:txBody>
           </p:sp>
         </mc:Choice>
-        <mc:Fallback>
+        <mc:Fallback xmlns="">
           <p:sp>
             <p:nvSpPr>
               <p:cNvPr id="6" name="TextBox 5"/>
@@ -5132,8 +5134,8 @@
           </p:sp>
         </mc:Fallback>
       </mc:AlternateContent>
-      <mc:AlternateContent xmlns:mc="http://schemas.openxmlformats.org/markup-compatibility/2006">
-        <mc:Choice xmlns:a14="http://schemas.microsoft.com/office/drawing/2010/main" Requires="a14">
+      <mc:AlternateContent xmlns:mc="http://schemas.openxmlformats.org/markup-compatibility/2006" xmlns:a14="http://schemas.microsoft.com/office/drawing/2010/main">
+        <mc:Choice Requires="a14">
           <p:sp>
             <p:nvSpPr>
               <p:cNvPr id="7" name="TextBox 6"/>
@@ -5252,7 +5254,7 @@
             </p:txBody>
           </p:sp>
         </mc:Choice>
-        <mc:Fallback>
+        <mc:Fallback xmlns="">
           <p:sp>
             <p:nvSpPr>
               <p:cNvPr id="7" name="TextBox 6"/>
@@ -5291,8 +5293,8 @@
           </p:sp>
         </mc:Fallback>
       </mc:AlternateContent>
-      <mc:AlternateContent xmlns:mc="http://schemas.openxmlformats.org/markup-compatibility/2006">
-        <mc:Choice xmlns:a14="http://schemas.microsoft.com/office/drawing/2010/main" Requires="a14">
+      <mc:AlternateContent xmlns:mc="http://schemas.openxmlformats.org/markup-compatibility/2006" xmlns:a14="http://schemas.microsoft.com/office/drawing/2010/main">
+        <mc:Choice Requires="a14">
           <p:sp>
             <p:nvSpPr>
               <p:cNvPr id="8" name="TextBox 7"/>
@@ -5338,7 +5340,7 @@
             </p:txBody>
           </p:sp>
         </mc:Choice>
-        <mc:Fallback>
+        <mc:Fallback xmlns="">
           <p:sp>
             <p:nvSpPr>
               <p:cNvPr id="8" name="TextBox 7"/>
@@ -5411,8 +5413,8 @@
           </a:fontRef>
         </p:style>
       </p:cxnSp>
-      <mc:AlternateContent xmlns:mc="http://schemas.openxmlformats.org/markup-compatibility/2006">
-        <mc:Choice xmlns:a14="http://schemas.microsoft.com/office/drawing/2010/main" Requires="a14">
+      <mc:AlternateContent xmlns:mc="http://schemas.openxmlformats.org/markup-compatibility/2006" xmlns:a14="http://schemas.microsoft.com/office/drawing/2010/main">
+        <mc:Choice Requires="a14">
           <p:sp>
             <p:nvSpPr>
               <p:cNvPr id="10" name="TextBox 9"/>
@@ -5466,7 +5468,7 @@
             </p:txBody>
           </p:sp>
         </mc:Choice>
-        <mc:Fallback>
+        <mc:Fallback xmlns="">
           <p:sp>
             <p:nvSpPr>
               <p:cNvPr id="10" name="TextBox 9"/>
@@ -5543,6 +5545,1026 @@
     <p:extLst>
       <p:ext uri="{BB962C8B-B14F-4D97-AF65-F5344CB8AC3E}">
         <p14:creationId xmlns:p14="http://schemas.microsoft.com/office/powerpoint/2010/main" val="1402832797"/>
+      </p:ext>
+    </p:extLst>
+  </p:cSld>
+  <p:clrMapOvr>
+    <a:masterClrMapping/>
+  </p:clrMapOvr>
+</p:sld>
+</file>
+
+<file path=ppt/slides/slide5.xml><?xml version="1.0" encoding="utf-8"?>
+<p:sld xmlns:a="http://schemas.openxmlformats.org/drawingml/2006/main" xmlns:r="http://schemas.openxmlformats.org/officeDocument/2006/relationships" xmlns:p="http://schemas.openxmlformats.org/presentationml/2006/main">
+  <p:cSld>
+    <p:spTree>
+      <p:nvGrpSpPr>
+        <p:cNvPr id="1" name=""/>
+        <p:cNvGrpSpPr/>
+        <p:nvPr/>
+      </p:nvGrpSpPr>
+      <p:grpSpPr>
+        <a:xfrm>
+          <a:off x="0" y="0"/>
+          <a:ext cx="0" cy="0"/>
+          <a:chOff x="0" y="0"/>
+          <a:chExt cx="0" cy="0"/>
+        </a:xfrm>
+      </p:grpSpPr>
+      <p:pic>
+        <p:nvPicPr>
+          <p:cNvPr id="1026" name="Picture 2"/>
+          <p:cNvPicPr>
+            <a:picLocks noChangeAspect="1" noChangeArrowheads="1"/>
+          </p:cNvPicPr>
+          <p:nvPr/>
+        </p:nvPicPr>
+        <p:blipFill>
+          <a:blip r:embed="rId2">
+            <a:extLst>
+              <a:ext uri="{28A0092B-C50C-407E-A947-70E740481C1C}">
+                <a14:useLocalDpi xmlns:a14="http://schemas.microsoft.com/office/drawing/2010/main" val="0"/>
+              </a:ext>
+            </a:extLst>
+          </a:blip>
+          <a:srcRect/>
+          <a:stretch>
+            <a:fillRect/>
+          </a:stretch>
+        </p:blipFill>
+        <p:spPr bwMode="auto">
+          <a:xfrm>
+            <a:off x="2290763" y="1147763"/>
+            <a:ext cx="4562475" cy="4562475"/>
+          </a:xfrm>
+          <a:prstGeom prst="rect">
+            <a:avLst/>
+          </a:prstGeom>
+          <a:noFill/>
+          <a:ln>
+            <a:noFill/>
+          </a:ln>
+          <a:effectLst/>
+          <a:extLst>
+            <a:ext uri="{909E8E84-426E-40DD-AFC4-6F175D3DCCD1}">
+              <a14:hiddenFill xmlns:a14="http://schemas.microsoft.com/office/drawing/2010/main">
+                <a:solidFill>
+                  <a:schemeClr val="accent1"/>
+                </a:solidFill>
+              </a14:hiddenFill>
+            </a:ext>
+            <a:ext uri="{91240B29-F687-4F45-9708-019B960494DF}">
+              <a14:hiddenLine xmlns:a14="http://schemas.microsoft.com/office/drawing/2010/main" w="9525">
+                <a:solidFill>
+                  <a:schemeClr val="tx1"/>
+                </a:solidFill>
+                <a:miter lim="800000"/>
+                <a:headEnd/>
+                <a:tailEnd/>
+              </a14:hiddenLine>
+            </a:ext>
+            <a:ext uri="{AF507438-7753-43E0-B8FC-AC1667EBCBE1}">
+              <a14:hiddenEffects xmlns:a14="http://schemas.microsoft.com/office/drawing/2010/main">
+                <a:effectLst>
+                  <a:outerShdw dist="35921" dir="2700000" algn="ctr" rotWithShape="0">
+                    <a:schemeClr val="bg2"/>
+                  </a:outerShdw>
+                </a:effectLst>
+              </a14:hiddenEffects>
+            </a:ext>
+          </a:extLst>
+        </p:spPr>
+      </p:pic>
+      <mc:AlternateContent xmlns:mc="http://schemas.openxmlformats.org/markup-compatibility/2006" xmlns:a14="http://schemas.microsoft.com/office/drawing/2010/main">
+        <mc:Choice Requires="a14">
+          <p:sp>
+            <p:nvSpPr>
+              <p:cNvPr id="7" name="TextBox 6"/>
+              <p:cNvSpPr txBox="1"/>
+              <p:nvPr/>
+            </p:nvSpPr>
+            <p:spPr>
+              <a:xfrm>
+                <a:off x="2699793" y="1967942"/>
+                <a:ext cx="1284134" cy="501356"/>
+              </a:xfrm>
+              <a:prstGeom prst="rect">
+                <a:avLst/>
+              </a:prstGeom>
+              <a:noFill/>
+            </p:spPr>
+            <p:txBody>
+              <a:bodyPr wrap="none" rtlCol="0">
+                <a:spAutoFit/>
+              </a:bodyPr>
+              <a:lstStyle/>
+              <a:p>
+                <a:pPr/>
+                <a14:m>
+                  <m:oMathPara xmlns:m="http://schemas.openxmlformats.org/officeDocument/2006/math">
+                    <m:oMathParaPr>
+                      <m:jc m:val="centerGroup"/>
+                    </m:oMathParaPr>
+                    <m:oMath xmlns:m="http://schemas.openxmlformats.org/officeDocument/2006/math">
+                      <m:r>
+                        <a:rPr lang="en-US" altLang="ko-KR" sz="1600" b="0" i="1" smtClean="0">
+                          <a:latin typeface="Cambria Math"/>
+                        </a:rPr>
+                        <m:t>𝐴</m:t>
+                      </m:r>
+                      <m:r>
+                        <a:rPr lang="en-US" altLang="ko-KR" sz="1600" b="0" i="1" smtClean="0">
+                          <a:latin typeface="Cambria Math"/>
+                        </a:rPr>
+                        <m:t>= </m:t>
+                      </m:r>
+                      <m:d>
+                        <m:dPr>
+                          <m:begChr m:val="["/>
+                          <m:endChr m:val="]"/>
+                          <m:ctrlPr>
+                            <a:rPr lang="en-US" altLang="ko-KR" sz="1600" b="0" i="1" smtClean="0">
+                              <a:latin typeface="Cambria Math"/>
+                            </a:rPr>
+                          </m:ctrlPr>
+                        </m:dPr>
+                        <m:e>
+                          <m:m>
+                            <m:mPr>
+                              <m:mcs>
+                                <m:mc>
+                                  <m:mcPr>
+                                    <m:count m:val="2"/>
+                                    <m:mcJc m:val="center"/>
+                                  </m:mcPr>
+                                </m:mc>
+                              </m:mcs>
+                              <m:ctrlPr>
+                                <a:rPr lang="en-US" altLang="ko-KR" sz="1600" b="0" i="1" smtClean="0">
+                                  <a:latin typeface="Cambria Math"/>
+                                </a:rPr>
+                              </m:ctrlPr>
+                            </m:mPr>
+                            <m:mr>
+                              <m:e>
+                                <m:r>
+                                  <m:rPr>
+                                    <m:brk m:alnAt="7"/>
+                                  </m:rPr>
+                                  <a:rPr lang="en-US" altLang="ko-KR" sz="1600" b="0" i="1" smtClean="0">
+                                    <a:latin typeface="Cambria Math"/>
+                                  </a:rPr>
+                                  <m:t>2</m:t>
+                                </m:r>
+                              </m:e>
+                              <m:e>
+                                <m:r>
+                                  <a:rPr lang="en-US" altLang="ko-KR" sz="1600" b="0" i="1" smtClean="0">
+                                    <a:latin typeface="Cambria Math"/>
+                                  </a:rPr>
+                                  <m:t>1</m:t>
+                                </m:r>
+                              </m:e>
+                            </m:mr>
+                            <m:mr>
+                              <m:e>
+                                <m:r>
+                                  <a:rPr lang="en-US" altLang="ko-KR" sz="1600" b="0" i="1" smtClean="0">
+                                    <a:latin typeface="Cambria Math"/>
+                                  </a:rPr>
+                                  <m:t>4</m:t>
+                                </m:r>
+                              </m:e>
+                              <m:e>
+                                <m:r>
+                                  <a:rPr lang="en-US" altLang="ko-KR" sz="1600" b="0" i="1" smtClean="0">
+                                    <a:latin typeface="Cambria Math"/>
+                                  </a:rPr>
+                                  <m:t>2</m:t>
+                                </m:r>
+                              </m:e>
+                            </m:mr>
+                          </m:m>
+                        </m:e>
+                      </m:d>
+                    </m:oMath>
+                  </m:oMathPara>
+                </a14:m>
+                <a:endParaRPr lang="ko-KR" altLang="en-US" sz="1600" dirty="0"/>
+              </a:p>
+            </p:txBody>
+          </p:sp>
+        </mc:Choice>
+        <mc:Fallback xmlns="">
+          <p:sp>
+            <p:nvSpPr>
+              <p:cNvPr id="7" name="TextBox 6"/>
+              <p:cNvSpPr txBox="1">
+                <a:spLocks noRot="1" noChangeAspect="1" noMove="1" noResize="1" noEditPoints="1" noAdjustHandles="1" noChangeArrowheads="1" noChangeShapeType="1" noTextEdit="1"/>
+              </p:cNvSpPr>
+              <p:nvPr/>
+            </p:nvSpPr>
+            <p:spPr>
+              <a:xfrm>
+                <a:off x="2699793" y="1967942"/>
+                <a:ext cx="1284134" cy="501356"/>
+              </a:xfrm>
+              <a:prstGeom prst="rect">
+                <a:avLst/>
+              </a:prstGeom>
+              <a:blipFill rotWithShape="1">
+                <a:blip r:embed="rId3"/>
+                <a:stretch>
+                  <a:fillRect b="-3659"/>
+                </a:stretch>
+              </a:blipFill>
+            </p:spPr>
+            <p:txBody>
+              <a:bodyPr/>
+              <a:lstStyle/>
+              <a:p>
+                <a:r>
+                  <a:rPr lang="ko-KR" altLang="en-US">
+                    <a:noFill/>
+                  </a:rPr>
+                  <a:t> </a:t>
+                </a:r>
+              </a:p>
+            </p:txBody>
+          </p:sp>
+        </mc:Fallback>
+      </mc:AlternateContent>
+    </p:spTree>
+    <p:extLst>
+      <p:ext uri="{BB962C8B-B14F-4D97-AF65-F5344CB8AC3E}">
+        <p14:creationId xmlns:p14="http://schemas.microsoft.com/office/powerpoint/2010/main" val="3460995690"/>
+      </p:ext>
+    </p:extLst>
+  </p:cSld>
+  <p:clrMapOvr>
+    <a:masterClrMapping/>
+  </p:clrMapOvr>
+</p:sld>
+</file>
+
+<file path=ppt/slides/slide6.xml><?xml version="1.0" encoding="utf-8"?>
+<p:sld xmlns:a="http://schemas.openxmlformats.org/drawingml/2006/main" xmlns:r="http://schemas.openxmlformats.org/officeDocument/2006/relationships" xmlns:p="http://schemas.openxmlformats.org/presentationml/2006/main">
+  <p:cSld>
+    <p:spTree>
+      <p:nvGrpSpPr>
+        <p:cNvPr id="1" name=""/>
+        <p:cNvGrpSpPr/>
+        <p:nvPr/>
+      </p:nvGrpSpPr>
+      <p:grpSpPr>
+        <a:xfrm>
+          <a:off x="0" y="0"/>
+          <a:ext cx="0" cy="0"/>
+          <a:chOff x="0" y="0"/>
+          <a:chExt cx="0" cy="0"/>
+        </a:xfrm>
+      </p:grpSpPr>
+      <p:pic>
+        <p:nvPicPr>
+          <p:cNvPr id="1026" name="Picture 2"/>
+          <p:cNvPicPr>
+            <a:picLocks noChangeAspect="1" noChangeArrowheads="1"/>
+          </p:cNvPicPr>
+          <p:nvPr/>
+        </p:nvPicPr>
+        <p:blipFill>
+          <a:blip r:embed="rId2">
+            <a:extLst>
+              <a:ext uri="{28A0092B-C50C-407E-A947-70E740481C1C}">
+                <a14:useLocalDpi xmlns:a14="http://schemas.microsoft.com/office/drawing/2010/main" val="0"/>
+              </a:ext>
+            </a:extLst>
+          </a:blip>
+          <a:srcRect/>
+          <a:stretch>
+            <a:fillRect/>
+          </a:stretch>
+        </p:blipFill>
+        <p:spPr bwMode="auto">
+          <a:xfrm>
+            <a:off x="2290763" y="1147763"/>
+            <a:ext cx="4562475" cy="4562475"/>
+          </a:xfrm>
+          <a:prstGeom prst="rect">
+            <a:avLst/>
+          </a:prstGeom>
+          <a:noFill/>
+          <a:ln>
+            <a:noFill/>
+          </a:ln>
+          <a:effectLst/>
+          <a:extLst>
+            <a:ext uri="{909E8E84-426E-40DD-AFC4-6F175D3DCCD1}">
+              <a14:hiddenFill xmlns:a14="http://schemas.microsoft.com/office/drawing/2010/main">
+                <a:solidFill>
+                  <a:schemeClr val="accent1"/>
+                </a:solidFill>
+              </a14:hiddenFill>
+            </a:ext>
+            <a:ext uri="{91240B29-F687-4F45-9708-019B960494DF}">
+              <a14:hiddenLine xmlns:a14="http://schemas.microsoft.com/office/drawing/2010/main" w="9525">
+                <a:solidFill>
+                  <a:schemeClr val="tx1"/>
+                </a:solidFill>
+                <a:miter lim="800000"/>
+                <a:headEnd/>
+                <a:tailEnd/>
+              </a14:hiddenLine>
+            </a:ext>
+            <a:ext uri="{AF507438-7753-43E0-B8FC-AC1667EBCBE1}">
+              <a14:hiddenEffects xmlns:a14="http://schemas.microsoft.com/office/drawing/2010/main">
+                <a:effectLst>
+                  <a:outerShdw dist="35921" dir="2700000" algn="ctr" rotWithShape="0">
+                    <a:schemeClr val="bg2"/>
+                  </a:outerShdw>
+                </a:effectLst>
+              </a14:hiddenEffects>
+            </a:ext>
+          </a:extLst>
+        </p:spPr>
+      </p:pic>
+      <mc:AlternateContent xmlns:mc="http://schemas.openxmlformats.org/markup-compatibility/2006">
+        <mc:Choice xmlns:a14="http://schemas.microsoft.com/office/drawing/2010/main" Requires="a14">
+          <p:sp>
+            <p:nvSpPr>
+              <p:cNvPr id="5" name="TextBox 4"/>
+              <p:cNvSpPr txBox="1"/>
+              <p:nvPr/>
+            </p:nvSpPr>
+            <p:spPr>
+              <a:xfrm>
+                <a:off x="5292080" y="1735331"/>
+                <a:ext cx="477758" cy="450188"/>
+              </a:xfrm>
+              <a:prstGeom prst="rect">
+                <a:avLst/>
+              </a:prstGeom>
+              <a:noFill/>
+            </p:spPr>
+            <p:txBody>
+              <a:bodyPr wrap="none" rtlCol="0">
+                <a:spAutoFit/>
+              </a:bodyPr>
+              <a:lstStyle/>
+              <a:p>
+                <a:pPr/>
+                <a14:m>
+                  <m:oMathPara xmlns:m="http://schemas.openxmlformats.org/officeDocument/2006/math">
+                    <m:oMathParaPr>
+                      <m:jc m:val="centerGroup"/>
+                    </m:oMathParaPr>
+                    <m:oMath xmlns:m="http://schemas.openxmlformats.org/officeDocument/2006/math">
+                      <m:d>
+                        <m:dPr>
+                          <m:begChr m:val="["/>
+                          <m:endChr m:val="]"/>
+                          <m:ctrlPr>
+                            <a:rPr lang="en-US" altLang="ko-KR" sz="1400" i="1" smtClean="0">
+                              <a:latin typeface="Cambria Math"/>
+                            </a:rPr>
+                          </m:ctrlPr>
+                        </m:dPr>
+                        <m:e>
+                          <m:m>
+                            <m:mPr>
+                              <m:mcs>
+                                <m:mc>
+                                  <m:mcPr>
+                                    <m:count m:val="1"/>
+                                    <m:mcJc m:val="center"/>
+                                  </m:mcPr>
+                                </m:mc>
+                              </m:mcs>
+                              <m:ctrlPr>
+                                <a:rPr lang="en-US" altLang="ko-KR" sz="1400" i="1" smtClean="0">
+                                  <a:latin typeface="Cambria Math"/>
+                                </a:rPr>
+                              </m:ctrlPr>
+                            </m:mPr>
+                            <m:mr>
+                              <m:e>
+                                <m:r>
+                                  <m:rPr>
+                                    <m:brk m:alnAt="7"/>
+                                  </m:rPr>
+                                  <a:rPr lang="en-US" altLang="ko-KR" sz="1400" b="0" i="1" smtClean="0">
+                                    <a:latin typeface="Cambria Math"/>
+                                  </a:rPr>
+                                  <m:t>2</m:t>
+                                </m:r>
+                              </m:e>
+                            </m:mr>
+                            <m:mr>
+                              <m:e>
+                                <m:r>
+                                  <a:rPr lang="en-US" altLang="ko-KR" sz="1400" b="0" i="1" smtClean="0">
+                                    <a:latin typeface="Cambria Math"/>
+                                  </a:rPr>
+                                  <m:t>4</m:t>
+                                </m:r>
+                              </m:e>
+                            </m:mr>
+                          </m:m>
+                        </m:e>
+                      </m:d>
+                    </m:oMath>
+                  </m:oMathPara>
+                </a14:m>
+                <a:endParaRPr lang="ko-KR" altLang="en-US" sz="1400" dirty="0"/>
+              </a:p>
+            </p:txBody>
+          </p:sp>
+        </mc:Choice>
+        <mc:Fallback>
+          <p:sp>
+            <p:nvSpPr>
+              <p:cNvPr id="5" name="TextBox 4"/>
+              <p:cNvSpPr txBox="1">
+                <a:spLocks noRot="1" noChangeAspect="1" noMove="1" noResize="1" noEditPoints="1" noAdjustHandles="1" noChangeArrowheads="1" noChangeShapeType="1" noTextEdit="1"/>
+              </p:cNvSpPr>
+              <p:nvPr/>
+            </p:nvSpPr>
+            <p:spPr>
+              <a:xfrm>
+                <a:off x="5292080" y="1735331"/>
+                <a:ext cx="477758" cy="450188"/>
+              </a:xfrm>
+              <a:prstGeom prst="rect">
+                <a:avLst/>
+              </a:prstGeom>
+              <a:blipFill rotWithShape="1">
+                <a:blip r:embed="rId3"/>
+                <a:stretch>
+                  <a:fillRect b="-2703"/>
+                </a:stretch>
+              </a:blipFill>
+            </p:spPr>
+            <p:txBody>
+              <a:bodyPr/>
+              <a:lstStyle/>
+              <a:p>
+                <a:r>
+                  <a:rPr lang="ko-KR" altLang="en-US">
+                    <a:noFill/>
+                  </a:rPr>
+                  <a:t> </a:t>
+                </a:r>
+              </a:p>
+            </p:txBody>
+          </p:sp>
+        </mc:Fallback>
+      </mc:AlternateContent>
+      <mc:AlternateContent xmlns:mc="http://schemas.openxmlformats.org/markup-compatibility/2006">
+        <mc:Choice xmlns:a14="http://schemas.microsoft.com/office/drawing/2010/main" Requires="a14">
+          <p:sp>
+            <p:nvSpPr>
+              <p:cNvPr id="6" name="TextBox 5"/>
+              <p:cNvSpPr txBox="1"/>
+              <p:nvPr/>
+            </p:nvSpPr>
+            <p:spPr>
+              <a:xfrm>
+                <a:off x="3059832" y="1434309"/>
+                <a:ext cx="1284134" cy="501356"/>
+              </a:xfrm>
+              <a:prstGeom prst="rect">
+                <a:avLst/>
+              </a:prstGeom>
+              <a:noFill/>
+            </p:spPr>
+            <p:txBody>
+              <a:bodyPr wrap="none" rtlCol="0">
+                <a:spAutoFit/>
+              </a:bodyPr>
+              <a:lstStyle/>
+              <a:p>
+                <a:pPr/>
+                <a14:m>
+                  <m:oMathPara xmlns:m="http://schemas.openxmlformats.org/officeDocument/2006/math">
+                    <m:oMathParaPr>
+                      <m:jc m:val="centerGroup"/>
+                    </m:oMathParaPr>
+                    <m:oMath xmlns:m="http://schemas.openxmlformats.org/officeDocument/2006/math">
+                      <m:r>
+                        <a:rPr lang="en-US" altLang="ko-KR" sz="1600" b="0" i="1" smtClean="0">
+                          <a:latin typeface="Cambria Math"/>
+                        </a:rPr>
+                        <m:t>𝐴</m:t>
+                      </m:r>
+                      <m:r>
+                        <a:rPr lang="en-US" altLang="ko-KR" sz="1600" b="0" i="1" smtClean="0">
+                          <a:latin typeface="Cambria Math"/>
+                        </a:rPr>
+                        <m:t>= </m:t>
+                      </m:r>
+                      <m:d>
+                        <m:dPr>
+                          <m:begChr m:val="["/>
+                          <m:endChr m:val="]"/>
+                          <m:ctrlPr>
+                            <a:rPr lang="en-US" altLang="ko-KR" sz="1600" b="0" i="1" smtClean="0">
+                              <a:latin typeface="Cambria Math"/>
+                            </a:rPr>
+                          </m:ctrlPr>
+                        </m:dPr>
+                        <m:e>
+                          <m:m>
+                            <m:mPr>
+                              <m:mcs>
+                                <m:mc>
+                                  <m:mcPr>
+                                    <m:count m:val="2"/>
+                                    <m:mcJc m:val="center"/>
+                                  </m:mcPr>
+                                </m:mc>
+                              </m:mcs>
+                              <m:ctrlPr>
+                                <a:rPr lang="en-US" altLang="ko-KR" sz="1600" b="0" i="1" smtClean="0">
+                                  <a:latin typeface="Cambria Math"/>
+                                </a:rPr>
+                              </m:ctrlPr>
+                            </m:mPr>
+                            <m:mr>
+                              <m:e>
+                                <m:r>
+                                  <m:rPr>
+                                    <m:brk m:alnAt="7"/>
+                                  </m:rPr>
+                                  <a:rPr lang="en-US" altLang="ko-KR" sz="1600" b="0" i="1" smtClean="0">
+                                    <a:latin typeface="Cambria Math"/>
+                                  </a:rPr>
+                                  <m:t>2</m:t>
+                                </m:r>
+                              </m:e>
+                              <m:e>
+                                <m:r>
+                                  <a:rPr lang="en-US" altLang="ko-KR" sz="1600" b="0" i="1" smtClean="0">
+                                    <a:latin typeface="Cambria Math"/>
+                                  </a:rPr>
+                                  <m:t>1</m:t>
+                                </m:r>
+                              </m:e>
+                            </m:mr>
+                            <m:mr>
+                              <m:e>
+                                <m:r>
+                                  <a:rPr lang="en-US" altLang="ko-KR" sz="1600" b="0" i="1" smtClean="0">
+                                    <a:latin typeface="Cambria Math"/>
+                                  </a:rPr>
+                                  <m:t>4</m:t>
+                                </m:r>
+                              </m:e>
+                              <m:e>
+                                <m:r>
+                                  <a:rPr lang="en-US" altLang="ko-KR" sz="1600" b="0" i="1" smtClean="0">
+                                    <a:latin typeface="Cambria Math"/>
+                                  </a:rPr>
+                                  <m:t>2</m:t>
+                                </m:r>
+                              </m:e>
+                            </m:mr>
+                          </m:m>
+                        </m:e>
+                      </m:d>
+                    </m:oMath>
+                  </m:oMathPara>
+                </a14:m>
+                <a:endParaRPr lang="ko-KR" altLang="en-US" sz="1600" dirty="0"/>
+              </a:p>
+            </p:txBody>
+          </p:sp>
+        </mc:Choice>
+        <mc:Fallback>
+          <p:sp>
+            <p:nvSpPr>
+              <p:cNvPr id="6" name="TextBox 5"/>
+              <p:cNvSpPr txBox="1">
+                <a:spLocks noRot="1" noChangeAspect="1" noMove="1" noResize="1" noEditPoints="1" noAdjustHandles="1" noChangeArrowheads="1" noChangeShapeType="1" noTextEdit="1"/>
+              </p:cNvSpPr>
+              <p:nvPr/>
+            </p:nvSpPr>
+            <p:spPr>
+              <a:xfrm>
+                <a:off x="3059832" y="1434309"/>
+                <a:ext cx="1284134" cy="501356"/>
+              </a:xfrm>
+              <a:prstGeom prst="rect">
+                <a:avLst/>
+              </a:prstGeom>
+              <a:blipFill rotWithShape="1">
+                <a:blip r:embed="rId4"/>
+                <a:stretch>
+                  <a:fillRect b="-2410"/>
+                </a:stretch>
+              </a:blipFill>
+            </p:spPr>
+            <p:txBody>
+              <a:bodyPr/>
+              <a:lstStyle/>
+              <a:p>
+                <a:r>
+                  <a:rPr lang="ko-KR" altLang="en-US">
+                    <a:noFill/>
+                  </a:rPr>
+                  <a:t> </a:t>
+                </a:r>
+              </a:p>
+            </p:txBody>
+          </p:sp>
+        </mc:Fallback>
+      </mc:AlternateContent>
+      <mc:AlternateContent xmlns:mc="http://schemas.openxmlformats.org/markup-compatibility/2006">
+        <mc:Choice xmlns:a14="http://schemas.microsoft.com/office/drawing/2010/main" Requires="a14">
+          <p:sp>
+            <p:nvSpPr>
+              <p:cNvPr id="7" name="TextBox 6"/>
+              <p:cNvSpPr txBox="1"/>
+              <p:nvPr/>
+            </p:nvSpPr>
+            <p:spPr>
+              <a:xfrm>
+                <a:off x="2290763" y="3735665"/>
+                <a:ext cx="1881284" cy="369332"/>
+              </a:xfrm>
+              <a:prstGeom prst="rect">
+                <a:avLst/>
+              </a:prstGeom>
+              <a:noFill/>
+            </p:spPr>
+            <p:txBody>
+              <a:bodyPr wrap="none" rtlCol="0">
+                <a:spAutoFit/>
+              </a:bodyPr>
+              <a:lstStyle/>
+              <a:p>
+                <a:r>
+                  <a:rPr lang="ko-KR" altLang="en-US" dirty="0" smtClean="0"/>
+                  <a:t>행렬 </a:t>
+                </a:r>
+                <a14:m>
+                  <m:oMath xmlns:m="http://schemas.openxmlformats.org/officeDocument/2006/math">
+                    <m:r>
+                      <a:rPr lang="en-US" altLang="ko-KR" b="0" i="1" smtClean="0">
+                        <a:latin typeface="Cambria Math"/>
+                      </a:rPr>
+                      <m:t>𝐴</m:t>
+                    </m:r>
+                  </m:oMath>
+                </a14:m>
+                <a:r>
+                  <a:rPr lang="ko-KR" altLang="en-US" dirty="0" smtClean="0"/>
+                  <a:t>의 열공간</a:t>
+                </a:r>
+                <a:endParaRPr lang="ko-KR" altLang="en-US" dirty="0"/>
+              </a:p>
+            </p:txBody>
+          </p:sp>
+        </mc:Choice>
+        <mc:Fallback>
+          <p:sp>
+            <p:nvSpPr>
+              <p:cNvPr id="7" name="TextBox 6"/>
+              <p:cNvSpPr txBox="1">
+                <a:spLocks noRot="1" noChangeAspect="1" noMove="1" noResize="1" noEditPoints="1" noAdjustHandles="1" noChangeArrowheads="1" noChangeShapeType="1" noTextEdit="1"/>
+              </p:cNvSpPr>
+              <p:nvPr/>
+            </p:nvSpPr>
+            <p:spPr>
+              <a:xfrm>
+                <a:off x="2290763" y="3735665"/>
+                <a:ext cx="1881284" cy="369332"/>
+              </a:xfrm>
+              <a:prstGeom prst="rect">
+                <a:avLst/>
+              </a:prstGeom>
+              <a:blipFill rotWithShape="1">
+                <a:blip r:embed="rId5"/>
+                <a:stretch>
+                  <a:fillRect l="-2922" t="-8333" r="-2273" b="-26667"/>
+                </a:stretch>
+              </a:blipFill>
+            </p:spPr>
+            <p:txBody>
+              <a:bodyPr/>
+              <a:lstStyle/>
+              <a:p>
+                <a:r>
+                  <a:rPr lang="ko-KR" altLang="en-US">
+                    <a:noFill/>
+                  </a:rPr>
+                  <a:t> </a:t>
+                </a:r>
+              </a:p>
+            </p:txBody>
+          </p:sp>
+        </mc:Fallback>
+      </mc:AlternateContent>
+      <p:cxnSp>
+        <p:nvCxnSpPr>
+          <p:cNvPr id="8" name="직선 화살표 연결선 7"/>
+          <p:cNvCxnSpPr>
+            <a:stCxn id="7" idx="2"/>
+          </p:cNvCxnSpPr>
+          <p:nvPr/>
+        </p:nvCxnSpPr>
+        <p:spPr>
+          <a:xfrm>
+            <a:off x="3231405" y="4104997"/>
+            <a:ext cx="752522" cy="535413"/>
+          </a:xfrm>
+          <a:prstGeom prst="straightConnector1">
+            <a:avLst/>
+          </a:prstGeom>
+          <a:ln w="28575">
+            <a:solidFill>
+              <a:schemeClr val="tx1"/>
+            </a:solidFill>
+            <a:prstDash val="dash"/>
+            <a:tailEnd type="arrow"/>
+          </a:ln>
+        </p:spPr>
+        <p:style>
+          <a:lnRef idx="1">
+            <a:schemeClr val="accent1"/>
+          </a:lnRef>
+          <a:fillRef idx="0">
+            <a:schemeClr val="accent1"/>
+          </a:fillRef>
+          <a:effectRef idx="0">
+            <a:schemeClr val="accent1"/>
+          </a:effectRef>
+          <a:fontRef idx="minor">
+            <a:schemeClr val="tx1"/>
+          </a:fontRef>
+        </p:style>
+      </p:cxnSp>
+      <mc:AlternateContent xmlns:mc="http://schemas.openxmlformats.org/markup-compatibility/2006">
+        <mc:Choice xmlns:a14="http://schemas.microsoft.com/office/drawing/2010/main" Requires="a14">
+          <p:sp>
+            <p:nvSpPr>
+              <p:cNvPr id="9" name="TextBox 8"/>
+              <p:cNvSpPr txBox="1"/>
+              <p:nvPr/>
+            </p:nvSpPr>
+            <p:spPr>
+              <a:xfrm>
+                <a:off x="4958338" y="2564904"/>
+                <a:ext cx="477758" cy="450188"/>
+              </a:xfrm>
+              <a:prstGeom prst="rect">
+                <a:avLst/>
+              </a:prstGeom>
+              <a:noFill/>
+            </p:spPr>
+            <p:txBody>
+              <a:bodyPr wrap="none" rtlCol="0">
+                <a:spAutoFit/>
+              </a:bodyPr>
+              <a:lstStyle/>
+              <a:p>
+                <a:pPr/>
+                <a14:m>
+                  <m:oMathPara xmlns:m="http://schemas.openxmlformats.org/officeDocument/2006/math">
+                    <m:oMathParaPr>
+                      <m:jc m:val="centerGroup"/>
+                    </m:oMathParaPr>
+                    <m:oMath xmlns:m="http://schemas.openxmlformats.org/officeDocument/2006/math">
+                      <m:d>
+                        <m:dPr>
+                          <m:begChr m:val="["/>
+                          <m:endChr m:val="]"/>
+                          <m:ctrlPr>
+                            <a:rPr lang="en-US" altLang="ko-KR" sz="1400" i="1" smtClean="0">
+                              <a:latin typeface="Cambria Math"/>
+                            </a:rPr>
+                          </m:ctrlPr>
+                        </m:dPr>
+                        <m:e>
+                          <m:m>
+                            <m:mPr>
+                              <m:mcs>
+                                <m:mc>
+                                  <m:mcPr>
+                                    <m:count m:val="1"/>
+                                    <m:mcJc m:val="center"/>
+                                  </m:mcPr>
+                                </m:mc>
+                              </m:mcs>
+                              <m:ctrlPr>
+                                <a:rPr lang="en-US" altLang="ko-KR" sz="1400" i="1" smtClean="0">
+                                  <a:latin typeface="Cambria Math"/>
+                                </a:rPr>
+                              </m:ctrlPr>
+                            </m:mPr>
+                            <m:mr>
+                              <m:e>
+                                <m:r>
+                                  <m:rPr>
+                                    <m:brk m:alnAt="7"/>
+                                  </m:rPr>
+                                  <a:rPr lang="en-US" altLang="ko-KR" sz="1400" b="0" i="1" smtClean="0">
+                                    <a:latin typeface="Cambria Math"/>
+                                  </a:rPr>
+                                  <m:t>1</m:t>
+                                </m:r>
+                              </m:e>
+                            </m:mr>
+                            <m:mr>
+                              <m:e>
+                                <m:r>
+                                  <a:rPr lang="en-US" altLang="ko-KR" sz="1400" b="0" i="1" smtClean="0">
+                                    <a:latin typeface="Cambria Math"/>
+                                  </a:rPr>
+                                  <m:t>2</m:t>
+                                </m:r>
+                              </m:e>
+                            </m:mr>
+                          </m:m>
+                        </m:e>
+                      </m:d>
+                    </m:oMath>
+                  </m:oMathPara>
+                </a14:m>
+                <a:endParaRPr lang="ko-KR" altLang="en-US" sz="1400" dirty="0"/>
+              </a:p>
+            </p:txBody>
+          </p:sp>
+        </mc:Choice>
+        <mc:Fallback>
+          <p:sp>
+            <p:nvSpPr>
+              <p:cNvPr id="9" name="TextBox 8"/>
+              <p:cNvSpPr txBox="1">
+                <a:spLocks noRot="1" noChangeAspect="1" noMove="1" noResize="1" noEditPoints="1" noAdjustHandles="1" noChangeArrowheads="1" noChangeShapeType="1" noTextEdit="1"/>
+              </p:cNvSpPr>
+              <p:nvPr/>
+            </p:nvSpPr>
+            <p:spPr>
+              <a:xfrm>
+                <a:off x="4958338" y="2564904"/>
+                <a:ext cx="477758" cy="450188"/>
+              </a:xfrm>
+              <a:prstGeom prst="rect">
+                <a:avLst/>
+              </a:prstGeom>
+              <a:blipFill rotWithShape="1">
+                <a:blip r:embed="rId6"/>
+                <a:stretch>
+                  <a:fillRect b="-2703"/>
+                </a:stretch>
+              </a:blipFill>
+            </p:spPr>
+            <p:txBody>
+              <a:bodyPr/>
+              <a:lstStyle/>
+              <a:p>
+                <a:r>
+                  <a:rPr lang="ko-KR" altLang="en-US">
+                    <a:noFill/>
+                  </a:rPr>
+                  <a:t> </a:t>
+                </a:r>
+              </a:p>
+            </p:txBody>
+          </p:sp>
+        </mc:Fallback>
+      </mc:AlternateContent>
+      <mc:AlternateContent xmlns:mc="http://schemas.openxmlformats.org/markup-compatibility/2006">
+        <mc:Choice xmlns:a14="http://schemas.microsoft.com/office/drawing/2010/main" Requires="a14">
+          <p:sp>
+            <p:nvSpPr>
+              <p:cNvPr id="10" name="TextBox 9"/>
+              <p:cNvSpPr txBox="1"/>
+              <p:nvPr/>
+            </p:nvSpPr>
+            <p:spPr>
+              <a:xfrm>
+                <a:off x="4985584" y="4640410"/>
+                <a:ext cx="2573397" cy="369332"/>
+              </a:xfrm>
+              <a:prstGeom prst="rect">
+                <a:avLst/>
+              </a:prstGeom>
+              <a:noFill/>
+            </p:spPr>
+            <p:txBody>
+              <a:bodyPr wrap="none" rtlCol="0">
+                <a:spAutoFit/>
+              </a:bodyPr>
+              <a:lstStyle/>
+              <a:p>
+                <a:r>
+                  <a:rPr lang="ko-KR" altLang="en-US" dirty="0" smtClean="0"/>
+                  <a:t>행렬 </a:t>
+                </a:r>
+                <a14:m>
+                  <m:oMath xmlns:m="http://schemas.openxmlformats.org/officeDocument/2006/math">
+                    <m:r>
+                      <a:rPr lang="en-US" altLang="ko-KR" b="0" i="1" smtClean="0">
+                        <a:latin typeface="Cambria Math"/>
+                      </a:rPr>
+                      <m:t>𝐴</m:t>
+                    </m:r>
+                  </m:oMath>
+                </a14:m>
+                <a:r>
+                  <a:rPr lang="ko-KR" altLang="en-US" dirty="0" smtClean="0"/>
+                  <a:t>의 </a:t>
+                </a:r>
+                <a:r>
+                  <a:rPr lang="en-US" altLang="ko-KR" dirty="0" smtClean="0"/>
+                  <a:t>left nullspace</a:t>
+                </a:r>
+                <a:endParaRPr lang="ko-KR" altLang="en-US" dirty="0"/>
+              </a:p>
+            </p:txBody>
+          </p:sp>
+        </mc:Choice>
+        <mc:Fallback>
+          <p:sp>
+            <p:nvSpPr>
+              <p:cNvPr id="10" name="TextBox 9"/>
+              <p:cNvSpPr txBox="1">
+                <a:spLocks noRot="1" noChangeAspect="1" noMove="1" noResize="1" noEditPoints="1" noAdjustHandles="1" noChangeArrowheads="1" noChangeShapeType="1" noTextEdit="1"/>
+              </p:cNvSpPr>
+              <p:nvPr/>
+            </p:nvSpPr>
+            <p:spPr>
+              <a:xfrm>
+                <a:off x="4985584" y="4640410"/>
+                <a:ext cx="2573397" cy="369332"/>
+              </a:xfrm>
+              <a:prstGeom prst="rect">
+                <a:avLst/>
+              </a:prstGeom>
+              <a:blipFill rotWithShape="1">
+                <a:blip r:embed="rId7"/>
+                <a:stretch>
+                  <a:fillRect l="-2133" t="-8197" r="-1185" b="-24590"/>
+                </a:stretch>
+              </a:blipFill>
+            </p:spPr>
+            <p:txBody>
+              <a:bodyPr/>
+              <a:lstStyle/>
+              <a:p>
+                <a:r>
+                  <a:rPr lang="ko-KR" altLang="en-US">
+                    <a:noFill/>
+                  </a:rPr>
+                  <a:t> </a:t>
+                </a:r>
+              </a:p>
+            </p:txBody>
+          </p:sp>
+        </mc:Fallback>
+      </mc:AlternateContent>
+      <p:cxnSp>
+        <p:nvCxnSpPr>
+          <p:cNvPr id="11" name="직선 화살표 연결선 10"/>
+          <p:cNvCxnSpPr/>
+          <p:nvPr/>
+        </p:nvCxnSpPr>
+        <p:spPr>
+          <a:xfrm flipV="1">
+            <a:off x="5660703" y="3920331"/>
+            <a:ext cx="0" cy="672478"/>
+          </a:xfrm>
+          <a:prstGeom prst="straightConnector1">
+            <a:avLst/>
+          </a:prstGeom>
+          <a:ln w="28575">
+            <a:solidFill>
+              <a:schemeClr val="tx1"/>
+            </a:solidFill>
+            <a:prstDash val="dash"/>
+            <a:tailEnd type="arrow"/>
+          </a:ln>
+        </p:spPr>
+        <p:style>
+          <a:lnRef idx="1">
+            <a:schemeClr val="accent1"/>
+          </a:lnRef>
+          <a:fillRef idx="0">
+            <a:schemeClr val="accent1"/>
+          </a:fillRef>
+          <a:effectRef idx="0">
+            <a:schemeClr val="accent1"/>
+          </a:effectRef>
+          <a:fontRef idx="minor">
+            <a:schemeClr val="tx1"/>
+          </a:fontRef>
+        </p:style>
+      </p:cxnSp>
+    </p:spTree>
+    <p:extLst>
+      <p:ext uri="{BB962C8B-B14F-4D97-AF65-F5344CB8AC3E}">
+        <p14:creationId xmlns:p14="http://schemas.microsoft.com/office/powerpoint/2010/main" val="3326056149"/>
       </p:ext>
     </p:extLst>
   </p:cSld>

--- a/pics/2020-11-17-four_fundamental_subspaces/pics.pptx
+++ b/pics/2020-11-17-four_fundamental_subspaces/pics.pptx
@@ -293,7 +293,7 @@
           <a:p>
             <a:fld id="{FB30EDBD-1C2D-4C1E-B459-B60219FAB484}" type="datetimeFigureOut">
               <a:rPr lang="ko-KR" altLang="en-US" smtClean="0"/>
-              <a:t>2020-11-18</a:t>
+              <a:t>2020-11-19</a:t>
             </a:fld>
             <a:endParaRPr lang="ko-KR" altLang="en-US"/>
           </a:p>
@@ -458,7 +458,7 @@
           <a:p>
             <a:fld id="{FB30EDBD-1C2D-4C1E-B459-B60219FAB484}" type="datetimeFigureOut">
               <a:rPr lang="ko-KR" altLang="en-US" smtClean="0"/>
-              <a:t>2020-11-18</a:t>
+              <a:t>2020-11-19</a:t>
             </a:fld>
             <a:endParaRPr lang="ko-KR" altLang="en-US"/>
           </a:p>
@@ -633,7 +633,7 @@
           <a:p>
             <a:fld id="{FB30EDBD-1C2D-4C1E-B459-B60219FAB484}" type="datetimeFigureOut">
               <a:rPr lang="ko-KR" altLang="en-US" smtClean="0"/>
-              <a:t>2020-11-18</a:t>
+              <a:t>2020-11-19</a:t>
             </a:fld>
             <a:endParaRPr lang="ko-KR" altLang="en-US"/>
           </a:p>
@@ -798,7 +798,7 @@
           <a:p>
             <a:fld id="{FB30EDBD-1C2D-4C1E-B459-B60219FAB484}" type="datetimeFigureOut">
               <a:rPr lang="ko-KR" altLang="en-US" smtClean="0"/>
-              <a:t>2020-11-18</a:t>
+              <a:t>2020-11-19</a:t>
             </a:fld>
             <a:endParaRPr lang="ko-KR" altLang="en-US"/>
           </a:p>
@@ -1039,7 +1039,7 @@
           <a:p>
             <a:fld id="{FB30EDBD-1C2D-4C1E-B459-B60219FAB484}" type="datetimeFigureOut">
               <a:rPr lang="ko-KR" altLang="en-US" smtClean="0"/>
-              <a:t>2020-11-18</a:t>
+              <a:t>2020-11-19</a:t>
             </a:fld>
             <a:endParaRPr lang="ko-KR" altLang="en-US"/>
           </a:p>
@@ -1322,7 +1322,7 @@
           <a:p>
             <a:fld id="{FB30EDBD-1C2D-4C1E-B459-B60219FAB484}" type="datetimeFigureOut">
               <a:rPr lang="ko-KR" altLang="en-US" smtClean="0"/>
-              <a:t>2020-11-18</a:t>
+              <a:t>2020-11-19</a:t>
             </a:fld>
             <a:endParaRPr lang="ko-KR" altLang="en-US"/>
           </a:p>
@@ -1739,7 +1739,7 @@
           <a:p>
             <a:fld id="{FB30EDBD-1C2D-4C1E-B459-B60219FAB484}" type="datetimeFigureOut">
               <a:rPr lang="ko-KR" altLang="en-US" smtClean="0"/>
-              <a:t>2020-11-18</a:t>
+              <a:t>2020-11-19</a:t>
             </a:fld>
             <a:endParaRPr lang="ko-KR" altLang="en-US"/>
           </a:p>
@@ -1852,7 +1852,7 @@
           <a:p>
             <a:fld id="{FB30EDBD-1C2D-4C1E-B459-B60219FAB484}" type="datetimeFigureOut">
               <a:rPr lang="ko-KR" altLang="en-US" smtClean="0"/>
-              <a:t>2020-11-18</a:t>
+              <a:t>2020-11-19</a:t>
             </a:fld>
             <a:endParaRPr lang="ko-KR" altLang="en-US"/>
           </a:p>
@@ -1942,7 +1942,7 @@
           <a:p>
             <a:fld id="{FB30EDBD-1C2D-4C1E-B459-B60219FAB484}" type="datetimeFigureOut">
               <a:rPr lang="ko-KR" altLang="en-US" smtClean="0"/>
-              <a:t>2020-11-18</a:t>
+              <a:t>2020-11-19</a:t>
             </a:fld>
             <a:endParaRPr lang="ko-KR" altLang="en-US"/>
           </a:p>
@@ -2214,7 +2214,7 @@
           <a:p>
             <a:fld id="{FB30EDBD-1C2D-4C1E-B459-B60219FAB484}" type="datetimeFigureOut">
               <a:rPr lang="ko-KR" altLang="en-US" smtClean="0"/>
-              <a:t>2020-11-18</a:t>
+              <a:t>2020-11-19</a:t>
             </a:fld>
             <a:endParaRPr lang="ko-KR" altLang="en-US"/>
           </a:p>
@@ -2462,7 +2462,7 @@
           <a:p>
             <a:fld id="{FB30EDBD-1C2D-4C1E-B459-B60219FAB484}" type="datetimeFigureOut">
               <a:rPr lang="ko-KR" altLang="en-US" smtClean="0"/>
-              <a:t>2020-11-18</a:t>
+              <a:t>2020-11-19</a:t>
             </a:fld>
             <a:endParaRPr lang="ko-KR" altLang="en-US"/>
           </a:p>
@@ -2670,7 +2670,7 @@
           <a:p>
             <a:fld id="{FB30EDBD-1C2D-4C1E-B459-B60219FAB484}" type="datetimeFigureOut">
               <a:rPr lang="ko-KR" altLang="en-US" smtClean="0"/>
-              <a:t>2020-11-18</a:t>
+              <a:t>2020-11-19</a:t>
             </a:fld>
             <a:endParaRPr lang="ko-KR" altLang="en-US"/>
           </a:p>
@@ -4814,7 +4814,7 @@
       </p:grpSpPr>
       <p:pic>
         <p:nvPicPr>
-          <p:cNvPr id="1026" name="Picture 2"/>
+          <p:cNvPr id="2" name="Picture 2"/>
           <p:cNvPicPr>
             <a:picLocks noChangeAspect="1" noChangeArrowheads="1"/>
           </p:cNvPicPr>
@@ -5293,92 +5293,36 @@
           </p:sp>
         </mc:Fallback>
       </mc:AlternateContent>
-      <mc:AlternateContent xmlns:mc="http://schemas.openxmlformats.org/markup-compatibility/2006" xmlns:a14="http://schemas.microsoft.com/office/drawing/2010/main">
-        <mc:Choice Requires="a14">
-          <p:sp>
-            <p:nvSpPr>
-              <p:cNvPr id="8" name="TextBox 7"/>
-              <p:cNvSpPr txBox="1"/>
-              <p:nvPr/>
-            </p:nvSpPr>
-            <p:spPr>
-              <a:xfrm>
-                <a:off x="2401218" y="4653137"/>
-                <a:ext cx="1881284" cy="369332"/>
-              </a:xfrm>
-              <a:prstGeom prst="rect">
-                <a:avLst/>
-              </a:prstGeom>
-              <a:noFill/>
-            </p:spPr>
-            <p:txBody>
-              <a:bodyPr wrap="none" rtlCol="0">
-                <a:spAutoFit/>
-              </a:bodyPr>
-              <a:lstStyle/>
-              <a:p>
-                <a:r>
-                  <a:rPr lang="ko-KR" altLang="en-US" dirty="0" smtClean="0"/>
-                  <a:t>행렬 </a:t>
-                </a:r>
-                <a14:m>
-                  <m:oMath xmlns:m="http://schemas.openxmlformats.org/officeDocument/2006/math">
-                    <m:r>
-                      <a:rPr lang="en-US" altLang="ko-KR" b="0" i="1" smtClean="0">
-                        <a:latin typeface="Cambria Math"/>
-                      </a:rPr>
-                      <m:t>𝐴</m:t>
-                    </m:r>
-                  </m:oMath>
-                </a14:m>
-                <a:r>
-                  <a:rPr lang="ko-KR" altLang="en-US" dirty="0" smtClean="0"/>
-                  <a:t>의 행공간</a:t>
-                </a:r>
-                <a:endParaRPr lang="ko-KR" altLang="en-US" dirty="0"/>
-              </a:p>
-            </p:txBody>
-          </p:sp>
-        </mc:Choice>
-        <mc:Fallback xmlns="">
-          <p:sp>
-            <p:nvSpPr>
-              <p:cNvPr id="8" name="TextBox 7"/>
-              <p:cNvSpPr txBox="1">
-                <a:spLocks noRot="1" noChangeAspect="1" noMove="1" noResize="1" noEditPoints="1" noAdjustHandles="1" noChangeArrowheads="1" noChangeShapeType="1" noTextEdit="1"/>
-              </p:cNvSpPr>
-              <p:nvPr/>
-            </p:nvSpPr>
-            <p:spPr>
-              <a:xfrm>
-                <a:off x="2401218" y="4653137"/>
-                <a:ext cx="1881284" cy="369332"/>
-              </a:xfrm>
-              <a:prstGeom prst="rect">
-                <a:avLst/>
-              </a:prstGeom>
-              <a:blipFill rotWithShape="1">
-                <a:blip r:embed="rId6"/>
-                <a:stretch>
-                  <a:fillRect l="-2913" t="-8197" r="-1942" b="-24590"/>
-                </a:stretch>
-              </a:blipFill>
-            </p:spPr>
-            <p:txBody>
-              <a:bodyPr/>
-              <a:lstStyle/>
-              <a:p>
-                <a:r>
-                  <a:rPr lang="ko-KR" altLang="en-US">
-                    <a:noFill/>
-                  </a:rPr>
-                  <a:t> </a:t>
-                </a:r>
-              </a:p>
-            </p:txBody>
-          </p:sp>
-        </mc:Fallback>
-      </mc:AlternateContent>
+      <p:sp>
+        <p:nvSpPr>
+          <p:cNvPr id="8" name="TextBox 7"/>
+          <p:cNvSpPr txBox="1"/>
+          <p:nvPr/>
+        </p:nvSpPr>
+        <p:spPr>
+          <a:xfrm>
+            <a:off x="2723127" y="4648010"/>
+            <a:ext cx="877163" cy="369332"/>
+          </a:xfrm>
+          <a:prstGeom prst="rect">
+            <a:avLst/>
+          </a:prstGeom>
+          <a:noFill/>
+        </p:spPr>
+        <p:txBody>
+          <a:bodyPr wrap="none" rtlCol="0">
+            <a:spAutoFit/>
+          </a:bodyPr>
+          <a:lstStyle/>
+          <a:p>
+            <a:r>
+              <a:rPr lang="ko-KR" altLang="en-US" dirty="0" smtClean="0"/>
+              <a:t>행공간</a:t>
+            </a:r>
+            <a:endParaRPr lang="ko-KR" altLang="en-US" dirty="0"/>
+          </a:p>
+        </p:txBody>
+      </p:sp>
       <p:cxnSp>
         <p:nvCxnSpPr>
           <p:cNvPr id="9" name="직선 화살표 연결선 8"/>
@@ -5413,100 +5357,36 @@
           </a:fontRef>
         </p:style>
       </p:cxnSp>
-      <mc:AlternateContent xmlns:mc="http://schemas.openxmlformats.org/markup-compatibility/2006" xmlns:a14="http://schemas.microsoft.com/office/drawing/2010/main">
-        <mc:Choice Requires="a14">
-          <p:sp>
-            <p:nvSpPr>
-              <p:cNvPr id="10" name="TextBox 9"/>
-              <p:cNvSpPr txBox="1"/>
-              <p:nvPr/>
-            </p:nvSpPr>
-            <p:spPr>
-              <a:xfrm>
-                <a:off x="5724128" y="3923765"/>
-                <a:ext cx="1881284" cy="369332"/>
-              </a:xfrm>
-              <a:prstGeom prst="rect">
-                <a:avLst/>
-              </a:prstGeom>
-              <a:noFill/>
-            </p:spPr>
-            <p:txBody>
-              <a:bodyPr wrap="none" rtlCol="0">
-                <a:spAutoFit/>
-              </a:bodyPr>
-              <a:lstStyle/>
-              <a:p>
-                <a:r>
-                  <a:rPr lang="ko-KR" altLang="en-US" dirty="0" smtClean="0"/>
-                  <a:t>행렬 </a:t>
-                </a:r>
-                <a14:m>
-                  <m:oMath xmlns:m="http://schemas.openxmlformats.org/officeDocument/2006/math">
-                    <m:r>
-                      <a:rPr lang="en-US" altLang="ko-KR" b="0" i="1" smtClean="0">
-                        <a:latin typeface="Cambria Math"/>
-                      </a:rPr>
-                      <m:t>𝐴</m:t>
-                    </m:r>
-                  </m:oMath>
-                </a14:m>
-                <a:r>
-                  <a:rPr lang="ko-KR" altLang="en-US" dirty="0" smtClean="0"/>
-                  <a:t>의 </a:t>
-                </a:r>
-                <a:r>
-                  <a:rPr lang="ko-KR" altLang="en-US" dirty="0"/>
-                  <a:t>영</a:t>
-                </a:r>
-                <a:r>
-                  <a:rPr lang="ko-KR" altLang="en-US" dirty="0" smtClean="0"/>
-                  <a:t>공간</a:t>
-                </a:r>
-                <a:endParaRPr lang="ko-KR" altLang="en-US" dirty="0"/>
-              </a:p>
-            </p:txBody>
-          </p:sp>
-        </mc:Choice>
-        <mc:Fallback xmlns="">
-          <p:sp>
-            <p:nvSpPr>
-              <p:cNvPr id="10" name="TextBox 9"/>
-              <p:cNvSpPr txBox="1">
-                <a:spLocks noRot="1" noChangeAspect="1" noMove="1" noResize="1" noEditPoints="1" noAdjustHandles="1" noChangeArrowheads="1" noChangeShapeType="1" noTextEdit="1"/>
-              </p:cNvSpPr>
-              <p:nvPr/>
-            </p:nvSpPr>
-            <p:spPr>
-              <a:xfrm>
-                <a:off x="5724128" y="3923765"/>
-                <a:ext cx="1881284" cy="369332"/>
-              </a:xfrm>
-              <a:prstGeom prst="rect">
-                <a:avLst/>
-              </a:prstGeom>
-              <a:blipFill rotWithShape="1">
-                <a:blip r:embed="rId7"/>
-                <a:stretch>
-                  <a:fillRect l="-2913" t="-8333" r="-1942" b="-26667"/>
-                </a:stretch>
-              </a:blipFill>
-            </p:spPr>
-            <p:txBody>
-              <a:bodyPr/>
-              <a:lstStyle/>
-              <a:p>
-                <a:r>
-                  <a:rPr lang="ko-KR" altLang="en-US">
-                    <a:noFill/>
-                  </a:rPr>
-                  <a:t> </a:t>
-                </a:r>
-              </a:p>
-            </p:txBody>
-          </p:sp>
-        </mc:Fallback>
-      </mc:AlternateContent>
+      <p:sp>
+        <p:nvSpPr>
+          <p:cNvPr id="10" name="TextBox 9"/>
+          <p:cNvSpPr txBox="1"/>
+          <p:nvPr/>
+        </p:nvSpPr>
+        <p:spPr>
+          <a:xfrm>
+            <a:off x="5724128" y="3923765"/>
+            <a:ext cx="877163" cy="369332"/>
+          </a:xfrm>
+          <a:prstGeom prst="rect">
+            <a:avLst/>
+          </a:prstGeom>
+          <a:noFill/>
+        </p:spPr>
+        <p:txBody>
+          <a:bodyPr wrap="none" rtlCol="0">
+            <a:spAutoFit/>
+          </a:bodyPr>
+          <a:lstStyle/>
+          <a:p>
+            <a:r>
+              <a:rPr lang="ko-KR" altLang="en-US" dirty="0" smtClean="0"/>
+              <a:t>영공간</a:t>
+            </a:r>
+            <a:endParaRPr lang="ko-KR" altLang="en-US" dirty="0"/>
+          </a:p>
+        </p:txBody>
+      </p:sp>
       <p:cxnSp>
         <p:nvCxnSpPr>
           <p:cNvPr id="11" name="직선 화살표 연결선 10"/>
@@ -5514,8 +5394,72 @@
           <p:nvPr/>
         </p:nvCxnSpPr>
         <p:spPr>
+          <a:xfrm>
+            <a:off x="5288765" y="1323793"/>
+            <a:ext cx="147332" cy="352060"/>
+          </a:xfrm>
+          <a:prstGeom prst="straightConnector1">
+            <a:avLst/>
+          </a:prstGeom>
+          <a:ln>
+            <a:prstDash val="dash"/>
+            <a:tailEnd type="arrow"/>
+          </a:ln>
+        </p:spPr>
+        <p:style>
+          <a:lnRef idx="1">
+            <a:schemeClr val="accent1"/>
+          </a:lnRef>
+          <a:fillRef idx="0">
+            <a:schemeClr val="accent1"/>
+          </a:fillRef>
+          <a:effectRef idx="0">
+            <a:schemeClr val="accent1"/>
+          </a:effectRef>
+          <a:fontRef idx="minor">
+            <a:schemeClr val="tx1"/>
+          </a:fontRef>
+        </p:style>
+      </p:cxnSp>
+      <p:sp>
+        <p:nvSpPr>
+          <p:cNvPr id="12" name="TextBox 11"/>
+          <p:cNvSpPr txBox="1"/>
+          <p:nvPr/>
+        </p:nvSpPr>
+        <p:spPr>
+          <a:xfrm>
+            <a:off x="4812372" y="954461"/>
+            <a:ext cx="877163" cy="369332"/>
+          </a:xfrm>
+          <a:prstGeom prst="rect">
+            <a:avLst/>
+          </a:prstGeom>
+          <a:noFill/>
+        </p:spPr>
+        <p:txBody>
+          <a:bodyPr wrap="none" rtlCol="0">
+            <a:spAutoFit/>
+          </a:bodyPr>
+          <a:lstStyle/>
+          <a:p>
+            <a:r>
+              <a:rPr lang="ko-KR" altLang="en-US" dirty="0" smtClean="0"/>
+              <a:t>열공간</a:t>
+            </a:r>
+            <a:endParaRPr lang="ko-KR" altLang="en-US" dirty="0"/>
+          </a:p>
+        </p:txBody>
+      </p:sp>
+      <p:cxnSp>
+        <p:nvCxnSpPr>
+          <p:cNvPr id="13" name="직선 화살표 연결선 12"/>
+          <p:cNvCxnSpPr/>
+          <p:nvPr/>
+        </p:nvCxnSpPr>
+        <p:spPr>
           <a:xfrm flipH="1">
-            <a:off x="5076056" y="4108431"/>
+            <a:off x="5151380" y="4180440"/>
             <a:ext cx="648072" cy="112657"/>
           </a:xfrm>
           <a:prstGeom prst="straightConnector1">
@@ -5888,8 +5832,8 @@
           </a:extLst>
         </p:spPr>
       </p:pic>
-      <mc:AlternateContent xmlns:mc="http://schemas.openxmlformats.org/markup-compatibility/2006">
-        <mc:Choice xmlns:a14="http://schemas.microsoft.com/office/drawing/2010/main" Requires="a14">
+      <mc:AlternateContent xmlns:mc="http://schemas.openxmlformats.org/markup-compatibility/2006" xmlns:a14="http://schemas.microsoft.com/office/drawing/2010/main">
+        <mc:Choice Requires="a14">
           <p:sp>
             <p:nvSpPr>
               <p:cNvPr id="5" name="TextBox 4"/>
@@ -5980,7 +5924,7 @@
             </p:txBody>
           </p:sp>
         </mc:Choice>
-        <mc:Fallback>
+        <mc:Fallback xmlns="">
           <p:sp>
             <p:nvSpPr>
               <p:cNvPr id="5" name="TextBox 4"/>
@@ -6019,8 +5963,8 @@
           </p:sp>
         </mc:Fallback>
       </mc:AlternateContent>
-      <mc:AlternateContent xmlns:mc="http://schemas.openxmlformats.org/markup-compatibility/2006">
-        <mc:Choice xmlns:a14="http://schemas.microsoft.com/office/drawing/2010/main" Requires="a14">
+      <mc:AlternateContent xmlns:mc="http://schemas.openxmlformats.org/markup-compatibility/2006" xmlns:a14="http://schemas.microsoft.com/office/drawing/2010/main">
+        <mc:Choice Requires="a14">
           <p:sp>
             <p:nvSpPr>
               <p:cNvPr id="6" name="TextBox 5"/>
@@ -6139,7 +6083,7 @@
             </p:txBody>
           </p:sp>
         </mc:Choice>
-        <mc:Fallback>
+        <mc:Fallback xmlns="">
           <p:sp>
             <p:nvSpPr>
               <p:cNvPr id="6" name="TextBox 5"/>
@@ -6178,8 +6122,8 @@
           </p:sp>
         </mc:Fallback>
       </mc:AlternateContent>
-      <mc:AlternateContent xmlns:mc="http://schemas.openxmlformats.org/markup-compatibility/2006">
-        <mc:Choice xmlns:a14="http://schemas.microsoft.com/office/drawing/2010/main" Requires="a14">
+      <mc:AlternateContent xmlns:mc="http://schemas.openxmlformats.org/markup-compatibility/2006" xmlns:a14="http://schemas.microsoft.com/office/drawing/2010/main">
+        <mc:Choice Requires="a14">
           <p:sp>
             <p:nvSpPr>
               <p:cNvPr id="7" name="TextBox 6"/>
@@ -6225,7 +6169,7 @@
             </p:txBody>
           </p:sp>
         </mc:Choice>
-        <mc:Fallback>
+        <mc:Fallback xmlns="">
           <p:sp>
             <p:nvSpPr>
               <p:cNvPr id="7" name="TextBox 6"/>
@@ -6303,8 +6247,8 @@
           </a:fontRef>
         </p:style>
       </p:cxnSp>
-      <mc:AlternateContent xmlns:mc="http://schemas.openxmlformats.org/markup-compatibility/2006">
-        <mc:Choice xmlns:a14="http://schemas.microsoft.com/office/drawing/2010/main" Requires="a14">
+      <mc:AlternateContent xmlns:mc="http://schemas.openxmlformats.org/markup-compatibility/2006" xmlns:a14="http://schemas.microsoft.com/office/drawing/2010/main">
+        <mc:Choice Requires="a14">
           <p:sp>
             <p:nvSpPr>
               <p:cNvPr id="9" name="TextBox 8"/>
@@ -6395,7 +6339,7 @@
             </p:txBody>
           </p:sp>
         </mc:Choice>
-        <mc:Fallback>
+        <mc:Fallback xmlns="">
           <p:sp>
             <p:nvSpPr>
               <p:cNvPr id="9" name="TextBox 8"/>
@@ -6434,8 +6378,8 @@
           </p:sp>
         </mc:Fallback>
       </mc:AlternateContent>
-      <mc:AlternateContent xmlns:mc="http://schemas.openxmlformats.org/markup-compatibility/2006">
-        <mc:Choice xmlns:a14="http://schemas.microsoft.com/office/drawing/2010/main" Requires="a14">
+      <mc:AlternateContent xmlns:mc="http://schemas.openxmlformats.org/markup-compatibility/2006" xmlns:a14="http://schemas.microsoft.com/office/drawing/2010/main">
+        <mc:Choice Requires="a14">
           <p:sp>
             <p:nvSpPr>
               <p:cNvPr id="10" name="TextBox 9"/>
@@ -6485,7 +6429,7 @@
             </p:txBody>
           </p:sp>
         </mc:Choice>
-        <mc:Fallback>
+        <mc:Fallback xmlns="">
           <p:sp>
             <p:nvSpPr>
               <p:cNvPr id="10" name="TextBox 9"/>

--- a/pics/2020-11-17-four_fundamental_subspaces/pics.pptx
+++ b/pics/2020-11-17-four_fundamental_subspaces/pics.pptx
@@ -5,12 +5,17 @@
     <p:sldMasterId id="2147483648" r:id="rId1"/>
   </p:sldMasterIdLst>
   <p:sldIdLst>
-    <p:sldId id="258" r:id="rId2"/>
-    <p:sldId id="256" r:id="rId3"/>
-    <p:sldId id="257" r:id="rId4"/>
-    <p:sldId id="259" r:id="rId5"/>
-    <p:sldId id="260" r:id="rId6"/>
-    <p:sldId id="261" r:id="rId7"/>
+    <p:sldId id="262" r:id="rId2"/>
+    <p:sldId id="258" r:id="rId3"/>
+    <p:sldId id="256" r:id="rId4"/>
+    <p:sldId id="263" r:id="rId5"/>
+    <p:sldId id="257" r:id="rId6"/>
+    <p:sldId id="264" r:id="rId7"/>
+    <p:sldId id="259" r:id="rId8"/>
+    <p:sldId id="265" r:id="rId9"/>
+    <p:sldId id="260" r:id="rId10"/>
+    <p:sldId id="261" r:id="rId11"/>
+    <p:sldId id="266" r:id="rId12"/>
   </p:sldIdLst>
   <p:sldSz cx="9144000" cy="6858000" type="screen4x3"/>
   <p:notesSz cx="6858000" cy="9144000"/>
@@ -109,6 +114,22 @@
       </a:defRPr>
     </a:lvl9pPr>
   </p:defaultTextStyle>
+  <p:extLst>
+    <p:ext uri="{EFAFB233-063F-42B5-8137-9DF3F51BA10A}">
+      <p15:sldGuideLst xmlns:p15="http://schemas.microsoft.com/office/powerpoint/2012/main">
+        <p15:guide id="1" orient="horz" pos="2160">
+          <p15:clr>
+            <a:srgbClr val="A4A3A4"/>
+          </p15:clr>
+        </p15:guide>
+        <p15:guide id="2" pos="2880">
+          <p15:clr>
+            <a:srgbClr val="A4A3A4"/>
+          </p15:clr>
+        </p15:guide>
+      </p15:sldGuideLst>
+    </p:ext>
+  </p:extLst>
 </p:presentation>
 </file>
 
@@ -150,10 +171,9 @@
           <a:lstStyle/>
           <a:p>
             <a:r>
-              <a:rPr lang="ko-KR" altLang="en-US" smtClean="0"/>
+              <a:rPr lang="ko-KR" altLang="en-US"/>
               <a:t>마스터 제목 스타일 편집</a:t>
             </a:r>
-            <a:endParaRPr lang="ko-KR" altLang="en-US"/>
           </a:p>
         </p:txBody>
       </p:sp>
@@ -269,10 +289,9 @@
           </a:lstStyle>
           <a:p>
             <a:r>
-              <a:rPr lang="ko-KR" altLang="en-US" smtClean="0"/>
+              <a:rPr lang="ko-KR" altLang="en-US"/>
               <a:t>마스터 부제목 스타일 편집</a:t>
             </a:r>
-            <a:endParaRPr lang="ko-KR" altLang="en-US"/>
           </a:p>
         </p:txBody>
       </p:sp>
@@ -293,7 +312,7 @@
           <a:p>
             <a:fld id="{FB30EDBD-1C2D-4C1E-B459-B60219FAB484}" type="datetimeFigureOut">
               <a:rPr lang="ko-KR" altLang="en-US" smtClean="0"/>
-              <a:t>2020-11-19</a:t>
+              <a:t>2023-05-07</a:t>
             </a:fld>
             <a:endParaRPr lang="ko-KR" altLang="en-US"/>
           </a:p>
@@ -382,10 +401,9 @@
           <a:lstStyle/>
           <a:p>
             <a:r>
-              <a:rPr lang="ko-KR" altLang="en-US" smtClean="0"/>
+              <a:rPr lang="ko-KR" altLang="en-US"/>
               <a:t>마스터 제목 스타일 편집</a:t>
             </a:r>
-            <a:endParaRPr lang="ko-KR" altLang="en-US"/>
           </a:p>
         </p:txBody>
       </p:sp>
@@ -406,38 +424,37 @@
           <a:p>
             <a:pPr lvl="0"/>
             <a:r>
-              <a:rPr lang="ko-KR" altLang="en-US" smtClean="0"/>
+              <a:rPr lang="ko-KR" altLang="en-US"/>
               <a:t>마스터 텍스트 스타일을 편집합니다</a:t>
             </a:r>
           </a:p>
           <a:p>
             <a:pPr lvl="1"/>
             <a:r>
-              <a:rPr lang="ko-KR" altLang="en-US" smtClean="0"/>
+              <a:rPr lang="ko-KR" altLang="en-US"/>
               <a:t>둘째 수준</a:t>
             </a:r>
           </a:p>
           <a:p>
             <a:pPr lvl="2"/>
             <a:r>
-              <a:rPr lang="ko-KR" altLang="en-US" smtClean="0"/>
+              <a:rPr lang="ko-KR" altLang="en-US"/>
               <a:t>셋째 수준</a:t>
             </a:r>
           </a:p>
           <a:p>
             <a:pPr lvl="3"/>
             <a:r>
-              <a:rPr lang="ko-KR" altLang="en-US" smtClean="0"/>
+              <a:rPr lang="ko-KR" altLang="en-US"/>
               <a:t>넷째 수준</a:t>
             </a:r>
           </a:p>
           <a:p>
             <a:pPr lvl="4"/>
             <a:r>
-              <a:rPr lang="ko-KR" altLang="en-US" smtClean="0"/>
+              <a:rPr lang="ko-KR" altLang="en-US"/>
               <a:t>다섯째 수준</a:t>
             </a:r>
-            <a:endParaRPr lang="ko-KR" altLang="en-US"/>
           </a:p>
         </p:txBody>
       </p:sp>
@@ -458,7 +475,7 @@
           <a:p>
             <a:fld id="{FB30EDBD-1C2D-4C1E-B459-B60219FAB484}" type="datetimeFigureOut">
               <a:rPr lang="ko-KR" altLang="en-US" smtClean="0"/>
-              <a:t>2020-11-19</a:t>
+              <a:t>2023-05-07</a:t>
             </a:fld>
             <a:endParaRPr lang="ko-KR" altLang="en-US"/>
           </a:p>
@@ -552,10 +569,9 @@
           <a:lstStyle/>
           <a:p>
             <a:r>
-              <a:rPr lang="ko-KR" altLang="en-US" smtClean="0"/>
+              <a:rPr lang="ko-KR" altLang="en-US"/>
               <a:t>마스터 제목 스타일 편집</a:t>
             </a:r>
-            <a:endParaRPr lang="ko-KR" altLang="en-US"/>
           </a:p>
         </p:txBody>
       </p:sp>
@@ -581,38 +597,37 @@
           <a:p>
             <a:pPr lvl="0"/>
             <a:r>
-              <a:rPr lang="ko-KR" altLang="en-US" smtClean="0"/>
+              <a:rPr lang="ko-KR" altLang="en-US"/>
               <a:t>마스터 텍스트 스타일을 편집합니다</a:t>
             </a:r>
           </a:p>
           <a:p>
             <a:pPr lvl="1"/>
             <a:r>
-              <a:rPr lang="ko-KR" altLang="en-US" smtClean="0"/>
+              <a:rPr lang="ko-KR" altLang="en-US"/>
               <a:t>둘째 수준</a:t>
             </a:r>
           </a:p>
           <a:p>
             <a:pPr lvl="2"/>
             <a:r>
-              <a:rPr lang="ko-KR" altLang="en-US" smtClean="0"/>
+              <a:rPr lang="ko-KR" altLang="en-US"/>
               <a:t>셋째 수준</a:t>
             </a:r>
           </a:p>
           <a:p>
             <a:pPr lvl="3"/>
             <a:r>
-              <a:rPr lang="ko-KR" altLang="en-US" smtClean="0"/>
+              <a:rPr lang="ko-KR" altLang="en-US"/>
               <a:t>넷째 수준</a:t>
             </a:r>
           </a:p>
           <a:p>
             <a:pPr lvl="4"/>
             <a:r>
-              <a:rPr lang="ko-KR" altLang="en-US" smtClean="0"/>
+              <a:rPr lang="ko-KR" altLang="en-US"/>
               <a:t>다섯째 수준</a:t>
             </a:r>
-            <a:endParaRPr lang="ko-KR" altLang="en-US"/>
           </a:p>
         </p:txBody>
       </p:sp>
@@ -633,7 +648,7 @@
           <a:p>
             <a:fld id="{FB30EDBD-1C2D-4C1E-B459-B60219FAB484}" type="datetimeFigureOut">
               <a:rPr lang="ko-KR" altLang="en-US" smtClean="0"/>
-              <a:t>2020-11-19</a:t>
+              <a:t>2023-05-07</a:t>
             </a:fld>
             <a:endParaRPr lang="ko-KR" altLang="en-US"/>
           </a:p>
@@ -722,10 +737,9 @@
           <a:lstStyle/>
           <a:p>
             <a:r>
-              <a:rPr lang="ko-KR" altLang="en-US" smtClean="0"/>
+              <a:rPr lang="ko-KR" altLang="en-US"/>
               <a:t>마스터 제목 스타일 편집</a:t>
             </a:r>
-            <a:endParaRPr lang="ko-KR" altLang="en-US"/>
           </a:p>
         </p:txBody>
       </p:sp>
@@ -746,38 +760,37 @@
           <a:p>
             <a:pPr lvl="0"/>
             <a:r>
-              <a:rPr lang="ko-KR" altLang="en-US" smtClean="0"/>
+              <a:rPr lang="ko-KR" altLang="en-US"/>
               <a:t>마스터 텍스트 스타일을 편집합니다</a:t>
             </a:r>
           </a:p>
           <a:p>
             <a:pPr lvl="1"/>
             <a:r>
-              <a:rPr lang="ko-KR" altLang="en-US" smtClean="0"/>
+              <a:rPr lang="ko-KR" altLang="en-US"/>
               <a:t>둘째 수준</a:t>
             </a:r>
           </a:p>
           <a:p>
             <a:pPr lvl="2"/>
             <a:r>
-              <a:rPr lang="ko-KR" altLang="en-US" smtClean="0"/>
+              <a:rPr lang="ko-KR" altLang="en-US"/>
               <a:t>셋째 수준</a:t>
             </a:r>
           </a:p>
           <a:p>
             <a:pPr lvl="3"/>
             <a:r>
-              <a:rPr lang="ko-KR" altLang="en-US" smtClean="0"/>
+              <a:rPr lang="ko-KR" altLang="en-US"/>
               <a:t>넷째 수준</a:t>
             </a:r>
           </a:p>
           <a:p>
             <a:pPr lvl="4"/>
             <a:r>
-              <a:rPr lang="ko-KR" altLang="en-US" smtClean="0"/>
+              <a:rPr lang="ko-KR" altLang="en-US"/>
               <a:t>다섯째 수준</a:t>
             </a:r>
-            <a:endParaRPr lang="ko-KR" altLang="en-US"/>
           </a:p>
         </p:txBody>
       </p:sp>
@@ -798,7 +811,7 @@
           <a:p>
             <a:fld id="{FB30EDBD-1C2D-4C1E-B459-B60219FAB484}" type="datetimeFigureOut">
               <a:rPr lang="ko-KR" altLang="en-US" smtClean="0"/>
-              <a:t>2020-11-19</a:t>
+              <a:t>2023-05-07</a:t>
             </a:fld>
             <a:endParaRPr lang="ko-KR" altLang="en-US"/>
           </a:p>
@@ -896,10 +909,9 @@
           </a:lstStyle>
           <a:p>
             <a:r>
-              <a:rPr lang="ko-KR" altLang="en-US" smtClean="0"/>
+              <a:rPr lang="ko-KR" altLang="en-US"/>
               <a:t>마스터 제목 스타일 편집</a:t>
             </a:r>
-            <a:endParaRPr lang="ko-KR" altLang="en-US"/>
           </a:p>
         </p:txBody>
       </p:sp>
@@ -1016,7 +1028,7 @@
           <a:p>
             <a:pPr lvl="0"/>
             <a:r>
-              <a:rPr lang="ko-KR" altLang="en-US" smtClean="0"/>
+              <a:rPr lang="ko-KR" altLang="en-US"/>
               <a:t>마스터 텍스트 스타일을 편집합니다</a:t>
             </a:r>
           </a:p>
@@ -1039,7 +1051,7 @@
           <a:p>
             <a:fld id="{FB30EDBD-1C2D-4C1E-B459-B60219FAB484}" type="datetimeFigureOut">
               <a:rPr lang="ko-KR" altLang="en-US" smtClean="0"/>
-              <a:t>2020-11-19</a:t>
+              <a:t>2023-05-07</a:t>
             </a:fld>
             <a:endParaRPr lang="ko-KR" altLang="en-US"/>
           </a:p>
@@ -1128,10 +1140,9 @@
           <a:lstStyle/>
           <a:p>
             <a:r>
-              <a:rPr lang="ko-KR" altLang="en-US" smtClean="0"/>
+              <a:rPr lang="ko-KR" altLang="en-US"/>
               <a:t>마스터 제목 스타일 편집</a:t>
             </a:r>
-            <a:endParaRPr lang="ko-KR" altLang="en-US"/>
           </a:p>
         </p:txBody>
       </p:sp>
@@ -1185,38 +1196,37 @@
           <a:p>
             <a:pPr lvl="0"/>
             <a:r>
-              <a:rPr lang="ko-KR" altLang="en-US" smtClean="0"/>
+              <a:rPr lang="ko-KR" altLang="en-US"/>
               <a:t>마스터 텍스트 스타일을 편집합니다</a:t>
             </a:r>
           </a:p>
           <a:p>
             <a:pPr lvl="1"/>
             <a:r>
-              <a:rPr lang="ko-KR" altLang="en-US" smtClean="0"/>
+              <a:rPr lang="ko-KR" altLang="en-US"/>
               <a:t>둘째 수준</a:t>
             </a:r>
           </a:p>
           <a:p>
             <a:pPr lvl="2"/>
             <a:r>
-              <a:rPr lang="ko-KR" altLang="en-US" smtClean="0"/>
+              <a:rPr lang="ko-KR" altLang="en-US"/>
               <a:t>셋째 수준</a:t>
             </a:r>
           </a:p>
           <a:p>
             <a:pPr lvl="3"/>
             <a:r>
-              <a:rPr lang="ko-KR" altLang="en-US" smtClean="0"/>
+              <a:rPr lang="ko-KR" altLang="en-US"/>
               <a:t>넷째 수준</a:t>
             </a:r>
           </a:p>
           <a:p>
             <a:pPr lvl="4"/>
             <a:r>
-              <a:rPr lang="ko-KR" altLang="en-US" smtClean="0"/>
+              <a:rPr lang="ko-KR" altLang="en-US"/>
               <a:t>다섯째 수준</a:t>
             </a:r>
-            <a:endParaRPr lang="ko-KR" altLang="en-US"/>
           </a:p>
         </p:txBody>
       </p:sp>
@@ -1270,38 +1280,37 @@
           <a:p>
             <a:pPr lvl="0"/>
             <a:r>
-              <a:rPr lang="ko-KR" altLang="en-US" smtClean="0"/>
+              <a:rPr lang="ko-KR" altLang="en-US"/>
               <a:t>마스터 텍스트 스타일을 편집합니다</a:t>
             </a:r>
           </a:p>
           <a:p>
             <a:pPr lvl="1"/>
             <a:r>
-              <a:rPr lang="ko-KR" altLang="en-US" smtClean="0"/>
+              <a:rPr lang="ko-KR" altLang="en-US"/>
               <a:t>둘째 수준</a:t>
             </a:r>
           </a:p>
           <a:p>
             <a:pPr lvl="2"/>
             <a:r>
-              <a:rPr lang="ko-KR" altLang="en-US" smtClean="0"/>
+              <a:rPr lang="ko-KR" altLang="en-US"/>
               <a:t>셋째 수준</a:t>
             </a:r>
           </a:p>
           <a:p>
             <a:pPr lvl="3"/>
             <a:r>
-              <a:rPr lang="ko-KR" altLang="en-US" smtClean="0"/>
+              <a:rPr lang="ko-KR" altLang="en-US"/>
               <a:t>넷째 수준</a:t>
             </a:r>
           </a:p>
           <a:p>
             <a:pPr lvl="4"/>
             <a:r>
-              <a:rPr lang="ko-KR" altLang="en-US" smtClean="0"/>
+              <a:rPr lang="ko-KR" altLang="en-US"/>
               <a:t>다섯째 수준</a:t>
             </a:r>
-            <a:endParaRPr lang="ko-KR" altLang="en-US"/>
           </a:p>
         </p:txBody>
       </p:sp>
@@ -1322,7 +1331,7 @@
           <a:p>
             <a:fld id="{FB30EDBD-1C2D-4C1E-B459-B60219FAB484}" type="datetimeFigureOut">
               <a:rPr lang="ko-KR" altLang="en-US" smtClean="0"/>
-              <a:t>2020-11-19</a:t>
+              <a:t>2023-05-07</a:t>
             </a:fld>
             <a:endParaRPr lang="ko-KR" altLang="en-US"/>
           </a:p>
@@ -1415,10 +1424,9 @@
           </a:lstStyle>
           <a:p>
             <a:r>
-              <a:rPr lang="ko-KR" altLang="en-US" smtClean="0"/>
+              <a:rPr lang="ko-KR" altLang="en-US"/>
               <a:t>마스터 제목 스타일 편집</a:t>
             </a:r>
-            <a:endParaRPr lang="ko-KR" altLang="en-US"/>
           </a:p>
         </p:txBody>
       </p:sp>
@@ -1481,7 +1489,7 @@
           <a:p>
             <a:pPr lvl="0"/>
             <a:r>
-              <a:rPr lang="ko-KR" altLang="en-US" smtClean="0"/>
+              <a:rPr lang="ko-KR" altLang="en-US"/>
               <a:t>마스터 텍스트 스타일을 편집합니다</a:t>
             </a:r>
           </a:p>
@@ -1537,38 +1545,37 @@
           <a:p>
             <a:pPr lvl="0"/>
             <a:r>
-              <a:rPr lang="ko-KR" altLang="en-US" smtClean="0"/>
+              <a:rPr lang="ko-KR" altLang="en-US"/>
               <a:t>마스터 텍스트 스타일을 편집합니다</a:t>
             </a:r>
           </a:p>
           <a:p>
             <a:pPr lvl="1"/>
             <a:r>
-              <a:rPr lang="ko-KR" altLang="en-US" smtClean="0"/>
+              <a:rPr lang="ko-KR" altLang="en-US"/>
               <a:t>둘째 수준</a:t>
             </a:r>
           </a:p>
           <a:p>
             <a:pPr lvl="2"/>
             <a:r>
-              <a:rPr lang="ko-KR" altLang="en-US" smtClean="0"/>
+              <a:rPr lang="ko-KR" altLang="en-US"/>
               <a:t>셋째 수준</a:t>
             </a:r>
           </a:p>
           <a:p>
             <a:pPr lvl="3"/>
             <a:r>
-              <a:rPr lang="ko-KR" altLang="en-US" smtClean="0"/>
+              <a:rPr lang="ko-KR" altLang="en-US"/>
               <a:t>넷째 수준</a:t>
             </a:r>
           </a:p>
           <a:p>
             <a:pPr lvl="4"/>
             <a:r>
-              <a:rPr lang="ko-KR" altLang="en-US" smtClean="0"/>
+              <a:rPr lang="ko-KR" altLang="en-US"/>
               <a:t>다섯째 수준</a:t>
             </a:r>
-            <a:endParaRPr lang="ko-KR" altLang="en-US"/>
           </a:p>
         </p:txBody>
       </p:sp>
@@ -1631,7 +1638,7 @@
           <a:p>
             <a:pPr lvl="0"/>
             <a:r>
-              <a:rPr lang="ko-KR" altLang="en-US" smtClean="0"/>
+              <a:rPr lang="ko-KR" altLang="en-US"/>
               <a:t>마스터 텍스트 스타일을 편집합니다</a:t>
             </a:r>
           </a:p>
@@ -1687,38 +1694,37 @@
           <a:p>
             <a:pPr lvl="0"/>
             <a:r>
-              <a:rPr lang="ko-KR" altLang="en-US" smtClean="0"/>
+              <a:rPr lang="ko-KR" altLang="en-US"/>
               <a:t>마스터 텍스트 스타일을 편집합니다</a:t>
             </a:r>
           </a:p>
           <a:p>
             <a:pPr lvl="1"/>
             <a:r>
-              <a:rPr lang="ko-KR" altLang="en-US" smtClean="0"/>
+              <a:rPr lang="ko-KR" altLang="en-US"/>
               <a:t>둘째 수준</a:t>
             </a:r>
           </a:p>
           <a:p>
             <a:pPr lvl="2"/>
             <a:r>
-              <a:rPr lang="ko-KR" altLang="en-US" smtClean="0"/>
+              <a:rPr lang="ko-KR" altLang="en-US"/>
               <a:t>셋째 수준</a:t>
             </a:r>
           </a:p>
           <a:p>
             <a:pPr lvl="3"/>
             <a:r>
-              <a:rPr lang="ko-KR" altLang="en-US" smtClean="0"/>
+              <a:rPr lang="ko-KR" altLang="en-US"/>
               <a:t>넷째 수준</a:t>
             </a:r>
           </a:p>
           <a:p>
             <a:pPr lvl="4"/>
             <a:r>
-              <a:rPr lang="ko-KR" altLang="en-US" smtClean="0"/>
+              <a:rPr lang="ko-KR" altLang="en-US"/>
               <a:t>다섯째 수준</a:t>
             </a:r>
-            <a:endParaRPr lang="ko-KR" altLang="en-US"/>
           </a:p>
         </p:txBody>
       </p:sp>
@@ -1739,7 +1745,7 @@
           <a:p>
             <a:fld id="{FB30EDBD-1C2D-4C1E-B459-B60219FAB484}" type="datetimeFigureOut">
               <a:rPr lang="ko-KR" altLang="en-US" smtClean="0"/>
-              <a:t>2020-11-19</a:t>
+              <a:t>2023-05-07</a:t>
             </a:fld>
             <a:endParaRPr lang="ko-KR" altLang="en-US"/>
           </a:p>
@@ -1828,10 +1834,9 @@
           <a:lstStyle/>
           <a:p>
             <a:r>
-              <a:rPr lang="ko-KR" altLang="en-US" smtClean="0"/>
+              <a:rPr lang="ko-KR" altLang="en-US"/>
               <a:t>마스터 제목 스타일 편집</a:t>
             </a:r>
-            <a:endParaRPr lang="ko-KR" altLang="en-US"/>
           </a:p>
         </p:txBody>
       </p:sp>
@@ -1852,7 +1857,7 @@
           <a:p>
             <a:fld id="{FB30EDBD-1C2D-4C1E-B459-B60219FAB484}" type="datetimeFigureOut">
               <a:rPr lang="ko-KR" altLang="en-US" smtClean="0"/>
-              <a:t>2020-11-19</a:t>
+              <a:t>2023-05-07</a:t>
             </a:fld>
             <a:endParaRPr lang="ko-KR" altLang="en-US"/>
           </a:p>
@@ -1942,7 +1947,7 @@
           <a:p>
             <a:fld id="{FB30EDBD-1C2D-4C1E-B459-B60219FAB484}" type="datetimeFigureOut">
               <a:rPr lang="ko-KR" altLang="en-US" smtClean="0"/>
-              <a:t>2020-11-19</a:t>
+              <a:t>2023-05-07</a:t>
             </a:fld>
             <a:endParaRPr lang="ko-KR" altLang="en-US"/>
           </a:p>
@@ -2040,10 +2045,9 @@
           </a:lstStyle>
           <a:p>
             <a:r>
-              <a:rPr lang="ko-KR" altLang="en-US" smtClean="0"/>
+              <a:rPr lang="ko-KR" altLang="en-US"/>
               <a:t>마스터 제목 스타일 편집</a:t>
             </a:r>
-            <a:endParaRPr lang="ko-KR" altLang="en-US"/>
           </a:p>
         </p:txBody>
       </p:sp>
@@ -2097,38 +2101,37 @@
           <a:p>
             <a:pPr lvl="0"/>
             <a:r>
-              <a:rPr lang="ko-KR" altLang="en-US" smtClean="0"/>
+              <a:rPr lang="ko-KR" altLang="en-US"/>
               <a:t>마스터 텍스트 스타일을 편집합니다</a:t>
             </a:r>
           </a:p>
           <a:p>
             <a:pPr lvl="1"/>
             <a:r>
-              <a:rPr lang="ko-KR" altLang="en-US" smtClean="0"/>
+              <a:rPr lang="ko-KR" altLang="en-US"/>
               <a:t>둘째 수준</a:t>
             </a:r>
           </a:p>
           <a:p>
             <a:pPr lvl="2"/>
             <a:r>
-              <a:rPr lang="ko-KR" altLang="en-US" smtClean="0"/>
+              <a:rPr lang="ko-KR" altLang="en-US"/>
               <a:t>셋째 수준</a:t>
             </a:r>
           </a:p>
           <a:p>
             <a:pPr lvl="3"/>
             <a:r>
-              <a:rPr lang="ko-KR" altLang="en-US" smtClean="0"/>
+              <a:rPr lang="ko-KR" altLang="en-US"/>
               <a:t>넷째 수준</a:t>
             </a:r>
           </a:p>
           <a:p>
             <a:pPr lvl="4"/>
             <a:r>
-              <a:rPr lang="ko-KR" altLang="en-US" smtClean="0"/>
+              <a:rPr lang="ko-KR" altLang="en-US"/>
               <a:t>다섯째 수준</a:t>
             </a:r>
-            <a:endParaRPr lang="ko-KR" altLang="en-US"/>
           </a:p>
         </p:txBody>
       </p:sp>
@@ -2191,7 +2194,7 @@
           <a:p>
             <a:pPr lvl="0"/>
             <a:r>
-              <a:rPr lang="ko-KR" altLang="en-US" smtClean="0"/>
+              <a:rPr lang="ko-KR" altLang="en-US"/>
               <a:t>마스터 텍스트 스타일을 편집합니다</a:t>
             </a:r>
           </a:p>
@@ -2214,7 +2217,7 @@
           <a:p>
             <a:fld id="{FB30EDBD-1C2D-4C1E-B459-B60219FAB484}" type="datetimeFigureOut">
               <a:rPr lang="ko-KR" altLang="en-US" smtClean="0"/>
-              <a:t>2020-11-19</a:t>
+              <a:t>2023-05-07</a:t>
             </a:fld>
             <a:endParaRPr lang="ko-KR" altLang="en-US"/>
           </a:p>
@@ -2312,10 +2315,9 @@
           </a:lstStyle>
           <a:p>
             <a:r>
-              <a:rPr lang="ko-KR" altLang="en-US" smtClean="0"/>
+              <a:rPr lang="ko-KR" altLang="en-US"/>
               <a:t>마스터 제목 스타일 편집</a:t>
             </a:r>
-            <a:endParaRPr lang="ko-KR" altLang="en-US"/>
           </a:p>
         </p:txBody>
       </p:sp>
@@ -2439,7 +2441,7 @@
           <a:p>
             <a:pPr lvl="0"/>
             <a:r>
-              <a:rPr lang="ko-KR" altLang="en-US" smtClean="0"/>
+              <a:rPr lang="ko-KR" altLang="en-US"/>
               <a:t>마스터 텍스트 스타일을 편집합니다</a:t>
             </a:r>
           </a:p>
@@ -2462,7 +2464,7 @@
           <a:p>
             <a:fld id="{FB30EDBD-1C2D-4C1E-B459-B60219FAB484}" type="datetimeFigureOut">
               <a:rPr lang="ko-KR" altLang="en-US" smtClean="0"/>
-              <a:t>2020-11-19</a:t>
+              <a:t>2023-05-07</a:t>
             </a:fld>
             <a:endParaRPr lang="ko-KR" altLang="en-US"/>
           </a:p>
@@ -2566,10 +2568,9 @@
           <a:lstStyle/>
           <a:p>
             <a:r>
-              <a:rPr lang="ko-KR" altLang="en-US" smtClean="0"/>
+              <a:rPr lang="ko-KR" altLang="en-US"/>
               <a:t>마스터 제목 스타일 편집</a:t>
             </a:r>
-            <a:endParaRPr lang="ko-KR" altLang="en-US"/>
           </a:p>
         </p:txBody>
       </p:sp>
@@ -2600,38 +2601,37 @@
           <a:p>
             <a:pPr lvl="0"/>
             <a:r>
-              <a:rPr lang="ko-KR" altLang="en-US" smtClean="0"/>
+              <a:rPr lang="ko-KR" altLang="en-US"/>
               <a:t>마스터 텍스트 스타일을 편집합니다</a:t>
             </a:r>
           </a:p>
           <a:p>
             <a:pPr lvl="1"/>
             <a:r>
-              <a:rPr lang="ko-KR" altLang="en-US" smtClean="0"/>
+              <a:rPr lang="ko-KR" altLang="en-US"/>
               <a:t>둘째 수준</a:t>
             </a:r>
           </a:p>
           <a:p>
             <a:pPr lvl="2"/>
             <a:r>
-              <a:rPr lang="ko-KR" altLang="en-US" smtClean="0"/>
+              <a:rPr lang="ko-KR" altLang="en-US"/>
               <a:t>셋째 수준</a:t>
             </a:r>
           </a:p>
           <a:p>
             <a:pPr lvl="3"/>
             <a:r>
-              <a:rPr lang="ko-KR" altLang="en-US" smtClean="0"/>
+              <a:rPr lang="ko-KR" altLang="en-US"/>
               <a:t>넷째 수준</a:t>
             </a:r>
           </a:p>
           <a:p>
             <a:pPr lvl="4"/>
             <a:r>
-              <a:rPr lang="ko-KR" altLang="en-US" smtClean="0"/>
+              <a:rPr lang="ko-KR" altLang="en-US"/>
               <a:t>다섯째 수준</a:t>
             </a:r>
-            <a:endParaRPr lang="ko-KR" altLang="en-US"/>
           </a:p>
         </p:txBody>
       </p:sp>
@@ -2670,7 +2670,7 @@
           <a:p>
             <a:fld id="{FB30EDBD-1C2D-4C1E-B459-B60219FAB484}" type="datetimeFigureOut">
               <a:rPr lang="ko-KR" altLang="en-US" smtClean="0"/>
-              <a:t>2020-11-19</a:t>
+              <a:t>2023-05-07</a:t>
             </a:fld>
             <a:endParaRPr lang="ko-KR" altLang="en-US"/>
           </a:p>
@@ -3168,8 +3168,8 @@
           </a:extLst>
         </p:spPr>
       </p:pic>
-      <mc:AlternateContent xmlns:mc="http://schemas.openxmlformats.org/markup-compatibility/2006" xmlns:a14="http://schemas.microsoft.com/office/drawing/2010/main">
-        <mc:Choice Requires="a14">
+      <mc:AlternateContent xmlns:mc="http://schemas.openxmlformats.org/markup-compatibility/2006">
+        <mc:Choice xmlns:a14="http://schemas.microsoft.com/office/drawing/2010/main" Requires="a14">
           <p:sp>
             <p:nvSpPr>
               <p:cNvPr id="13" name="TextBox 12"/>
@@ -3178,8 +3178,8 @@
             </p:nvSpPr>
             <p:spPr>
               <a:xfrm>
-                <a:off x="1049836" y="4766499"/>
-                <a:ext cx="3191899" cy="1200329"/>
+                <a:off x="889548" y="4766499"/>
+                <a:ext cx="3512500" cy="1200329"/>
               </a:xfrm>
               <a:prstGeom prst="rect">
                 <a:avLst/>
@@ -3194,13 +3194,13 @@
               <a:p>
                 <a:pPr algn="ctr"/>
                 <a:r>
-                  <a:rPr lang="ko-KR" altLang="en-US" u="sng" dirty="0" smtClean="0">
+                  <a:rPr lang="ko-KR" altLang="en-US" u="sng" dirty="0">
                     <a:latin typeface="제주고딕" pitchFamily="2" charset="-127"/>
                     <a:ea typeface="제주고딕" pitchFamily="2" charset="-127"/>
                   </a:rPr>
                   <a:t>원점을 지나는 직선</a:t>
                 </a:r>
-                <a:endParaRPr lang="en-US" altLang="ko-KR" u="sng" dirty="0" smtClean="0">
+                <a:endParaRPr lang="en-US" altLang="ko-KR" u="sng" dirty="0">
                   <a:latin typeface="제주고딕" pitchFamily="2" charset="-127"/>
                   <a:ea typeface="제주고딕" pitchFamily="2" charset="-127"/>
                 </a:endParaRPr>
@@ -3208,13 +3208,13 @@
               <a:p>
                 <a:pPr algn="ctr"/>
                 <a:r>
-                  <a:rPr lang="ko-KR" altLang="en-US" dirty="0" smtClean="0">
+                  <a:rPr lang="ko-KR" altLang="en-US" dirty="0">
                     <a:latin typeface="제주고딕" pitchFamily="2" charset="-127"/>
                     <a:ea typeface="제주고딕" pitchFamily="2" charset="-127"/>
                   </a:rPr>
                   <a:t>두 벡터의 덧셈 및 스칼라곱셈이</a:t>
                 </a:r>
-                <a:endParaRPr lang="en-US" altLang="ko-KR" dirty="0" smtClean="0">
+                <a:endParaRPr lang="en-US" altLang="ko-KR" dirty="0">
                   <a:latin typeface="제주고딕" pitchFamily="2" charset="-127"/>
                   <a:ea typeface="제주고딕" pitchFamily="2" charset="-127"/>
                 </a:endParaRPr>
@@ -3222,13 +3222,13 @@
               <a:p>
                 <a:pPr algn="ctr"/>
                 <a:r>
-                  <a:rPr lang="ko-KR" altLang="en-US" dirty="0" smtClean="0">
+                  <a:rPr lang="ko-KR" altLang="en-US" dirty="0">
                     <a:latin typeface="제주고딕" pitchFamily="2" charset="-127"/>
                     <a:ea typeface="제주고딕" pitchFamily="2" charset="-127"/>
                   </a:rPr>
                   <a:t>직선 내에 닫혀 있음</a:t>
                 </a:r>
-                <a:endParaRPr lang="en-US" altLang="ko-KR" dirty="0" smtClean="0">
+                <a:endParaRPr lang="en-US" altLang="ko-KR" dirty="0">
                   <a:latin typeface="제주고딕" pitchFamily="2" charset="-127"/>
                   <a:ea typeface="제주고딕" pitchFamily="2" charset="-127"/>
                 </a:endParaRPr>
@@ -3236,7 +3236,7 @@
               <a:p>
                 <a:pPr algn="ctr"/>
                 <a:r>
-                  <a:rPr lang="en-US" altLang="ko-KR" dirty="0" smtClean="0">
+                  <a:rPr lang="en-US" altLang="ko-KR" dirty="0">
                     <a:latin typeface="제주고딕" pitchFamily="2" charset="-127"/>
                     <a:ea typeface="제주고딕" pitchFamily="2" charset="-127"/>
                     <a:sym typeface="Wingdings" pitchFamily="2" charset="2"/>
@@ -3244,7 +3244,7 @@
                   <a:t> </a:t>
                 </a:r>
                 <a:r>
-                  <a:rPr lang="ko-KR" altLang="en-US" dirty="0" smtClean="0">
+                  <a:rPr lang="ko-KR" altLang="en-US" dirty="0">
                     <a:latin typeface="제주고딕" pitchFamily="2" charset="-127"/>
                     <a:ea typeface="제주고딕" pitchFamily="2" charset="-127"/>
                     <a:sym typeface="Wingdings" pitchFamily="2" charset="2"/>
@@ -3257,7 +3257,7 @@
                       <m:sSupPr>
                         <m:ctrlPr>
                           <a:rPr lang="en-US" altLang="ko-KR" b="0" i="1" smtClean="0">
-                            <a:latin typeface="Cambria Math"/>
+                            <a:latin typeface="Cambria Math" panose="02040503050406030204" pitchFamily="18" charset="0"/>
                             <a:ea typeface="Cambria Math"/>
                             <a:sym typeface="Wingdings" pitchFamily="2" charset="2"/>
                           </a:rPr>
@@ -3287,21 +3287,17 @@
                   </m:oMath>
                 </a14:m>
                 <a:r>
-                  <a:rPr lang="ko-KR" altLang="en-US" dirty="0" smtClean="0">
+                  <a:rPr lang="ko-KR" altLang="en-US" dirty="0">
                     <a:latin typeface="제주고딕" pitchFamily="2" charset="-127"/>
                     <a:ea typeface="제주고딕" pitchFamily="2" charset="-127"/>
                   </a:rPr>
                   <a:t>의 부분 공간</a:t>
                 </a:r>
-                <a:endParaRPr lang="ko-KR" altLang="en-US" dirty="0">
-                  <a:latin typeface="제주고딕" pitchFamily="2" charset="-127"/>
-                  <a:ea typeface="제주고딕" pitchFamily="2" charset="-127"/>
-                </a:endParaRPr>
               </a:p>
             </p:txBody>
           </p:sp>
         </mc:Choice>
-        <mc:Fallback xmlns="">
+        <mc:Fallback>
           <p:sp>
             <p:nvSpPr>
               <p:cNvPr id="13" name="TextBox 12"/>
@@ -3312,16 +3308,16 @@
             </p:nvSpPr>
             <p:spPr>
               <a:xfrm>
-                <a:off x="1049836" y="4766499"/>
-                <a:ext cx="3191899" cy="1200329"/>
+                <a:off x="889548" y="4766499"/>
+                <a:ext cx="3512500" cy="1200329"/>
               </a:xfrm>
               <a:prstGeom prst="rect">
                 <a:avLst/>
               </a:prstGeom>
-              <a:blipFill rotWithShape="1">
+              <a:blipFill>
                 <a:blip r:embed="rId4"/>
                 <a:stretch>
-                  <a:fillRect l="-1336" t="-2030" r="-1527" b="-7614"/>
+                  <a:fillRect l="-1389" t="-3046" r="-1215" b="-7614"/>
                 </a:stretch>
               </a:blipFill>
             </p:spPr>
@@ -3330,7 +3326,7 @@
               <a:lstStyle/>
               <a:p>
                 <a:r>
-                  <a:rPr lang="ko-KR" altLang="en-US">
+                  <a:rPr lang="en-US">
                     <a:noFill/>
                   </a:rPr>
                   <a:t> </a:t>
@@ -3366,13 +3362,13 @@
               <a:p>
                 <a:pPr algn="ctr"/>
                 <a:r>
-                  <a:rPr lang="ko-KR" altLang="en-US" u="sng" dirty="0" smtClean="0">
+                  <a:rPr lang="ko-KR" altLang="en-US" u="sng" dirty="0">
                     <a:latin typeface="제주고딕" pitchFamily="2" charset="-127"/>
                     <a:ea typeface="제주고딕" pitchFamily="2" charset="-127"/>
                   </a:rPr>
                   <a:t>원점을 지나지 않는 직선</a:t>
                 </a:r>
-                <a:endParaRPr lang="en-US" altLang="ko-KR" u="sng" dirty="0" smtClean="0">
+                <a:endParaRPr lang="en-US" altLang="ko-KR" u="sng" dirty="0">
                   <a:latin typeface="제주고딕" pitchFamily="2" charset="-127"/>
                   <a:ea typeface="제주고딕" pitchFamily="2" charset="-127"/>
                 </a:endParaRPr>
@@ -3380,13 +3376,13 @@
               <a:p>
                 <a:pPr algn="ctr"/>
                 <a:r>
-                  <a:rPr lang="ko-KR" altLang="en-US" dirty="0" smtClean="0">
+                  <a:rPr lang="ko-KR" altLang="en-US" dirty="0">
                     <a:latin typeface="제주고딕" pitchFamily="2" charset="-127"/>
                     <a:ea typeface="제주고딕" pitchFamily="2" charset="-127"/>
                   </a:rPr>
                   <a:t>두 벡터의 덧셈 및 스칼라 곱셈이</a:t>
                 </a:r>
-                <a:endParaRPr lang="en-US" altLang="ko-KR" dirty="0" smtClean="0">
+                <a:endParaRPr lang="en-US" altLang="ko-KR" dirty="0">
                   <a:latin typeface="제주고딕" pitchFamily="2" charset="-127"/>
                   <a:ea typeface="제주고딕" pitchFamily="2" charset="-127"/>
                 </a:endParaRPr>
@@ -3394,14 +3390,14 @@
               <a:p>
                 <a:pPr algn="ctr"/>
                 <a:r>
-                  <a:rPr lang="ko-KR" altLang="en-US" dirty="0" smtClean="0">
+                  <a:rPr lang="ko-KR" altLang="en-US" dirty="0">
                     <a:latin typeface="제주고딕" pitchFamily="2" charset="-127"/>
                     <a:ea typeface="제주고딕" pitchFamily="2" charset="-127"/>
                     <a:sym typeface="Wingdings" pitchFamily="2" charset="2"/>
                   </a:rPr>
                   <a:t>직선 밖에 존재하게 됨</a:t>
                 </a:r>
-                <a:endParaRPr lang="en-US" altLang="ko-KR" dirty="0" smtClean="0">
+                <a:endParaRPr lang="en-US" altLang="ko-KR" dirty="0">
                   <a:latin typeface="제주고딕" pitchFamily="2" charset="-127"/>
                   <a:ea typeface="제주고딕" pitchFamily="2" charset="-127"/>
                   <a:sym typeface="Wingdings" pitchFamily="2" charset="2"/>
@@ -3410,7 +3406,7 @@
               <a:p>
                 <a:pPr algn="ctr"/>
                 <a:r>
-                  <a:rPr lang="en-US" altLang="ko-KR" dirty="0" smtClean="0">
+                  <a:rPr lang="en-US" altLang="ko-KR" dirty="0">
                     <a:latin typeface="제주고딕" pitchFamily="2" charset="-127"/>
                     <a:ea typeface="제주고딕" pitchFamily="2" charset="-127"/>
                     <a:sym typeface="Wingdings" pitchFamily="2" charset="2"/>
@@ -3418,7 +3414,7 @@
                   <a:t> </a:t>
                 </a:r>
                 <a:r>
-                  <a:rPr lang="ko-KR" altLang="en-US" dirty="0" smtClean="0">
+                  <a:rPr lang="ko-KR" altLang="en-US" dirty="0">
                     <a:latin typeface="제주고딕" pitchFamily="2" charset="-127"/>
                     <a:ea typeface="제주고딕" pitchFamily="2" charset="-127"/>
                     <a:sym typeface="Wingdings" pitchFamily="2" charset="2"/>
@@ -3431,7 +3427,7 @@
                       <m:sSupPr>
                         <m:ctrlPr>
                           <a:rPr lang="en-US" altLang="ko-KR" b="0" i="1" smtClean="0">
-                            <a:latin typeface="Cambria Math"/>
+                            <a:latin typeface="Cambria Math" panose="02040503050406030204" pitchFamily="18" charset="0"/>
                             <a:ea typeface="Cambria Math"/>
                             <a:sym typeface="Wingdings" pitchFamily="2" charset="2"/>
                           </a:rPr>
@@ -3461,16 +3457,12 @@
                   </m:oMath>
                 </a14:m>
                 <a:r>
-                  <a:rPr lang="ko-KR" altLang="en-US" dirty="0" smtClean="0">
+                  <a:rPr lang="ko-KR" altLang="en-US" dirty="0">
                     <a:latin typeface="제주고딕" pitchFamily="2" charset="-127"/>
                     <a:ea typeface="제주고딕" pitchFamily="2" charset="-127"/>
                   </a:rPr>
                   <a:t>의 부분 공간이 아님</a:t>
                 </a:r>
-                <a:endParaRPr lang="ko-KR" altLang="en-US" dirty="0">
-                  <a:latin typeface="제주고딕" pitchFamily="2" charset="-127"/>
-                  <a:ea typeface="제주고딕" pitchFamily="2" charset="-127"/>
-                </a:endParaRPr>
               </a:p>
             </p:txBody>
           </p:sp>
@@ -3517,6 +3509,2073 @@
     </p:spTree>
     <p:extLst>
       <p:ext uri="{BB962C8B-B14F-4D97-AF65-F5344CB8AC3E}">
+        <p14:creationId xmlns:p14="http://schemas.microsoft.com/office/powerpoint/2010/main" val="1589308765"/>
+      </p:ext>
+    </p:extLst>
+  </p:cSld>
+  <p:clrMapOvr>
+    <a:masterClrMapping/>
+  </p:clrMapOvr>
+</p:sld>
+</file>
+
+<file path=ppt/slides/slide10.xml><?xml version="1.0" encoding="utf-8"?>
+<p:sld xmlns:a="http://schemas.openxmlformats.org/drawingml/2006/main" xmlns:r="http://schemas.openxmlformats.org/officeDocument/2006/relationships" xmlns:p="http://schemas.openxmlformats.org/presentationml/2006/main">
+  <p:cSld>
+    <p:spTree>
+      <p:nvGrpSpPr>
+        <p:cNvPr id="1" name=""/>
+        <p:cNvGrpSpPr/>
+        <p:nvPr/>
+      </p:nvGrpSpPr>
+      <p:grpSpPr>
+        <a:xfrm>
+          <a:off x="0" y="0"/>
+          <a:ext cx="0" cy="0"/>
+          <a:chOff x="0" y="0"/>
+          <a:chExt cx="0" cy="0"/>
+        </a:xfrm>
+      </p:grpSpPr>
+      <p:pic>
+        <p:nvPicPr>
+          <p:cNvPr id="1026" name="Picture 2"/>
+          <p:cNvPicPr>
+            <a:picLocks noChangeAspect="1" noChangeArrowheads="1"/>
+          </p:cNvPicPr>
+          <p:nvPr/>
+        </p:nvPicPr>
+        <p:blipFill>
+          <a:blip r:embed="rId2">
+            <a:extLst>
+              <a:ext uri="{28A0092B-C50C-407E-A947-70E740481C1C}">
+                <a14:useLocalDpi xmlns:a14="http://schemas.microsoft.com/office/drawing/2010/main" val="0"/>
+              </a:ext>
+            </a:extLst>
+          </a:blip>
+          <a:srcRect/>
+          <a:stretch>
+            <a:fillRect/>
+          </a:stretch>
+        </p:blipFill>
+        <p:spPr bwMode="auto">
+          <a:xfrm>
+            <a:off x="2290763" y="1147763"/>
+            <a:ext cx="4562475" cy="4562475"/>
+          </a:xfrm>
+          <a:prstGeom prst="rect">
+            <a:avLst/>
+          </a:prstGeom>
+          <a:noFill/>
+          <a:ln>
+            <a:noFill/>
+          </a:ln>
+          <a:effectLst/>
+          <a:extLst>
+            <a:ext uri="{909E8E84-426E-40DD-AFC4-6F175D3DCCD1}">
+              <a14:hiddenFill xmlns:a14="http://schemas.microsoft.com/office/drawing/2010/main">
+                <a:solidFill>
+                  <a:schemeClr val="accent1"/>
+                </a:solidFill>
+              </a14:hiddenFill>
+            </a:ext>
+            <a:ext uri="{91240B29-F687-4F45-9708-019B960494DF}">
+              <a14:hiddenLine xmlns:a14="http://schemas.microsoft.com/office/drawing/2010/main" w="9525">
+                <a:solidFill>
+                  <a:schemeClr val="tx1"/>
+                </a:solidFill>
+                <a:miter lim="800000"/>
+                <a:headEnd/>
+                <a:tailEnd/>
+              </a14:hiddenLine>
+            </a:ext>
+            <a:ext uri="{AF507438-7753-43E0-B8FC-AC1667EBCBE1}">
+              <a14:hiddenEffects xmlns:a14="http://schemas.microsoft.com/office/drawing/2010/main">
+                <a:effectLst>
+                  <a:outerShdw dist="35921" dir="2700000" algn="ctr" rotWithShape="0">
+                    <a:schemeClr val="bg2"/>
+                  </a:outerShdw>
+                </a:effectLst>
+              </a14:hiddenEffects>
+            </a:ext>
+          </a:extLst>
+        </p:spPr>
+      </p:pic>
+      <mc:AlternateContent xmlns:mc="http://schemas.openxmlformats.org/markup-compatibility/2006" xmlns:a14="http://schemas.microsoft.com/office/drawing/2010/main">
+        <mc:Choice Requires="a14">
+          <p:sp>
+            <p:nvSpPr>
+              <p:cNvPr id="5" name="TextBox 4"/>
+              <p:cNvSpPr txBox="1"/>
+              <p:nvPr/>
+            </p:nvSpPr>
+            <p:spPr>
+              <a:xfrm>
+                <a:off x="5292080" y="1735331"/>
+                <a:ext cx="477758" cy="450188"/>
+              </a:xfrm>
+              <a:prstGeom prst="rect">
+                <a:avLst/>
+              </a:prstGeom>
+              <a:noFill/>
+            </p:spPr>
+            <p:txBody>
+              <a:bodyPr wrap="none" rtlCol="0">
+                <a:spAutoFit/>
+              </a:bodyPr>
+              <a:lstStyle/>
+              <a:p>
+                <a:pPr/>
+                <a14:m>
+                  <m:oMathPara xmlns:m="http://schemas.openxmlformats.org/officeDocument/2006/math">
+                    <m:oMathParaPr>
+                      <m:jc m:val="centerGroup"/>
+                    </m:oMathParaPr>
+                    <m:oMath xmlns:m="http://schemas.openxmlformats.org/officeDocument/2006/math">
+                      <m:d>
+                        <m:dPr>
+                          <m:begChr m:val="["/>
+                          <m:endChr m:val="]"/>
+                          <m:ctrlPr>
+                            <a:rPr lang="en-US" altLang="ko-KR" sz="1400" i="1" smtClean="0">
+                              <a:latin typeface="Cambria Math" panose="02040503050406030204" pitchFamily="18" charset="0"/>
+                            </a:rPr>
+                          </m:ctrlPr>
+                        </m:dPr>
+                        <m:e>
+                          <m:m>
+                            <m:mPr>
+                              <m:mcs>
+                                <m:mc>
+                                  <m:mcPr>
+                                    <m:count m:val="1"/>
+                                    <m:mcJc m:val="center"/>
+                                  </m:mcPr>
+                                </m:mc>
+                              </m:mcs>
+                              <m:ctrlPr>
+                                <a:rPr lang="en-US" altLang="ko-KR" sz="1400" i="1" smtClean="0">
+                                  <a:latin typeface="Cambria Math" panose="02040503050406030204" pitchFamily="18" charset="0"/>
+                                </a:rPr>
+                              </m:ctrlPr>
+                            </m:mPr>
+                            <m:mr>
+                              <m:e>
+                                <m:r>
+                                  <m:rPr>
+                                    <m:brk m:alnAt="7"/>
+                                  </m:rPr>
+                                  <a:rPr lang="en-US" altLang="ko-KR" sz="1400" b="0" i="1" smtClean="0">
+                                    <a:latin typeface="Cambria Math"/>
+                                  </a:rPr>
+                                  <m:t>2</m:t>
+                                </m:r>
+                              </m:e>
+                            </m:mr>
+                            <m:mr>
+                              <m:e>
+                                <m:r>
+                                  <a:rPr lang="en-US" altLang="ko-KR" sz="1400" b="0" i="1" smtClean="0">
+                                    <a:latin typeface="Cambria Math"/>
+                                  </a:rPr>
+                                  <m:t>4</m:t>
+                                </m:r>
+                              </m:e>
+                            </m:mr>
+                          </m:m>
+                        </m:e>
+                      </m:d>
+                    </m:oMath>
+                  </m:oMathPara>
+                </a14:m>
+                <a:endParaRPr lang="ko-KR" altLang="en-US" sz="1400" dirty="0"/>
+              </a:p>
+            </p:txBody>
+          </p:sp>
+        </mc:Choice>
+        <mc:Fallback xmlns="">
+          <p:sp>
+            <p:nvSpPr>
+              <p:cNvPr id="5" name="TextBox 4"/>
+              <p:cNvSpPr txBox="1">
+                <a:spLocks noRot="1" noChangeAspect="1" noMove="1" noResize="1" noEditPoints="1" noAdjustHandles="1" noChangeArrowheads="1" noChangeShapeType="1" noTextEdit="1"/>
+              </p:cNvSpPr>
+              <p:nvPr/>
+            </p:nvSpPr>
+            <p:spPr>
+              <a:xfrm>
+                <a:off x="5292080" y="1735331"/>
+                <a:ext cx="477758" cy="450188"/>
+              </a:xfrm>
+              <a:prstGeom prst="rect">
+                <a:avLst/>
+              </a:prstGeom>
+              <a:blipFill rotWithShape="1">
+                <a:blip r:embed="rId3"/>
+                <a:stretch>
+                  <a:fillRect b="-2703"/>
+                </a:stretch>
+              </a:blipFill>
+            </p:spPr>
+            <p:txBody>
+              <a:bodyPr/>
+              <a:lstStyle/>
+              <a:p>
+                <a:r>
+                  <a:rPr lang="ko-KR" altLang="en-US">
+                    <a:noFill/>
+                  </a:rPr>
+                  <a:t> </a:t>
+                </a:r>
+              </a:p>
+            </p:txBody>
+          </p:sp>
+        </mc:Fallback>
+      </mc:AlternateContent>
+      <mc:AlternateContent xmlns:mc="http://schemas.openxmlformats.org/markup-compatibility/2006" xmlns:a14="http://schemas.microsoft.com/office/drawing/2010/main">
+        <mc:Choice Requires="a14">
+          <p:sp>
+            <p:nvSpPr>
+              <p:cNvPr id="6" name="TextBox 5"/>
+              <p:cNvSpPr txBox="1"/>
+              <p:nvPr/>
+            </p:nvSpPr>
+            <p:spPr>
+              <a:xfrm>
+                <a:off x="3059832" y="1434309"/>
+                <a:ext cx="1284134" cy="501356"/>
+              </a:xfrm>
+              <a:prstGeom prst="rect">
+                <a:avLst/>
+              </a:prstGeom>
+              <a:noFill/>
+            </p:spPr>
+            <p:txBody>
+              <a:bodyPr wrap="none" rtlCol="0">
+                <a:spAutoFit/>
+              </a:bodyPr>
+              <a:lstStyle/>
+              <a:p>
+                <a:pPr/>
+                <a14:m>
+                  <m:oMathPara xmlns:m="http://schemas.openxmlformats.org/officeDocument/2006/math">
+                    <m:oMathParaPr>
+                      <m:jc m:val="centerGroup"/>
+                    </m:oMathParaPr>
+                    <m:oMath xmlns:m="http://schemas.openxmlformats.org/officeDocument/2006/math">
+                      <m:r>
+                        <a:rPr lang="en-US" altLang="ko-KR" sz="1600" b="0" i="1" smtClean="0">
+                          <a:latin typeface="Cambria Math"/>
+                        </a:rPr>
+                        <m:t>𝐴</m:t>
+                      </m:r>
+                      <m:r>
+                        <a:rPr lang="en-US" altLang="ko-KR" sz="1600" b="0" i="1" smtClean="0">
+                          <a:latin typeface="Cambria Math"/>
+                        </a:rPr>
+                        <m:t>= </m:t>
+                      </m:r>
+                      <m:d>
+                        <m:dPr>
+                          <m:begChr m:val="["/>
+                          <m:endChr m:val="]"/>
+                          <m:ctrlPr>
+                            <a:rPr lang="en-US" altLang="ko-KR" sz="1600" b="0" i="1" smtClean="0">
+                              <a:latin typeface="Cambria Math" panose="02040503050406030204" pitchFamily="18" charset="0"/>
+                            </a:rPr>
+                          </m:ctrlPr>
+                        </m:dPr>
+                        <m:e>
+                          <m:m>
+                            <m:mPr>
+                              <m:mcs>
+                                <m:mc>
+                                  <m:mcPr>
+                                    <m:count m:val="2"/>
+                                    <m:mcJc m:val="center"/>
+                                  </m:mcPr>
+                                </m:mc>
+                              </m:mcs>
+                              <m:ctrlPr>
+                                <a:rPr lang="en-US" altLang="ko-KR" sz="1600" b="0" i="1" smtClean="0">
+                                  <a:latin typeface="Cambria Math" panose="02040503050406030204" pitchFamily="18" charset="0"/>
+                                </a:rPr>
+                              </m:ctrlPr>
+                            </m:mPr>
+                            <m:mr>
+                              <m:e>
+                                <m:r>
+                                  <m:rPr>
+                                    <m:brk m:alnAt="7"/>
+                                  </m:rPr>
+                                  <a:rPr lang="en-US" altLang="ko-KR" sz="1600" b="0" i="1" smtClean="0">
+                                    <a:latin typeface="Cambria Math"/>
+                                  </a:rPr>
+                                  <m:t>2</m:t>
+                                </m:r>
+                              </m:e>
+                              <m:e>
+                                <m:r>
+                                  <a:rPr lang="en-US" altLang="ko-KR" sz="1600" b="0" i="1" smtClean="0">
+                                    <a:latin typeface="Cambria Math"/>
+                                  </a:rPr>
+                                  <m:t>1</m:t>
+                                </m:r>
+                              </m:e>
+                            </m:mr>
+                            <m:mr>
+                              <m:e>
+                                <m:r>
+                                  <a:rPr lang="en-US" altLang="ko-KR" sz="1600" b="0" i="1" smtClean="0">
+                                    <a:latin typeface="Cambria Math"/>
+                                  </a:rPr>
+                                  <m:t>4</m:t>
+                                </m:r>
+                              </m:e>
+                              <m:e>
+                                <m:r>
+                                  <a:rPr lang="en-US" altLang="ko-KR" sz="1600" b="0" i="1" smtClean="0">
+                                    <a:latin typeface="Cambria Math"/>
+                                  </a:rPr>
+                                  <m:t>2</m:t>
+                                </m:r>
+                              </m:e>
+                            </m:mr>
+                          </m:m>
+                        </m:e>
+                      </m:d>
+                    </m:oMath>
+                  </m:oMathPara>
+                </a14:m>
+                <a:endParaRPr lang="ko-KR" altLang="en-US" sz="1600" dirty="0"/>
+              </a:p>
+            </p:txBody>
+          </p:sp>
+        </mc:Choice>
+        <mc:Fallback xmlns="">
+          <p:sp>
+            <p:nvSpPr>
+              <p:cNvPr id="6" name="TextBox 5"/>
+              <p:cNvSpPr txBox="1">
+                <a:spLocks noRot="1" noChangeAspect="1" noMove="1" noResize="1" noEditPoints="1" noAdjustHandles="1" noChangeArrowheads="1" noChangeShapeType="1" noTextEdit="1"/>
+              </p:cNvSpPr>
+              <p:nvPr/>
+            </p:nvSpPr>
+            <p:spPr>
+              <a:xfrm>
+                <a:off x="3059832" y="1434309"/>
+                <a:ext cx="1284134" cy="501356"/>
+              </a:xfrm>
+              <a:prstGeom prst="rect">
+                <a:avLst/>
+              </a:prstGeom>
+              <a:blipFill rotWithShape="1">
+                <a:blip r:embed="rId4"/>
+                <a:stretch>
+                  <a:fillRect b="-2410"/>
+                </a:stretch>
+              </a:blipFill>
+            </p:spPr>
+            <p:txBody>
+              <a:bodyPr/>
+              <a:lstStyle/>
+              <a:p>
+                <a:r>
+                  <a:rPr lang="ko-KR" altLang="en-US">
+                    <a:noFill/>
+                  </a:rPr>
+                  <a:t> </a:t>
+                </a:r>
+              </a:p>
+            </p:txBody>
+          </p:sp>
+        </mc:Fallback>
+      </mc:AlternateContent>
+      <mc:AlternateContent xmlns:mc="http://schemas.openxmlformats.org/markup-compatibility/2006" xmlns:a14="http://schemas.microsoft.com/office/drawing/2010/main">
+        <mc:Choice Requires="a14">
+          <p:sp>
+            <p:nvSpPr>
+              <p:cNvPr id="7" name="TextBox 6"/>
+              <p:cNvSpPr txBox="1"/>
+              <p:nvPr/>
+            </p:nvSpPr>
+            <p:spPr>
+              <a:xfrm>
+                <a:off x="2290763" y="3735665"/>
+                <a:ext cx="1881284" cy="369332"/>
+              </a:xfrm>
+              <a:prstGeom prst="rect">
+                <a:avLst/>
+              </a:prstGeom>
+              <a:noFill/>
+            </p:spPr>
+            <p:txBody>
+              <a:bodyPr wrap="none" rtlCol="0">
+                <a:spAutoFit/>
+              </a:bodyPr>
+              <a:lstStyle/>
+              <a:p>
+                <a:r>
+                  <a:rPr lang="ko-KR" altLang="en-US" dirty="0"/>
+                  <a:t>행렬 </a:t>
+                </a:r>
+                <a14:m>
+                  <m:oMath xmlns:m="http://schemas.openxmlformats.org/officeDocument/2006/math">
+                    <m:r>
+                      <a:rPr lang="en-US" altLang="ko-KR" b="0" i="1" smtClean="0">
+                        <a:latin typeface="Cambria Math"/>
+                      </a:rPr>
+                      <m:t>𝐴</m:t>
+                    </m:r>
+                  </m:oMath>
+                </a14:m>
+                <a:r>
+                  <a:rPr lang="ko-KR" altLang="en-US" dirty="0"/>
+                  <a:t>의 열공간</a:t>
+                </a:r>
+              </a:p>
+            </p:txBody>
+          </p:sp>
+        </mc:Choice>
+        <mc:Fallback xmlns="">
+          <p:sp>
+            <p:nvSpPr>
+              <p:cNvPr id="7" name="TextBox 6"/>
+              <p:cNvSpPr txBox="1">
+                <a:spLocks noRot="1" noChangeAspect="1" noMove="1" noResize="1" noEditPoints="1" noAdjustHandles="1" noChangeArrowheads="1" noChangeShapeType="1" noTextEdit="1"/>
+              </p:cNvSpPr>
+              <p:nvPr/>
+            </p:nvSpPr>
+            <p:spPr>
+              <a:xfrm>
+                <a:off x="2290763" y="3735665"/>
+                <a:ext cx="1881284" cy="369332"/>
+              </a:xfrm>
+              <a:prstGeom prst="rect">
+                <a:avLst/>
+              </a:prstGeom>
+              <a:blipFill rotWithShape="1">
+                <a:blip r:embed="rId5"/>
+                <a:stretch>
+                  <a:fillRect l="-2922" t="-8333" r="-2273" b="-26667"/>
+                </a:stretch>
+              </a:blipFill>
+            </p:spPr>
+            <p:txBody>
+              <a:bodyPr/>
+              <a:lstStyle/>
+              <a:p>
+                <a:r>
+                  <a:rPr lang="ko-KR" altLang="en-US">
+                    <a:noFill/>
+                  </a:rPr>
+                  <a:t> </a:t>
+                </a:r>
+              </a:p>
+            </p:txBody>
+          </p:sp>
+        </mc:Fallback>
+      </mc:AlternateContent>
+      <p:cxnSp>
+        <p:nvCxnSpPr>
+          <p:cNvPr id="8" name="직선 화살표 연결선 7"/>
+          <p:cNvCxnSpPr>
+            <a:stCxn id="7" idx="2"/>
+          </p:cNvCxnSpPr>
+          <p:nvPr/>
+        </p:nvCxnSpPr>
+        <p:spPr>
+          <a:xfrm>
+            <a:off x="3231405" y="4104997"/>
+            <a:ext cx="752522" cy="535413"/>
+          </a:xfrm>
+          <a:prstGeom prst="straightConnector1">
+            <a:avLst/>
+          </a:prstGeom>
+          <a:ln w="28575">
+            <a:solidFill>
+              <a:schemeClr val="tx1"/>
+            </a:solidFill>
+            <a:prstDash val="dash"/>
+            <a:tailEnd type="arrow"/>
+          </a:ln>
+        </p:spPr>
+        <p:style>
+          <a:lnRef idx="1">
+            <a:schemeClr val="accent1"/>
+          </a:lnRef>
+          <a:fillRef idx="0">
+            <a:schemeClr val="accent1"/>
+          </a:fillRef>
+          <a:effectRef idx="0">
+            <a:schemeClr val="accent1"/>
+          </a:effectRef>
+          <a:fontRef idx="minor">
+            <a:schemeClr val="tx1"/>
+          </a:fontRef>
+        </p:style>
+      </p:cxnSp>
+      <mc:AlternateContent xmlns:mc="http://schemas.openxmlformats.org/markup-compatibility/2006" xmlns:a14="http://schemas.microsoft.com/office/drawing/2010/main">
+        <mc:Choice Requires="a14">
+          <p:sp>
+            <p:nvSpPr>
+              <p:cNvPr id="9" name="TextBox 8"/>
+              <p:cNvSpPr txBox="1"/>
+              <p:nvPr/>
+            </p:nvSpPr>
+            <p:spPr>
+              <a:xfrm>
+                <a:off x="4958338" y="2564904"/>
+                <a:ext cx="477758" cy="450188"/>
+              </a:xfrm>
+              <a:prstGeom prst="rect">
+                <a:avLst/>
+              </a:prstGeom>
+              <a:noFill/>
+            </p:spPr>
+            <p:txBody>
+              <a:bodyPr wrap="none" rtlCol="0">
+                <a:spAutoFit/>
+              </a:bodyPr>
+              <a:lstStyle/>
+              <a:p>
+                <a:pPr/>
+                <a14:m>
+                  <m:oMathPara xmlns:m="http://schemas.openxmlformats.org/officeDocument/2006/math">
+                    <m:oMathParaPr>
+                      <m:jc m:val="centerGroup"/>
+                    </m:oMathParaPr>
+                    <m:oMath xmlns:m="http://schemas.openxmlformats.org/officeDocument/2006/math">
+                      <m:d>
+                        <m:dPr>
+                          <m:begChr m:val="["/>
+                          <m:endChr m:val="]"/>
+                          <m:ctrlPr>
+                            <a:rPr lang="en-US" altLang="ko-KR" sz="1400" i="1" smtClean="0">
+                              <a:latin typeface="Cambria Math" panose="02040503050406030204" pitchFamily="18" charset="0"/>
+                            </a:rPr>
+                          </m:ctrlPr>
+                        </m:dPr>
+                        <m:e>
+                          <m:m>
+                            <m:mPr>
+                              <m:mcs>
+                                <m:mc>
+                                  <m:mcPr>
+                                    <m:count m:val="1"/>
+                                    <m:mcJc m:val="center"/>
+                                  </m:mcPr>
+                                </m:mc>
+                              </m:mcs>
+                              <m:ctrlPr>
+                                <a:rPr lang="en-US" altLang="ko-KR" sz="1400" i="1" smtClean="0">
+                                  <a:latin typeface="Cambria Math" panose="02040503050406030204" pitchFamily="18" charset="0"/>
+                                </a:rPr>
+                              </m:ctrlPr>
+                            </m:mPr>
+                            <m:mr>
+                              <m:e>
+                                <m:r>
+                                  <m:rPr>
+                                    <m:brk m:alnAt="7"/>
+                                  </m:rPr>
+                                  <a:rPr lang="en-US" altLang="ko-KR" sz="1400" b="0" i="1" smtClean="0">
+                                    <a:latin typeface="Cambria Math"/>
+                                  </a:rPr>
+                                  <m:t>1</m:t>
+                                </m:r>
+                              </m:e>
+                            </m:mr>
+                            <m:mr>
+                              <m:e>
+                                <m:r>
+                                  <a:rPr lang="en-US" altLang="ko-KR" sz="1400" b="0" i="1" smtClean="0">
+                                    <a:latin typeface="Cambria Math"/>
+                                  </a:rPr>
+                                  <m:t>2</m:t>
+                                </m:r>
+                              </m:e>
+                            </m:mr>
+                          </m:m>
+                        </m:e>
+                      </m:d>
+                    </m:oMath>
+                  </m:oMathPara>
+                </a14:m>
+                <a:endParaRPr lang="ko-KR" altLang="en-US" sz="1400" dirty="0"/>
+              </a:p>
+            </p:txBody>
+          </p:sp>
+        </mc:Choice>
+        <mc:Fallback xmlns="">
+          <p:sp>
+            <p:nvSpPr>
+              <p:cNvPr id="9" name="TextBox 8"/>
+              <p:cNvSpPr txBox="1">
+                <a:spLocks noRot="1" noChangeAspect="1" noMove="1" noResize="1" noEditPoints="1" noAdjustHandles="1" noChangeArrowheads="1" noChangeShapeType="1" noTextEdit="1"/>
+              </p:cNvSpPr>
+              <p:nvPr/>
+            </p:nvSpPr>
+            <p:spPr>
+              <a:xfrm>
+                <a:off x="4958338" y="2564904"/>
+                <a:ext cx="477758" cy="450188"/>
+              </a:xfrm>
+              <a:prstGeom prst="rect">
+                <a:avLst/>
+              </a:prstGeom>
+              <a:blipFill rotWithShape="1">
+                <a:blip r:embed="rId6"/>
+                <a:stretch>
+                  <a:fillRect b="-2703"/>
+                </a:stretch>
+              </a:blipFill>
+            </p:spPr>
+            <p:txBody>
+              <a:bodyPr/>
+              <a:lstStyle/>
+              <a:p>
+                <a:r>
+                  <a:rPr lang="ko-KR" altLang="en-US">
+                    <a:noFill/>
+                  </a:rPr>
+                  <a:t> </a:t>
+                </a:r>
+              </a:p>
+            </p:txBody>
+          </p:sp>
+        </mc:Fallback>
+      </mc:AlternateContent>
+      <mc:AlternateContent xmlns:mc="http://schemas.openxmlformats.org/markup-compatibility/2006" xmlns:a14="http://schemas.microsoft.com/office/drawing/2010/main">
+        <mc:Choice Requires="a14">
+          <p:sp>
+            <p:nvSpPr>
+              <p:cNvPr id="10" name="TextBox 9"/>
+              <p:cNvSpPr txBox="1"/>
+              <p:nvPr/>
+            </p:nvSpPr>
+            <p:spPr>
+              <a:xfrm>
+                <a:off x="4985584" y="4640410"/>
+                <a:ext cx="2573397" cy="369332"/>
+              </a:xfrm>
+              <a:prstGeom prst="rect">
+                <a:avLst/>
+              </a:prstGeom>
+              <a:noFill/>
+            </p:spPr>
+            <p:txBody>
+              <a:bodyPr wrap="none" rtlCol="0">
+                <a:spAutoFit/>
+              </a:bodyPr>
+              <a:lstStyle/>
+              <a:p>
+                <a:r>
+                  <a:rPr lang="ko-KR" altLang="en-US" dirty="0"/>
+                  <a:t>행렬 </a:t>
+                </a:r>
+                <a14:m>
+                  <m:oMath xmlns:m="http://schemas.openxmlformats.org/officeDocument/2006/math">
+                    <m:r>
+                      <a:rPr lang="en-US" altLang="ko-KR" b="0" i="1" smtClean="0">
+                        <a:latin typeface="Cambria Math"/>
+                      </a:rPr>
+                      <m:t>𝐴</m:t>
+                    </m:r>
+                  </m:oMath>
+                </a14:m>
+                <a:r>
+                  <a:rPr lang="ko-KR" altLang="en-US" dirty="0"/>
+                  <a:t>의 </a:t>
+                </a:r>
+                <a:r>
+                  <a:rPr lang="en-US" altLang="ko-KR" dirty="0"/>
+                  <a:t>left nullspace</a:t>
+                </a:r>
+                <a:endParaRPr lang="ko-KR" altLang="en-US" dirty="0"/>
+              </a:p>
+            </p:txBody>
+          </p:sp>
+        </mc:Choice>
+        <mc:Fallback xmlns="">
+          <p:sp>
+            <p:nvSpPr>
+              <p:cNvPr id="10" name="TextBox 9"/>
+              <p:cNvSpPr txBox="1">
+                <a:spLocks noRot="1" noChangeAspect="1" noMove="1" noResize="1" noEditPoints="1" noAdjustHandles="1" noChangeArrowheads="1" noChangeShapeType="1" noTextEdit="1"/>
+              </p:cNvSpPr>
+              <p:nvPr/>
+            </p:nvSpPr>
+            <p:spPr>
+              <a:xfrm>
+                <a:off x="4985584" y="4640410"/>
+                <a:ext cx="2573397" cy="369332"/>
+              </a:xfrm>
+              <a:prstGeom prst="rect">
+                <a:avLst/>
+              </a:prstGeom>
+              <a:blipFill rotWithShape="1">
+                <a:blip r:embed="rId7"/>
+                <a:stretch>
+                  <a:fillRect l="-2133" t="-8197" r="-1185" b="-24590"/>
+                </a:stretch>
+              </a:blipFill>
+            </p:spPr>
+            <p:txBody>
+              <a:bodyPr/>
+              <a:lstStyle/>
+              <a:p>
+                <a:r>
+                  <a:rPr lang="ko-KR" altLang="en-US">
+                    <a:noFill/>
+                  </a:rPr>
+                  <a:t> </a:t>
+                </a:r>
+              </a:p>
+            </p:txBody>
+          </p:sp>
+        </mc:Fallback>
+      </mc:AlternateContent>
+      <p:cxnSp>
+        <p:nvCxnSpPr>
+          <p:cNvPr id="11" name="직선 화살표 연결선 10"/>
+          <p:cNvCxnSpPr/>
+          <p:nvPr/>
+        </p:nvCxnSpPr>
+        <p:spPr>
+          <a:xfrm flipV="1">
+            <a:off x="5660703" y="3920331"/>
+            <a:ext cx="0" cy="672478"/>
+          </a:xfrm>
+          <a:prstGeom prst="straightConnector1">
+            <a:avLst/>
+          </a:prstGeom>
+          <a:ln w="28575">
+            <a:solidFill>
+              <a:schemeClr val="tx1"/>
+            </a:solidFill>
+            <a:prstDash val="dash"/>
+            <a:tailEnd type="arrow"/>
+          </a:ln>
+        </p:spPr>
+        <p:style>
+          <a:lnRef idx="1">
+            <a:schemeClr val="accent1"/>
+          </a:lnRef>
+          <a:fillRef idx="0">
+            <a:schemeClr val="accent1"/>
+          </a:fillRef>
+          <a:effectRef idx="0">
+            <a:schemeClr val="accent1"/>
+          </a:effectRef>
+          <a:fontRef idx="minor">
+            <a:schemeClr val="tx1"/>
+          </a:fontRef>
+        </p:style>
+      </p:cxnSp>
+    </p:spTree>
+    <p:extLst>
+      <p:ext uri="{BB962C8B-B14F-4D97-AF65-F5344CB8AC3E}">
+        <p14:creationId xmlns:p14="http://schemas.microsoft.com/office/powerpoint/2010/main" val="3326056149"/>
+      </p:ext>
+    </p:extLst>
+  </p:cSld>
+  <p:clrMapOvr>
+    <a:masterClrMapping/>
+  </p:clrMapOvr>
+</p:sld>
+</file>
+
+<file path=ppt/slides/slide11.xml><?xml version="1.0" encoding="utf-8"?>
+<p:sld xmlns:a="http://schemas.openxmlformats.org/drawingml/2006/main" xmlns:r="http://schemas.openxmlformats.org/officeDocument/2006/relationships" xmlns:p="http://schemas.openxmlformats.org/presentationml/2006/main">
+  <p:cSld>
+    <p:spTree>
+      <p:nvGrpSpPr>
+        <p:cNvPr id="1" name=""/>
+        <p:cNvGrpSpPr/>
+        <p:nvPr/>
+      </p:nvGrpSpPr>
+      <p:grpSpPr>
+        <a:xfrm>
+          <a:off x="0" y="0"/>
+          <a:ext cx="0" cy="0"/>
+          <a:chOff x="0" y="0"/>
+          <a:chExt cx="0" cy="0"/>
+        </a:xfrm>
+      </p:grpSpPr>
+      <p:pic>
+        <p:nvPicPr>
+          <p:cNvPr id="1026" name="Picture 2"/>
+          <p:cNvPicPr>
+            <a:picLocks noChangeAspect="1" noChangeArrowheads="1"/>
+          </p:cNvPicPr>
+          <p:nvPr/>
+        </p:nvPicPr>
+        <p:blipFill>
+          <a:blip r:embed="rId2">
+            <a:extLst>
+              <a:ext uri="{28A0092B-C50C-407E-A947-70E740481C1C}">
+                <a14:useLocalDpi xmlns:a14="http://schemas.microsoft.com/office/drawing/2010/main" val="0"/>
+              </a:ext>
+            </a:extLst>
+          </a:blip>
+          <a:srcRect/>
+          <a:stretch>
+            <a:fillRect/>
+          </a:stretch>
+        </p:blipFill>
+        <p:spPr bwMode="auto">
+          <a:xfrm>
+            <a:off x="2290763" y="1147763"/>
+            <a:ext cx="4562475" cy="4562475"/>
+          </a:xfrm>
+          <a:prstGeom prst="rect">
+            <a:avLst/>
+          </a:prstGeom>
+          <a:noFill/>
+          <a:ln>
+            <a:noFill/>
+          </a:ln>
+          <a:effectLst/>
+          <a:extLst>
+            <a:ext uri="{909E8E84-426E-40DD-AFC4-6F175D3DCCD1}">
+              <a14:hiddenFill xmlns:a14="http://schemas.microsoft.com/office/drawing/2010/main">
+                <a:solidFill>
+                  <a:schemeClr val="accent1"/>
+                </a:solidFill>
+              </a14:hiddenFill>
+            </a:ext>
+            <a:ext uri="{91240B29-F687-4F45-9708-019B960494DF}">
+              <a14:hiddenLine xmlns:a14="http://schemas.microsoft.com/office/drawing/2010/main" w="9525">
+                <a:solidFill>
+                  <a:schemeClr val="tx1"/>
+                </a:solidFill>
+                <a:miter lim="800000"/>
+                <a:headEnd/>
+                <a:tailEnd/>
+              </a14:hiddenLine>
+            </a:ext>
+            <a:ext uri="{AF507438-7753-43E0-B8FC-AC1667EBCBE1}">
+              <a14:hiddenEffects xmlns:a14="http://schemas.microsoft.com/office/drawing/2010/main">
+                <a:effectLst>
+                  <a:outerShdw dist="35921" dir="2700000" algn="ctr" rotWithShape="0">
+                    <a:schemeClr val="bg2"/>
+                  </a:outerShdw>
+                </a:effectLst>
+              </a14:hiddenEffects>
+            </a:ext>
+          </a:extLst>
+        </p:spPr>
+      </p:pic>
+      <mc:AlternateContent xmlns:mc="http://schemas.openxmlformats.org/markup-compatibility/2006" xmlns:a14="http://schemas.microsoft.com/office/drawing/2010/main">
+        <mc:Choice Requires="a14">
+          <p:sp>
+            <p:nvSpPr>
+              <p:cNvPr id="5" name="TextBox 4"/>
+              <p:cNvSpPr txBox="1"/>
+              <p:nvPr/>
+            </p:nvSpPr>
+            <p:spPr>
+              <a:xfrm>
+                <a:off x="5292080" y="1735331"/>
+                <a:ext cx="477758" cy="450188"/>
+              </a:xfrm>
+              <a:prstGeom prst="rect">
+                <a:avLst/>
+              </a:prstGeom>
+              <a:noFill/>
+            </p:spPr>
+            <p:txBody>
+              <a:bodyPr wrap="none" rtlCol="0">
+                <a:spAutoFit/>
+              </a:bodyPr>
+              <a:lstStyle/>
+              <a:p>
+                <a:pPr/>
+                <a14:m>
+                  <m:oMathPara xmlns:m="http://schemas.openxmlformats.org/officeDocument/2006/math">
+                    <m:oMathParaPr>
+                      <m:jc m:val="centerGroup"/>
+                    </m:oMathParaPr>
+                    <m:oMath xmlns:m="http://schemas.openxmlformats.org/officeDocument/2006/math">
+                      <m:d>
+                        <m:dPr>
+                          <m:begChr m:val="["/>
+                          <m:endChr m:val="]"/>
+                          <m:ctrlPr>
+                            <a:rPr lang="en-US" altLang="ko-KR" sz="1400" i="1" smtClean="0">
+                              <a:latin typeface="Cambria Math" panose="02040503050406030204" pitchFamily="18" charset="0"/>
+                            </a:rPr>
+                          </m:ctrlPr>
+                        </m:dPr>
+                        <m:e>
+                          <m:m>
+                            <m:mPr>
+                              <m:mcs>
+                                <m:mc>
+                                  <m:mcPr>
+                                    <m:count m:val="1"/>
+                                    <m:mcJc m:val="center"/>
+                                  </m:mcPr>
+                                </m:mc>
+                              </m:mcs>
+                              <m:ctrlPr>
+                                <a:rPr lang="en-US" altLang="ko-KR" sz="1400" i="1" smtClean="0">
+                                  <a:latin typeface="Cambria Math" panose="02040503050406030204" pitchFamily="18" charset="0"/>
+                                </a:rPr>
+                              </m:ctrlPr>
+                            </m:mPr>
+                            <m:mr>
+                              <m:e>
+                                <m:r>
+                                  <m:rPr>
+                                    <m:brk m:alnAt="7"/>
+                                  </m:rPr>
+                                  <a:rPr lang="en-US" altLang="ko-KR" sz="1400" b="0" i="1" smtClean="0">
+                                    <a:latin typeface="Cambria Math"/>
+                                  </a:rPr>
+                                  <m:t>2</m:t>
+                                </m:r>
+                              </m:e>
+                            </m:mr>
+                            <m:mr>
+                              <m:e>
+                                <m:r>
+                                  <a:rPr lang="en-US" altLang="ko-KR" sz="1400" b="0" i="1" smtClean="0">
+                                    <a:latin typeface="Cambria Math"/>
+                                  </a:rPr>
+                                  <m:t>4</m:t>
+                                </m:r>
+                              </m:e>
+                            </m:mr>
+                          </m:m>
+                        </m:e>
+                      </m:d>
+                    </m:oMath>
+                  </m:oMathPara>
+                </a14:m>
+                <a:endParaRPr lang="ko-KR" altLang="en-US" sz="1400" dirty="0"/>
+              </a:p>
+            </p:txBody>
+          </p:sp>
+        </mc:Choice>
+        <mc:Fallback xmlns="">
+          <p:sp>
+            <p:nvSpPr>
+              <p:cNvPr id="5" name="TextBox 4"/>
+              <p:cNvSpPr txBox="1">
+                <a:spLocks noRot="1" noChangeAspect="1" noMove="1" noResize="1" noEditPoints="1" noAdjustHandles="1" noChangeArrowheads="1" noChangeShapeType="1" noTextEdit="1"/>
+              </p:cNvSpPr>
+              <p:nvPr/>
+            </p:nvSpPr>
+            <p:spPr>
+              <a:xfrm>
+                <a:off x="5292080" y="1735331"/>
+                <a:ext cx="477758" cy="450188"/>
+              </a:xfrm>
+              <a:prstGeom prst="rect">
+                <a:avLst/>
+              </a:prstGeom>
+              <a:blipFill rotWithShape="1">
+                <a:blip r:embed="rId3"/>
+                <a:stretch>
+                  <a:fillRect b="-2703"/>
+                </a:stretch>
+              </a:blipFill>
+            </p:spPr>
+            <p:txBody>
+              <a:bodyPr/>
+              <a:lstStyle/>
+              <a:p>
+                <a:r>
+                  <a:rPr lang="ko-KR" altLang="en-US">
+                    <a:noFill/>
+                  </a:rPr>
+                  <a:t> </a:t>
+                </a:r>
+              </a:p>
+            </p:txBody>
+          </p:sp>
+        </mc:Fallback>
+      </mc:AlternateContent>
+      <mc:AlternateContent xmlns:mc="http://schemas.openxmlformats.org/markup-compatibility/2006" xmlns:a14="http://schemas.microsoft.com/office/drawing/2010/main">
+        <mc:Choice Requires="a14">
+          <p:sp>
+            <p:nvSpPr>
+              <p:cNvPr id="6" name="TextBox 5"/>
+              <p:cNvSpPr txBox="1"/>
+              <p:nvPr/>
+            </p:nvSpPr>
+            <p:spPr>
+              <a:xfrm>
+                <a:off x="3059832" y="1434309"/>
+                <a:ext cx="1284134" cy="501356"/>
+              </a:xfrm>
+              <a:prstGeom prst="rect">
+                <a:avLst/>
+              </a:prstGeom>
+              <a:noFill/>
+            </p:spPr>
+            <p:txBody>
+              <a:bodyPr wrap="none" rtlCol="0">
+                <a:spAutoFit/>
+              </a:bodyPr>
+              <a:lstStyle/>
+              <a:p>
+                <a:pPr/>
+                <a14:m>
+                  <m:oMathPara xmlns:m="http://schemas.openxmlformats.org/officeDocument/2006/math">
+                    <m:oMathParaPr>
+                      <m:jc m:val="centerGroup"/>
+                    </m:oMathParaPr>
+                    <m:oMath xmlns:m="http://schemas.openxmlformats.org/officeDocument/2006/math">
+                      <m:r>
+                        <a:rPr lang="en-US" altLang="ko-KR" sz="1600" b="0" i="1" smtClean="0">
+                          <a:latin typeface="Cambria Math"/>
+                        </a:rPr>
+                        <m:t>𝐴</m:t>
+                      </m:r>
+                      <m:r>
+                        <a:rPr lang="en-US" altLang="ko-KR" sz="1600" b="0" i="1" smtClean="0">
+                          <a:latin typeface="Cambria Math"/>
+                        </a:rPr>
+                        <m:t>= </m:t>
+                      </m:r>
+                      <m:d>
+                        <m:dPr>
+                          <m:begChr m:val="["/>
+                          <m:endChr m:val="]"/>
+                          <m:ctrlPr>
+                            <a:rPr lang="en-US" altLang="ko-KR" sz="1600" b="0" i="1" smtClean="0">
+                              <a:latin typeface="Cambria Math" panose="02040503050406030204" pitchFamily="18" charset="0"/>
+                            </a:rPr>
+                          </m:ctrlPr>
+                        </m:dPr>
+                        <m:e>
+                          <m:m>
+                            <m:mPr>
+                              <m:mcs>
+                                <m:mc>
+                                  <m:mcPr>
+                                    <m:count m:val="2"/>
+                                    <m:mcJc m:val="center"/>
+                                  </m:mcPr>
+                                </m:mc>
+                              </m:mcs>
+                              <m:ctrlPr>
+                                <a:rPr lang="en-US" altLang="ko-KR" sz="1600" b="0" i="1" smtClean="0">
+                                  <a:latin typeface="Cambria Math" panose="02040503050406030204" pitchFamily="18" charset="0"/>
+                                </a:rPr>
+                              </m:ctrlPr>
+                            </m:mPr>
+                            <m:mr>
+                              <m:e>
+                                <m:r>
+                                  <m:rPr>
+                                    <m:brk m:alnAt="7"/>
+                                  </m:rPr>
+                                  <a:rPr lang="en-US" altLang="ko-KR" sz="1600" b="0" i="1" smtClean="0">
+                                    <a:latin typeface="Cambria Math"/>
+                                  </a:rPr>
+                                  <m:t>2</m:t>
+                                </m:r>
+                              </m:e>
+                              <m:e>
+                                <m:r>
+                                  <a:rPr lang="en-US" altLang="ko-KR" sz="1600" b="0" i="1" smtClean="0">
+                                    <a:latin typeface="Cambria Math"/>
+                                  </a:rPr>
+                                  <m:t>1</m:t>
+                                </m:r>
+                              </m:e>
+                            </m:mr>
+                            <m:mr>
+                              <m:e>
+                                <m:r>
+                                  <a:rPr lang="en-US" altLang="ko-KR" sz="1600" b="0" i="1" smtClean="0">
+                                    <a:latin typeface="Cambria Math"/>
+                                  </a:rPr>
+                                  <m:t>4</m:t>
+                                </m:r>
+                              </m:e>
+                              <m:e>
+                                <m:r>
+                                  <a:rPr lang="en-US" altLang="ko-KR" sz="1600" b="0" i="1" smtClean="0">
+                                    <a:latin typeface="Cambria Math"/>
+                                  </a:rPr>
+                                  <m:t>2</m:t>
+                                </m:r>
+                              </m:e>
+                            </m:mr>
+                          </m:m>
+                        </m:e>
+                      </m:d>
+                    </m:oMath>
+                  </m:oMathPara>
+                </a14:m>
+                <a:endParaRPr lang="ko-KR" altLang="en-US" sz="1600" dirty="0"/>
+              </a:p>
+            </p:txBody>
+          </p:sp>
+        </mc:Choice>
+        <mc:Fallback xmlns="">
+          <p:sp>
+            <p:nvSpPr>
+              <p:cNvPr id="6" name="TextBox 5"/>
+              <p:cNvSpPr txBox="1">
+                <a:spLocks noRot="1" noChangeAspect="1" noMove="1" noResize="1" noEditPoints="1" noAdjustHandles="1" noChangeArrowheads="1" noChangeShapeType="1" noTextEdit="1"/>
+              </p:cNvSpPr>
+              <p:nvPr/>
+            </p:nvSpPr>
+            <p:spPr>
+              <a:xfrm>
+                <a:off x="3059832" y="1434309"/>
+                <a:ext cx="1284134" cy="501356"/>
+              </a:xfrm>
+              <a:prstGeom prst="rect">
+                <a:avLst/>
+              </a:prstGeom>
+              <a:blipFill rotWithShape="1">
+                <a:blip r:embed="rId4"/>
+                <a:stretch>
+                  <a:fillRect b="-2410"/>
+                </a:stretch>
+              </a:blipFill>
+            </p:spPr>
+            <p:txBody>
+              <a:bodyPr/>
+              <a:lstStyle/>
+              <a:p>
+                <a:r>
+                  <a:rPr lang="ko-KR" altLang="en-US">
+                    <a:noFill/>
+                  </a:rPr>
+                  <a:t> </a:t>
+                </a:r>
+              </a:p>
+            </p:txBody>
+          </p:sp>
+        </mc:Fallback>
+      </mc:AlternateContent>
+      <mc:AlternateContent xmlns:mc="http://schemas.openxmlformats.org/markup-compatibility/2006">
+        <mc:Choice xmlns:a14="http://schemas.microsoft.com/office/drawing/2010/main" Requires="a14">
+          <p:sp>
+            <p:nvSpPr>
+              <p:cNvPr id="7" name="TextBox 6"/>
+              <p:cNvSpPr txBox="1"/>
+              <p:nvPr/>
+            </p:nvSpPr>
+            <p:spPr>
+              <a:xfrm>
+                <a:off x="2290763" y="3735665"/>
+                <a:ext cx="1662571" cy="646331"/>
+              </a:xfrm>
+              <a:prstGeom prst="rect">
+                <a:avLst/>
+              </a:prstGeom>
+              <a:noFill/>
+            </p:spPr>
+            <p:txBody>
+              <a:bodyPr wrap="none" rtlCol="0">
+                <a:spAutoFit/>
+              </a:bodyPr>
+              <a:lstStyle/>
+              <a:p>
+                <a:r>
+                  <a:rPr lang="en-US" altLang="ko-KR" dirty="0"/>
+                  <a:t>Column space</a:t>
+                </a:r>
+              </a:p>
+              <a:p>
+                <a:r>
+                  <a:rPr lang="en-US" altLang="ko-KR" dirty="0"/>
+                  <a:t>of matrix </a:t>
+                </a:r>
+                <a14:m>
+                  <m:oMath xmlns:m="http://schemas.openxmlformats.org/officeDocument/2006/math">
+                    <m:r>
+                      <a:rPr lang="en-US" altLang="ko-KR" i="1" dirty="0" smtClean="0">
+                        <a:latin typeface="Cambria Math" panose="02040503050406030204" pitchFamily="18" charset="0"/>
+                      </a:rPr>
+                      <m:t>𝐴</m:t>
+                    </m:r>
+                  </m:oMath>
+                </a14:m>
+                <a:endParaRPr lang="ko-KR" altLang="en-US" dirty="0"/>
+              </a:p>
+            </p:txBody>
+          </p:sp>
+        </mc:Choice>
+        <mc:Fallback>
+          <p:sp>
+            <p:nvSpPr>
+              <p:cNvPr id="7" name="TextBox 6"/>
+              <p:cNvSpPr txBox="1">
+                <a:spLocks noRot="1" noChangeAspect="1" noMove="1" noResize="1" noEditPoints="1" noAdjustHandles="1" noChangeArrowheads="1" noChangeShapeType="1" noTextEdit="1"/>
+              </p:cNvSpPr>
+              <p:nvPr/>
+            </p:nvSpPr>
+            <p:spPr>
+              <a:xfrm>
+                <a:off x="2290763" y="3735665"/>
+                <a:ext cx="1662571" cy="646331"/>
+              </a:xfrm>
+              <a:prstGeom prst="rect">
+                <a:avLst/>
+              </a:prstGeom>
+              <a:blipFill>
+                <a:blip r:embed="rId5"/>
+                <a:stretch>
+                  <a:fillRect l="-3297" t="-5660" r="-2198" b="-14151"/>
+                </a:stretch>
+              </a:blipFill>
+            </p:spPr>
+            <p:txBody>
+              <a:bodyPr/>
+              <a:lstStyle/>
+              <a:p>
+                <a:r>
+                  <a:rPr lang="en-US">
+                    <a:noFill/>
+                  </a:rPr>
+                  <a:t> </a:t>
+                </a:r>
+              </a:p>
+            </p:txBody>
+          </p:sp>
+        </mc:Fallback>
+      </mc:AlternateContent>
+      <p:cxnSp>
+        <p:nvCxnSpPr>
+          <p:cNvPr id="8" name="직선 화살표 연결선 7"/>
+          <p:cNvCxnSpPr>
+            <a:stCxn id="7" idx="2"/>
+          </p:cNvCxnSpPr>
+          <p:nvPr/>
+        </p:nvCxnSpPr>
+        <p:spPr>
+          <a:xfrm>
+            <a:off x="3122049" y="4381996"/>
+            <a:ext cx="861878" cy="258414"/>
+          </a:xfrm>
+          <a:prstGeom prst="straightConnector1">
+            <a:avLst/>
+          </a:prstGeom>
+          <a:ln w="28575">
+            <a:solidFill>
+              <a:schemeClr val="tx1"/>
+            </a:solidFill>
+            <a:prstDash val="dash"/>
+            <a:tailEnd type="arrow"/>
+          </a:ln>
+        </p:spPr>
+        <p:style>
+          <a:lnRef idx="1">
+            <a:schemeClr val="accent1"/>
+          </a:lnRef>
+          <a:fillRef idx="0">
+            <a:schemeClr val="accent1"/>
+          </a:fillRef>
+          <a:effectRef idx="0">
+            <a:schemeClr val="accent1"/>
+          </a:effectRef>
+          <a:fontRef idx="minor">
+            <a:schemeClr val="tx1"/>
+          </a:fontRef>
+        </p:style>
+      </p:cxnSp>
+      <mc:AlternateContent xmlns:mc="http://schemas.openxmlformats.org/markup-compatibility/2006" xmlns:a14="http://schemas.microsoft.com/office/drawing/2010/main">
+        <mc:Choice Requires="a14">
+          <p:sp>
+            <p:nvSpPr>
+              <p:cNvPr id="9" name="TextBox 8"/>
+              <p:cNvSpPr txBox="1"/>
+              <p:nvPr/>
+            </p:nvSpPr>
+            <p:spPr>
+              <a:xfrm>
+                <a:off x="4958338" y="2564904"/>
+                <a:ext cx="477758" cy="450188"/>
+              </a:xfrm>
+              <a:prstGeom prst="rect">
+                <a:avLst/>
+              </a:prstGeom>
+              <a:noFill/>
+            </p:spPr>
+            <p:txBody>
+              <a:bodyPr wrap="none" rtlCol="0">
+                <a:spAutoFit/>
+              </a:bodyPr>
+              <a:lstStyle/>
+              <a:p>
+                <a:pPr/>
+                <a14:m>
+                  <m:oMathPara xmlns:m="http://schemas.openxmlformats.org/officeDocument/2006/math">
+                    <m:oMathParaPr>
+                      <m:jc m:val="centerGroup"/>
+                    </m:oMathParaPr>
+                    <m:oMath xmlns:m="http://schemas.openxmlformats.org/officeDocument/2006/math">
+                      <m:d>
+                        <m:dPr>
+                          <m:begChr m:val="["/>
+                          <m:endChr m:val="]"/>
+                          <m:ctrlPr>
+                            <a:rPr lang="en-US" altLang="ko-KR" sz="1400" i="1" smtClean="0">
+                              <a:latin typeface="Cambria Math" panose="02040503050406030204" pitchFamily="18" charset="0"/>
+                            </a:rPr>
+                          </m:ctrlPr>
+                        </m:dPr>
+                        <m:e>
+                          <m:m>
+                            <m:mPr>
+                              <m:mcs>
+                                <m:mc>
+                                  <m:mcPr>
+                                    <m:count m:val="1"/>
+                                    <m:mcJc m:val="center"/>
+                                  </m:mcPr>
+                                </m:mc>
+                              </m:mcs>
+                              <m:ctrlPr>
+                                <a:rPr lang="en-US" altLang="ko-KR" sz="1400" i="1" smtClean="0">
+                                  <a:latin typeface="Cambria Math" panose="02040503050406030204" pitchFamily="18" charset="0"/>
+                                </a:rPr>
+                              </m:ctrlPr>
+                            </m:mPr>
+                            <m:mr>
+                              <m:e>
+                                <m:r>
+                                  <m:rPr>
+                                    <m:brk m:alnAt="7"/>
+                                  </m:rPr>
+                                  <a:rPr lang="en-US" altLang="ko-KR" sz="1400" b="0" i="1" smtClean="0">
+                                    <a:latin typeface="Cambria Math"/>
+                                  </a:rPr>
+                                  <m:t>1</m:t>
+                                </m:r>
+                              </m:e>
+                            </m:mr>
+                            <m:mr>
+                              <m:e>
+                                <m:r>
+                                  <a:rPr lang="en-US" altLang="ko-KR" sz="1400" b="0" i="1" smtClean="0">
+                                    <a:latin typeface="Cambria Math"/>
+                                  </a:rPr>
+                                  <m:t>2</m:t>
+                                </m:r>
+                              </m:e>
+                            </m:mr>
+                          </m:m>
+                        </m:e>
+                      </m:d>
+                    </m:oMath>
+                  </m:oMathPara>
+                </a14:m>
+                <a:endParaRPr lang="ko-KR" altLang="en-US" sz="1400" dirty="0"/>
+              </a:p>
+            </p:txBody>
+          </p:sp>
+        </mc:Choice>
+        <mc:Fallback xmlns="">
+          <p:sp>
+            <p:nvSpPr>
+              <p:cNvPr id="9" name="TextBox 8"/>
+              <p:cNvSpPr txBox="1">
+                <a:spLocks noRot="1" noChangeAspect="1" noMove="1" noResize="1" noEditPoints="1" noAdjustHandles="1" noChangeArrowheads="1" noChangeShapeType="1" noTextEdit="1"/>
+              </p:cNvSpPr>
+              <p:nvPr/>
+            </p:nvSpPr>
+            <p:spPr>
+              <a:xfrm>
+                <a:off x="4958338" y="2564904"/>
+                <a:ext cx="477758" cy="450188"/>
+              </a:xfrm>
+              <a:prstGeom prst="rect">
+                <a:avLst/>
+              </a:prstGeom>
+              <a:blipFill rotWithShape="1">
+                <a:blip r:embed="rId6"/>
+                <a:stretch>
+                  <a:fillRect b="-2703"/>
+                </a:stretch>
+              </a:blipFill>
+            </p:spPr>
+            <p:txBody>
+              <a:bodyPr/>
+              <a:lstStyle/>
+              <a:p>
+                <a:r>
+                  <a:rPr lang="ko-KR" altLang="en-US">
+                    <a:noFill/>
+                  </a:rPr>
+                  <a:t> </a:t>
+                </a:r>
+              </a:p>
+            </p:txBody>
+          </p:sp>
+        </mc:Fallback>
+      </mc:AlternateContent>
+      <mc:AlternateContent xmlns:mc="http://schemas.openxmlformats.org/markup-compatibility/2006">
+        <mc:Choice xmlns:a14="http://schemas.microsoft.com/office/drawing/2010/main" Requires="a14">
+          <p:sp>
+            <p:nvSpPr>
+              <p:cNvPr id="10" name="TextBox 9"/>
+              <p:cNvSpPr txBox="1"/>
+              <p:nvPr/>
+            </p:nvSpPr>
+            <p:spPr>
+              <a:xfrm>
+                <a:off x="4985584" y="4640410"/>
+                <a:ext cx="1705532" cy="646331"/>
+              </a:xfrm>
+              <a:prstGeom prst="rect">
+                <a:avLst/>
+              </a:prstGeom>
+              <a:noFill/>
+            </p:spPr>
+            <p:txBody>
+              <a:bodyPr wrap="none" rtlCol="0">
+                <a:spAutoFit/>
+              </a:bodyPr>
+              <a:lstStyle/>
+              <a:p>
+                <a:r>
+                  <a:rPr lang="en-US" altLang="ko-KR" dirty="0"/>
+                  <a:t>Left nullspace </a:t>
+                </a:r>
+              </a:p>
+              <a:p>
+                <a:r>
+                  <a:rPr lang="en-US" altLang="ko-KR" dirty="0"/>
+                  <a:t>of matrix </a:t>
+                </a:r>
+                <a14:m>
+                  <m:oMath xmlns:m="http://schemas.openxmlformats.org/officeDocument/2006/math">
+                    <m:r>
+                      <a:rPr lang="en-US" altLang="ko-KR" i="1" dirty="0" smtClean="0">
+                        <a:latin typeface="Cambria Math" panose="02040503050406030204" pitchFamily="18" charset="0"/>
+                      </a:rPr>
+                      <m:t>𝐴</m:t>
+                    </m:r>
+                  </m:oMath>
+                </a14:m>
+                <a:endParaRPr lang="ko-KR" altLang="en-US" dirty="0"/>
+              </a:p>
+            </p:txBody>
+          </p:sp>
+        </mc:Choice>
+        <mc:Fallback>
+          <p:sp>
+            <p:nvSpPr>
+              <p:cNvPr id="10" name="TextBox 9"/>
+              <p:cNvSpPr txBox="1">
+                <a:spLocks noRot="1" noChangeAspect="1" noMove="1" noResize="1" noEditPoints="1" noAdjustHandles="1" noChangeArrowheads="1" noChangeShapeType="1" noTextEdit="1"/>
+              </p:cNvSpPr>
+              <p:nvPr/>
+            </p:nvSpPr>
+            <p:spPr>
+              <a:xfrm>
+                <a:off x="4985584" y="4640410"/>
+                <a:ext cx="1705532" cy="646331"/>
+              </a:xfrm>
+              <a:prstGeom prst="rect">
+                <a:avLst/>
+              </a:prstGeom>
+              <a:blipFill>
+                <a:blip r:embed="rId7"/>
+                <a:stretch>
+                  <a:fillRect l="-3214" t="-4717" r="-1786" b="-14151"/>
+                </a:stretch>
+              </a:blipFill>
+            </p:spPr>
+            <p:txBody>
+              <a:bodyPr/>
+              <a:lstStyle/>
+              <a:p>
+                <a:r>
+                  <a:rPr lang="en-US">
+                    <a:noFill/>
+                  </a:rPr>
+                  <a:t> </a:t>
+                </a:r>
+              </a:p>
+            </p:txBody>
+          </p:sp>
+        </mc:Fallback>
+      </mc:AlternateContent>
+      <p:cxnSp>
+        <p:nvCxnSpPr>
+          <p:cNvPr id="11" name="직선 화살표 연결선 10"/>
+          <p:cNvCxnSpPr/>
+          <p:nvPr/>
+        </p:nvCxnSpPr>
+        <p:spPr>
+          <a:xfrm flipV="1">
+            <a:off x="5660703" y="3920331"/>
+            <a:ext cx="0" cy="672478"/>
+          </a:xfrm>
+          <a:prstGeom prst="straightConnector1">
+            <a:avLst/>
+          </a:prstGeom>
+          <a:ln w="28575">
+            <a:solidFill>
+              <a:schemeClr val="tx1"/>
+            </a:solidFill>
+            <a:prstDash val="dash"/>
+            <a:tailEnd type="arrow"/>
+          </a:ln>
+        </p:spPr>
+        <p:style>
+          <a:lnRef idx="1">
+            <a:schemeClr val="accent1"/>
+          </a:lnRef>
+          <a:fillRef idx="0">
+            <a:schemeClr val="accent1"/>
+          </a:fillRef>
+          <a:effectRef idx="0">
+            <a:schemeClr val="accent1"/>
+          </a:effectRef>
+          <a:fontRef idx="minor">
+            <a:schemeClr val="tx1"/>
+          </a:fontRef>
+        </p:style>
+      </p:cxnSp>
+    </p:spTree>
+    <p:extLst>
+      <p:ext uri="{BB962C8B-B14F-4D97-AF65-F5344CB8AC3E}">
+        <p14:creationId xmlns:p14="http://schemas.microsoft.com/office/powerpoint/2010/main" val="2774265333"/>
+      </p:ext>
+    </p:extLst>
+  </p:cSld>
+  <p:clrMapOvr>
+    <a:masterClrMapping/>
+  </p:clrMapOvr>
+</p:sld>
+</file>
+
+<file path=ppt/slides/slide2.xml><?xml version="1.0" encoding="utf-8"?>
+<p:sld xmlns:a="http://schemas.openxmlformats.org/drawingml/2006/main" xmlns:r="http://schemas.openxmlformats.org/officeDocument/2006/relationships" xmlns:p="http://schemas.openxmlformats.org/presentationml/2006/main">
+  <p:cSld>
+    <p:spTree>
+      <p:nvGrpSpPr>
+        <p:cNvPr id="1" name=""/>
+        <p:cNvGrpSpPr/>
+        <p:nvPr/>
+      </p:nvGrpSpPr>
+      <p:grpSpPr>
+        <a:xfrm>
+          <a:off x="0" y="0"/>
+          <a:ext cx="0" cy="0"/>
+          <a:chOff x="0" y="0"/>
+          <a:chExt cx="0" cy="0"/>
+        </a:xfrm>
+      </p:grpSpPr>
+      <p:pic>
+        <p:nvPicPr>
+          <p:cNvPr id="3075" name="Picture 3"/>
+          <p:cNvPicPr>
+            <a:picLocks noChangeAspect="1" noChangeArrowheads="1"/>
+          </p:cNvPicPr>
+          <p:nvPr/>
+        </p:nvPicPr>
+        <p:blipFill>
+          <a:blip r:embed="rId2">
+            <a:extLst>
+              <a:ext uri="{28A0092B-C50C-407E-A947-70E740481C1C}">
+                <a14:useLocalDpi xmlns:a14="http://schemas.microsoft.com/office/drawing/2010/main" val="0"/>
+              </a:ext>
+            </a:extLst>
+          </a:blip>
+          <a:srcRect/>
+          <a:stretch>
+            <a:fillRect/>
+          </a:stretch>
+        </p:blipFill>
+        <p:spPr bwMode="auto">
+          <a:xfrm>
+            <a:off x="575556" y="1052736"/>
+            <a:ext cx="3852428" cy="3852428"/>
+          </a:xfrm>
+          <a:prstGeom prst="rect">
+            <a:avLst/>
+          </a:prstGeom>
+          <a:noFill/>
+          <a:ln>
+            <a:noFill/>
+          </a:ln>
+          <a:effectLst/>
+          <a:extLst>
+            <a:ext uri="{909E8E84-426E-40DD-AFC4-6F175D3DCCD1}">
+              <a14:hiddenFill xmlns:a14="http://schemas.microsoft.com/office/drawing/2010/main">
+                <a:solidFill>
+                  <a:schemeClr val="accent1"/>
+                </a:solidFill>
+              </a14:hiddenFill>
+            </a:ext>
+            <a:ext uri="{91240B29-F687-4F45-9708-019B960494DF}">
+              <a14:hiddenLine xmlns:a14="http://schemas.microsoft.com/office/drawing/2010/main" w="9525">
+                <a:solidFill>
+                  <a:schemeClr val="tx1"/>
+                </a:solidFill>
+                <a:miter lim="800000"/>
+                <a:headEnd/>
+                <a:tailEnd/>
+              </a14:hiddenLine>
+            </a:ext>
+            <a:ext uri="{AF507438-7753-43E0-B8FC-AC1667EBCBE1}">
+              <a14:hiddenEffects xmlns:a14="http://schemas.microsoft.com/office/drawing/2010/main">
+                <a:effectLst>
+                  <a:outerShdw dist="35921" dir="2700000" algn="ctr" rotWithShape="0">
+                    <a:schemeClr val="bg2"/>
+                  </a:outerShdw>
+                </a:effectLst>
+              </a14:hiddenEffects>
+            </a:ext>
+          </a:extLst>
+        </p:spPr>
+      </p:pic>
+      <p:pic>
+        <p:nvPicPr>
+          <p:cNvPr id="3076" name="Picture 4"/>
+          <p:cNvPicPr>
+            <a:picLocks noChangeAspect="1" noChangeArrowheads="1"/>
+          </p:cNvPicPr>
+          <p:nvPr/>
+        </p:nvPicPr>
+        <p:blipFill>
+          <a:blip r:embed="rId3">
+            <a:extLst>
+              <a:ext uri="{28A0092B-C50C-407E-A947-70E740481C1C}">
+                <a14:useLocalDpi xmlns:a14="http://schemas.microsoft.com/office/drawing/2010/main" val="0"/>
+              </a:ext>
+            </a:extLst>
+          </a:blip>
+          <a:srcRect/>
+          <a:stretch>
+            <a:fillRect/>
+          </a:stretch>
+        </p:blipFill>
+        <p:spPr bwMode="auto">
+          <a:xfrm>
+            <a:off x="4744774" y="1052736"/>
+            <a:ext cx="3852428" cy="3852428"/>
+          </a:xfrm>
+          <a:prstGeom prst="rect">
+            <a:avLst/>
+          </a:prstGeom>
+          <a:noFill/>
+          <a:ln>
+            <a:noFill/>
+          </a:ln>
+          <a:effectLst/>
+          <a:extLst>
+            <a:ext uri="{909E8E84-426E-40DD-AFC4-6F175D3DCCD1}">
+              <a14:hiddenFill xmlns:a14="http://schemas.microsoft.com/office/drawing/2010/main">
+                <a:solidFill>
+                  <a:schemeClr val="accent1"/>
+                </a:solidFill>
+              </a14:hiddenFill>
+            </a:ext>
+            <a:ext uri="{91240B29-F687-4F45-9708-019B960494DF}">
+              <a14:hiddenLine xmlns:a14="http://schemas.microsoft.com/office/drawing/2010/main" w="9525">
+                <a:solidFill>
+                  <a:schemeClr val="tx1"/>
+                </a:solidFill>
+                <a:miter lim="800000"/>
+                <a:headEnd/>
+                <a:tailEnd/>
+              </a14:hiddenLine>
+            </a:ext>
+            <a:ext uri="{AF507438-7753-43E0-B8FC-AC1667EBCBE1}">
+              <a14:hiddenEffects xmlns:a14="http://schemas.microsoft.com/office/drawing/2010/main">
+                <a:effectLst>
+                  <a:outerShdw dist="35921" dir="2700000" algn="ctr" rotWithShape="0">
+                    <a:schemeClr val="bg2"/>
+                  </a:outerShdw>
+                </a:effectLst>
+              </a14:hiddenEffects>
+            </a:ext>
+          </a:extLst>
+        </p:spPr>
+      </p:pic>
+      <mc:AlternateContent xmlns:mc="http://schemas.openxmlformats.org/markup-compatibility/2006">
+        <mc:Choice xmlns:a14="http://schemas.microsoft.com/office/drawing/2010/main" Requires="a14">
+          <p:sp>
+            <p:nvSpPr>
+              <p:cNvPr id="13" name="TextBox 12"/>
+              <p:cNvSpPr txBox="1"/>
+              <p:nvPr/>
+            </p:nvSpPr>
+            <p:spPr>
+              <a:xfrm>
+                <a:off x="574487" y="4766499"/>
+                <a:ext cx="3852428" cy="1077218"/>
+              </a:xfrm>
+              <a:prstGeom prst="rect">
+                <a:avLst/>
+              </a:prstGeom>
+              <a:noFill/>
+            </p:spPr>
+            <p:txBody>
+              <a:bodyPr wrap="square" rtlCol="0">
+                <a:spAutoFit/>
+              </a:bodyPr>
+              <a:lstStyle/>
+              <a:p>
+                <a:pPr algn="ctr"/>
+                <a:r>
+                  <a:rPr lang="en-US" sz="1600" b="1" i="0" u="sng" dirty="0">
+                    <a:solidFill>
+                      <a:srgbClr val="374151"/>
+                    </a:solidFill>
+                    <a:effectLst/>
+                    <a:latin typeface="Söhne"/>
+                  </a:rPr>
+                  <a:t>A Line Passing Through the Origin</a:t>
+                </a:r>
+              </a:p>
+              <a:p>
+                <a:pPr algn="ctr"/>
+                <a:r>
+                  <a:rPr lang="en-US" sz="1600" b="0" i="0" dirty="0">
+                    <a:solidFill>
+                      <a:srgbClr val="374151"/>
+                    </a:solidFill>
+                    <a:effectLst/>
+                    <a:latin typeface="Söhne"/>
+                  </a:rPr>
+                  <a:t>The addition and scalar multiplication of </a:t>
+                </a:r>
+                <a:br>
+                  <a:rPr lang="en-US" sz="1600" b="0" i="0" dirty="0">
+                    <a:solidFill>
+                      <a:srgbClr val="374151"/>
+                    </a:solidFill>
+                    <a:effectLst/>
+                    <a:latin typeface="Söhne"/>
+                  </a:rPr>
+                </a:br>
+                <a:r>
+                  <a:rPr lang="en-US" sz="1600" b="0" i="0" dirty="0">
+                    <a:solidFill>
+                      <a:srgbClr val="374151"/>
+                    </a:solidFill>
+                    <a:effectLst/>
+                    <a:latin typeface="Söhne"/>
+                  </a:rPr>
+                  <a:t>two vectors are closed within the line. </a:t>
+                </a:r>
+              </a:p>
+              <a:p>
+                <a:pPr algn="ctr"/>
+                <a:r>
+                  <a:rPr lang="en-US" altLang="ko-KR" sz="1600" dirty="0">
+                    <a:latin typeface="제주고딕" pitchFamily="2" charset="-127"/>
+                    <a:ea typeface="제주고딕" pitchFamily="2" charset="-127"/>
+                    <a:sym typeface="Wingdings" pitchFamily="2" charset="2"/>
+                  </a:rPr>
+                  <a:t> </a:t>
+                </a:r>
+                <a:r>
+                  <a:rPr lang="en-US" sz="1600" b="0" i="0" dirty="0">
+                    <a:solidFill>
+                      <a:srgbClr val="374151"/>
+                    </a:solidFill>
+                    <a:effectLst/>
+                    <a:latin typeface="Söhne"/>
+                  </a:rPr>
+                  <a:t>This is a subspace of the vector space </a:t>
+                </a:r>
+                <a14:m>
+                  <m:oMath xmlns:m="http://schemas.openxmlformats.org/officeDocument/2006/math">
+                    <m:sSup>
+                      <m:sSupPr>
+                        <m:ctrlPr>
+                          <a:rPr lang="en-US" altLang="ko-KR" sz="1600" b="0" i="1" smtClean="0">
+                            <a:latin typeface="Cambria Math" panose="02040503050406030204" pitchFamily="18" charset="0"/>
+                            <a:ea typeface="Cambria Math"/>
+                            <a:sym typeface="Wingdings" pitchFamily="2" charset="2"/>
+                          </a:rPr>
+                        </m:ctrlPr>
+                      </m:sSupPr>
+                      <m:e>
+                        <m:r>
+                          <a:rPr lang="en-US" altLang="ko-KR" sz="1600" i="1" smtClean="0">
+                            <a:latin typeface="Cambria Math"/>
+                            <a:ea typeface="Cambria Math"/>
+                            <a:sym typeface="Wingdings" pitchFamily="2" charset="2"/>
+                          </a:rPr>
+                          <m:t>ℝ</m:t>
+                        </m:r>
+                      </m:e>
+                      <m:sup>
+                        <m:r>
+                          <a:rPr lang="en-US" altLang="ko-KR" sz="1600" b="0" i="1" smtClean="0">
+                            <a:latin typeface="Cambria Math"/>
+                            <a:ea typeface="Cambria Math"/>
+                            <a:sym typeface="Wingdings" pitchFamily="2" charset="2"/>
+                          </a:rPr>
+                          <m:t>2</m:t>
+                        </m:r>
+                      </m:sup>
+                    </m:sSup>
+                  </m:oMath>
+                </a14:m>
+                <a:endParaRPr lang="en-US" sz="1600" b="0" i="0" dirty="0">
+                  <a:solidFill>
+                    <a:srgbClr val="374151"/>
+                  </a:solidFill>
+                  <a:effectLst/>
+                  <a:latin typeface="Söhne"/>
+                </a:endParaRPr>
+              </a:p>
+            </p:txBody>
+          </p:sp>
+        </mc:Choice>
+        <mc:Fallback>
+          <p:sp>
+            <p:nvSpPr>
+              <p:cNvPr id="13" name="TextBox 12"/>
+              <p:cNvSpPr txBox="1">
+                <a:spLocks noRot="1" noChangeAspect="1" noMove="1" noResize="1" noEditPoints="1" noAdjustHandles="1" noChangeArrowheads="1" noChangeShapeType="1" noTextEdit="1"/>
+              </p:cNvSpPr>
+              <p:nvPr/>
+            </p:nvSpPr>
+            <p:spPr>
+              <a:xfrm>
+                <a:off x="574487" y="4766499"/>
+                <a:ext cx="3852428" cy="1077218"/>
+              </a:xfrm>
+              <a:prstGeom prst="rect">
+                <a:avLst/>
+              </a:prstGeom>
+              <a:blipFill>
+                <a:blip r:embed="rId4"/>
+                <a:stretch>
+                  <a:fillRect l="-633" t="-1695" b="-6780"/>
+                </a:stretch>
+              </a:blipFill>
+            </p:spPr>
+            <p:txBody>
+              <a:bodyPr/>
+              <a:lstStyle/>
+              <a:p>
+                <a:r>
+                  <a:rPr lang="en-US">
+                    <a:noFill/>
+                  </a:rPr>
+                  <a:t> </a:t>
+                </a:r>
+              </a:p>
+            </p:txBody>
+          </p:sp>
+        </mc:Fallback>
+      </mc:AlternateContent>
+      <mc:AlternateContent xmlns:mc="http://schemas.openxmlformats.org/markup-compatibility/2006">
+        <mc:Choice xmlns:a14="http://schemas.microsoft.com/office/drawing/2010/main" Requires="a14">
+          <p:sp>
+            <p:nvSpPr>
+              <p:cNvPr id="17" name="TextBox 16"/>
+              <p:cNvSpPr txBox="1"/>
+              <p:nvPr/>
+            </p:nvSpPr>
+            <p:spPr>
+              <a:xfrm>
+                <a:off x="4564754" y="4766499"/>
+                <a:ext cx="4212468" cy="1569660"/>
+              </a:xfrm>
+              <a:prstGeom prst="rect">
+                <a:avLst/>
+              </a:prstGeom>
+              <a:noFill/>
+            </p:spPr>
+            <p:txBody>
+              <a:bodyPr wrap="square" rtlCol="0">
+                <a:spAutoFit/>
+              </a:bodyPr>
+              <a:lstStyle/>
+              <a:p>
+                <a:pPr algn="ctr"/>
+                <a:r>
+                  <a:rPr lang="en-US" sz="1600" b="1" i="0" u="sng" dirty="0">
+                    <a:solidFill>
+                      <a:srgbClr val="374151"/>
+                    </a:solidFill>
+                    <a:effectLst/>
+                    <a:latin typeface="Söhne"/>
+                  </a:rPr>
+                  <a:t>A line that does not pass through the origin</a:t>
+                </a:r>
+                <a:endParaRPr lang="en-US" altLang="ko-KR" sz="1600" b="1" u="sng" dirty="0">
+                  <a:latin typeface="제주고딕" pitchFamily="2" charset="-127"/>
+                  <a:ea typeface="제주고딕" pitchFamily="2" charset="-127"/>
+                </a:endParaRPr>
+              </a:p>
+              <a:p>
+                <a:pPr algn="ctr"/>
+                <a:r>
+                  <a:rPr lang="en-US" sz="1600" b="0" i="0" dirty="0">
+                    <a:solidFill>
+                      <a:srgbClr val="374151"/>
+                    </a:solidFill>
+                    <a:effectLst/>
+                    <a:latin typeface="Söhne"/>
+                  </a:rPr>
+                  <a:t>The addition and scalar multiplication of </a:t>
+                </a:r>
+                <a:br>
+                  <a:rPr lang="en-US" sz="1600" b="0" i="0" dirty="0">
+                    <a:solidFill>
+                      <a:srgbClr val="374151"/>
+                    </a:solidFill>
+                    <a:effectLst/>
+                    <a:latin typeface="Söhne"/>
+                  </a:rPr>
+                </a:br>
+                <a:r>
+                  <a:rPr lang="en-US" sz="1600" b="0" i="0" dirty="0">
+                    <a:solidFill>
+                      <a:srgbClr val="374151"/>
+                    </a:solidFill>
+                    <a:effectLst/>
+                    <a:latin typeface="Söhne"/>
+                  </a:rPr>
+                  <a:t>two vectors are not closed within the line, </a:t>
+                </a:r>
+                <a:br>
+                  <a:rPr lang="en-US" sz="1600" b="0" i="0" dirty="0">
+                    <a:solidFill>
+                      <a:srgbClr val="374151"/>
+                    </a:solidFill>
+                    <a:effectLst/>
+                    <a:latin typeface="Söhne"/>
+                  </a:rPr>
+                </a:br>
+                <a:r>
+                  <a:rPr lang="en-US" sz="1600" b="0" i="0" dirty="0">
+                    <a:solidFill>
+                      <a:srgbClr val="374151"/>
+                    </a:solidFill>
+                    <a:effectLst/>
+                    <a:latin typeface="Söhne"/>
+                  </a:rPr>
+                  <a:t>but rather extend outside of it. </a:t>
+                </a:r>
+              </a:p>
+              <a:p>
+                <a:pPr algn="ctr"/>
+                <a:r>
+                  <a:rPr lang="en-US" altLang="ko-KR" sz="1600" dirty="0">
+                    <a:latin typeface="제주고딕" pitchFamily="2" charset="-127"/>
+                    <a:ea typeface="제주고딕" pitchFamily="2" charset="-127"/>
+                    <a:sym typeface="Wingdings" pitchFamily="2" charset="2"/>
+                  </a:rPr>
+                  <a:t> </a:t>
+                </a:r>
+                <a:r>
+                  <a:rPr lang="en-US" sz="1600" b="0" i="0" dirty="0">
+                    <a:solidFill>
+                      <a:srgbClr val="374151"/>
+                    </a:solidFill>
+                    <a:effectLst/>
+                    <a:latin typeface="Söhne"/>
+                  </a:rPr>
+                  <a:t>This is not a subspace of the vector space </a:t>
+                </a:r>
+                <a14:m>
+                  <m:oMath xmlns:m="http://schemas.openxmlformats.org/officeDocument/2006/math">
+                    <m:sSup>
+                      <m:sSupPr>
+                        <m:ctrlPr>
+                          <a:rPr lang="en-US" altLang="ko-KR" sz="1600" b="0" i="1" smtClean="0">
+                            <a:latin typeface="Cambria Math" panose="02040503050406030204" pitchFamily="18" charset="0"/>
+                            <a:ea typeface="Cambria Math"/>
+                            <a:sym typeface="Wingdings" pitchFamily="2" charset="2"/>
+                          </a:rPr>
+                        </m:ctrlPr>
+                      </m:sSupPr>
+                      <m:e>
+                        <m:r>
+                          <a:rPr lang="en-US" altLang="ko-KR" sz="1600" i="1" smtClean="0">
+                            <a:latin typeface="Cambria Math"/>
+                            <a:ea typeface="Cambria Math"/>
+                            <a:sym typeface="Wingdings" pitchFamily="2" charset="2"/>
+                          </a:rPr>
+                          <m:t>ℝ</m:t>
+                        </m:r>
+                      </m:e>
+                      <m:sup>
+                        <m:r>
+                          <a:rPr lang="en-US" altLang="ko-KR" sz="1600" b="0" i="1" smtClean="0">
+                            <a:latin typeface="Cambria Math"/>
+                            <a:ea typeface="Cambria Math"/>
+                            <a:sym typeface="Wingdings" pitchFamily="2" charset="2"/>
+                          </a:rPr>
+                          <m:t>2</m:t>
+                        </m:r>
+                      </m:sup>
+                    </m:sSup>
+                  </m:oMath>
+                </a14:m>
+                <a:r>
+                  <a:rPr lang="en-US" sz="1600" b="0" i="0" dirty="0">
+                    <a:solidFill>
+                      <a:srgbClr val="374151"/>
+                    </a:solidFill>
+                    <a:effectLst/>
+                    <a:latin typeface="Söhne"/>
+                  </a:rPr>
+                  <a:t>.</a:t>
+                </a:r>
+                <a:endParaRPr lang="ko-KR" altLang="en-US" sz="1600" dirty="0">
+                  <a:latin typeface="제주고딕" pitchFamily="2" charset="-127"/>
+                  <a:ea typeface="제주고딕" pitchFamily="2" charset="-127"/>
+                </a:endParaRPr>
+              </a:p>
+            </p:txBody>
+          </p:sp>
+        </mc:Choice>
+        <mc:Fallback>
+          <p:sp>
+            <p:nvSpPr>
+              <p:cNvPr id="17" name="TextBox 16"/>
+              <p:cNvSpPr txBox="1">
+                <a:spLocks noRot="1" noChangeAspect="1" noMove="1" noResize="1" noEditPoints="1" noAdjustHandles="1" noChangeArrowheads="1" noChangeShapeType="1" noTextEdit="1"/>
+              </p:cNvSpPr>
+              <p:nvPr/>
+            </p:nvSpPr>
+            <p:spPr>
+              <a:xfrm>
+                <a:off x="4564754" y="4766499"/>
+                <a:ext cx="4212468" cy="1569660"/>
+              </a:xfrm>
+              <a:prstGeom prst="rect">
+                <a:avLst/>
+              </a:prstGeom>
+              <a:blipFill>
+                <a:blip r:embed="rId5"/>
+                <a:stretch>
+                  <a:fillRect l="-289" t="-778" b="-4669"/>
+                </a:stretch>
+              </a:blipFill>
+            </p:spPr>
+            <p:txBody>
+              <a:bodyPr/>
+              <a:lstStyle/>
+              <a:p>
+                <a:r>
+                  <a:rPr lang="en-US">
+                    <a:noFill/>
+                  </a:rPr>
+                  <a:t> </a:t>
+                </a:r>
+              </a:p>
+            </p:txBody>
+          </p:sp>
+        </mc:Fallback>
+      </mc:AlternateContent>
+    </p:spTree>
+    <p:extLst>
+      <p:ext uri="{BB962C8B-B14F-4D97-AF65-F5344CB8AC3E}">
         <p14:creationId xmlns:p14="http://schemas.microsoft.com/office/powerpoint/2010/main" val="1875721379"/>
       </p:ext>
     </p:extLst>
@@ -3527,7 +5586,7 @@
 </p:sld>
 </file>
 
-<file path=ppt/slides/slide2.xml><?xml version="1.0" encoding="utf-8"?>
+<file path=ppt/slides/slide3.xml><?xml version="1.0" encoding="utf-8"?>
 <p:sld xmlns:a="http://schemas.openxmlformats.org/drawingml/2006/main" xmlns:r="http://schemas.openxmlformats.org/officeDocument/2006/relationships" xmlns:p="http://schemas.openxmlformats.org/presentationml/2006/main">
   <p:cSld>
     <p:spTree>
@@ -3645,7 +5704,7 @@
                           <m:endChr m:val="]"/>
                           <m:ctrlPr>
                             <a:rPr lang="en-US" altLang="ko-KR" sz="1400" i="1" smtClean="0">
-                              <a:latin typeface="Cambria Math"/>
+                              <a:latin typeface="Cambria Math" panose="02040503050406030204" pitchFamily="18" charset="0"/>
                             </a:rPr>
                           </m:ctrlPr>
                         </m:dPr>
@@ -3662,7 +5721,7 @@
                               </m:mcs>
                               <m:ctrlPr>
                                 <a:rPr lang="en-US" altLang="ko-KR" sz="1400" i="1" smtClean="0">
-                                  <a:latin typeface="Cambria Math"/>
+                                  <a:latin typeface="Cambria Math" panose="02040503050406030204" pitchFamily="18" charset="0"/>
                                 </a:rPr>
                               </m:ctrlPr>
                             </m:mPr>
@@ -3774,7 +5833,7 @@
                           <m:endChr m:val="]"/>
                           <m:ctrlPr>
                             <a:rPr lang="en-US" altLang="ko-KR" sz="1400" i="1" smtClean="0">
-                              <a:latin typeface="Cambria Math"/>
+                              <a:latin typeface="Cambria Math" panose="02040503050406030204" pitchFamily="18" charset="0"/>
                             </a:rPr>
                           </m:ctrlPr>
                         </m:dPr>
@@ -3791,7 +5850,7 @@
                               </m:mcs>
                               <m:ctrlPr>
                                 <a:rPr lang="en-US" altLang="ko-KR" sz="1400" i="1" smtClean="0">
-                                  <a:latin typeface="Cambria Math"/>
+                                  <a:latin typeface="Cambria Math" panose="02040503050406030204" pitchFamily="18" charset="0"/>
                                 </a:rPr>
                               </m:ctrlPr>
                             </m:mPr>
@@ -3915,7 +5974,7 @@
                           <m:endChr m:val="]"/>
                           <m:ctrlPr>
                             <a:rPr lang="en-US" altLang="ko-KR" sz="1600" b="0" i="1" smtClean="0">
-                              <a:latin typeface="Cambria Math"/>
+                              <a:latin typeface="Cambria Math" panose="02040503050406030204" pitchFamily="18" charset="0"/>
                             </a:rPr>
                           </m:ctrlPr>
                         </m:dPr>
@@ -3932,7 +5991,7 @@
                               </m:mcs>
                               <m:ctrlPr>
                                 <a:rPr lang="en-US" altLang="ko-KR" sz="1600" b="0" i="1" smtClean="0">
-                                  <a:latin typeface="Cambria Math"/>
+                                  <a:latin typeface="Cambria Math" panose="02040503050406030204" pitchFamily="18" charset="0"/>
                                 </a:rPr>
                               </m:ctrlPr>
                             </m:mPr>
@@ -4050,7 +6109,7 @@
               <a:lstStyle/>
               <a:p>
                 <a:r>
-                  <a:rPr lang="ko-KR" altLang="en-US" dirty="0" smtClean="0"/>
+                  <a:rPr lang="ko-KR" altLang="en-US" dirty="0"/>
                   <a:t>행렬 </a:t>
                 </a:r>
                 <a14:m>
@@ -4064,10 +6123,9 @@
                   </m:oMath>
                 </a14:m>
                 <a:r>
-                  <a:rPr lang="ko-KR" altLang="en-US" dirty="0" smtClean="0"/>
+                  <a:rPr lang="ko-KR" altLang="en-US" dirty="0"/>
                   <a:t>의 행공간</a:t>
                 </a:r>
-                <a:endParaRPr lang="ko-KR" altLang="en-US" dirty="0"/>
               </a:p>
             </p:txBody>
           </p:sp>
@@ -4158,7 +6216,658 @@
 </p:sld>
 </file>
 
-<file path=ppt/slides/slide3.xml><?xml version="1.0" encoding="utf-8"?>
+<file path=ppt/slides/slide4.xml><?xml version="1.0" encoding="utf-8"?>
+<p:sld xmlns:a="http://schemas.openxmlformats.org/drawingml/2006/main" xmlns:r="http://schemas.openxmlformats.org/officeDocument/2006/relationships" xmlns:p="http://schemas.openxmlformats.org/presentationml/2006/main">
+  <p:cSld>
+    <p:spTree>
+      <p:nvGrpSpPr>
+        <p:cNvPr id="1" name=""/>
+        <p:cNvGrpSpPr/>
+        <p:nvPr/>
+      </p:nvGrpSpPr>
+      <p:grpSpPr>
+        <a:xfrm>
+          <a:off x="0" y="0"/>
+          <a:ext cx="0" cy="0"/>
+          <a:chOff x="0" y="0"/>
+          <a:chExt cx="0" cy="0"/>
+        </a:xfrm>
+      </p:grpSpPr>
+      <p:pic>
+        <p:nvPicPr>
+          <p:cNvPr id="14" name="Picture 3"/>
+          <p:cNvPicPr>
+            <a:picLocks noChangeAspect="1" noChangeArrowheads="1"/>
+          </p:cNvPicPr>
+          <p:nvPr/>
+        </p:nvPicPr>
+        <p:blipFill>
+          <a:blip r:embed="rId2">
+            <a:extLst>
+              <a:ext uri="{28A0092B-C50C-407E-A947-70E740481C1C}">
+                <a14:useLocalDpi xmlns:a14="http://schemas.microsoft.com/office/drawing/2010/main" val="0"/>
+              </a:ext>
+            </a:extLst>
+          </a:blip>
+          <a:srcRect/>
+          <a:stretch>
+            <a:fillRect/>
+          </a:stretch>
+        </p:blipFill>
+        <p:spPr bwMode="auto">
+          <a:xfrm>
+            <a:off x="2290763" y="1147763"/>
+            <a:ext cx="4562475" cy="4562475"/>
+          </a:xfrm>
+          <a:prstGeom prst="rect">
+            <a:avLst/>
+          </a:prstGeom>
+          <a:noFill/>
+          <a:ln>
+            <a:noFill/>
+          </a:ln>
+          <a:effectLst/>
+          <a:extLst>
+            <a:ext uri="{909E8E84-426E-40DD-AFC4-6F175D3DCCD1}">
+              <a14:hiddenFill xmlns:a14="http://schemas.microsoft.com/office/drawing/2010/main">
+                <a:solidFill>
+                  <a:schemeClr val="accent1"/>
+                </a:solidFill>
+              </a14:hiddenFill>
+            </a:ext>
+            <a:ext uri="{91240B29-F687-4F45-9708-019B960494DF}">
+              <a14:hiddenLine xmlns:a14="http://schemas.microsoft.com/office/drawing/2010/main" w="9525">
+                <a:solidFill>
+                  <a:schemeClr val="tx1"/>
+                </a:solidFill>
+                <a:miter lim="800000"/>
+                <a:headEnd/>
+                <a:tailEnd/>
+              </a14:hiddenLine>
+            </a:ext>
+            <a:ext uri="{AF507438-7753-43E0-B8FC-AC1667EBCBE1}">
+              <a14:hiddenEffects xmlns:a14="http://schemas.microsoft.com/office/drawing/2010/main">
+                <a:effectLst>
+                  <a:outerShdw dist="35921" dir="2700000" algn="ctr" rotWithShape="0">
+                    <a:schemeClr val="bg2"/>
+                  </a:outerShdw>
+                </a:effectLst>
+              </a14:hiddenEffects>
+            </a:ext>
+          </a:extLst>
+        </p:spPr>
+      </p:pic>
+      <mc:AlternateContent xmlns:mc="http://schemas.openxmlformats.org/markup-compatibility/2006" xmlns:a14="http://schemas.microsoft.com/office/drawing/2010/main">
+        <mc:Choice Requires="a14">
+          <p:sp>
+            <p:nvSpPr>
+              <p:cNvPr id="4" name="TextBox 3"/>
+              <p:cNvSpPr txBox="1"/>
+              <p:nvPr/>
+            </p:nvSpPr>
+            <p:spPr>
+              <a:xfrm>
+                <a:off x="5188985" y="2996953"/>
+                <a:ext cx="751168" cy="307777"/>
+              </a:xfrm>
+              <a:prstGeom prst="rect">
+                <a:avLst/>
+              </a:prstGeom>
+              <a:noFill/>
+            </p:spPr>
+            <p:txBody>
+              <a:bodyPr wrap="none" rtlCol="0">
+                <a:spAutoFit/>
+              </a:bodyPr>
+              <a:lstStyle/>
+              <a:p>
+                <a:pPr/>
+                <a14:m>
+                  <m:oMathPara xmlns:m="http://schemas.openxmlformats.org/officeDocument/2006/math">
+                    <m:oMathParaPr>
+                      <m:jc m:val="centerGroup"/>
+                    </m:oMathParaPr>
+                    <m:oMath xmlns:m="http://schemas.openxmlformats.org/officeDocument/2006/math">
+                      <m:d>
+                        <m:dPr>
+                          <m:begChr m:val="["/>
+                          <m:endChr m:val="]"/>
+                          <m:ctrlPr>
+                            <a:rPr lang="en-US" altLang="ko-KR" sz="1400" i="1" smtClean="0">
+                              <a:latin typeface="Cambria Math" panose="02040503050406030204" pitchFamily="18" charset="0"/>
+                            </a:rPr>
+                          </m:ctrlPr>
+                        </m:dPr>
+                        <m:e>
+                          <m:m>
+                            <m:mPr>
+                              <m:mcs>
+                                <m:mc>
+                                  <m:mcPr>
+                                    <m:count m:val="2"/>
+                                    <m:mcJc m:val="center"/>
+                                  </m:mcPr>
+                                </m:mc>
+                              </m:mcs>
+                              <m:ctrlPr>
+                                <a:rPr lang="en-US" altLang="ko-KR" sz="1400" i="1" smtClean="0">
+                                  <a:latin typeface="Cambria Math" panose="02040503050406030204" pitchFamily="18" charset="0"/>
+                                </a:rPr>
+                              </m:ctrlPr>
+                            </m:mPr>
+                            <m:mr>
+                              <m:e>
+                                <m:r>
+                                  <m:rPr>
+                                    <m:brk m:alnAt="7"/>
+                                  </m:rPr>
+                                  <a:rPr lang="en-US" altLang="ko-KR" sz="1400" b="0" i="1" smtClean="0">
+                                    <a:latin typeface="Cambria Math"/>
+                                  </a:rPr>
+                                  <m:t>2</m:t>
+                                </m:r>
+                              </m:e>
+                              <m:e>
+                                <m:r>
+                                  <a:rPr lang="en-US" altLang="ko-KR" sz="1400" b="0" i="1" smtClean="0">
+                                    <a:latin typeface="Cambria Math"/>
+                                  </a:rPr>
+                                  <m:t>1</m:t>
+                                </m:r>
+                              </m:e>
+                            </m:mr>
+                          </m:m>
+                        </m:e>
+                      </m:d>
+                    </m:oMath>
+                  </m:oMathPara>
+                </a14:m>
+                <a:endParaRPr lang="ko-KR" altLang="en-US" sz="1400" dirty="0"/>
+              </a:p>
+            </p:txBody>
+          </p:sp>
+        </mc:Choice>
+        <mc:Fallback xmlns="">
+          <p:sp>
+            <p:nvSpPr>
+              <p:cNvPr id="4" name="TextBox 3"/>
+              <p:cNvSpPr txBox="1">
+                <a:spLocks noRot="1" noChangeAspect="1" noMove="1" noResize="1" noEditPoints="1" noAdjustHandles="1" noChangeArrowheads="1" noChangeShapeType="1" noTextEdit="1"/>
+              </p:cNvSpPr>
+              <p:nvPr/>
+            </p:nvSpPr>
+            <p:spPr>
+              <a:xfrm>
+                <a:off x="5188985" y="2996953"/>
+                <a:ext cx="751168" cy="307777"/>
+              </a:xfrm>
+              <a:prstGeom prst="rect">
+                <a:avLst/>
+              </a:prstGeom>
+              <a:blipFill rotWithShape="1">
+                <a:blip r:embed="rId3"/>
+                <a:stretch>
+                  <a:fillRect/>
+                </a:stretch>
+              </a:blipFill>
+            </p:spPr>
+            <p:txBody>
+              <a:bodyPr/>
+              <a:lstStyle/>
+              <a:p>
+                <a:r>
+                  <a:rPr lang="ko-KR" altLang="en-US">
+                    <a:noFill/>
+                  </a:rPr>
+                  <a:t> </a:t>
+                </a:r>
+              </a:p>
+            </p:txBody>
+          </p:sp>
+        </mc:Fallback>
+      </mc:AlternateContent>
+      <mc:AlternateContent xmlns:mc="http://schemas.openxmlformats.org/markup-compatibility/2006" xmlns:a14="http://schemas.microsoft.com/office/drawing/2010/main">
+        <mc:Choice Requires="a14">
+          <p:sp>
+            <p:nvSpPr>
+              <p:cNvPr id="6" name="TextBox 5"/>
+              <p:cNvSpPr txBox="1"/>
+              <p:nvPr/>
+            </p:nvSpPr>
+            <p:spPr>
+              <a:xfrm>
+                <a:off x="5436097" y="2218620"/>
+                <a:ext cx="751167" cy="307777"/>
+              </a:xfrm>
+              <a:prstGeom prst="rect">
+                <a:avLst/>
+              </a:prstGeom>
+              <a:noFill/>
+            </p:spPr>
+            <p:txBody>
+              <a:bodyPr wrap="none" rtlCol="0">
+                <a:spAutoFit/>
+              </a:bodyPr>
+              <a:lstStyle/>
+              <a:p>
+                <a:pPr/>
+                <a14:m>
+                  <m:oMathPara xmlns:m="http://schemas.openxmlformats.org/officeDocument/2006/math">
+                    <m:oMathParaPr>
+                      <m:jc m:val="centerGroup"/>
+                    </m:oMathParaPr>
+                    <m:oMath xmlns:m="http://schemas.openxmlformats.org/officeDocument/2006/math">
+                      <m:d>
+                        <m:dPr>
+                          <m:begChr m:val="["/>
+                          <m:endChr m:val="]"/>
+                          <m:ctrlPr>
+                            <a:rPr lang="en-US" altLang="ko-KR" sz="1400" i="1" smtClean="0">
+                              <a:latin typeface="Cambria Math" panose="02040503050406030204" pitchFamily="18" charset="0"/>
+                            </a:rPr>
+                          </m:ctrlPr>
+                        </m:dPr>
+                        <m:e>
+                          <m:m>
+                            <m:mPr>
+                              <m:mcs>
+                                <m:mc>
+                                  <m:mcPr>
+                                    <m:count m:val="2"/>
+                                    <m:mcJc m:val="center"/>
+                                  </m:mcPr>
+                                </m:mc>
+                              </m:mcs>
+                              <m:ctrlPr>
+                                <a:rPr lang="en-US" altLang="ko-KR" sz="1400" i="1" smtClean="0">
+                                  <a:latin typeface="Cambria Math" panose="02040503050406030204" pitchFamily="18" charset="0"/>
+                                </a:rPr>
+                              </m:ctrlPr>
+                            </m:mPr>
+                            <m:mr>
+                              <m:e>
+                                <m:r>
+                                  <m:rPr>
+                                    <m:brk m:alnAt="7"/>
+                                  </m:rPr>
+                                  <a:rPr lang="en-US" altLang="ko-KR" sz="1400" b="0" i="1" smtClean="0">
+                                    <a:latin typeface="Cambria Math"/>
+                                  </a:rPr>
+                                  <m:t>4</m:t>
+                                </m:r>
+                              </m:e>
+                              <m:e>
+                                <m:r>
+                                  <a:rPr lang="en-US" altLang="ko-KR" sz="1400" b="0" i="1" smtClean="0">
+                                    <a:latin typeface="Cambria Math"/>
+                                  </a:rPr>
+                                  <m:t>2</m:t>
+                                </m:r>
+                              </m:e>
+                            </m:mr>
+                          </m:m>
+                        </m:e>
+                      </m:d>
+                    </m:oMath>
+                  </m:oMathPara>
+                </a14:m>
+                <a:endParaRPr lang="ko-KR" altLang="en-US" sz="1400" dirty="0"/>
+              </a:p>
+            </p:txBody>
+          </p:sp>
+        </mc:Choice>
+        <mc:Fallback xmlns="">
+          <p:sp>
+            <p:nvSpPr>
+              <p:cNvPr id="6" name="TextBox 5"/>
+              <p:cNvSpPr txBox="1">
+                <a:spLocks noRot="1" noChangeAspect="1" noMove="1" noResize="1" noEditPoints="1" noAdjustHandles="1" noChangeArrowheads="1" noChangeShapeType="1" noTextEdit="1"/>
+              </p:cNvSpPr>
+              <p:nvPr/>
+            </p:nvSpPr>
+            <p:spPr>
+              <a:xfrm>
+                <a:off x="5436097" y="2218620"/>
+                <a:ext cx="751167" cy="307777"/>
+              </a:xfrm>
+              <a:prstGeom prst="rect">
+                <a:avLst/>
+              </a:prstGeom>
+              <a:blipFill rotWithShape="1">
+                <a:blip r:embed="rId4"/>
+                <a:stretch>
+                  <a:fillRect/>
+                </a:stretch>
+              </a:blipFill>
+            </p:spPr>
+            <p:txBody>
+              <a:bodyPr/>
+              <a:lstStyle/>
+              <a:p>
+                <a:r>
+                  <a:rPr lang="ko-KR" altLang="en-US">
+                    <a:noFill/>
+                  </a:rPr>
+                  <a:t> </a:t>
+                </a:r>
+              </a:p>
+            </p:txBody>
+          </p:sp>
+        </mc:Fallback>
+      </mc:AlternateContent>
+      <mc:AlternateContent xmlns:mc="http://schemas.openxmlformats.org/markup-compatibility/2006" xmlns:a14="http://schemas.microsoft.com/office/drawing/2010/main">
+        <mc:Choice Requires="a14">
+          <p:sp>
+            <p:nvSpPr>
+              <p:cNvPr id="7" name="TextBox 6"/>
+              <p:cNvSpPr txBox="1"/>
+              <p:nvPr/>
+            </p:nvSpPr>
+            <p:spPr>
+              <a:xfrm>
+                <a:off x="2699793" y="1967942"/>
+                <a:ext cx="1284134" cy="501356"/>
+              </a:xfrm>
+              <a:prstGeom prst="rect">
+                <a:avLst/>
+              </a:prstGeom>
+              <a:noFill/>
+            </p:spPr>
+            <p:txBody>
+              <a:bodyPr wrap="none" rtlCol="0">
+                <a:spAutoFit/>
+              </a:bodyPr>
+              <a:lstStyle/>
+              <a:p>
+                <a:pPr/>
+                <a14:m>
+                  <m:oMathPara xmlns:m="http://schemas.openxmlformats.org/officeDocument/2006/math">
+                    <m:oMathParaPr>
+                      <m:jc m:val="centerGroup"/>
+                    </m:oMathParaPr>
+                    <m:oMath xmlns:m="http://schemas.openxmlformats.org/officeDocument/2006/math">
+                      <m:r>
+                        <a:rPr lang="en-US" altLang="ko-KR" sz="1600" b="0" i="1" smtClean="0">
+                          <a:latin typeface="Cambria Math"/>
+                        </a:rPr>
+                        <m:t>𝐴</m:t>
+                      </m:r>
+                      <m:r>
+                        <a:rPr lang="en-US" altLang="ko-KR" sz="1600" b="0" i="1" smtClean="0">
+                          <a:latin typeface="Cambria Math"/>
+                        </a:rPr>
+                        <m:t>= </m:t>
+                      </m:r>
+                      <m:d>
+                        <m:dPr>
+                          <m:begChr m:val="["/>
+                          <m:endChr m:val="]"/>
+                          <m:ctrlPr>
+                            <a:rPr lang="en-US" altLang="ko-KR" sz="1600" b="0" i="1" smtClean="0">
+                              <a:latin typeface="Cambria Math" panose="02040503050406030204" pitchFamily="18" charset="0"/>
+                            </a:rPr>
+                          </m:ctrlPr>
+                        </m:dPr>
+                        <m:e>
+                          <m:m>
+                            <m:mPr>
+                              <m:mcs>
+                                <m:mc>
+                                  <m:mcPr>
+                                    <m:count m:val="2"/>
+                                    <m:mcJc m:val="center"/>
+                                  </m:mcPr>
+                                </m:mc>
+                              </m:mcs>
+                              <m:ctrlPr>
+                                <a:rPr lang="en-US" altLang="ko-KR" sz="1600" b="0" i="1" smtClean="0">
+                                  <a:latin typeface="Cambria Math" panose="02040503050406030204" pitchFamily="18" charset="0"/>
+                                </a:rPr>
+                              </m:ctrlPr>
+                            </m:mPr>
+                            <m:mr>
+                              <m:e>
+                                <m:r>
+                                  <m:rPr>
+                                    <m:brk m:alnAt="7"/>
+                                  </m:rPr>
+                                  <a:rPr lang="en-US" altLang="ko-KR" sz="1600" b="0" i="1" smtClean="0">
+                                    <a:latin typeface="Cambria Math"/>
+                                  </a:rPr>
+                                  <m:t>2</m:t>
+                                </m:r>
+                              </m:e>
+                              <m:e>
+                                <m:r>
+                                  <a:rPr lang="en-US" altLang="ko-KR" sz="1600" b="0" i="1" smtClean="0">
+                                    <a:latin typeface="Cambria Math"/>
+                                  </a:rPr>
+                                  <m:t>1</m:t>
+                                </m:r>
+                              </m:e>
+                            </m:mr>
+                            <m:mr>
+                              <m:e>
+                                <m:r>
+                                  <a:rPr lang="en-US" altLang="ko-KR" sz="1600" b="0" i="1" smtClean="0">
+                                    <a:latin typeface="Cambria Math"/>
+                                  </a:rPr>
+                                  <m:t>4</m:t>
+                                </m:r>
+                              </m:e>
+                              <m:e>
+                                <m:r>
+                                  <a:rPr lang="en-US" altLang="ko-KR" sz="1600" b="0" i="1" smtClean="0">
+                                    <a:latin typeface="Cambria Math"/>
+                                  </a:rPr>
+                                  <m:t>2</m:t>
+                                </m:r>
+                              </m:e>
+                            </m:mr>
+                          </m:m>
+                        </m:e>
+                      </m:d>
+                    </m:oMath>
+                  </m:oMathPara>
+                </a14:m>
+                <a:endParaRPr lang="ko-KR" altLang="en-US" sz="1600" dirty="0"/>
+              </a:p>
+            </p:txBody>
+          </p:sp>
+        </mc:Choice>
+        <mc:Fallback xmlns="">
+          <p:sp>
+            <p:nvSpPr>
+              <p:cNvPr id="7" name="TextBox 6"/>
+              <p:cNvSpPr txBox="1">
+                <a:spLocks noRot="1" noChangeAspect="1" noMove="1" noResize="1" noEditPoints="1" noAdjustHandles="1" noChangeArrowheads="1" noChangeShapeType="1" noTextEdit="1"/>
+              </p:cNvSpPr>
+              <p:nvPr/>
+            </p:nvSpPr>
+            <p:spPr>
+              <a:xfrm>
+                <a:off x="2699793" y="1967942"/>
+                <a:ext cx="1284134" cy="501356"/>
+              </a:xfrm>
+              <a:prstGeom prst="rect">
+                <a:avLst/>
+              </a:prstGeom>
+              <a:blipFill rotWithShape="1">
+                <a:blip r:embed="rId5"/>
+                <a:stretch>
+                  <a:fillRect b="-3659"/>
+                </a:stretch>
+              </a:blipFill>
+            </p:spPr>
+            <p:txBody>
+              <a:bodyPr/>
+              <a:lstStyle/>
+              <a:p>
+                <a:r>
+                  <a:rPr lang="ko-KR" altLang="en-US">
+                    <a:noFill/>
+                  </a:rPr>
+                  <a:t> </a:t>
+                </a:r>
+              </a:p>
+            </p:txBody>
+          </p:sp>
+        </mc:Fallback>
+      </mc:AlternateContent>
+      <mc:AlternateContent xmlns:mc="http://schemas.openxmlformats.org/markup-compatibility/2006">
+        <mc:Choice xmlns:a14="http://schemas.microsoft.com/office/drawing/2010/main" Requires="a14">
+          <p:sp>
+            <p:nvSpPr>
+              <p:cNvPr id="5" name="TextBox 4"/>
+              <p:cNvSpPr txBox="1"/>
+              <p:nvPr/>
+            </p:nvSpPr>
+            <p:spPr>
+              <a:xfrm>
+                <a:off x="2550105" y="4653137"/>
+                <a:ext cx="1583510" cy="646331"/>
+              </a:xfrm>
+              <a:prstGeom prst="rect">
+                <a:avLst/>
+              </a:prstGeom>
+              <a:noFill/>
+            </p:spPr>
+            <p:txBody>
+              <a:bodyPr wrap="none" rtlCol="0">
+                <a:spAutoFit/>
+              </a:bodyPr>
+              <a:lstStyle/>
+              <a:p>
+                <a:pPr algn="ctr"/>
+                <a:r>
+                  <a:rPr lang="en-US" altLang="ko-KR" dirty="0"/>
+                  <a:t>Row</a:t>
+                </a:r>
+                <a:r>
+                  <a:rPr lang="ko-KR" altLang="en-US" dirty="0"/>
+                  <a:t> </a:t>
+                </a:r>
+                <a:r>
+                  <a:rPr lang="en-US" altLang="ko-KR" dirty="0"/>
+                  <a:t>space</a:t>
+                </a:r>
+                <a:r>
+                  <a:rPr lang="ko-KR" altLang="en-US" dirty="0"/>
+                  <a:t> </a:t>
+                </a:r>
+                <a:r>
+                  <a:rPr lang="en-US" altLang="ko-KR" dirty="0"/>
+                  <a:t>of</a:t>
+                </a:r>
+              </a:p>
+              <a:p>
+                <a:pPr algn="ctr"/>
+                <a:r>
+                  <a:rPr lang="en-US" altLang="ko-KR" dirty="0"/>
+                  <a:t>matrix </a:t>
+                </a:r>
+                <a14:m>
+                  <m:oMath xmlns:m="http://schemas.openxmlformats.org/officeDocument/2006/math">
+                    <m:r>
+                      <a:rPr lang="en-US" altLang="ko-KR" i="1" dirty="0" smtClean="0">
+                        <a:latin typeface="Cambria Math" panose="02040503050406030204" pitchFamily="18" charset="0"/>
+                      </a:rPr>
+                      <m:t>𝐴</m:t>
+                    </m:r>
+                  </m:oMath>
+                </a14:m>
+                <a:endParaRPr lang="ko-KR" altLang="en-US" dirty="0"/>
+              </a:p>
+            </p:txBody>
+          </p:sp>
+        </mc:Choice>
+        <mc:Fallback>
+          <p:sp>
+            <p:nvSpPr>
+              <p:cNvPr id="5" name="TextBox 4"/>
+              <p:cNvSpPr txBox="1">
+                <a:spLocks noRot="1" noChangeAspect="1" noMove="1" noResize="1" noEditPoints="1" noAdjustHandles="1" noChangeArrowheads="1" noChangeShapeType="1" noTextEdit="1"/>
+              </p:cNvSpPr>
+              <p:nvPr/>
+            </p:nvSpPr>
+            <p:spPr>
+              <a:xfrm>
+                <a:off x="2550105" y="4653137"/>
+                <a:ext cx="1583510" cy="646331"/>
+              </a:xfrm>
+              <a:prstGeom prst="rect">
+                <a:avLst/>
+              </a:prstGeom>
+              <a:blipFill>
+                <a:blip r:embed="rId6"/>
+                <a:stretch>
+                  <a:fillRect l="-2692" t="-4717" r="-3077" b="-14151"/>
+                </a:stretch>
+              </a:blipFill>
+            </p:spPr>
+            <p:txBody>
+              <a:bodyPr/>
+              <a:lstStyle/>
+              <a:p>
+                <a:r>
+                  <a:rPr lang="en-US">
+                    <a:noFill/>
+                  </a:rPr>
+                  <a:t> </a:t>
+                </a:r>
+              </a:p>
+            </p:txBody>
+          </p:sp>
+        </mc:Fallback>
+      </mc:AlternateContent>
+      <p:cxnSp>
+        <p:nvCxnSpPr>
+          <p:cNvPr id="11" name="직선 화살표 연결선 10"/>
+          <p:cNvCxnSpPr/>
+          <p:nvPr/>
+        </p:nvCxnSpPr>
+        <p:spPr>
+          <a:xfrm flipV="1">
+            <a:off x="3341860" y="3933057"/>
+            <a:ext cx="222029" cy="720080"/>
+          </a:xfrm>
+          <a:prstGeom prst="straightConnector1">
+            <a:avLst/>
+          </a:prstGeom>
+          <a:ln>
+            <a:prstDash val="dash"/>
+            <a:tailEnd type="arrow"/>
+          </a:ln>
+        </p:spPr>
+        <p:style>
+          <a:lnRef idx="1">
+            <a:schemeClr val="accent1"/>
+          </a:lnRef>
+          <a:fillRef idx="0">
+            <a:schemeClr val="accent1"/>
+          </a:fillRef>
+          <a:effectRef idx="0">
+            <a:schemeClr val="accent1"/>
+          </a:effectRef>
+          <a:fontRef idx="minor">
+            <a:schemeClr val="tx1"/>
+          </a:fontRef>
+        </p:style>
+      </p:cxnSp>
+    </p:spTree>
+    <p:extLst>
+      <p:ext uri="{BB962C8B-B14F-4D97-AF65-F5344CB8AC3E}">
+        <p14:creationId xmlns:p14="http://schemas.microsoft.com/office/powerpoint/2010/main" val="2653215663"/>
+      </p:ext>
+    </p:extLst>
+  </p:cSld>
+  <p:clrMapOvr>
+    <a:masterClrMapping/>
+  </p:clrMapOvr>
+</p:sld>
+</file>
+
+<file path=ppt/slides/slide5.xml><?xml version="1.0" encoding="utf-8"?>
 <p:sld xmlns:a="http://schemas.openxmlformats.org/drawingml/2006/main" xmlns:r="http://schemas.openxmlformats.org/officeDocument/2006/relationships" xmlns:p="http://schemas.openxmlformats.org/presentationml/2006/main">
   <p:cSld>
     <p:spTree>
@@ -4276,7 +6985,7 @@
                           <m:endChr m:val="]"/>
                           <m:ctrlPr>
                             <a:rPr lang="en-US" altLang="ko-KR" sz="1400" i="1" smtClean="0">
-                              <a:latin typeface="Cambria Math"/>
+                              <a:latin typeface="Cambria Math" panose="02040503050406030204" pitchFamily="18" charset="0"/>
                             </a:rPr>
                           </m:ctrlPr>
                         </m:dPr>
@@ -4293,7 +7002,7 @@
                               </m:mcs>
                               <m:ctrlPr>
                                 <a:rPr lang="en-US" altLang="ko-KR" sz="1400" i="1" smtClean="0">
-                                  <a:latin typeface="Cambria Math"/>
+                                  <a:latin typeface="Cambria Math" panose="02040503050406030204" pitchFamily="18" charset="0"/>
                                 </a:rPr>
                               </m:ctrlPr>
                             </m:mPr>
@@ -4419,7 +7128,7 @@
                           <m:endChr m:val="]"/>
                           <m:ctrlPr>
                             <a:rPr lang="en-US" altLang="ko-KR" sz="1600" b="0" i="1" smtClean="0">
-                              <a:latin typeface="Cambria Math"/>
+                              <a:latin typeface="Cambria Math" panose="02040503050406030204" pitchFamily="18" charset="0"/>
                             </a:rPr>
                           </m:ctrlPr>
                         </m:dPr>
@@ -4436,7 +7145,7 @@
                               </m:mcs>
                               <m:ctrlPr>
                                 <a:rPr lang="en-US" altLang="ko-KR" sz="1600" b="0" i="1" smtClean="0">
-                                  <a:latin typeface="Cambria Math"/>
+                                  <a:latin typeface="Cambria Math" panose="02040503050406030204" pitchFamily="18" charset="0"/>
                                 </a:rPr>
                               </m:ctrlPr>
                             </m:mPr>
@@ -4554,7 +7263,7 @@
               <a:lstStyle/>
               <a:p>
                 <a:r>
-                  <a:rPr lang="ko-KR" altLang="en-US" dirty="0" smtClean="0"/>
+                  <a:rPr lang="ko-KR" altLang="en-US" dirty="0"/>
                   <a:t>행렬 </a:t>
                 </a:r>
                 <a14:m>
@@ -4568,10 +7277,9 @@
                   </m:oMath>
                 </a14:m>
                 <a:r>
-                  <a:rPr lang="ko-KR" altLang="en-US" dirty="0" smtClean="0"/>
+                  <a:rPr lang="ko-KR" altLang="en-US" dirty="0"/>
                   <a:t>의 열공간</a:t>
                 </a:r>
-                <a:endParaRPr lang="ko-KR" altLang="en-US" dirty="0"/>
               </a:p>
             </p:txBody>
           </p:sp>
@@ -4688,7 +7396,7 @@
                           <m:endChr m:val="]"/>
                           <m:ctrlPr>
                             <a:rPr lang="en-US" altLang="ko-KR" sz="1400" i="1" smtClean="0">
-                              <a:latin typeface="Cambria Math"/>
+                              <a:latin typeface="Cambria Math" panose="02040503050406030204" pitchFamily="18" charset="0"/>
                             </a:rPr>
                           </m:ctrlPr>
                         </m:dPr>
@@ -4705,7 +7413,7 @@
                               </m:mcs>
                               <m:ctrlPr>
                                 <a:rPr lang="en-US" altLang="ko-KR" sz="1400" i="1" smtClean="0">
-                                  <a:latin typeface="Cambria Math"/>
+                                  <a:latin typeface="Cambria Math" panose="02040503050406030204" pitchFamily="18" charset="0"/>
                                 </a:rPr>
                               </m:ctrlPr>
                             </m:mPr>
@@ -4795,7 +7503,646 @@
 </p:sld>
 </file>
 
-<file path=ppt/slides/slide4.xml><?xml version="1.0" encoding="utf-8"?>
+<file path=ppt/slides/slide6.xml><?xml version="1.0" encoding="utf-8"?>
+<p:sld xmlns:a="http://schemas.openxmlformats.org/drawingml/2006/main" xmlns:r="http://schemas.openxmlformats.org/officeDocument/2006/relationships" xmlns:p="http://schemas.openxmlformats.org/presentationml/2006/main">
+  <p:cSld>
+    <p:spTree>
+      <p:nvGrpSpPr>
+        <p:cNvPr id="1" name=""/>
+        <p:cNvGrpSpPr/>
+        <p:nvPr/>
+      </p:nvGrpSpPr>
+      <p:grpSpPr>
+        <a:xfrm>
+          <a:off x="0" y="0"/>
+          <a:ext cx="0" cy="0"/>
+          <a:chOff x="0" y="0"/>
+          <a:chExt cx="0" cy="0"/>
+        </a:xfrm>
+      </p:grpSpPr>
+      <p:pic>
+        <p:nvPicPr>
+          <p:cNvPr id="2050" name="Picture 2"/>
+          <p:cNvPicPr>
+            <a:picLocks noChangeAspect="1" noChangeArrowheads="1"/>
+          </p:cNvPicPr>
+          <p:nvPr/>
+        </p:nvPicPr>
+        <p:blipFill>
+          <a:blip r:embed="rId2">
+            <a:extLst>
+              <a:ext uri="{28A0092B-C50C-407E-A947-70E740481C1C}">
+                <a14:useLocalDpi xmlns:a14="http://schemas.microsoft.com/office/drawing/2010/main" val="0"/>
+              </a:ext>
+            </a:extLst>
+          </a:blip>
+          <a:srcRect/>
+          <a:stretch>
+            <a:fillRect/>
+          </a:stretch>
+        </p:blipFill>
+        <p:spPr bwMode="auto">
+          <a:xfrm>
+            <a:off x="2290763" y="1147763"/>
+            <a:ext cx="4562475" cy="4562475"/>
+          </a:xfrm>
+          <a:prstGeom prst="rect">
+            <a:avLst/>
+          </a:prstGeom>
+          <a:noFill/>
+          <a:ln>
+            <a:noFill/>
+          </a:ln>
+          <a:effectLst/>
+          <a:extLst>
+            <a:ext uri="{909E8E84-426E-40DD-AFC4-6F175D3DCCD1}">
+              <a14:hiddenFill xmlns:a14="http://schemas.microsoft.com/office/drawing/2010/main">
+                <a:solidFill>
+                  <a:schemeClr val="accent1"/>
+                </a:solidFill>
+              </a14:hiddenFill>
+            </a:ext>
+            <a:ext uri="{91240B29-F687-4F45-9708-019B960494DF}">
+              <a14:hiddenLine xmlns:a14="http://schemas.microsoft.com/office/drawing/2010/main" w="9525">
+                <a:solidFill>
+                  <a:schemeClr val="tx1"/>
+                </a:solidFill>
+                <a:miter lim="800000"/>
+                <a:headEnd/>
+                <a:tailEnd/>
+              </a14:hiddenLine>
+            </a:ext>
+            <a:ext uri="{AF507438-7753-43E0-B8FC-AC1667EBCBE1}">
+              <a14:hiddenEffects xmlns:a14="http://schemas.microsoft.com/office/drawing/2010/main">
+                <a:effectLst>
+                  <a:outerShdw dist="35921" dir="2700000" algn="ctr" rotWithShape="0">
+                    <a:schemeClr val="bg2"/>
+                  </a:outerShdw>
+                </a:effectLst>
+              </a14:hiddenEffects>
+            </a:ext>
+          </a:extLst>
+        </p:spPr>
+      </p:pic>
+      <mc:AlternateContent xmlns:mc="http://schemas.openxmlformats.org/markup-compatibility/2006" xmlns:a14="http://schemas.microsoft.com/office/drawing/2010/main">
+        <mc:Choice Requires="a14">
+          <p:sp>
+            <p:nvSpPr>
+              <p:cNvPr id="5" name="TextBox 4"/>
+              <p:cNvSpPr txBox="1"/>
+              <p:nvPr/>
+            </p:nvSpPr>
+            <p:spPr>
+              <a:xfrm>
+                <a:off x="5292080" y="1735331"/>
+                <a:ext cx="477758" cy="450188"/>
+              </a:xfrm>
+              <a:prstGeom prst="rect">
+                <a:avLst/>
+              </a:prstGeom>
+              <a:noFill/>
+            </p:spPr>
+            <p:txBody>
+              <a:bodyPr wrap="none" rtlCol="0">
+                <a:spAutoFit/>
+              </a:bodyPr>
+              <a:lstStyle/>
+              <a:p>
+                <a:pPr/>
+                <a14:m>
+                  <m:oMathPara xmlns:m="http://schemas.openxmlformats.org/officeDocument/2006/math">
+                    <m:oMathParaPr>
+                      <m:jc m:val="centerGroup"/>
+                    </m:oMathParaPr>
+                    <m:oMath xmlns:m="http://schemas.openxmlformats.org/officeDocument/2006/math">
+                      <m:d>
+                        <m:dPr>
+                          <m:begChr m:val="["/>
+                          <m:endChr m:val="]"/>
+                          <m:ctrlPr>
+                            <a:rPr lang="en-US" altLang="ko-KR" sz="1400" i="1" smtClean="0">
+                              <a:latin typeface="Cambria Math" panose="02040503050406030204" pitchFamily="18" charset="0"/>
+                            </a:rPr>
+                          </m:ctrlPr>
+                        </m:dPr>
+                        <m:e>
+                          <m:m>
+                            <m:mPr>
+                              <m:mcs>
+                                <m:mc>
+                                  <m:mcPr>
+                                    <m:count m:val="1"/>
+                                    <m:mcJc m:val="center"/>
+                                  </m:mcPr>
+                                </m:mc>
+                              </m:mcs>
+                              <m:ctrlPr>
+                                <a:rPr lang="en-US" altLang="ko-KR" sz="1400" i="1" smtClean="0">
+                                  <a:latin typeface="Cambria Math" panose="02040503050406030204" pitchFamily="18" charset="0"/>
+                                </a:rPr>
+                              </m:ctrlPr>
+                            </m:mPr>
+                            <m:mr>
+                              <m:e>
+                                <m:r>
+                                  <m:rPr>
+                                    <m:brk m:alnAt="7"/>
+                                  </m:rPr>
+                                  <a:rPr lang="en-US" altLang="ko-KR" sz="1400" b="0" i="1" smtClean="0">
+                                    <a:latin typeface="Cambria Math"/>
+                                  </a:rPr>
+                                  <m:t>2</m:t>
+                                </m:r>
+                              </m:e>
+                            </m:mr>
+                            <m:mr>
+                              <m:e>
+                                <m:r>
+                                  <a:rPr lang="en-US" altLang="ko-KR" sz="1400" b="0" i="1" smtClean="0">
+                                    <a:latin typeface="Cambria Math"/>
+                                  </a:rPr>
+                                  <m:t>4</m:t>
+                                </m:r>
+                              </m:e>
+                            </m:mr>
+                          </m:m>
+                        </m:e>
+                      </m:d>
+                    </m:oMath>
+                  </m:oMathPara>
+                </a14:m>
+                <a:endParaRPr lang="ko-KR" altLang="en-US" sz="1400" dirty="0"/>
+              </a:p>
+            </p:txBody>
+          </p:sp>
+        </mc:Choice>
+        <mc:Fallback xmlns="">
+          <p:sp>
+            <p:nvSpPr>
+              <p:cNvPr id="5" name="TextBox 4"/>
+              <p:cNvSpPr txBox="1">
+                <a:spLocks noRot="1" noChangeAspect="1" noMove="1" noResize="1" noEditPoints="1" noAdjustHandles="1" noChangeArrowheads="1" noChangeShapeType="1" noTextEdit="1"/>
+              </p:cNvSpPr>
+              <p:nvPr/>
+            </p:nvSpPr>
+            <p:spPr>
+              <a:xfrm>
+                <a:off x="5292080" y="1735331"/>
+                <a:ext cx="477758" cy="450188"/>
+              </a:xfrm>
+              <a:prstGeom prst="rect">
+                <a:avLst/>
+              </a:prstGeom>
+              <a:blipFill rotWithShape="1">
+                <a:blip r:embed="rId3"/>
+                <a:stretch>
+                  <a:fillRect b="-2703"/>
+                </a:stretch>
+              </a:blipFill>
+            </p:spPr>
+            <p:txBody>
+              <a:bodyPr/>
+              <a:lstStyle/>
+              <a:p>
+                <a:r>
+                  <a:rPr lang="ko-KR" altLang="en-US">
+                    <a:noFill/>
+                  </a:rPr>
+                  <a:t> </a:t>
+                </a:r>
+              </a:p>
+            </p:txBody>
+          </p:sp>
+        </mc:Fallback>
+      </mc:AlternateContent>
+      <mc:AlternateContent xmlns:mc="http://schemas.openxmlformats.org/markup-compatibility/2006" xmlns:a14="http://schemas.microsoft.com/office/drawing/2010/main">
+        <mc:Choice Requires="a14">
+          <p:sp>
+            <p:nvSpPr>
+              <p:cNvPr id="7" name="TextBox 6"/>
+              <p:cNvSpPr txBox="1"/>
+              <p:nvPr/>
+            </p:nvSpPr>
+            <p:spPr>
+              <a:xfrm>
+                <a:off x="2699793" y="1967942"/>
+                <a:ext cx="1284134" cy="501356"/>
+              </a:xfrm>
+              <a:prstGeom prst="rect">
+                <a:avLst/>
+              </a:prstGeom>
+              <a:noFill/>
+            </p:spPr>
+            <p:txBody>
+              <a:bodyPr wrap="none" rtlCol="0">
+                <a:spAutoFit/>
+              </a:bodyPr>
+              <a:lstStyle/>
+              <a:p>
+                <a:pPr/>
+                <a14:m>
+                  <m:oMathPara xmlns:m="http://schemas.openxmlformats.org/officeDocument/2006/math">
+                    <m:oMathParaPr>
+                      <m:jc m:val="centerGroup"/>
+                    </m:oMathParaPr>
+                    <m:oMath xmlns:m="http://schemas.openxmlformats.org/officeDocument/2006/math">
+                      <m:r>
+                        <a:rPr lang="en-US" altLang="ko-KR" sz="1600" b="0" i="1" smtClean="0">
+                          <a:latin typeface="Cambria Math"/>
+                        </a:rPr>
+                        <m:t>𝐴</m:t>
+                      </m:r>
+                      <m:r>
+                        <a:rPr lang="en-US" altLang="ko-KR" sz="1600" b="0" i="1" smtClean="0">
+                          <a:latin typeface="Cambria Math"/>
+                        </a:rPr>
+                        <m:t>= </m:t>
+                      </m:r>
+                      <m:d>
+                        <m:dPr>
+                          <m:begChr m:val="["/>
+                          <m:endChr m:val="]"/>
+                          <m:ctrlPr>
+                            <a:rPr lang="en-US" altLang="ko-KR" sz="1600" b="0" i="1" smtClean="0">
+                              <a:latin typeface="Cambria Math" panose="02040503050406030204" pitchFamily="18" charset="0"/>
+                            </a:rPr>
+                          </m:ctrlPr>
+                        </m:dPr>
+                        <m:e>
+                          <m:m>
+                            <m:mPr>
+                              <m:mcs>
+                                <m:mc>
+                                  <m:mcPr>
+                                    <m:count m:val="2"/>
+                                    <m:mcJc m:val="center"/>
+                                  </m:mcPr>
+                                </m:mc>
+                              </m:mcs>
+                              <m:ctrlPr>
+                                <a:rPr lang="en-US" altLang="ko-KR" sz="1600" b="0" i="1" smtClean="0">
+                                  <a:latin typeface="Cambria Math" panose="02040503050406030204" pitchFamily="18" charset="0"/>
+                                </a:rPr>
+                              </m:ctrlPr>
+                            </m:mPr>
+                            <m:mr>
+                              <m:e>
+                                <m:r>
+                                  <m:rPr>
+                                    <m:brk m:alnAt="7"/>
+                                  </m:rPr>
+                                  <a:rPr lang="en-US" altLang="ko-KR" sz="1600" b="0" i="1" smtClean="0">
+                                    <a:latin typeface="Cambria Math"/>
+                                  </a:rPr>
+                                  <m:t>2</m:t>
+                                </m:r>
+                              </m:e>
+                              <m:e>
+                                <m:r>
+                                  <a:rPr lang="en-US" altLang="ko-KR" sz="1600" b="0" i="1" smtClean="0">
+                                    <a:latin typeface="Cambria Math"/>
+                                  </a:rPr>
+                                  <m:t>1</m:t>
+                                </m:r>
+                              </m:e>
+                            </m:mr>
+                            <m:mr>
+                              <m:e>
+                                <m:r>
+                                  <a:rPr lang="en-US" altLang="ko-KR" sz="1600" b="0" i="1" smtClean="0">
+                                    <a:latin typeface="Cambria Math"/>
+                                  </a:rPr>
+                                  <m:t>4</m:t>
+                                </m:r>
+                              </m:e>
+                              <m:e>
+                                <m:r>
+                                  <a:rPr lang="en-US" altLang="ko-KR" sz="1600" b="0" i="1" smtClean="0">
+                                    <a:latin typeface="Cambria Math"/>
+                                  </a:rPr>
+                                  <m:t>2</m:t>
+                                </m:r>
+                              </m:e>
+                            </m:mr>
+                          </m:m>
+                        </m:e>
+                      </m:d>
+                    </m:oMath>
+                  </m:oMathPara>
+                </a14:m>
+                <a:endParaRPr lang="ko-KR" altLang="en-US" sz="1600" dirty="0"/>
+              </a:p>
+            </p:txBody>
+          </p:sp>
+        </mc:Choice>
+        <mc:Fallback xmlns="">
+          <p:sp>
+            <p:nvSpPr>
+              <p:cNvPr id="7" name="TextBox 6"/>
+              <p:cNvSpPr txBox="1">
+                <a:spLocks noRot="1" noChangeAspect="1" noMove="1" noResize="1" noEditPoints="1" noAdjustHandles="1" noChangeArrowheads="1" noChangeShapeType="1" noTextEdit="1"/>
+              </p:cNvSpPr>
+              <p:nvPr/>
+            </p:nvSpPr>
+            <p:spPr>
+              <a:xfrm>
+                <a:off x="2699793" y="1967942"/>
+                <a:ext cx="1284134" cy="501356"/>
+              </a:xfrm>
+              <a:prstGeom prst="rect">
+                <a:avLst/>
+              </a:prstGeom>
+              <a:blipFill rotWithShape="1">
+                <a:blip r:embed="rId4"/>
+                <a:stretch>
+                  <a:fillRect b="-3659"/>
+                </a:stretch>
+              </a:blipFill>
+            </p:spPr>
+            <p:txBody>
+              <a:bodyPr/>
+              <a:lstStyle/>
+              <a:p>
+                <a:r>
+                  <a:rPr lang="ko-KR" altLang="en-US">
+                    <a:noFill/>
+                  </a:rPr>
+                  <a:t> </a:t>
+                </a:r>
+              </a:p>
+            </p:txBody>
+          </p:sp>
+        </mc:Fallback>
+      </mc:AlternateContent>
+      <mc:AlternateContent xmlns:mc="http://schemas.openxmlformats.org/markup-compatibility/2006">
+        <mc:Choice xmlns:a14="http://schemas.microsoft.com/office/drawing/2010/main" Requires="a14">
+          <p:sp>
+            <p:nvSpPr>
+              <p:cNvPr id="8" name="TextBox 7"/>
+              <p:cNvSpPr txBox="1"/>
+              <p:nvPr/>
+            </p:nvSpPr>
+            <p:spPr>
+              <a:xfrm>
+                <a:off x="2290763" y="3735665"/>
+                <a:ext cx="1662571" cy="646331"/>
+              </a:xfrm>
+              <a:prstGeom prst="rect">
+                <a:avLst/>
+              </a:prstGeom>
+              <a:noFill/>
+            </p:spPr>
+            <p:txBody>
+              <a:bodyPr wrap="none" rtlCol="0">
+                <a:spAutoFit/>
+              </a:bodyPr>
+              <a:lstStyle/>
+              <a:p>
+                <a:r>
+                  <a:rPr lang="en-US" altLang="ko-KR" dirty="0"/>
+                  <a:t>Column space</a:t>
+                </a:r>
+              </a:p>
+              <a:p>
+                <a:r>
+                  <a:rPr lang="en-US" altLang="ko-KR" dirty="0"/>
+                  <a:t>of matrix </a:t>
+                </a:r>
+                <a14:m>
+                  <m:oMath xmlns:m="http://schemas.openxmlformats.org/officeDocument/2006/math">
+                    <m:r>
+                      <a:rPr lang="en-US" altLang="ko-KR" i="1" dirty="0" smtClean="0">
+                        <a:latin typeface="Cambria Math" panose="02040503050406030204" pitchFamily="18" charset="0"/>
+                      </a:rPr>
+                      <m:t>𝐴</m:t>
+                    </m:r>
+                  </m:oMath>
+                </a14:m>
+                <a:endParaRPr lang="ko-KR" altLang="en-US" dirty="0"/>
+              </a:p>
+            </p:txBody>
+          </p:sp>
+        </mc:Choice>
+        <mc:Fallback>
+          <p:sp>
+            <p:nvSpPr>
+              <p:cNvPr id="8" name="TextBox 7"/>
+              <p:cNvSpPr txBox="1">
+                <a:spLocks noRot="1" noChangeAspect="1" noMove="1" noResize="1" noEditPoints="1" noAdjustHandles="1" noChangeArrowheads="1" noChangeShapeType="1" noTextEdit="1"/>
+              </p:cNvSpPr>
+              <p:nvPr/>
+            </p:nvSpPr>
+            <p:spPr>
+              <a:xfrm>
+                <a:off x="2290763" y="3735665"/>
+                <a:ext cx="1662571" cy="646331"/>
+              </a:xfrm>
+              <a:prstGeom prst="rect">
+                <a:avLst/>
+              </a:prstGeom>
+              <a:blipFill>
+                <a:blip r:embed="rId5"/>
+                <a:stretch>
+                  <a:fillRect l="-3297" t="-5660" r="-2198" b="-14151"/>
+                </a:stretch>
+              </a:blipFill>
+            </p:spPr>
+            <p:txBody>
+              <a:bodyPr/>
+              <a:lstStyle/>
+              <a:p>
+                <a:r>
+                  <a:rPr lang="en-US">
+                    <a:noFill/>
+                  </a:rPr>
+                  <a:t> </a:t>
+                </a:r>
+              </a:p>
+            </p:txBody>
+          </p:sp>
+        </mc:Fallback>
+      </mc:AlternateContent>
+      <p:cxnSp>
+        <p:nvCxnSpPr>
+          <p:cNvPr id="9" name="직선 화살표 연결선 8"/>
+          <p:cNvCxnSpPr>
+            <a:stCxn id="8" idx="2"/>
+          </p:cNvCxnSpPr>
+          <p:nvPr/>
+        </p:nvCxnSpPr>
+        <p:spPr>
+          <a:xfrm>
+            <a:off x="3122049" y="4381996"/>
+            <a:ext cx="861878" cy="258414"/>
+          </a:xfrm>
+          <a:prstGeom prst="straightConnector1">
+            <a:avLst/>
+          </a:prstGeom>
+          <a:ln>
+            <a:prstDash val="dash"/>
+            <a:tailEnd type="arrow"/>
+          </a:ln>
+        </p:spPr>
+        <p:style>
+          <a:lnRef idx="1">
+            <a:schemeClr val="accent1"/>
+          </a:lnRef>
+          <a:fillRef idx="0">
+            <a:schemeClr val="accent1"/>
+          </a:fillRef>
+          <a:effectRef idx="0">
+            <a:schemeClr val="accent1"/>
+          </a:effectRef>
+          <a:fontRef idx="minor">
+            <a:schemeClr val="tx1"/>
+          </a:fontRef>
+        </p:style>
+      </p:cxnSp>
+      <mc:AlternateContent xmlns:mc="http://schemas.openxmlformats.org/markup-compatibility/2006" xmlns:a14="http://schemas.microsoft.com/office/drawing/2010/main">
+        <mc:Choice Requires="a14">
+          <p:sp>
+            <p:nvSpPr>
+              <p:cNvPr id="10" name="TextBox 9"/>
+              <p:cNvSpPr txBox="1"/>
+              <p:nvPr/>
+            </p:nvSpPr>
+            <p:spPr>
+              <a:xfrm>
+                <a:off x="4958338" y="2564904"/>
+                <a:ext cx="477758" cy="450188"/>
+              </a:xfrm>
+              <a:prstGeom prst="rect">
+                <a:avLst/>
+              </a:prstGeom>
+              <a:noFill/>
+            </p:spPr>
+            <p:txBody>
+              <a:bodyPr wrap="none" rtlCol="0">
+                <a:spAutoFit/>
+              </a:bodyPr>
+              <a:lstStyle/>
+              <a:p>
+                <a:pPr/>
+                <a14:m>
+                  <m:oMathPara xmlns:m="http://schemas.openxmlformats.org/officeDocument/2006/math">
+                    <m:oMathParaPr>
+                      <m:jc m:val="centerGroup"/>
+                    </m:oMathParaPr>
+                    <m:oMath xmlns:m="http://schemas.openxmlformats.org/officeDocument/2006/math">
+                      <m:d>
+                        <m:dPr>
+                          <m:begChr m:val="["/>
+                          <m:endChr m:val="]"/>
+                          <m:ctrlPr>
+                            <a:rPr lang="en-US" altLang="ko-KR" sz="1400" i="1" smtClean="0">
+                              <a:latin typeface="Cambria Math" panose="02040503050406030204" pitchFamily="18" charset="0"/>
+                            </a:rPr>
+                          </m:ctrlPr>
+                        </m:dPr>
+                        <m:e>
+                          <m:m>
+                            <m:mPr>
+                              <m:mcs>
+                                <m:mc>
+                                  <m:mcPr>
+                                    <m:count m:val="1"/>
+                                    <m:mcJc m:val="center"/>
+                                  </m:mcPr>
+                                </m:mc>
+                              </m:mcs>
+                              <m:ctrlPr>
+                                <a:rPr lang="en-US" altLang="ko-KR" sz="1400" i="1" smtClean="0">
+                                  <a:latin typeface="Cambria Math" panose="02040503050406030204" pitchFamily="18" charset="0"/>
+                                </a:rPr>
+                              </m:ctrlPr>
+                            </m:mPr>
+                            <m:mr>
+                              <m:e>
+                                <m:r>
+                                  <m:rPr>
+                                    <m:brk m:alnAt="7"/>
+                                  </m:rPr>
+                                  <a:rPr lang="en-US" altLang="ko-KR" sz="1400" b="0" i="1" smtClean="0">
+                                    <a:latin typeface="Cambria Math"/>
+                                  </a:rPr>
+                                  <m:t>1</m:t>
+                                </m:r>
+                              </m:e>
+                            </m:mr>
+                            <m:mr>
+                              <m:e>
+                                <m:r>
+                                  <a:rPr lang="en-US" altLang="ko-KR" sz="1400" b="0" i="1" smtClean="0">
+                                    <a:latin typeface="Cambria Math"/>
+                                  </a:rPr>
+                                  <m:t>2</m:t>
+                                </m:r>
+                              </m:e>
+                            </m:mr>
+                          </m:m>
+                        </m:e>
+                      </m:d>
+                    </m:oMath>
+                  </m:oMathPara>
+                </a14:m>
+                <a:endParaRPr lang="ko-KR" altLang="en-US" sz="1400" dirty="0"/>
+              </a:p>
+            </p:txBody>
+          </p:sp>
+        </mc:Choice>
+        <mc:Fallback xmlns="">
+          <p:sp>
+            <p:nvSpPr>
+              <p:cNvPr id="10" name="TextBox 9"/>
+              <p:cNvSpPr txBox="1">
+                <a:spLocks noRot="1" noChangeAspect="1" noMove="1" noResize="1" noEditPoints="1" noAdjustHandles="1" noChangeArrowheads="1" noChangeShapeType="1" noTextEdit="1"/>
+              </p:cNvSpPr>
+              <p:nvPr/>
+            </p:nvSpPr>
+            <p:spPr>
+              <a:xfrm>
+                <a:off x="4958338" y="2564904"/>
+                <a:ext cx="477758" cy="450188"/>
+              </a:xfrm>
+              <a:prstGeom prst="rect">
+                <a:avLst/>
+              </a:prstGeom>
+              <a:blipFill rotWithShape="1">
+                <a:blip r:embed="rId6"/>
+                <a:stretch>
+                  <a:fillRect b="-2703"/>
+                </a:stretch>
+              </a:blipFill>
+            </p:spPr>
+            <p:txBody>
+              <a:bodyPr/>
+              <a:lstStyle/>
+              <a:p>
+                <a:r>
+                  <a:rPr lang="ko-KR" altLang="en-US">
+                    <a:noFill/>
+                  </a:rPr>
+                  <a:t> </a:t>
+                </a:r>
+              </a:p>
+            </p:txBody>
+          </p:sp>
+        </mc:Fallback>
+      </mc:AlternateContent>
+    </p:spTree>
+    <p:extLst>
+      <p:ext uri="{BB962C8B-B14F-4D97-AF65-F5344CB8AC3E}">
+        <p14:creationId xmlns:p14="http://schemas.microsoft.com/office/powerpoint/2010/main" val="3702297610"/>
+      </p:ext>
+    </p:extLst>
+  </p:cSld>
+  <p:clrMapOvr>
+    <a:masterClrMapping/>
+  </p:clrMapOvr>
+</p:sld>
+</file>
+
+<file path=ppt/slides/slide7.xml><?xml version="1.0" encoding="utf-8"?>
 <p:sld xmlns:a="http://schemas.openxmlformats.org/drawingml/2006/main" xmlns:r="http://schemas.openxmlformats.org/officeDocument/2006/relationships" xmlns:p="http://schemas.openxmlformats.org/presentationml/2006/main">
   <p:cSld>
     <p:spTree>
@@ -4913,7 +8260,7 @@
                           <m:endChr m:val="]"/>
                           <m:ctrlPr>
                             <a:rPr lang="en-US" altLang="ko-KR" sz="1400" i="1" smtClean="0">
-                              <a:latin typeface="Cambria Math"/>
+                              <a:latin typeface="Cambria Math" panose="02040503050406030204" pitchFamily="18" charset="0"/>
                             </a:rPr>
                           </m:ctrlPr>
                         </m:dPr>
@@ -4930,7 +8277,7 @@
                               </m:mcs>
                               <m:ctrlPr>
                                 <a:rPr lang="en-US" altLang="ko-KR" sz="1400" i="1" smtClean="0">
-                                  <a:latin typeface="Cambria Math"/>
+                                  <a:latin typeface="Cambria Math" panose="02040503050406030204" pitchFamily="18" charset="0"/>
                                 </a:rPr>
                               </m:ctrlPr>
                             </m:mPr>
@@ -5042,7 +8389,7 @@
                           <m:endChr m:val="]"/>
                           <m:ctrlPr>
                             <a:rPr lang="en-US" altLang="ko-KR" sz="1400" i="1" smtClean="0">
-                              <a:latin typeface="Cambria Math"/>
+                              <a:latin typeface="Cambria Math" panose="02040503050406030204" pitchFamily="18" charset="0"/>
                             </a:rPr>
                           </m:ctrlPr>
                         </m:dPr>
@@ -5059,7 +8406,7 @@
                               </m:mcs>
                               <m:ctrlPr>
                                 <a:rPr lang="en-US" altLang="ko-KR" sz="1400" i="1" smtClean="0">
-                                  <a:latin typeface="Cambria Math"/>
+                                  <a:latin typeface="Cambria Math" panose="02040503050406030204" pitchFamily="18" charset="0"/>
                                 </a:rPr>
                               </m:ctrlPr>
                             </m:mPr>
@@ -5183,7 +8530,7 @@
                           <m:endChr m:val="]"/>
                           <m:ctrlPr>
                             <a:rPr lang="en-US" altLang="ko-KR" sz="1600" b="0" i="1" smtClean="0">
-                              <a:latin typeface="Cambria Math"/>
+                              <a:latin typeface="Cambria Math" panose="02040503050406030204" pitchFamily="18" charset="0"/>
                             </a:rPr>
                           </m:ctrlPr>
                         </m:dPr>
@@ -5200,7 +8547,7 @@
                               </m:mcs>
                               <m:ctrlPr>
                                 <a:rPr lang="en-US" altLang="ko-KR" sz="1600" b="0" i="1" smtClean="0">
-                                  <a:latin typeface="Cambria Math"/>
+                                  <a:latin typeface="Cambria Math" panose="02040503050406030204" pitchFamily="18" charset="0"/>
                                 </a:rPr>
                               </m:ctrlPr>
                             </m:mPr>
@@ -5316,10 +8663,9 @@
           <a:lstStyle/>
           <a:p>
             <a:r>
-              <a:rPr lang="ko-KR" altLang="en-US" dirty="0" smtClean="0"/>
+              <a:rPr lang="ko-KR" altLang="en-US" dirty="0"/>
               <a:t>행공간</a:t>
             </a:r>
-            <a:endParaRPr lang="ko-KR" altLang="en-US" dirty="0"/>
           </a:p>
         </p:txBody>
       </p:sp>
@@ -5380,10 +8726,9 @@
           <a:lstStyle/>
           <a:p>
             <a:r>
-              <a:rPr lang="ko-KR" altLang="en-US" dirty="0" smtClean="0"/>
+              <a:rPr lang="ko-KR" altLang="en-US" dirty="0"/>
               <a:t>영공간</a:t>
             </a:r>
-            <a:endParaRPr lang="ko-KR" altLang="en-US" dirty="0"/>
           </a:p>
         </p:txBody>
       </p:sp>
@@ -5444,10 +8789,9 @@
           <a:lstStyle/>
           <a:p>
             <a:r>
-              <a:rPr lang="ko-KR" altLang="en-US" dirty="0" smtClean="0"/>
+              <a:rPr lang="ko-KR" altLang="en-US" dirty="0"/>
               <a:t>열공간</a:t>
             </a:r>
-            <a:endParaRPr lang="ko-KR" altLang="en-US" dirty="0"/>
           </a:p>
         </p:txBody>
       </p:sp>
@@ -5498,7 +8842,710 @@
 </p:sld>
 </file>
 
-<file path=ppt/slides/slide5.xml><?xml version="1.0" encoding="utf-8"?>
+<file path=ppt/slides/slide8.xml><?xml version="1.0" encoding="utf-8"?>
+<p:sld xmlns:a="http://schemas.openxmlformats.org/drawingml/2006/main" xmlns:r="http://schemas.openxmlformats.org/officeDocument/2006/relationships" xmlns:p="http://schemas.openxmlformats.org/presentationml/2006/main">
+  <p:cSld>
+    <p:spTree>
+      <p:nvGrpSpPr>
+        <p:cNvPr id="1" name=""/>
+        <p:cNvGrpSpPr/>
+        <p:nvPr/>
+      </p:nvGrpSpPr>
+      <p:grpSpPr>
+        <a:xfrm>
+          <a:off x="0" y="0"/>
+          <a:ext cx="0" cy="0"/>
+          <a:chOff x="0" y="0"/>
+          <a:chExt cx="0" cy="0"/>
+        </a:xfrm>
+      </p:grpSpPr>
+      <p:pic>
+        <p:nvPicPr>
+          <p:cNvPr id="2" name="Picture 2"/>
+          <p:cNvPicPr>
+            <a:picLocks noChangeAspect="1" noChangeArrowheads="1"/>
+          </p:cNvPicPr>
+          <p:nvPr/>
+        </p:nvPicPr>
+        <p:blipFill>
+          <a:blip r:embed="rId2">
+            <a:extLst>
+              <a:ext uri="{28A0092B-C50C-407E-A947-70E740481C1C}">
+                <a14:useLocalDpi xmlns:a14="http://schemas.microsoft.com/office/drawing/2010/main" val="0"/>
+              </a:ext>
+            </a:extLst>
+          </a:blip>
+          <a:srcRect/>
+          <a:stretch>
+            <a:fillRect/>
+          </a:stretch>
+        </p:blipFill>
+        <p:spPr bwMode="auto">
+          <a:xfrm>
+            <a:off x="2290763" y="1147763"/>
+            <a:ext cx="4562475" cy="4562475"/>
+          </a:xfrm>
+          <a:prstGeom prst="rect">
+            <a:avLst/>
+          </a:prstGeom>
+          <a:noFill/>
+          <a:ln>
+            <a:noFill/>
+          </a:ln>
+          <a:effectLst/>
+          <a:extLst>
+            <a:ext uri="{909E8E84-426E-40DD-AFC4-6F175D3DCCD1}">
+              <a14:hiddenFill xmlns:a14="http://schemas.microsoft.com/office/drawing/2010/main">
+                <a:solidFill>
+                  <a:schemeClr val="accent1"/>
+                </a:solidFill>
+              </a14:hiddenFill>
+            </a:ext>
+            <a:ext uri="{91240B29-F687-4F45-9708-019B960494DF}">
+              <a14:hiddenLine xmlns:a14="http://schemas.microsoft.com/office/drawing/2010/main" w="9525">
+                <a:solidFill>
+                  <a:schemeClr val="tx1"/>
+                </a:solidFill>
+                <a:miter lim="800000"/>
+                <a:headEnd/>
+                <a:tailEnd/>
+              </a14:hiddenLine>
+            </a:ext>
+            <a:ext uri="{AF507438-7753-43E0-B8FC-AC1667EBCBE1}">
+              <a14:hiddenEffects xmlns:a14="http://schemas.microsoft.com/office/drawing/2010/main">
+                <a:effectLst>
+                  <a:outerShdw dist="35921" dir="2700000" algn="ctr" rotWithShape="0">
+                    <a:schemeClr val="bg2"/>
+                  </a:outerShdw>
+                </a:effectLst>
+              </a14:hiddenEffects>
+            </a:ext>
+          </a:extLst>
+        </p:spPr>
+      </p:pic>
+      <mc:AlternateContent xmlns:mc="http://schemas.openxmlformats.org/markup-compatibility/2006" xmlns:a14="http://schemas.microsoft.com/office/drawing/2010/main">
+        <mc:Choice Requires="a14">
+          <p:sp>
+            <p:nvSpPr>
+              <p:cNvPr id="5" name="TextBox 4"/>
+              <p:cNvSpPr txBox="1"/>
+              <p:nvPr/>
+            </p:nvSpPr>
+            <p:spPr>
+              <a:xfrm>
+                <a:off x="5188985" y="2996953"/>
+                <a:ext cx="751168" cy="307777"/>
+              </a:xfrm>
+              <a:prstGeom prst="rect">
+                <a:avLst/>
+              </a:prstGeom>
+              <a:noFill/>
+            </p:spPr>
+            <p:txBody>
+              <a:bodyPr wrap="none" rtlCol="0">
+                <a:spAutoFit/>
+              </a:bodyPr>
+              <a:lstStyle/>
+              <a:p>
+                <a:pPr/>
+                <a14:m>
+                  <m:oMathPara xmlns:m="http://schemas.openxmlformats.org/officeDocument/2006/math">
+                    <m:oMathParaPr>
+                      <m:jc m:val="centerGroup"/>
+                    </m:oMathParaPr>
+                    <m:oMath xmlns:m="http://schemas.openxmlformats.org/officeDocument/2006/math">
+                      <m:d>
+                        <m:dPr>
+                          <m:begChr m:val="["/>
+                          <m:endChr m:val="]"/>
+                          <m:ctrlPr>
+                            <a:rPr lang="en-US" altLang="ko-KR" sz="1400" i="1" smtClean="0">
+                              <a:latin typeface="Cambria Math" panose="02040503050406030204" pitchFamily="18" charset="0"/>
+                            </a:rPr>
+                          </m:ctrlPr>
+                        </m:dPr>
+                        <m:e>
+                          <m:m>
+                            <m:mPr>
+                              <m:mcs>
+                                <m:mc>
+                                  <m:mcPr>
+                                    <m:count m:val="2"/>
+                                    <m:mcJc m:val="center"/>
+                                  </m:mcPr>
+                                </m:mc>
+                              </m:mcs>
+                              <m:ctrlPr>
+                                <a:rPr lang="en-US" altLang="ko-KR" sz="1400" i="1" smtClean="0">
+                                  <a:latin typeface="Cambria Math" panose="02040503050406030204" pitchFamily="18" charset="0"/>
+                                </a:rPr>
+                              </m:ctrlPr>
+                            </m:mPr>
+                            <m:mr>
+                              <m:e>
+                                <m:r>
+                                  <m:rPr>
+                                    <m:brk m:alnAt="7"/>
+                                  </m:rPr>
+                                  <a:rPr lang="en-US" altLang="ko-KR" sz="1400" b="0" i="1" smtClean="0">
+                                    <a:latin typeface="Cambria Math"/>
+                                  </a:rPr>
+                                  <m:t>2</m:t>
+                                </m:r>
+                              </m:e>
+                              <m:e>
+                                <m:r>
+                                  <a:rPr lang="en-US" altLang="ko-KR" sz="1400" b="0" i="1" smtClean="0">
+                                    <a:latin typeface="Cambria Math"/>
+                                  </a:rPr>
+                                  <m:t>1</m:t>
+                                </m:r>
+                              </m:e>
+                            </m:mr>
+                          </m:m>
+                        </m:e>
+                      </m:d>
+                    </m:oMath>
+                  </m:oMathPara>
+                </a14:m>
+                <a:endParaRPr lang="ko-KR" altLang="en-US" sz="1400" dirty="0"/>
+              </a:p>
+            </p:txBody>
+          </p:sp>
+        </mc:Choice>
+        <mc:Fallback xmlns="">
+          <p:sp>
+            <p:nvSpPr>
+              <p:cNvPr id="5" name="TextBox 4"/>
+              <p:cNvSpPr txBox="1">
+                <a:spLocks noRot="1" noChangeAspect="1" noMove="1" noResize="1" noEditPoints="1" noAdjustHandles="1" noChangeArrowheads="1" noChangeShapeType="1" noTextEdit="1"/>
+              </p:cNvSpPr>
+              <p:nvPr/>
+            </p:nvSpPr>
+            <p:spPr>
+              <a:xfrm>
+                <a:off x="5188985" y="2996953"/>
+                <a:ext cx="751168" cy="307777"/>
+              </a:xfrm>
+              <a:prstGeom prst="rect">
+                <a:avLst/>
+              </a:prstGeom>
+              <a:blipFill rotWithShape="1">
+                <a:blip r:embed="rId3"/>
+                <a:stretch>
+                  <a:fillRect/>
+                </a:stretch>
+              </a:blipFill>
+            </p:spPr>
+            <p:txBody>
+              <a:bodyPr/>
+              <a:lstStyle/>
+              <a:p>
+                <a:r>
+                  <a:rPr lang="ko-KR" altLang="en-US">
+                    <a:noFill/>
+                  </a:rPr>
+                  <a:t> </a:t>
+                </a:r>
+              </a:p>
+            </p:txBody>
+          </p:sp>
+        </mc:Fallback>
+      </mc:AlternateContent>
+      <mc:AlternateContent xmlns:mc="http://schemas.openxmlformats.org/markup-compatibility/2006" xmlns:a14="http://schemas.microsoft.com/office/drawing/2010/main">
+        <mc:Choice Requires="a14">
+          <p:sp>
+            <p:nvSpPr>
+              <p:cNvPr id="6" name="TextBox 5"/>
+              <p:cNvSpPr txBox="1"/>
+              <p:nvPr/>
+            </p:nvSpPr>
+            <p:spPr>
+              <a:xfrm>
+                <a:off x="5436097" y="2218620"/>
+                <a:ext cx="751167" cy="307777"/>
+              </a:xfrm>
+              <a:prstGeom prst="rect">
+                <a:avLst/>
+              </a:prstGeom>
+              <a:noFill/>
+            </p:spPr>
+            <p:txBody>
+              <a:bodyPr wrap="none" rtlCol="0">
+                <a:spAutoFit/>
+              </a:bodyPr>
+              <a:lstStyle/>
+              <a:p>
+                <a:pPr/>
+                <a14:m>
+                  <m:oMathPara xmlns:m="http://schemas.openxmlformats.org/officeDocument/2006/math">
+                    <m:oMathParaPr>
+                      <m:jc m:val="centerGroup"/>
+                    </m:oMathParaPr>
+                    <m:oMath xmlns:m="http://schemas.openxmlformats.org/officeDocument/2006/math">
+                      <m:d>
+                        <m:dPr>
+                          <m:begChr m:val="["/>
+                          <m:endChr m:val="]"/>
+                          <m:ctrlPr>
+                            <a:rPr lang="en-US" altLang="ko-KR" sz="1400" i="1" smtClean="0">
+                              <a:latin typeface="Cambria Math" panose="02040503050406030204" pitchFamily="18" charset="0"/>
+                            </a:rPr>
+                          </m:ctrlPr>
+                        </m:dPr>
+                        <m:e>
+                          <m:m>
+                            <m:mPr>
+                              <m:mcs>
+                                <m:mc>
+                                  <m:mcPr>
+                                    <m:count m:val="2"/>
+                                    <m:mcJc m:val="center"/>
+                                  </m:mcPr>
+                                </m:mc>
+                              </m:mcs>
+                              <m:ctrlPr>
+                                <a:rPr lang="en-US" altLang="ko-KR" sz="1400" i="1" smtClean="0">
+                                  <a:latin typeface="Cambria Math" panose="02040503050406030204" pitchFamily="18" charset="0"/>
+                                </a:rPr>
+                              </m:ctrlPr>
+                            </m:mPr>
+                            <m:mr>
+                              <m:e>
+                                <m:r>
+                                  <m:rPr>
+                                    <m:brk m:alnAt="7"/>
+                                  </m:rPr>
+                                  <a:rPr lang="en-US" altLang="ko-KR" sz="1400" b="0" i="1" smtClean="0">
+                                    <a:latin typeface="Cambria Math"/>
+                                  </a:rPr>
+                                  <m:t>4</m:t>
+                                </m:r>
+                              </m:e>
+                              <m:e>
+                                <m:r>
+                                  <a:rPr lang="en-US" altLang="ko-KR" sz="1400" b="0" i="1" smtClean="0">
+                                    <a:latin typeface="Cambria Math"/>
+                                  </a:rPr>
+                                  <m:t>2</m:t>
+                                </m:r>
+                              </m:e>
+                            </m:mr>
+                          </m:m>
+                        </m:e>
+                      </m:d>
+                    </m:oMath>
+                  </m:oMathPara>
+                </a14:m>
+                <a:endParaRPr lang="ko-KR" altLang="en-US" sz="1400" dirty="0"/>
+              </a:p>
+            </p:txBody>
+          </p:sp>
+        </mc:Choice>
+        <mc:Fallback xmlns="">
+          <p:sp>
+            <p:nvSpPr>
+              <p:cNvPr id="6" name="TextBox 5"/>
+              <p:cNvSpPr txBox="1">
+                <a:spLocks noRot="1" noChangeAspect="1" noMove="1" noResize="1" noEditPoints="1" noAdjustHandles="1" noChangeArrowheads="1" noChangeShapeType="1" noTextEdit="1"/>
+              </p:cNvSpPr>
+              <p:nvPr/>
+            </p:nvSpPr>
+            <p:spPr>
+              <a:xfrm>
+                <a:off x="5436097" y="2218620"/>
+                <a:ext cx="751167" cy="307777"/>
+              </a:xfrm>
+              <a:prstGeom prst="rect">
+                <a:avLst/>
+              </a:prstGeom>
+              <a:blipFill rotWithShape="1">
+                <a:blip r:embed="rId4"/>
+                <a:stretch>
+                  <a:fillRect/>
+                </a:stretch>
+              </a:blipFill>
+            </p:spPr>
+            <p:txBody>
+              <a:bodyPr/>
+              <a:lstStyle/>
+              <a:p>
+                <a:r>
+                  <a:rPr lang="ko-KR" altLang="en-US">
+                    <a:noFill/>
+                  </a:rPr>
+                  <a:t> </a:t>
+                </a:r>
+              </a:p>
+            </p:txBody>
+          </p:sp>
+        </mc:Fallback>
+      </mc:AlternateContent>
+      <mc:AlternateContent xmlns:mc="http://schemas.openxmlformats.org/markup-compatibility/2006" xmlns:a14="http://schemas.microsoft.com/office/drawing/2010/main">
+        <mc:Choice Requires="a14">
+          <p:sp>
+            <p:nvSpPr>
+              <p:cNvPr id="7" name="TextBox 6"/>
+              <p:cNvSpPr txBox="1"/>
+              <p:nvPr/>
+            </p:nvSpPr>
+            <p:spPr>
+              <a:xfrm>
+                <a:off x="2699793" y="1967942"/>
+                <a:ext cx="1284134" cy="501356"/>
+              </a:xfrm>
+              <a:prstGeom prst="rect">
+                <a:avLst/>
+              </a:prstGeom>
+              <a:noFill/>
+            </p:spPr>
+            <p:txBody>
+              <a:bodyPr wrap="none" rtlCol="0">
+                <a:spAutoFit/>
+              </a:bodyPr>
+              <a:lstStyle/>
+              <a:p>
+                <a:pPr/>
+                <a14:m>
+                  <m:oMathPara xmlns:m="http://schemas.openxmlformats.org/officeDocument/2006/math">
+                    <m:oMathParaPr>
+                      <m:jc m:val="centerGroup"/>
+                    </m:oMathParaPr>
+                    <m:oMath xmlns:m="http://schemas.openxmlformats.org/officeDocument/2006/math">
+                      <m:r>
+                        <a:rPr lang="en-US" altLang="ko-KR" sz="1600" b="0" i="1" smtClean="0">
+                          <a:latin typeface="Cambria Math"/>
+                        </a:rPr>
+                        <m:t>𝐴</m:t>
+                      </m:r>
+                      <m:r>
+                        <a:rPr lang="en-US" altLang="ko-KR" sz="1600" b="0" i="1" smtClean="0">
+                          <a:latin typeface="Cambria Math"/>
+                        </a:rPr>
+                        <m:t>= </m:t>
+                      </m:r>
+                      <m:d>
+                        <m:dPr>
+                          <m:begChr m:val="["/>
+                          <m:endChr m:val="]"/>
+                          <m:ctrlPr>
+                            <a:rPr lang="en-US" altLang="ko-KR" sz="1600" b="0" i="1" smtClean="0">
+                              <a:latin typeface="Cambria Math" panose="02040503050406030204" pitchFamily="18" charset="0"/>
+                            </a:rPr>
+                          </m:ctrlPr>
+                        </m:dPr>
+                        <m:e>
+                          <m:m>
+                            <m:mPr>
+                              <m:mcs>
+                                <m:mc>
+                                  <m:mcPr>
+                                    <m:count m:val="2"/>
+                                    <m:mcJc m:val="center"/>
+                                  </m:mcPr>
+                                </m:mc>
+                              </m:mcs>
+                              <m:ctrlPr>
+                                <a:rPr lang="en-US" altLang="ko-KR" sz="1600" b="0" i="1" smtClean="0">
+                                  <a:latin typeface="Cambria Math" panose="02040503050406030204" pitchFamily="18" charset="0"/>
+                                </a:rPr>
+                              </m:ctrlPr>
+                            </m:mPr>
+                            <m:mr>
+                              <m:e>
+                                <m:r>
+                                  <m:rPr>
+                                    <m:brk m:alnAt="7"/>
+                                  </m:rPr>
+                                  <a:rPr lang="en-US" altLang="ko-KR" sz="1600" b="0" i="1" smtClean="0">
+                                    <a:latin typeface="Cambria Math"/>
+                                  </a:rPr>
+                                  <m:t>2</m:t>
+                                </m:r>
+                              </m:e>
+                              <m:e>
+                                <m:r>
+                                  <a:rPr lang="en-US" altLang="ko-KR" sz="1600" b="0" i="1" smtClean="0">
+                                    <a:latin typeface="Cambria Math"/>
+                                  </a:rPr>
+                                  <m:t>1</m:t>
+                                </m:r>
+                              </m:e>
+                            </m:mr>
+                            <m:mr>
+                              <m:e>
+                                <m:r>
+                                  <a:rPr lang="en-US" altLang="ko-KR" sz="1600" b="0" i="1" smtClean="0">
+                                    <a:latin typeface="Cambria Math"/>
+                                  </a:rPr>
+                                  <m:t>4</m:t>
+                                </m:r>
+                              </m:e>
+                              <m:e>
+                                <m:r>
+                                  <a:rPr lang="en-US" altLang="ko-KR" sz="1600" b="0" i="1" smtClean="0">
+                                    <a:latin typeface="Cambria Math"/>
+                                  </a:rPr>
+                                  <m:t>2</m:t>
+                                </m:r>
+                              </m:e>
+                            </m:mr>
+                          </m:m>
+                        </m:e>
+                      </m:d>
+                    </m:oMath>
+                  </m:oMathPara>
+                </a14:m>
+                <a:endParaRPr lang="ko-KR" altLang="en-US" sz="1600" dirty="0"/>
+              </a:p>
+            </p:txBody>
+          </p:sp>
+        </mc:Choice>
+        <mc:Fallback xmlns="">
+          <p:sp>
+            <p:nvSpPr>
+              <p:cNvPr id="7" name="TextBox 6"/>
+              <p:cNvSpPr txBox="1">
+                <a:spLocks noRot="1" noChangeAspect="1" noMove="1" noResize="1" noEditPoints="1" noAdjustHandles="1" noChangeArrowheads="1" noChangeShapeType="1" noTextEdit="1"/>
+              </p:cNvSpPr>
+              <p:nvPr/>
+            </p:nvSpPr>
+            <p:spPr>
+              <a:xfrm>
+                <a:off x="2699793" y="1967942"/>
+                <a:ext cx="1284134" cy="501356"/>
+              </a:xfrm>
+              <a:prstGeom prst="rect">
+                <a:avLst/>
+              </a:prstGeom>
+              <a:blipFill rotWithShape="1">
+                <a:blip r:embed="rId5"/>
+                <a:stretch>
+                  <a:fillRect b="-3659"/>
+                </a:stretch>
+              </a:blipFill>
+            </p:spPr>
+            <p:txBody>
+              <a:bodyPr/>
+              <a:lstStyle/>
+              <a:p>
+                <a:r>
+                  <a:rPr lang="ko-KR" altLang="en-US">
+                    <a:noFill/>
+                  </a:rPr>
+                  <a:t> </a:t>
+                </a:r>
+              </a:p>
+            </p:txBody>
+          </p:sp>
+        </mc:Fallback>
+      </mc:AlternateContent>
+      <p:sp>
+        <p:nvSpPr>
+          <p:cNvPr id="8" name="TextBox 7"/>
+          <p:cNvSpPr txBox="1"/>
+          <p:nvPr/>
+        </p:nvSpPr>
+        <p:spPr>
+          <a:xfrm>
+            <a:off x="2699792" y="4648010"/>
+            <a:ext cx="1320298" cy="369332"/>
+          </a:xfrm>
+          <a:prstGeom prst="rect">
+            <a:avLst/>
+          </a:prstGeom>
+          <a:noFill/>
+        </p:spPr>
+        <p:txBody>
+          <a:bodyPr wrap="none" rtlCol="0">
+            <a:spAutoFit/>
+          </a:bodyPr>
+          <a:lstStyle/>
+          <a:p>
+            <a:r>
+              <a:rPr lang="en-US" altLang="ko-KR" dirty="0"/>
+              <a:t>Row Space</a:t>
+            </a:r>
+            <a:endParaRPr lang="ko-KR" altLang="en-US" dirty="0"/>
+          </a:p>
+        </p:txBody>
+      </p:sp>
+      <p:cxnSp>
+        <p:nvCxnSpPr>
+          <p:cNvPr id="9" name="직선 화살표 연결선 8"/>
+          <p:cNvCxnSpPr/>
+          <p:nvPr/>
+        </p:nvCxnSpPr>
+        <p:spPr>
+          <a:xfrm flipV="1">
+            <a:off x="3341860" y="3933057"/>
+            <a:ext cx="222029" cy="720080"/>
+          </a:xfrm>
+          <a:prstGeom prst="straightConnector1">
+            <a:avLst/>
+          </a:prstGeom>
+          <a:ln>
+            <a:prstDash val="dash"/>
+            <a:tailEnd type="arrow"/>
+          </a:ln>
+        </p:spPr>
+        <p:style>
+          <a:lnRef idx="1">
+            <a:schemeClr val="accent1"/>
+          </a:lnRef>
+          <a:fillRef idx="0">
+            <a:schemeClr val="accent1"/>
+          </a:fillRef>
+          <a:effectRef idx="0">
+            <a:schemeClr val="accent1"/>
+          </a:effectRef>
+          <a:fontRef idx="minor">
+            <a:schemeClr val="tx1"/>
+          </a:fontRef>
+        </p:style>
+      </p:cxnSp>
+      <p:sp>
+        <p:nvSpPr>
+          <p:cNvPr id="10" name="TextBox 9"/>
+          <p:cNvSpPr txBox="1"/>
+          <p:nvPr/>
+        </p:nvSpPr>
+        <p:spPr>
+          <a:xfrm>
+            <a:off x="5724128" y="3923765"/>
+            <a:ext cx="1300292" cy="369332"/>
+          </a:xfrm>
+          <a:prstGeom prst="rect">
+            <a:avLst/>
+          </a:prstGeom>
+          <a:noFill/>
+        </p:spPr>
+        <p:txBody>
+          <a:bodyPr wrap="none" rtlCol="0">
+            <a:spAutoFit/>
+          </a:bodyPr>
+          <a:lstStyle/>
+          <a:p>
+            <a:r>
+              <a:rPr lang="en-US" altLang="ko-KR" dirty="0"/>
+              <a:t>Null Space</a:t>
+            </a:r>
+            <a:endParaRPr lang="ko-KR" altLang="en-US" dirty="0"/>
+          </a:p>
+        </p:txBody>
+      </p:sp>
+      <p:cxnSp>
+        <p:nvCxnSpPr>
+          <p:cNvPr id="11" name="직선 화살표 연결선 10"/>
+          <p:cNvCxnSpPr/>
+          <p:nvPr/>
+        </p:nvCxnSpPr>
+        <p:spPr>
+          <a:xfrm>
+            <a:off x="5288765" y="1323793"/>
+            <a:ext cx="147332" cy="352060"/>
+          </a:xfrm>
+          <a:prstGeom prst="straightConnector1">
+            <a:avLst/>
+          </a:prstGeom>
+          <a:ln>
+            <a:prstDash val="dash"/>
+            <a:tailEnd type="arrow"/>
+          </a:ln>
+        </p:spPr>
+        <p:style>
+          <a:lnRef idx="1">
+            <a:schemeClr val="accent1"/>
+          </a:lnRef>
+          <a:fillRef idx="0">
+            <a:schemeClr val="accent1"/>
+          </a:fillRef>
+          <a:effectRef idx="0">
+            <a:schemeClr val="accent1"/>
+          </a:effectRef>
+          <a:fontRef idx="minor">
+            <a:schemeClr val="tx1"/>
+          </a:fontRef>
+        </p:style>
+      </p:cxnSp>
+      <p:sp>
+        <p:nvSpPr>
+          <p:cNvPr id="12" name="TextBox 11"/>
+          <p:cNvSpPr txBox="1"/>
+          <p:nvPr/>
+        </p:nvSpPr>
+        <p:spPr>
+          <a:xfrm>
+            <a:off x="4467957" y="954461"/>
+            <a:ext cx="1688219" cy="369332"/>
+          </a:xfrm>
+          <a:prstGeom prst="rect">
+            <a:avLst/>
+          </a:prstGeom>
+          <a:noFill/>
+        </p:spPr>
+        <p:txBody>
+          <a:bodyPr wrap="none" rtlCol="0">
+            <a:spAutoFit/>
+          </a:bodyPr>
+          <a:lstStyle/>
+          <a:p>
+            <a:r>
+              <a:rPr lang="en-US" altLang="ko-KR" dirty="0"/>
+              <a:t>Column Space</a:t>
+            </a:r>
+            <a:endParaRPr lang="ko-KR" altLang="en-US" dirty="0"/>
+          </a:p>
+        </p:txBody>
+      </p:sp>
+      <p:cxnSp>
+        <p:nvCxnSpPr>
+          <p:cNvPr id="13" name="직선 화살표 연결선 12"/>
+          <p:cNvCxnSpPr/>
+          <p:nvPr/>
+        </p:nvCxnSpPr>
+        <p:spPr>
+          <a:xfrm flipH="1">
+            <a:off x="5151380" y="4180440"/>
+            <a:ext cx="648072" cy="112657"/>
+          </a:xfrm>
+          <a:prstGeom prst="straightConnector1">
+            <a:avLst/>
+          </a:prstGeom>
+          <a:ln>
+            <a:prstDash val="dash"/>
+            <a:tailEnd type="arrow"/>
+          </a:ln>
+        </p:spPr>
+        <p:style>
+          <a:lnRef idx="1">
+            <a:schemeClr val="accent1"/>
+          </a:lnRef>
+          <a:fillRef idx="0">
+            <a:schemeClr val="accent1"/>
+          </a:fillRef>
+          <a:effectRef idx="0">
+            <a:schemeClr val="accent1"/>
+          </a:effectRef>
+          <a:fontRef idx="minor">
+            <a:schemeClr val="tx1"/>
+          </a:fontRef>
+        </p:style>
+      </p:cxnSp>
+    </p:spTree>
+    <p:extLst>
+      <p:ext uri="{BB962C8B-B14F-4D97-AF65-F5344CB8AC3E}">
+        <p14:creationId xmlns:p14="http://schemas.microsoft.com/office/powerpoint/2010/main" val="692454012"/>
+      </p:ext>
+    </p:extLst>
+  </p:cSld>
+  <p:clrMapOvr>
+    <a:masterClrMapping/>
+  </p:clrMapOvr>
+</p:sld>
+</file>
+
+<file path=ppt/slides/slide9.xml><?xml version="1.0" encoding="utf-8"?>
 <p:sld xmlns:a="http://schemas.openxmlformats.org/drawingml/2006/main" xmlns:r="http://schemas.openxmlformats.org/officeDocument/2006/relationships" xmlns:p="http://schemas.openxmlformats.org/presentationml/2006/main">
   <p:cSld>
     <p:spTree>
@@ -5628,7 +9675,7 @@
                           <m:endChr m:val="]"/>
                           <m:ctrlPr>
                             <a:rPr lang="en-US" altLang="ko-KR" sz="1600" b="0" i="1" smtClean="0">
-                              <a:latin typeface="Cambria Math"/>
+                              <a:latin typeface="Cambria Math" panose="02040503050406030204" pitchFamily="18" charset="0"/>
                             </a:rPr>
                           </m:ctrlPr>
                         </m:dPr>
@@ -5645,7 +9692,7 @@
                               </m:mcs>
                               <m:ctrlPr>
                                 <a:rPr lang="en-US" altLang="ko-KR" sz="1600" b="0" i="1" smtClean="0">
-                                  <a:latin typeface="Cambria Math"/>
+                                  <a:latin typeface="Cambria Math" panose="02040503050406030204" pitchFamily="18" charset="0"/>
                                 </a:rPr>
                               </m:ctrlPr>
                             </m:mPr>
@@ -5742,773 +9789,6 @@
     <p:extLst>
       <p:ext uri="{BB962C8B-B14F-4D97-AF65-F5344CB8AC3E}">
         <p14:creationId xmlns:p14="http://schemas.microsoft.com/office/powerpoint/2010/main" val="3460995690"/>
-      </p:ext>
-    </p:extLst>
-  </p:cSld>
-  <p:clrMapOvr>
-    <a:masterClrMapping/>
-  </p:clrMapOvr>
-</p:sld>
-</file>
-
-<file path=ppt/slides/slide6.xml><?xml version="1.0" encoding="utf-8"?>
-<p:sld xmlns:a="http://schemas.openxmlformats.org/drawingml/2006/main" xmlns:r="http://schemas.openxmlformats.org/officeDocument/2006/relationships" xmlns:p="http://schemas.openxmlformats.org/presentationml/2006/main">
-  <p:cSld>
-    <p:spTree>
-      <p:nvGrpSpPr>
-        <p:cNvPr id="1" name=""/>
-        <p:cNvGrpSpPr/>
-        <p:nvPr/>
-      </p:nvGrpSpPr>
-      <p:grpSpPr>
-        <a:xfrm>
-          <a:off x="0" y="0"/>
-          <a:ext cx="0" cy="0"/>
-          <a:chOff x="0" y="0"/>
-          <a:chExt cx="0" cy="0"/>
-        </a:xfrm>
-      </p:grpSpPr>
-      <p:pic>
-        <p:nvPicPr>
-          <p:cNvPr id="1026" name="Picture 2"/>
-          <p:cNvPicPr>
-            <a:picLocks noChangeAspect="1" noChangeArrowheads="1"/>
-          </p:cNvPicPr>
-          <p:nvPr/>
-        </p:nvPicPr>
-        <p:blipFill>
-          <a:blip r:embed="rId2">
-            <a:extLst>
-              <a:ext uri="{28A0092B-C50C-407E-A947-70E740481C1C}">
-                <a14:useLocalDpi xmlns:a14="http://schemas.microsoft.com/office/drawing/2010/main" val="0"/>
-              </a:ext>
-            </a:extLst>
-          </a:blip>
-          <a:srcRect/>
-          <a:stretch>
-            <a:fillRect/>
-          </a:stretch>
-        </p:blipFill>
-        <p:spPr bwMode="auto">
-          <a:xfrm>
-            <a:off x="2290763" y="1147763"/>
-            <a:ext cx="4562475" cy="4562475"/>
-          </a:xfrm>
-          <a:prstGeom prst="rect">
-            <a:avLst/>
-          </a:prstGeom>
-          <a:noFill/>
-          <a:ln>
-            <a:noFill/>
-          </a:ln>
-          <a:effectLst/>
-          <a:extLst>
-            <a:ext uri="{909E8E84-426E-40DD-AFC4-6F175D3DCCD1}">
-              <a14:hiddenFill xmlns:a14="http://schemas.microsoft.com/office/drawing/2010/main">
-                <a:solidFill>
-                  <a:schemeClr val="accent1"/>
-                </a:solidFill>
-              </a14:hiddenFill>
-            </a:ext>
-            <a:ext uri="{91240B29-F687-4F45-9708-019B960494DF}">
-              <a14:hiddenLine xmlns:a14="http://schemas.microsoft.com/office/drawing/2010/main" w="9525">
-                <a:solidFill>
-                  <a:schemeClr val="tx1"/>
-                </a:solidFill>
-                <a:miter lim="800000"/>
-                <a:headEnd/>
-                <a:tailEnd/>
-              </a14:hiddenLine>
-            </a:ext>
-            <a:ext uri="{AF507438-7753-43E0-B8FC-AC1667EBCBE1}">
-              <a14:hiddenEffects xmlns:a14="http://schemas.microsoft.com/office/drawing/2010/main">
-                <a:effectLst>
-                  <a:outerShdw dist="35921" dir="2700000" algn="ctr" rotWithShape="0">
-                    <a:schemeClr val="bg2"/>
-                  </a:outerShdw>
-                </a:effectLst>
-              </a14:hiddenEffects>
-            </a:ext>
-          </a:extLst>
-        </p:spPr>
-      </p:pic>
-      <mc:AlternateContent xmlns:mc="http://schemas.openxmlformats.org/markup-compatibility/2006" xmlns:a14="http://schemas.microsoft.com/office/drawing/2010/main">
-        <mc:Choice Requires="a14">
-          <p:sp>
-            <p:nvSpPr>
-              <p:cNvPr id="5" name="TextBox 4"/>
-              <p:cNvSpPr txBox="1"/>
-              <p:nvPr/>
-            </p:nvSpPr>
-            <p:spPr>
-              <a:xfrm>
-                <a:off x="5292080" y="1735331"/>
-                <a:ext cx="477758" cy="450188"/>
-              </a:xfrm>
-              <a:prstGeom prst="rect">
-                <a:avLst/>
-              </a:prstGeom>
-              <a:noFill/>
-            </p:spPr>
-            <p:txBody>
-              <a:bodyPr wrap="none" rtlCol="0">
-                <a:spAutoFit/>
-              </a:bodyPr>
-              <a:lstStyle/>
-              <a:p>
-                <a:pPr/>
-                <a14:m>
-                  <m:oMathPara xmlns:m="http://schemas.openxmlformats.org/officeDocument/2006/math">
-                    <m:oMathParaPr>
-                      <m:jc m:val="centerGroup"/>
-                    </m:oMathParaPr>
-                    <m:oMath xmlns:m="http://schemas.openxmlformats.org/officeDocument/2006/math">
-                      <m:d>
-                        <m:dPr>
-                          <m:begChr m:val="["/>
-                          <m:endChr m:val="]"/>
-                          <m:ctrlPr>
-                            <a:rPr lang="en-US" altLang="ko-KR" sz="1400" i="1" smtClean="0">
-                              <a:latin typeface="Cambria Math"/>
-                            </a:rPr>
-                          </m:ctrlPr>
-                        </m:dPr>
-                        <m:e>
-                          <m:m>
-                            <m:mPr>
-                              <m:mcs>
-                                <m:mc>
-                                  <m:mcPr>
-                                    <m:count m:val="1"/>
-                                    <m:mcJc m:val="center"/>
-                                  </m:mcPr>
-                                </m:mc>
-                              </m:mcs>
-                              <m:ctrlPr>
-                                <a:rPr lang="en-US" altLang="ko-KR" sz="1400" i="1" smtClean="0">
-                                  <a:latin typeface="Cambria Math"/>
-                                </a:rPr>
-                              </m:ctrlPr>
-                            </m:mPr>
-                            <m:mr>
-                              <m:e>
-                                <m:r>
-                                  <m:rPr>
-                                    <m:brk m:alnAt="7"/>
-                                  </m:rPr>
-                                  <a:rPr lang="en-US" altLang="ko-KR" sz="1400" b="0" i="1" smtClean="0">
-                                    <a:latin typeface="Cambria Math"/>
-                                  </a:rPr>
-                                  <m:t>2</m:t>
-                                </m:r>
-                              </m:e>
-                            </m:mr>
-                            <m:mr>
-                              <m:e>
-                                <m:r>
-                                  <a:rPr lang="en-US" altLang="ko-KR" sz="1400" b="0" i="1" smtClean="0">
-                                    <a:latin typeface="Cambria Math"/>
-                                  </a:rPr>
-                                  <m:t>4</m:t>
-                                </m:r>
-                              </m:e>
-                            </m:mr>
-                          </m:m>
-                        </m:e>
-                      </m:d>
-                    </m:oMath>
-                  </m:oMathPara>
-                </a14:m>
-                <a:endParaRPr lang="ko-KR" altLang="en-US" sz="1400" dirty="0"/>
-              </a:p>
-            </p:txBody>
-          </p:sp>
-        </mc:Choice>
-        <mc:Fallback xmlns="">
-          <p:sp>
-            <p:nvSpPr>
-              <p:cNvPr id="5" name="TextBox 4"/>
-              <p:cNvSpPr txBox="1">
-                <a:spLocks noRot="1" noChangeAspect="1" noMove="1" noResize="1" noEditPoints="1" noAdjustHandles="1" noChangeArrowheads="1" noChangeShapeType="1" noTextEdit="1"/>
-              </p:cNvSpPr>
-              <p:nvPr/>
-            </p:nvSpPr>
-            <p:spPr>
-              <a:xfrm>
-                <a:off x="5292080" y="1735331"/>
-                <a:ext cx="477758" cy="450188"/>
-              </a:xfrm>
-              <a:prstGeom prst="rect">
-                <a:avLst/>
-              </a:prstGeom>
-              <a:blipFill rotWithShape="1">
-                <a:blip r:embed="rId3"/>
-                <a:stretch>
-                  <a:fillRect b="-2703"/>
-                </a:stretch>
-              </a:blipFill>
-            </p:spPr>
-            <p:txBody>
-              <a:bodyPr/>
-              <a:lstStyle/>
-              <a:p>
-                <a:r>
-                  <a:rPr lang="ko-KR" altLang="en-US">
-                    <a:noFill/>
-                  </a:rPr>
-                  <a:t> </a:t>
-                </a:r>
-              </a:p>
-            </p:txBody>
-          </p:sp>
-        </mc:Fallback>
-      </mc:AlternateContent>
-      <mc:AlternateContent xmlns:mc="http://schemas.openxmlformats.org/markup-compatibility/2006" xmlns:a14="http://schemas.microsoft.com/office/drawing/2010/main">
-        <mc:Choice Requires="a14">
-          <p:sp>
-            <p:nvSpPr>
-              <p:cNvPr id="6" name="TextBox 5"/>
-              <p:cNvSpPr txBox="1"/>
-              <p:nvPr/>
-            </p:nvSpPr>
-            <p:spPr>
-              <a:xfrm>
-                <a:off x="3059832" y="1434309"/>
-                <a:ext cx="1284134" cy="501356"/>
-              </a:xfrm>
-              <a:prstGeom prst="rect">
-                <a:avLst/>
-              </a:prstGeom>
-              <a:noFill/>
-            </p:spPr>
-            <p:txBody>
-              <a:bodyPr wrap="none" rtlCol="0">
-                <a:spAutoFit/>
-              </a:bodyPr>
-              <a:lstStyle/>
-              <a:p>
-                <a:pPr/>
-                <a14:m>
-                  <m:oMathPara xmlns:m="http://schemas.openxmlformats.org/officeDocument/2006/math">
-                    <m:oMathParaPr>
-                      <m:jc m:val="centerGroup"/>
-                    </m:oMathParaPr>
-                    <m:oMath xmlns:m="http://schemas.openxmlformats.org/officeDocument/2006/math">
-                      <m:r>
-                        <a:rPr lang="en-US" altLang="ko-KR" sz="1600" b="0" i="1" smtClean="0">
-                          <a:latin typeface="Cambria Math"/>
-                        </a:rPr>
-                        <m:t>𝐴</m:t>
-                      </m:r>
-                      <m:r>
-                        <a:rPr lang="en-US" altLang="ko-KR" sz="1600" b="0" i="1" smtClean="0">
-                          <a:latin typeface="Cambria Math"/>
-                        </a:rPr>
-                        <m:t>= </m:t>
-                      </m:r>
-                      <m:d>
-                        <m:dPr>
-                          <m:begChr m:val="["/>
-                          <m:endChr m:val="]"/>
-                          <m:ctrlPr>
-                            <a:rPr lang="en-US" altLang="ko-KR" sz="1600" b="0" i="1" smtClean="0">
-                              <a:latin typeface="Cambria Math"/>
-                            </a:rPr>
-                          </m:ctrlPr>
-                        </m:dPr>
-                        <m:e>
-                          <m:m>
-                            <m:mPr>
-                              <m:mcs>
-                                <m:mc>
-                                  <m:mcPr>
-                                    <m:count m:val="2"/>
-                                    <m:mcJc m:val="center"/>
-                                  </m:mcPr>
-                                </m:mc>
-                              </m:mcs>
-                              <m:ctrlPr>
-                                <a:rPr lang="en-US" altLang="ko-KR" sz="1600" b="0" i="1" smtClean="0">
-                                  <a:latin typeface="Cambria Math"/>
-                                </a:rPr>
-                              </m:ctrlPr>
-                            </m:mPr>
-                            <m:mr>
-                              <m:e>
-                                <m:r>
-                                  <m:rPr>
-                                    <m:brk m:alnAt="7"/>
-                                  </m:rPr>
-                                  <a:rPr lang="en-US" altLang="ko-KR" sz="1600" b="0" i="1" smtClean="0">
-                                    <a:latin typeface="Cambria Math"/>
-                                  </a:rPr>
-                                  <m:t>2</m:t>
-                                </m:r>
-                              </m:e>
-                              <m:e>
-                                <m:r>
-                                  <a:rPr lang="en-US" altLang="ko-KR" sz="1600" b="0" i="1" smtClean="0">
-                                    <a:latin typeface="Cambria Math"/>
-                                  </a:rPr>
-                                  <m:t>1</m:t>
-                                </m:r>
-                              </m:e>
-                            </m:mr>
-                            <m:mr>
-                              <m:e>
-                                <m:r>
-                                  <a:rPr lang="en-US" altLang="ko-KR" sz="1600" b="0" i="1" smtClean="0">
-                                    <a:latin typeface="Cambria Math"/>
-                                  </a:rPr>
-                                  <m:t>4</m:t>
-                                </m:r>
-                              </m:e>
-                              <m:e>
-                                <m:r>
-                                  <a:rPr lang="en-US" altLang="ko-KR" sz="1600" b="0" i="1" smtClean="0">
-                                    <a:latin typeface="Cambria Math"/>
-                                  </a:rPr>
-                                  <m:t>2</m:t>
-                                </m:r>
-                              </m:e>
-                            </m:mr>
-                          </m:m>
-                        </m:e>
-                      </m:d>
-                    </m:oMath>
-                  </m:oMathPara>
-                </a14:m>
-                <a:endParaRPr lang="ko-KR" altLang="en-US" sz="1600" dirty="0"/>
-              </a:p>
-            </p:txBody>
-          </p:sp>
-        </mc:Choice>
-        <mc:Fallback xmlns="">
-          <p:sp>
-            <p:nvSpPr>
-              <p:cNvPr id="6" name="TextBox 5"/>
-              <p:cNvSpPr txBox="1">
-                <a:spLocks noRot="1" noChangeAspect="1" noMove="1" noResize="1" noEditPoints="1" noAdjustHandles="1" noChangeArrowheads="1" noChangeShapeType="1" noTextEdit="1"/>
-              </p:cNvSpPr>
-              <p:nvPr/>
-            </p:nvSpPr>
-            <p:spPr>
-              <a:xfrm>
-                <a:off x="3059832" y="1434309"/>
-                <a:ext cx="1284134" cy="501356"/>
-              </a:xfrm>
-              <a:prstGeom prst="rect">
-                <a:avLst/>
-              </a:prstGeom>
-              <a:blipFill rotWithShape="1">
-                <a:blip r:embed="rId4"/>
-                <a:stretch>
-                  <a:fillRect b="-2410"/>
-                </a:stretch>
-              </a:blipFill>
-            </p:spPr>
-            <p:txBody>
-              <a:bodyPr/>
-              <a:lstStyle/>
-              <a:p>
-                <a:r>
-                  <a:rPr lang="ko-KR" altLang="en-US">
-                    <a:noFill/>
-                  </a:rPr>
-                  <a:t> </a:t>
-                </a:r>
-              </a:p>
-            </p:txBody>
-          </p:sp>
-        </mc:Fallback>
-      </mc:AlternateContent>
-      <mc:AlternateContent xmlns:mc="http://schemas.openxmlformats.org/markup-compatibility/2006" xmlns:a14="http://schemas.microsoft.com/office/drawing/2010/main">
-        <mc:Choice Requires="a14">
-          <p:sp>
-            <p:nvSpPr>
-              <p:cNvPr id="7" name="TextBox 6"/>
-              <p:cNvSpPr txBox="1"/>
-              <p:nvPr/>
-            </p:nvSpPr>
-            <p:spPr>
-              <a:xfrm>
-                <a:off x="2290763" y="3735665"/>
-                <a:ext cx="1881284" cy="369332"/>
-              </a:xfrm>
-              <a:prstGeom prst="rect">
-                <a:avLst/>
-              </a:prstGeom>
-              <a:noFill/>
-            </p:spPr>
-            <p:txBody>
-              <a:bodyPr wrap="none" rtlCol="0">
-                <a:spAutoFit/>
-              </a:bodyPr>
-              <a:lstStyle/>
-              <a:p>
-                <a:r>
-                  <a:rPr lang="ko-KR" altLang="en-US" dirty="0" smtClean="0"/>
-                  <a:t>행렬 </a:t>
-                </a:r>
-                <a14:m>
-                  <m:oMath xmlns:m="http://schemas.openxmlformats.org/officeDocument/2006/math">
-                    <m:r>
-                      <a:rPr lang="en-US" altLang="ko-KR" b="0" i="1" smtClean="0">
-                        <a:latin typeface="Cambria Math"/>
-                      </a:rPr>
-                      <m:t>𝐴</m:t>
-                    </m:r>
-                  </m:oMath>
-                </a14:m>
-                <a:r>
-                  <a:rPr lang="ko-KR" altLang="en-US" dirty="0" smtClean="0"/>
-                  <a:t>의 열공간</a:t>
-                </a:r>
-                <a:endParaRPr lang="ko-KR" altLang="en-US" dirty="0"/>
-              </a:p>
-            </p:txBody>
-          </p:sp>
-        </mc:Choice>
-        <mc:Fallback xmlns="">
-          <p:sp>
-            <p:nvSpPr>
-              <p:cNvPr id="7" name="TextBox 6"/>
-              <p:cNvSpPr txBox="1">
-                <a:spLocks noRot="1" noChangeAspect="1" noMove="1" noResize="1" noEditPoints="1" noAdjustHandles="1" noChangeArrowheads="1" noChangeShapeType="1" noTextEdit="1"/>
-              </p:cNvSpPr>
-              <p:nvPr/>
-            </p:nvSpPr>
-            <p:spPr>
-              <a:xfrm>
-                <a:off x="2290763" y="3735665"/>
-                <a:ext cx="1881284" cy="369332"/>
-              </a:xfrm>
-              <a:prstGeom prst="rect">
-                <a:avLst/>
-              </a:prstGeom>
-              <a:blipFill rotWithShape="1">
-                <a:blip r:embed="rId5"/>
-                <a:stretch>
-                  <a:fillRect l="-2922" t="-8333" r="-2273" b="-26667"/>
-                </a:stretch>
-              </a:blipFill>
-            </p:spPr>
-            <p:txBody>
-              <a:bodyPr/>
-              <a:lstStyle/>
-              <a:p>
-                <a:r>
-                  <a:rPr lang="ko-KR" altLang="en-US">
-                    <a:noFill/>
-                  </a:rPr>
-                  <a:t> </a:t>
-                </a:r>
-              </a:p>
-            </p:txBody>
-          </p:sp>
-        </mc:Fallback>
-      </mc:AlternateContent>
-      <p:cxnSp>
-        <p:nvCxnSpPr>
-          <p:cNvPr id="8" name="직선 화살표 연결선 7"/>
-          <p:cNvCxnSpPr>
-            <a:stCxn id="7" idx="2"/>
-          </p:cNvCxnSpPr>
-          <p:nvPr/>
-        </p:nvCxnSpPr>
-        <p:spPr>
-          <a:xfrm>
-            <a:off x="3231405" y="4104997"/>
-            <a:ext cx="752522" cy="535413"/>
-          </a:xfrm>
-          <a:prstGeom prst="straightConnector1">
-            <a:avLst/>
-          </a:prstGeom>
-          <a:ln w="28575">
-            <a:solidFill>
-              <a:schemeClr val="tx1"/>
-            </a:solidFill>
-            <a:prstDash val="dash"/>
-            <a:tailEnd type="arrow"/>
-          </a:ln>
-        </p:spPr>
-        <p:style>
-          <a:lnRef idx="1">
-            <a:schemeClr val="accent1"/>
-          </a:lnRef>
-          <a:fillRef idx="0">
-            <a:schemeClr val="accent1"/>
-          </a:fillRef>
-          <a:effectRef idx="0">
-            <a:schemeClr val="accent1"/>
-          </a:effectRef>
-          <a:fontRef idx="minor">
-            <a:schemeClr val="tx1"/>
-          </a:fontRef>
-        </p:style>
-      </p:cxnSp>
-      <mc:AlternateContent xmlns:mc="http://schemas.openxmlformats.org/markup-compatibility/2006" xmlns:a14="http://schemas.microsoft.com/office/drawing/2010/main">
-        <mc:Choice Requires="a14">
-          <p:sp>
-            <p:nvSpPr>
-              <p:cNvPr id="9" name="TextBox 8"/>
-              <p:cNvSpPr txBox="1"/>
-              <p:nvPr/>
-            </p:nvSpPr>
-            <p:spPr>
-              <a:xfrm>
-                <a:off x="4958338" y="2564904"/>
-                <a:ext cx="477758" cy="450188"/>
-              </a:xfrm>
-              <a:prstGeom prst="rect">
-                <a:avLst/>
-              </a:prstGeom>
-              <a:noFill/>
-            </p:spPr>
-            <p:txBody>
-              <a:bodyPr wrap="none" rtlCol="0">
-                <a:spAutoFit/>
-              </a:bodyPr>
-              <a:lstStyle/>
-              <a:p>
-                <a:pPr/>
-                <a14:m>
-                  <m:oMathPara xmlns:m="http://schemas.openxmlformats.org/officeDocument/2006/math">
-                    <m:oMathParaPr>
-                      <m:jc m:val="centerGroup"/>
-                    </m:oMathParaPr>
-                    <m:oMath xmlns:m="http://schemas.openxmlformats.org/officeDocument/2006/math">
-                      <m:d>
-                        <m:dPr>
-                          <m:begChr m:val="["/>
-                          <m:endChr m:val="]"/>
-                          <m:ctrlPr>
-                            <a:rPr lang="en-US" altLang="ko-KR" sz="1400" i="1" smtClean="0">
-                              <a:latin typeface="Cambria Math"/>
-                            </a:rPr>
-                          </m:ctrlPr>
-                        </m:dPr>
-                        <m:e>
-                          <m:m>
-                            <m:mPr>
-                              <m:mcs>
-                                <m:mc>
-                                  <m:mcPr>
-                                    <m:count m:val="1"/>
-                                    <m:mcJc m:val="center"/>
-                                  </m:mcPr>
-                                </m:mc>
-                              </m:mcs>
-                              <m:ctrlPr>
-                                <a:rPr lang="en-US" altLang="ko-KR" sz="1400" i="1" smtClean="0">
-                                  <a:latin typeface="Cambria Math"/>
-                                </a:rPr>
-                              </m:ctrlPr>
-                            </m:mPr>
-                            <m:mr>
-                              <m:e>
-                                <m:r>
-                                  <m:rPr>
-                                    <m:brk m:alnAt="7"/>
-                                  </m:rPr>
-                                  <a:rPr lang="en-US" altLang="ko-KR" sz="1400" b="0" i="1" smtClean="0">
-                                    <a:latin typeface="Cambria Math"/>
-                                  </a:rPr>
-                                  <m:t>1</m:t>
-                                </m:r>
-                              </m:e>
-                            </m:mr>
-                            <m:mr>
-                              <m:e>
-                                <m:r>
-                                  <a:rPr lang="en-US" altLang="ko-KR" sz="1400" b="0" i="1" smtClean="0">
-                                    <a:latin typeface="Cambria Math"/>
-                                  </a:rPr>
-                                  <m:t>2</m:t>
-                                </m:r>
-                              </m:e>
-                            </m:mr>
-                          </m:m>
-                        </m:e>
-                      </m:d>
-                    </m:oMath>
-                  </m:oMathPara>
-                </a14:m>
-                <a:endParaRPr lang="ko-KR" altLang="en-US" sz="1400" dirty="0"/>
-              </a:p>
-            </p:txBody>
-          </p:sp>
-        </mc:Choice>
-        <mc:Fallback xmlns="">
-          <p:sp>
-            <p:nvSpPr>
-              <p:cNvPr id="9" name="TextBox 8"/>
-              <p:cNvSpPr txBox="1">
-                <a:spLocks noRot="1" noChangeAspect="1" noMove="1" noResize="1" noEditPoints="1" noAdjustHandles="1" noChangeArrowheads="1" noChangeShapeType="1" noTextEdit="1"/>
-              </p:cNvSpPr>
-              <p:nvPr/>
-            </p:nvSpPr>
-            <p:spPr>
-              <a:xfrm>
-                <a:off x="4958338" y="2564904"/>
-                <a:ext cx="477758" cy="450188"/>
-              </a:xfrm>
-              <a:prstGeom prst="rect">
-                <a:avLst/>
-              </a:prstGeom>
-              <a:blipFill rotWithShape="1">
-                <a:blip r:embed="rId6"/>
-                <a:stretch>
-                  <a:fillRect b="-2703"/>
-                </a:stretch>
-              </a:blipFill>
-            </p:spPr>
-            <p:txBody>
-              <a:bodyPr/>
-              <a:lstStyle/>
-              <a:p>
-                <a:r>
-                  <a:rPr lang="ko-KR" altLang="en-US">
-                    <a:noFill/>
-                  </a:rPr>
-                  <a:t> </a:t>
-                </a:r>
-              </a:p>
-            </p:txBody>
-          </p:sp>
-        </mc:Fallback>
-      </mc:AlternateContent>
-      <mc:AlternateContent xmlns:mc="http://schemas.openxmlformats.org/markup-compatibility/2006" xmlns:a14="http://schemas.microsoft.com/office/drawing/2010/main">
-        <mc:Choice Requires="a14">
-          <p:sp>
-            <p:nvSpPr>
-              <p:cNvPr id="10" name="TextBox 9"/>
-              <p:cNvSpPr txBox="1"/>
-              <p:nvPr/>
-            </p:nvSpPr>
-            <p:spPr>
-              <a:xfrm>
-                <a:off x="4985584" y="4640410"/>
-                <a:ext cx="2573397" cy="369332"/>
-              </a:xfrm>
-              <a:prstGeom prst="rect">
-                <a:avLst/>
-              </a:prstGeom>
-              <a:noFill/>
-            </p:spPr>
-            <p:txBody>
-              <a:bodyPr wrap="none" rtlCol="0">
-                <a:spAutoFit/>
-              </a:bodyPr>
-              <a:lstStyle/>
-              <a:p>
-                <a:r>
-                  <a:rPr lang="ko-KR" altLang="en-US" dirty="0" smtClean="0"/>
-                  <a:t>행렬 </a:t>
-                </a:r>
-                <a14:m>
-                  <m:oMath xmlns:m="http://schemas.openxmlformats.org/officeDocument/2006/math">
-                    <m:r>
-                      <a:rPr lang="en-US" altLang="ko-KR" b="0" i="1" smtClean="0">
-                        <a:latin typeface="Cambria Math"/>
-                      </a:rPr>
-                      <m:t>𝐴</m:t>
-                    </m:r>
-                  </m:oMath>
-                </a14:m>
-                <a:r>
-                  <a:rPr lang="ko-KR" altLang="en-US" dirty="0" smtClean="0"/>
-                  <a:t>의 </a:t>
-                </a:r>
-                <a:r>
-                  <a:rPr lang="en-US" altLang="ko-KR" dirty="0" smtClean="0"/>
-                  <a:t>left nullspace</a:t>
-                </a:r>
-                <a:endParaRPr lang="ko-KR" altLang="en-US" dirty="0"/>
-              </a:p>
-            </p:txBody>
-          </p:sp>
-        </mc:Choice>
-        <mc:Fallback xmlns="">
-          <p:sp>
-            <p:nvSpPr>
-              <p:cNvPr id="10" name="TextBox 9"/>
-              <p:cNvSpPr txBox="1">
-                <a:spLocks noRot="1" noChangeAspect="1" noMove="1" noResize="1" noEditPoints="1" noAdjustHandles="1" noChangeArrowheads="1" noChangeShapeType="1" noTextEdit="1"/>
-              </p:cNvSpPr>
-              <p:nvPr/>
-            </p:nvSpPr>
-            <p:spPr>
-              <a:xfrm>
-                <a:off x="4985584" y="4640410"/>
-                <a:ext cx="2573397" cy="369332"/>
-              </a:xfrm>
-              <a:prstGeom prst="rect">
-                <a:avLst/>
-              </a:prstGeom>
-              <a:blipFill rotWithShape="1">
-                <a:blip r:embed="rId7"/>
-                <a:stretch>
-                  <a:fillRect l="-2133" t="-8197" r="-1185" b="-24590"/>
-                </a:stretch>
-              </a:blipFill>
-            </p:spPr>
-            <p:txBody>
-              <a:bodyPr/>
-              <a:lstStyle/>
-              <a:p>
-                <a:r>
-                  <a:rPr lang="ko-KR" altLang="en-US">
-                    <a:noFill/>
-                  </a:rPr>
-                  <a:t> </a:t>
-                </a:r>
-              </a:p>
-            </p:txBody>
-          </p:sp>
-        </mc:Fallback>
-      </mc:AlternateContent>
-      <p:cxnSp>
-        <p:nvCxnSpPr>
-          <p:cNvPr id="11" name="직선 화살표 연결선 10"/>
-          <p:cNvCxnSpPr/>
-          <p:nvPr/>
-        </p:nvCxnSpPr>
-        <p:spPr>
-          <a:xfrm flipV="1">
-            <a:off x="5660703" y="3920331"/>
-            <a:ext cx="0" cy="672478"/>
-          </a:xfrm>
-          <a:prstGeom prst="straightConnector1">
-            <a:avLst/>
-          </a:prstGeom>
-          <a:ln w="28575">
-            <a:solidFill>
-              <a:schemeClr val="tx1"/>
-            </a:solidFill>
-            <a:prstDash val="dash"/>
-            <a:tailEnd type="arrow"/>
-          </a:ln>
-        </p:spPr>
-        <p:style>
-          <a:lnRef idx="1">
-            <a:schemeClr val="accent1"/>
-          </a:lnRef>
-          <a:fillRef idx="0">
-            <a:schemeClr val="accent1"/>
-          </a:fillRef>
-          <a:effectRef idx="0">
-            <a:schemeClr val="accent1"/>
-          </a:effectRef>
-          <a:fontRef idx="minor">
-            <a:schemeClr val="tx1"/>
-          </a:fontRef>
-        </p:style>
-      </p:cxnSp>
-    </p:spTree>
-    <p:extLst>
-      <p:ext uri="{BB962C8B-B14F-4D97-AF65-F5344CB8AC3E}">
-        <p14:creationId xmlns:p14="http://schemas.microsoft.com/office/powerpoint/2010/main" val="3326056149"/>
       </p:ext>
     </p:extLst>
   </p:cSld>
